--- a/Group_5_Presentation.pptx
+++ b/Group_5_Presentation.pptx
@@ -2,7 +2,7 @@
 <file path=ppt/presentation.xml><?xml version="1.0" encoding="utf-8"?>
 <p:presentation xmlns:a="http://schemas.openxmlformats.org/drawingml/2006/main" xmlns:r="http://schemas.openxmlformats.org/officeDocument/2006/relationships" xmlns:p="http://schemas.openxmlformats.org/presentationml/2006/main" saveSubsetFonts="1">
   <p:sldMasterIdLst>
-    <p:sldMasterId id="2147483648" r:id="rId1"/>
+    <p:sldMasterId id="2147483660" r:id="rId1"/>
   </p:sldMasterIdLst>
   <p:sldIdLst>
     <p:sldId id="256" r:id="rId2"/>
@@ -26,7 +26,7 @@
     <a:defPPr>
       <a:defRPr lang="en-US"/>
     </a:defPPr>
-    <a:lvl1pPr marL="0" algn="l" defTabSz="914400" rtl="0" eaLnBrk="1" latinLnBrk="0" hangingPunct="1">
+    <a:lvl1pPr marL="0" algn="l" defTabSz="457200" rtl="0" eaLnBrk="1" latinLnBrk="0" hangingPunct="1">
       <a:defRPr sz="1800" kern="1200">
         <a:solidFill>
           <a:schemeClr val="tx1"/>
@@ -36,7 +36,7 @@
         <a:cs typeface="+mn-cs"/>
       </a:defRPr>
     </a:lvl1pPr>
-    <a:lvl2pPr marL="457200" algn="l" defTabSz="914400" rtl="0" eaLnBrk="1" latinLnBrk="0" hangingPunct="1">
+    <a:lvl2pPr marL="457200" algn="l" defTabSz="457200" rtl="0" eaLnBrk="1" latinLnBrk="0" hangingPunct="1">
       <a:defRPr sz="1800" kern="1200">
         <a:solidFill>
           <a:schemeClr val="tx1"/>
@@ -46,7 +46,7 @@
         <a:cs typeface="+mn-cs"/>
       </a:defRPr>
     </a:lvl2pPr>
-    <a:lvl3pPr marL="914400" algn="l" defTabSz="914400" rtl="0" eaLnBrk="1" latinLnBrk="0" hangingPunct="1">
+    <a:lvl3pPr marL="914400" algn="l" defTabSz="457200" rtl="0" eaLnBrk="1" latinLnBrk="0" hangingPunct="1">
       <a:defRPr sz="1800" kern="1200">
         <a:solidFill>
           <a:schemeClr val="tx1"/>
@@ -56,7 +56,7 @@
         <a:cs typeface="+mn-cs"/>
       </a:defRPr>
     </a:lvl3pPr>
-    <a:lvl4pPr marL="1371600" algn="l" defTabSz="914400" rtl="0" eaLnBrk="1" latinLnBrk="0" hangingPunct="1">
+    <a:lvl4pPr marL="1371600" algn="l" defTabSz="457200" rtl="0" eaLnBrk="1" latinLnBrk="0" hangingPunct="1">
       <a:defRPr sz="1800" kern="1200">
         <a:solidFill>
           <a:schemeClr val="tx1"/>
@@ -66,7 +66,7 @@
         <a:cs typeface="+mn-cs"/>
       </a:defRPr>
     </a:lvl4pPr>
-    <a:lvl5pPr marL="1828800" algn="l" defTabSz="914400" rtl="0" eaLnBrk="1" latinLnBrk="0" hangingPunct="1">
+    <a:lvl5pPr marL="1828800" algn="l" defTabSz="457200" rtl="0" eaLnBrk="1" latinLnBrk="0" hangingPunct="1">
       <a:defRPr sz="1800" kern="1200">
         <a:solidFill>
           <a:schemeClr val="tx1"/>
@@ -76,7 +76,7 @@
         <a:cs typeface="+mn-cs"/>
       </a:defRPr>
     </a:lvl5pPr>
-    <a:lvl6pPr marL="2286000" algn="l" defTabSz="914400" rtl="0" eaLnBrk="1" latinLnBrk="0" hangingPunct="1">
+    <a:lvl6pPr marL="2286000" algn="l" defTabSz="457200" rtl="0" eaLnBrk="1" latinLnBrk="0" hangingPunct="1">
       <a:defRPr sz="1800" kern="1200">
         <a:solidFill>
           <a:schemeClr val="tx1"/>
@@ -86,7 +86,7 @@
         <a:cs typeface="+mn-cs"/>
       </a:defRPr>
     </a:lvl6pPr>
-    <a:lvl7pPr marL="2743200" algn="l" defTabSz="914400" rtl="0" eaLnBrk="1" latinLnBrk="0" hangingPunct="1">
+    <a:lvl7pPr marL="2743200" algn="l" defTabSz="457200" rtl="0" eaLnBrk="1" latinLnBrk="0" hangingPunct="1">
       <a:defRPr sz="1800" kern="1200">
         <a:solidFill>
           <a:schemeClr val="tx1"/>
@@ -96,7 +96,7 @@
         <a:cs typeface="+mn-cs"/>
       </a:defRPr>
     </a:lvl7pPr>
-    <a:lvl8pPr marL="3200400" algn="l" defTabSz="914400" rtl="0" eaLnBrk="1" latinLnBrk="0" hangingPunct="1">
+    <a:lvl8pPr marL="3200400" algn="l" defTabSz="457200" rtl="0" eaLnBrk="1" latinLnBrk="0" hangingPunct="1">
       <a:defRPr sz="1800" kern="1200">
         <a:solidFill>
           <a:schemeClr val="tx1"/>
@@ -106,7 +106,7 @@
         <a:cs typeface="+mn-cs"/>
       </a:defRPr>
     </a:lvl8pPr>
-    <a:lvl9pPr marL="3657600" algn="l" defTabSz="914400" rtl="0" eaLnBrk="1" latinLnBrk="0" hangingPunct="1">
+    <a:lvl9pPr marL="3657600" algn="l" defTabSz="457200" rtl="0" eaLnBrk="1" latinLnBrk="0" hangingPunct="1">
       <a:defRPr sz="1800" kern="1200">
         <a:solidFill>
           <a:schemeClr val="tx1"/>
@@ -142,6 +142,36 @@
           <a:chExt cx="0" cy="0"/>
         </a:xfrm>
       </p:grpSpPr>
+      <p:pic>
+        <p:nvPicPr>
+          <p:cNvPr id="7" name="Picture 6" descr="C0-HD-BTM.png"/>
+          <p:cNvPicPr>
+            <a:picLocks noChangeAspect="1"/>
+          </p:cNvPicPr>
+          <p:nvPr/>
+        </p:nvPicPr>
+        <p:blipFill>
+          <a:blip r:embed="rId2">
+            <a:extLst>
+              <a:ext uri="{28A0092B-C50C-407E-A947-70E740481C1C}">
+                <a14:useLocalDpi xmlns:a14="http://schemas.microsoft.com/office/drawing/2010/main" val="0"/>
+              </a:ext>
+            </a:extLst>
+          </a:blip>
+          <a:stretch>
+            <a:fillRect/>
+          </a:stretch>
+        </p:blipFill>
+        <p:spPr>
+          <a:xfrm>
+            <a:off x="0" y="4375150"/>
+            <a:ext cx="12192000" cy="2482850"/>
+          </a:xfrm>
+          <a:prstGeom prst="rect">
+            <a:avLst/>
+          </a:prstGeom>
+        </p:spPr>
+      </p:pic>
       <p:sp>
         <p:nvSpPr>
           <p:cNvPr id="2" name="Title 1"/>
@@ -154,14 +184,16 @@
         </p:nvSpPr>
         <p:spPr>
           <a:xfrm>
-            <a:off x="1524000" y="1122363"/>
-            <a:ext cx="9144000" cy="2387600"/>
-          </a:xfrm>
-        </p:spPr>
-        <p:txBody>
-          <a:bodyPr anchor="b"/>
+            <a:off x="1371600" y="1803405"/>
+            <a:ext cx="9448800" cy="1825096"/>
+          </a:xfrm>
+        </p:spPr>
+        <p:txBody>
+          <a:bodyPr anchor="b">
+            <a:normAutofit/>
+          </a:bodyPr>
           <a:lstStyle>
-            <a:lvl1pPr algn="ctr">
+            <a:lvl1pPr algn="l">
               <a:defRPr sz="6000"/>
             </a:lvl1pPr>
           </a:lstStyle>
@@ -170,6 +202,7 @@
               <a:rPr lang="en-US"/>
               <a:t>Click to edit Master title style</a:t>
             </a:r>
+            <a:endParaRPr lang="en-US" dirty="0"/>
           </a:p>
         </p:txBody>
       </p:sp>
@@ -185,16 +218,18 @@
         </p:nvSpPr>
         <p:spPr>
           <a:xfrm>
-            <a:off x="1524000" y="3602038"/>
-            <a:ext cx="9144000" cy="1655762"/>
-          </a:xfrm>
-        </p:spPr>
-        <p:txBody>
-          <a:bodyPr/>
+            <a:off x="1371600" y="3632201"/>
+            <a:ext cx="9448800" cy="685800"/>
+          </a:xfrm>
+        </p:spPr>
+        <p:txBody>
+          <a:bodyPr>
+            <a:normAutofit/>
+          </a:bodyPr>
           <a:lstStyle>
-            <a:lvl1pPr marL="0" indent="0" algn="ctr">
-              <a:buNone/>
-              <a:defRPr sz="2400"/>
+            <a:lvl1pPr marL="0" indent="0" algn="l">
+              <a:buNone/>
+              <a:defRPr sz="2000"/>
             </a:lvl1pPr>
             <a:lvl2pPr marL="457200" indent="0" algn="ctr">
               <a:buNone/>
@@ -234,6 +269,7 @@
               <a:rPr lang="en-US"/>
               <a:t>Click to edit Master subtitle style</a:t>
             </a:r>
+            <a:endParaRPr lang="en-US" dirty="0"/>
           </a:p>
         </p:txBody>
       </p:sp>
@@ -247,7 +283,12 @@
             <p:ph type="dt" sz="half" idx="10"/>
           </p:nvPr>
         </p:nvSpPr>
-        <p:spPr/>
+        <p:spPr>
+          <a:xfrm>
+            <a:off x="7909561" y="4314328"/>
+            <a:ext cx="2910840" cy="374642"/>
+          </a:xfrm>
+        </p:spPr>
         <p:txBody>
           <a:bodyPr/>
           <a:lstStyle/>
@@ -270,7 +311,12 @@
             <p:ph type="ftr" sz="quarter" idx="11"/>
           </p:nvPr>
         </p:nvSpPr>
-        <p:spPr/>
+        <p:spPr>
+          <a:xfrm>
+            <a:off x="1371600" y="4323845"/>
+            <a:ext cx="6400800" cy="365125"/>
+          </a:xfrm>
+        </p:spPr>
         <p:txBody>
           <a:bodyPr/>
           <a:lstStyle/>
@@ -289,7 +335,12 @@
             <p:ph type="sldNum" sz="quarter" idx="12"/>
           </p:nvPr>
         </p:nvSpPr>
-        <p:spPr/>
+        <p:spPr>
+          <a:xfrm>
+            <a:off x="8077200" y="1430866"/>
+            <a:ext cx="2743200" cy="365125"/>
+          </a:xfrm>
+        </p:spPr>
         <p:txBody>
           <a:bodyPr/>
           <a:lstStyle/>
@@ -305,7 +356,7 @@
     </p:spTree>
     <p:extLst>
       <p:ext uri="{BB962C8B-B14F-4D97-AF65-F5344CB8AC3E}">
-        <p14:creationId xmlns:p14="http://schemas.microsoft.com/office/powerpoint/2010/main" val="2818485157"/>
+        <p14:creationId xmlns:p14="http://schemas.microsoft.com/office/powerpoint/2010/main" val="2294369364"/>
       </p:ext>
     </p:extLst>
   </p:cSld>
@@ -316,6 +367,2598 @@
 </file>
 
 <file path=ppt/slideLayouts/slideLayout10.xml><?xml version="1.0" encoding="utf-8"?>
+<p:sldLayout xmlns:a="http://schemas.openxmlformats.org/drawingml/2006/main" xmlns:r="http://schemas.openxmlformats.org/officeDocument/2006/relationships" xmlns:p="http://schemas.openxmlformats.org/presentationml/2006/main" preserve="1">
+  <p:cSld name="Panoramic Picture with Caption">
+    <p:spTree>
+      <p:nvGrpSpPr>
+        <p:cNvPr id="1" name=""/>
+        <p:cNvGrpSpPr/>
+        <p:nvPr/>
+      </p:nvGrpSpPr>
+      <p:grpSpPr>
+        <a:xfrm>
+          <a:off x="0" y="0"/>
+          <a:ext cx="0" cy="0"/>
+          <a:chOff x="0" y="0"/>
+          <a:chExt cx="0" cy="0"/>
+        </a:xfrm>
+      </p:grpSpPr>
+      <p:sp>
+        <p:nvSpPr>
+          <p:cNvPr id="2" name="Title 1"/>
+          <p:cNvSpPr>
+            <a:spLocks noGrp="1"/>
+          </p:cNvSpPr>
+          <p:nvPr>
+            <p:ph type="title"/>
+          </p:nvPr>
+        </p:nvSpPr>
+        <p:spPr>
+          <a:xfrm>
+            <a:off x="685777" y="4697360"/>
+            <a:ext cx="10822034" cy="819355"/>
+          </a:xfrm>
+        </p:spPr>
+        <p:txBody>
+          <a:bodyPr anchor="b"/>
+          <a:lstStyle>
+            <a:lvl1pPr algn="l">
+              <a:defRPr sz="3200"/>
+            </a:lvl1pPr>
+          </a:lstStyle>
+          <a:p>
+            <a:r>
+              <a:rPr lang="en-US"/>
+              <a:t>Click to edit Master title style</a:t>
+            </a:r>
+            <a:endParaRPr lang="en-US" dirty="0"/>
+          </a:p>
+        </p:txBody>
+      </p:sp>
+      <p:sp>
+        <p:nvSpPr>
+          <p:cNvPr id="3" name="Picture Placeholder 2"/>
+          <p:cNvSpPr>
+            <a:spLocks noGrp="1" noChangeAspect="1"/>
+          </p:cNvSpPr>
+          <p:nvPr>
+            <p:ph type="pic" idx="1"/>
+          </p:nvPr>
+        </p:nvSpPr>
+        <p:spPr>
+          <a:xfrm>
+            <a:off x="681727" y="941439"/>
+            <a:ext cx="10821840" cy="3478161"/>
+          </a:xfrm>
+        </p:spPr>
+        <p:txBody>
+          <a:bodyPr anchor="t"/>
+          <a:lstStyle>
+            <a:lvl1pPr marL="0" indent="0">
+              <a:buNone/>
+              <a:defRPr sz="3200"/>
+            </a:lvl1pPr>
+            <a:lvl2pPr marL="457200" indent="0">
+              <a:buNone/>
+              <a:defRPr sz="2800"/>
+            </a:lvl2pPr>
+            <a:lvl3pPr marL="914400" indent="0">
+              <a:buNone/>
+              <a:defRPr sz="2400"/>
+            </a:lvl3pPr>
+            <a:lvl4pPr marL="1371600" indent="0">
+              <a:buNone/>
+              <a:defRPr sz="2000"/>
+            </a:lvl4pPr>
+            <a:lvl5pPr marL="1828800" indent="0">
+              <a:buNone/>
+              <a:defRPr sz="2000"/>
+            </a:lvl5pPr>
+            <a:lvl6pPr marL="2286000" indent="0">
+              <a:buNone/>
+              <a:defRPr sz="2000"/>
+            </a:lvl6pPr>
+            <a:lvl7pPr marL="2743200" indent="0">
+              <a:buNone/>
+              <a:defRPr sz="2000"/>
+            </a:lvl7pPr>
+            <a:lvl8pPr marL="3200400" indent="0">
+              <a:buNone/>
+              <a:defRPr sz="2000"/>
+            </a:lvl8pPr>
+            <a:lvl9pPr marL="3657600" indent="0">
+              <a:buNone/>
+              <a:defRPr sz="2000"/>
+            </a:lvl9pPr>
+          </a:lstStyle>
+          <a:p>
+            <a:r>
+              <a:rPr lang="en-US"/>
+              <a:t>Click icon to add picture</a:t>
+            </a:r>
+            <a:endParaRPr lang="en-US" dirty="0"/>
+          </a:p>
+        </p:txBody>
+      </p:sp>
+      <p:sp>
+        <p:nvSpPr>
+          <p:cNvPr id="4" name="Text Placeholder 3"/>
+          <p:cNvSpPr>
+            <a:spLocks noGrp="1"/>
+          </p:cNvSpPr>
+          <p:nvPr>
+            <p:ph type="body" sz="half" idx="2"/>
+          </p:nvPr>
+        </p:nvSpPr>
+        <p:spPr>
+          <a:xfrm>
+            <a:off x="685800" y="5516715"/>
+            <a:ext cx="10820400" cy="701969"/>
+          </a:xfrm>
+        </p:spPr>
+        <p:txBody>
+          <a:bodyPr/>
+          <a:lstStyle>
+            <a:lvl1pPr marL="0" indent="0" algn="l">
+              <a:buNone/>
+              <a:defRPr sz="1600"/>
+            </a:lvl1pPr>
+            <a:lvl2pPr marL="457200" indent="0">
+              <a:buNone/>
+              <a:defRPr sz="1400"/>
+            </a:lvl2pPr>
+            <a:lvl3pPr marL="914400" indent="0">
+              <a:buNone/>
+              <a:defRPr sz="1200"/>
+            </a:lvl3pPr>
+            <a:lvl4pPr marL="1371600" indent="0">
+              <a:buNone/>
+              <a:defRPr sz="1000"/>
+            </a:lvl4pPr>
+            <a:lvl5pPr marL="1828800" indent="0">
+              <a:buNone/>
+              <a:defRPr sz="1000"/>
+            </a:lvl5pPr>
+            <a:lvl6pPr marL="2286000" indent="0">
+              <a:buNone/>
+              <a:defRPr sz="1000"/>
+            </a:lvl6pPr>
+            <a:lvl7pPr marL="2743200" indent="0">
+              <a:buNone/>
+              <a:defRPr sz="1000"/>
+            </a:lvl7pPr>
+            <a:lvl8pPr marL="3200400" indent="0">
+              <a:buNone/>
+              <a:defRPr sz="1000"/>
+            </a:lvl8pPr>
+            <a:lvl9pPr marL="3657600" indent="0">
+              <a:buNone/>
+              <a:defRPr sz="1000"/>
+            </a:lvl9pPr>
+          </a:lstStyle>
+          <a:p>
+            <a:pPr lvl="0"/>
+            <a:r>
+              <a:rPr lang="en-US"/>
+              <a:t>Click to edit Master text styles</a:t>
+            </a:r>
+          </a:p>
+        </p:txBody>
+      </p:sp>
+      <p:sp>
+        <p:nvSpPr>
+          <p:cNvPr id="5" name="Date Placeholder 4"/>
+          <p:cNvSpPr>
+            <a:spLocks noGrp="1"/>
+          </p:cNvSpPr>
+          <p:nvPr>
+            <p:ph type="dt" sz="half" idx="10"/>
+          </p:nvPr>
+        </p:nvSpPr>
+        <p:spPr/>
+        <p:txBody>
+          <a:bodyPr/>
+          <a:lstStyle/>
+          <a:p>
+            <a:fld id="{5DEA3F82-8CB4-4B0C-B6BE-1390C73654E0}" type="datetimeFigureOut">
+              <a:rPr lang="en-US" smtClean="0"/>
+              <a:t>3/31/2019</a:t>
+            </a:fld>
+            <a:endParaRPr lang="en-US"/>
+          </a:p>
+        </p:txBody>
+      </p:sp>
+      <p:sp>
+        <p:nvSpPr>
+          <p:cNvPr id="6" name="Footer Placeholder 5"/>
+          <p:cNvSpPr>
+            <a:spLocks noGrp="1"/>
+          </p:cNvSpPr>
+          <p:nvPr>
+            <p:ph type="ftr" sz="quarter" idx="11"/>
+          </p:nvPr>
+        </p:nvSpPr>
+        <p:spPr/>
+        <p:txBody>
+          <a:bodyPr/>
+          <a:lstStyle/>
+          <a:p>
+            <a:endParaRPr lang="en-US"/>
+          </a:p>
+        </p:txBody>
+      </p:sp>
+      <p:sp>
+        <p:nvSpPr>
+          <p:cNvPr id="7" name="Slide Number Placeholder 6"/>
+          <p:cNvSpPr>
+            <a:spLocks noGrp="1"/>
+          </p:cNvSpPr>
+          <p:nvPr>
+            <p:ph type="sldNum" sz="quarter" idx="12"/>
+          </p:nvPr>
+        </p:nvSpPr>
+        <p:spPr/>
+        <p:txBody>
+          <a:bodyPr/>
+          <a:lstStyle/>
+          <a:p>
+            <a:fld id="{AAB1DB7F-6336-4D28-9447-CB35CDE0773F}" type="slidenum">
+              <a:rPr lang="en-US" smtClean="0"/>
+              <a:t>‹#›</a:t>
+            </a:fld>
+            <a:endParaRPr lang="en-US"/>
+          </a:p>
+        </p:txBody>
+      </p:sp>
+    </p:spTree>
+    <p:extLst>
+      <p:ext uri="{BB962C8B-B14F-4D97-AF65-F5344CB8AC3E}">
+        <p14:creationId xmlns:p14="http://schemas.microsoft.com/office/powerpoint/2010/main" val="2590366700"/>
+      </p:ext>
+    </p:extLst>
+  </p:cSld>
+  <p:clrMapOvr>
+    <a:masterClrMapping/>
+  </p:clrMapOvr>
+</p:sldLayout>
+</file>
+
+<file path=ppt/slideLayouts/slideLayout11.xml><?xml version="1.0" encoding="utf-8"?>
+<p:sldLayout xmlns:a="http://schemas.openxmlformats.org/drawingml/2006/main" xmlns:r="http://schemas.openxmlformats.org/officeDocument/2006/relationships" xmlns:p="http://schemas.openxmlformats.org/presentationml/2006/main" showMasterSp="0" preserve="1">
+  <p:cSld name="Title and Caption">
+    <p:spTree>
+      <p:nvGrpSpPr>
+        <p:cNvPr id="1" name=""/>
+        <p:cNvGrpSpPr/>
+        <p:nvPr/>
+      </p:nvGrpSpPr>
+      <p:grpSpPr>
+        <a:xfrm>
+          <a:off x="0" y="0"/>
+          <a:ext cx="0" cy="0"/>
+          <a:chOff x="0" y="0"/>
+          <a:chExt cx="0" cy="0"/>
+        </a:xfrm>
+      </p:grpSpPr>
+      <p:pic>
+        <p:nvPicPr>
+          <p:cNvPr id="8" name="Picture 7" descr="C0-HD-BTM.png"/>
+          <p:cNvPicPr>
+            <a:picLocks noChangeAspect="1"/>
+          </p:cNvPicPr>
+          <p:nvPr/>
+        </p:nvPicPr>
+        <p:blipFill>
+          <a:blip r:embed="rId2">
+            <a:extLst>
+              <a:ext uri="{28A0092B-C50C-407E-A947-70E740481C1C}">
+                <a14:useLocalDpi xmlns:a14="http://schemas.microsoft.com/office/drawing/2010/main" val="0"/>
+              </a:ext>
+            </a:extLst>
+          </a:blip>
+          <a:stretch>
+            <a:fillRect/>
+          </a:stretch>
+        </p:blipFill>
+        <p:spPr>
+          <a:xfrm>
+            <a:off x="0" y="4375150"/>
+            <a:ext cx="12192000" cy="2482850"/>
+          </a:xfrm>
+          <a:prstGeom prst="rect">
+            <a:avLst/>
+          </a:prstGeom>
+        </p:spPr>
+      </p:pic>
+      <p:sp>
+        <p:nvSpPr>
+          <p:cNvPr id="2" name="Title 1"/>
+          <p:cNvSpPr>
+            <a:spLocks noGrp="1"/>
+          </p:cNvSpPr>
+          <p:nvPr>
+            <p:ph type="title"/>
+          </p:nvPr>
+        </p:nvSpPr>
+        <p:spPr>
+          <a:xfrm>
+            <a:off x="685800" y="753532"/>
+            <a:ext cx="10820400" cy="2802467"/>
+          </a:xfrm>
+        </p:spPr>
+        <p:txBody>
+          <a:bodyPr anchor="ctr"/>
+          <a:lstStyle>
+            <a:lvl1pPr algn="l">
+              <a:defRPr sz="3200"/>
+            </a:lvl1pPr>
+          </a:lstStyle>
+          <a:p>
+            <a:r>
+              <a:rPr lang="en-US"/>
+              <a:t>Click to edit Master title style</a:t>
+            </a:r>
+            <a:endParaRPr lang="en-US" dirty="0"/>
+          </a:p>
+        </p:txBody>
+      </p:sp>
+      <p:sp>
+        <p:nvSpPr>
+          <p:cNvPr id="4" name="Text Placeholder 3"/>
+          <p:cNvSpPr>
+            <a:spLocks noGrp="1"/>
+          </p:cNvSpPr>
+          <p:nvPr>
+            <p:ph type="body" sz="half" idx="2"/>
+          </p:nvPr>
+        </p:nvSpPr>
+        <p:spPr>
+          <a:xfrm>
+            <a:off x="1024467" y="3649133"/>
+            <a:ext cx="10130516" cy="999067"/>
+          </a:xfrm>
+        </p:spPr>
+        <p:txBody>
+          <a:bodyPr anchor="ctr"/>
+          <a:lstStyle>
+            <a:lvl1pPr marL="0" indent="0">
+              <a:buNone/>
+              <a:defRPr sz="1600"/>
+            </a:lvl1pPr>
+            <a:lvl2pPr marL="457200" indent="0">
+              <a:buNone/>
+              <a:defRPr sz="1400"/>
+            </a:lvl2pPr>
+            <a:lvl3pPr marL="914400" indent="0">
+              <a:buNone/>
+              <a:defRPr sz="1200"/>
+            </a:lvl3pPr>
+            <a:lvl4pPr marL="1371600" indent="0">
+              <a:buNone/>
+              <a:defRPr sz="1000"/>
+            </a:lvl4pPr>
+            <a:lvl5pPr marL="1828800" indent="0">
+              <a:buNone/>
+              <a:defRPr sz="1000"/>
+            </a:lvl5pPr>
+            <a:lvl6pPr marL="2286000" indent="0">
+              <a:buNone/>
+              <a:defRPr sz="1000"/>
+            </a:lvl6pPr>
+            <a:lvl7pPr marL="2743200" indent="0">
+              <a:buNone/>
+              <a:defRPr sz="1000"/>
+            </a:lvl7pPr>
+            <a:lvl8pPr marL="3200400" indent="0">
+              <a:buNone/>
+              <a:defRPr sz="1000"/>
+            </a:lvl8pPr>
+            <a:lvl9pPr marL="3657600" indent="0">
+              <a:buNone/>
+              <a:defRPr sz="1000"/>
+            </a:lvl9pPr>
+          </a:lstStyle>
+          <a:p>
+            <a:pPr lvl="0"/>
+            <a:r>
+              <a:rPr lang="en-US"/>
+              <a:t>Click to edit Master text styles</a:t>
+            </a:r>
+          </a:p>
+        </p:txBody>
+      </p:sp>
+      <p:sp>
+        <p:nvSpPr>
+          <p:cNvPr id="5" name="Date Placeholder 4"/>
+          <p:cNvSpPr>
+            <a:spLocks noGrp="1"/>
+          </p:cNvSpPr>
+          <p:nvPr>
+            <p:ph type="dt" sz="half" idx="10"/>
+          </p:nvPr>
+        </p:nvSpPr>
+        <p:spPr>
+          <a:xfrm>
+            <a:off x="7814452" y="381000"/>
+            <a:ext cx="2910840" cy="365125"/>
+          </a:xfrm>
+        </p:spPr>
+        <p:txBody>
+          <a:bodyPr/>
+          <a:lstStyle>
+            <a:lvl1pPr algn="r">
+              <a:defRPr/>
+            </a:lvl1pPr>
+          </a:lstStyle>
+          <a:p>
+            <a:fld id="{5DEA3F82-8CB4-4B0C-B6BE-1390C73654E0}" type="datetimeFigureOut">
+              <a:rPr lang="en-US" smtClean="0"/>
+              <a:t>3/31/2019</a:t>
+            </a:fld>
+            <a:endParaRPr lang="en-US"/>
+          </a:p>
+        </p:txBody>
+      </p:sp>
+      <p:sp>
+        <p:nvSpPr>
+          <p:cNvPr id="6" name="Footer Placeholder 5"/>
+          <p:cNvSpPr>
+            <a:spLocks noGrp="1"/>
+          </p:cNvSpPr>
+          <p:nvPr>
+            <p:ph type="ftr" sz="quarter" idx="11"/>
+          </p:nvPr>
+        </p:nvSpPr>
+        <p:spPr>
+          <a:xfrm>
+            <a:off x="685800" y="379941"/>
+            <a:ext cx="6991492" cy="365125"/>
+          </a:xfrm>
+        </p:spPr>
+        <p:txBody>
+          <a:bodyPr/>
+          <a:lstStyle/>
+          <a:p>
+            <a:endParaRPr lang="en-US"/>
+          </a:p>
+        </p:txBody>
+      </p:sp>
+      <p:sp>
+        <p:nvSpPr>
+          <p:cNvPr id="7" name="Slide Number Placeholder 6"/>
+          <p:cNvSpPr>
+            <a:spLocks noGrp="1"/>
+          </p:cNvSpPr>
+          <p:nvPr>
+            <p:ph type="sldNum" sz="quarter" idx="12"/>
+          </p:nvPr>
+        </p:nvSpPr>
+        <p:spPr>
+          <a:xfrm>
+            <a:off x="10862452" y="381000"/>
+            <a:ext cx="643748" cy="365125"/>
+          </a:xfrm>
+        </p:spPr>
+        <p:txBody>
+          <a:bodyPr/>
+          <a:lstStyle/>
+          <a:p>
+            <a:fld id="{AAB1DB7F-6336-4D28-9447-CB35CDE0773F}" type="slidenum">
+              <a:rPr lang="en-US" smtClean="0"/>
+              <a:t>‹#›</a:t>
+            </a:fld>
+            <a:endParaRPr lang="en-US"/>
+          </a:p>
+        </p:txBody>
+      </p:sp>
+    </p:spTree>
+    <p:extLst>
+      <p:ext uri="{BB962C8B-B14F-4D97-AF65-F5344CB8AC3E}">
+        <p14:creationId xmlns:p14="http://schemas.microsoft.com/office/powerpoint/2010/main" val="3193631370"/>
+      </p:ext>
+    </p:extLst>
+  </p:cSld>
+  <p:clrMapOvr>
+    <a:masterClrMapping/>
+  </p:clrMapOvr>
+</p:sldLayout>
+</file>
+
+<file path=ppt/slideLayouts/slideLayout12.xml><?xml version="1.0" encoding="utf-8"?>
+<p:sldLayout xmlns:a="http://schemas.openxmlformats.org/drawingml/2006/main" xmlns:r="http://schemas.openxmlformats.org/officeDocument/2006/relationships" xmlns:p="http://schemas.openxmlformats.org/presentationml/2006/main" showMasterSp="0" preserve="1">
+  <p:cSld name="Quote with Caption">
+    <p:spTree>
+      <p:nvGrpSpPr>
+        <p:cNvPr id="1" name=""/>
+        <p:cNvGrpSpPr/>
+        <p:nvPr/>
+      </p:nvGrpSpPr>
+      <p:grpSpPr>
+        <a:xfrm>
+          <a:off x="0" y="0"/>
+          <a:ext cx="0" cy="0"/>
+          <a:chOff x="0" y="0"/>
+          <a:chExt cx="0" cy="0"/>
+        </a:xfrm>
+      </p:grpSpPr>
+      <p:pic>
+        <p:nvPicPr>
+          <p:cNvPr id="13" name="Picture 12" descr="C0-HD-BTM.png"/>
+          <p:cNvPicPr>
+            <a:picLocks noChangeAspect="1"/>
+          </p:cNvPicPr>
+          <p:nvPr/>
+        </p:nvPicPr>
+        <p:blipFill>
+          <a:blip r:embed="rId2">
+            <a:extLst>
+              <a:ext uri="{28A0092B-C50C-407E-A947-70E740481C1C}">
+                <a14:useLocalDpi xmlns:a14="http://schemas.microsoft.com/office/drawing/2010/main" val="0"/>
+              </a:ext>
+            </a:extLst>
+          </a:blip>
+          <a:stretch>
+            <a:fillRect/>
+          </a:stretch>
+        </p:blipFill>
+        <p:spPr>
+          <a:xfrm>
+            <a:off x="0" y="4375150"/>
+            <a:ext cx="12192000" cy="2482850"/>
+          </a:xfrm>
+          <a:prstGeom prst="rect">
+            <a:avLst/>
+          </a:prstGeom>
+        </p:spPr>
+      </p:pic>
+      <p:sp>
+        <p:nvSpPr>
+          <p:cNvPr id="2" name="Title 1"/>
+          <p:cNvSpPr>
+            <a:spLocks noGrp="1"/>
+          </p:cNvSpPr>
+          <p:nvPr>
+            <p:ph type="title"/>
+          </p:nvPr>
+        </p:nvSpPr>
+        <p:spPr>
+          <a:xfrm>
+            <a:off x="1024467" y="753533"/>
+            <a:ext cx="10151533" cy="2604495"/>
+          </a:xfrm>
+        </p:spPr>
+        <p:txBody>
+          <a:bodyPr anchor="ctr"/>
+          <a:lstStyle>
+            <a:lvl1pPr algn="l">
+              <a:defRPr sz="3200"/>
+            </a:lvl1pPr>
+          </a:lstStyle>
+          <a:p>
+            <a:r>
+              <a:rPr lang="en-US"/>
+              <a:t>Click to edit Master title style</a:t>
+            </a:r>
+            <a:endParaRPr lang="en-US" dirty="0"/>
+          </a:p>
+        </p:txBody>
+      </p:sp>
+      <p:sp>
+        <p:nvSpPr>
+          <p:cNvPr id="12" name="Text Placeholder 3"/>
+          <p:cNvSpPr>
+            <a:spLocks noGrp="1"/>
+          </p:cNvSpPr>
+          <p:nvPr>
+            <p:ph type="body" sz="half" idx="13"/>
+          </p:nvPr>
+        </p:nvSpPr>
+        <p:spPr>
+          <a:xfrm>
+            <a:off x="1303865" y="3365556"/>
+            <a:ext cx="9592736" cy="444443"/>
+          </a:xfrm>
+        </p:spPr>
+        <p:txBody>
+          <a:bodyPr anchor="t">
+            <a:normAutofit/>
+          </a:bodyPr>
+          <a:lstStyle>
+            <a:lvl1pPr marL="0" indent="0">
+              <a:buNone/>
+              <a:defRPr sz="1400"/>
+            </a:lvl1pPr>
+            <a:lvl2pPr marL="457200" indent="0">
+              <a:buNone/>
+              <a:defRPr sz="1400"/>
+            </a:lvl2pPr>
+            <a:lvl3pPr marL="914400" indent="0">
+              <a:buNone/>
+              <a:defRPr sz="1200"/>
+            </a:lvl3pPr>
+            <a:lvl4pPr marL="1371600" indent="0">
+              <a:buNone/>
+              <a:defRPr sz="1000"/>
+            </a:lvl4pPr>
+            <a:lvl5pPr marL="1828800" indent="0">
+              <a:buNone/>
+              <a:defRPr sz="1000"/>
+            </a:lvl5pPr>
+            <a:lvl6pPr marL="2286000" indent="0">
+              <a:buNone/>
+              <a:defRPr sz="1000"/>
+            </a:lvl6pPr>
+            <a:lvl7pPr marL="2743200" indent="0">
+              <a:buNone/>
+              <a:defRPr sz="1000"/>
+            </a:lvl7pPr>
+            <a:lvl8pPr marL="3200400" indent="0">
+              <a:buNone/>
+              <a:defRPr sz="1000"/>
+            </a:lvl8pPr>
+            <a:lvl9pPr marL="3657600" indent="0">
+              <a:buNone/>
+              <a:defRPr sz="1000"/>
+            </a:lvl9pPr>
+          </a:lstStyle>
+          <a:p>
+            <a:pPr lvl="0"/>
+            <a:r>
+              <a:rPr lang="en-US"/>
+              <a:t>Click to edit Master text styles</a:t>
+            </a:r>
+          </a:p>
+        </p:txBody>
+      </p:sp>
+      <p:sp>
+        <p:nvSpPr>
+          <p:cNvPr id="4" name="Text Placeholder 3"/>
+          <p:cNvSpPr>
+            <a:spLocks noGrp="1"/>
+          </p:cNvSpPr>
+          <p:nvPr>
+            <p:ph type="body" sz="half" idx="2"/>
+          </p:nvPr>
+        </p:nvSpPr>
+        <p:spPr>
+          <a:xfrm>
+            <a:off x="1024467" y="3959862"/>
+            <a:ext cx="10151533" cy="679871"/>
+          </a:xfrm>
+        </p:spPr>
+        <p:txBody>
+          <a:bodyPr anchor="ctr">
+            <a:normAutofit/>
+          </a:bodyPr>
+          <a:lstStyle>
+            <a:lvl1pPr marL="0" indent="0">
+              <a:buNone/>
+              <a:defRPr sz="1600"/>
+            </a:lvl1pPr>
+            <a:lvl2pPr marL="457200" indent="0">
+              <a:buNone/>
+              <a:defRPr sz="1400"/>
+            </a:lvl2pPr>
+            <a:lvl3pPr marL="914400" indent="0">
+              <a:buNone/>
+              <a:defRPr sz="1200"/>
+            </a:lvl3pPr>
+            <a:lvl4pPr marL="1371600" indent="0">
+              <a:buNone/>
+              <a:defRPr sz="1000"/>
+            </a:lvl4pPr>
+            <a:lvl5pPr marL="1828800" indent="0">
+              <a:buNone/>
+              <a:defRPr sz="1000"/>
+            </a:lvl5pPr>
+            <a:lvl6pPr marL="2286000" indent="0">
+              <a:buNone/>
+              <a:defRPr sz="1000"/>
+            </a:lvl6pPr>
+            <a:lvl7pPr marL="2743200" indent="0">
+              <a:buNone/>
+              <a:defRPr sz="1000"/>
+            </a:lvl7pPr>
+            <a:lvl8pPr marL="3200400" indent="0">
+              <a:buNone/>
+              <a:defRPr sz="1000"/>
+            </a:lvl8pPr>
+            <a:lvl9pPr marL="3657600" indent="0">
+              <a:buNone/>
+              <a:defRPr sz="1000"/>
+            </a:lvl9pPr>
+          </a:lstStyle>
+          <a:p>
+            <a:pPr lvl="0"/>
+            <a:r>
+              <a:rPr lang="en-US"/>
+              <a:t>Click to edit Master text styles</a:t>
+            </a:r>
+          </a:p>
+        </p:txBody>
+      </p:sp>
+      <p:sp>
+        <p:nvSpPr>
+          <p:cNvPr id="5" name="Date Placeholder 4"/>
+          <p:cNvSpPr>
+            <a:spLocks noGrp="1"/>
+          </p:cNvSpPr>
+          <p:nvPr>
+            <p:ph type="dt" sz="half" idx="10"/>
+          </p:nvPr>
+        </p:nvSpPr>
+        <p:spPr>
+          <a:xfrm>
+            <a:off x="7814452" y="381000"/>
+            <a:ext cx="2910840" cy="365125"/>
+          </a:xfrm>
+        </p:spPr>
+        <p:txBody>
+          <a:bodyPr/>
+          <a:lstStyle>
+            <a:lvl1pPr algn="r">
+              <a:defRPr/>
+            </a:lvl1pPr>
+          </a:lstStyle>
+          <a:p>
+            <a:fld id="{5DEA3F82-8CB4-4B0C-B6BE-1390C73654E0}" type="datetimeFigureOut">
+              <a:rPr lang="en-US" smtClean="0"/>
+              <a:t>3/31/2019</a:t>
+            </a:fld>
+            <a:endParaRPr lang="en-US"/>
+          </a:p>
+        </p:txBody>
+      </p:sp>
+      <p:sp>
+        <p:nvSpPr>
+          <p:cNvPr id="6" name="Footer Placeholder 5"/>
+          <p:cNvSpPr>
+            <a:spLocks noGrp="1"/>
+          </p:cNvSpPr>
+          <p:nvPr>
+            <p:ph type="ftr" sz="quarter" idx="11"/>
+          </p:nvPr>
+        </p:nvSpPr>
+        <p:spPr>
+          <a:xfrm>
+            <a:off x="685800" y="379941"/>
+            <a:ext cx="6991492" cy="365125"/>
+          </a:xfrm>
+        </p:spPr>
+        <p:txBody>
+          <a:bodyPr/>
+          <a:lstStyle/>
+          <a:p>
+            <a:endParaRPr lang="en-US"/>
+          </a:p>
+        </p:txBody>
+      </p:sp>
+      <p:sp>
+        <p:nvSpPr>
+          <p:cNvPr id="7" name="Slide Number Placeholder 6"/>
+          <p:cNvSpPr>
+            <a:spLocks noGrp="1"/>
+          </p:cNvSpPr>
+          <p:nvPr>
+            <p:ph type="sldNum" sz="quarter" idx="12"/>
+          </p:nvPr>
+        </p:nvSpPr>
+        <p:spPr>
+          <a:xfrm>
+            <a:off x="10862452" y="381000"/>
+            <a:ext cx="643748" cy="365125"/>
+          </a:xfrm>
+        </p:spPr>
+        <p:txBody>
+          <a:bodyPr/>
+          <a:lstStyle/>
+          <a:p>
+            <a:fld id="{AAB1DB7F-6336-4D28-9447-CB35CDE0773F}" type="slidenum">
+              <a:rPr lang="en-US" smtClean="0"/>
+              <a:t>‹#›</a:t>
+            </a:fld>
+            <a:endParaRPr lang="en-US"/>
+          </a:p>
+        </p:txBody>
+      </p:sp>
+      <p:sp>
+        <p:nvSpPr>
+          <p:cNvPr id="9" name="TextBox 8"/>
+          <p:cNvSpPr txBox="1"/>
+          <p:nvPr/>
+        </p:nvSpPr>
+        <p:spPr>
+          <a:xfrm>
+            <a:off x="476250" y="933450"/>
+            <a:ext cx="609600" cy="584776"/>
+          </a:xfrm>
+          <a:prstGeom prst="rect">
+            <a:avLst/>
+          </a:prstGeom>
+        </p:spPr>
+        <p:txBody>
+          <a:bodyPr vert="horz" lIns="91440" tIns="45720" rIns="91440" bIns="45720" rtlCol="0" anchor="ctr">
+            <a:noAutofit/>
+          </a:bodyPr>
+          <a:lstStyle>
+            <a:lvl1pPr>
+              <a:spcBef>
+                <a:spcPct val="0"/>
+              </a:spcBef>
+              <a:buNone/>
+              <a:defRPr sz="3200" b="0" cap="all">
+                <a:ln w="3175" cmpd="sng">
+                  <a:noFill/>
+                </a:ln>
+                <a:effectLst>
+                  <a:glow rad="38100">
+                    <a:schemeClr val="bg1">
+                      <a:lumMod val="65000"/>
+                      <a:lumOff val="35000"/>
+                      <a:alpha val="40000"/>
+                    </a:schemeClr>
+                  </a:glow>
+                  <a:outerShdw blurRad="28575" dist="38100" dir="14040000" algn="tl" rotWithShape="0">
+                    <a:srgbClr val="000000">
+                      <a:alpha val="25000"/>
+                    </a:srgbClr>
+                  </a:outerShdw>
+                </a:effectLst>
+              </a:defRPr>
+            </a:lvl1pPr>
+            <a:lvl2pPr>
+              <a:defRPr>
+                <a:solidFill>
+                  <a:schemeClr val="tx2"/>
+                </a:solidFill>
+              </a:defRPr>
+            </a:lvl2pPr>
+            <a:lvl3pPr>
+              <a:defRPr>
+                <a:solidFill>
+                  <a:schemeClr val="tx2"/>
+                </a:solidFill>
+              </a:defRPr>
+            </a:lvl3pPr>
+            <a:lvl4pPr>
+              <a:defRPr>
+                <a:solidFill>
+                  <a:schemeClr val="tx2"/>
+                </a:solidFill>
+              </a:defRPr>
+            </a:lvl4pPr>
+            <a:lvl5pPr>
+              <a:defRPr>
+                <a:solidFill>
+                  <a:schemeClr val="tx2"/>
+                </a:solidFill>
+              </a:defRPr>
+            </a:lvl5pPr>
+            <a:lvl6pPr>
+              <a:defRPr>
+                <a:solidFill>
+                  <a:schemeClr val="tx2"/>
+                </a:solidFill>
+              </a:defRPr>
+            </a:lvl6pPr>
+            <a:lvl7pPr>
+              <a:defRPr>
+                <a:solidFill>
+                  <a:schemeClr val="tx2"/>
+                </a:solidFill>
+              </a:defRPr>
+            </a:lvl7pPr>
+            <a:lvl8pPr>
+              <a:defRPr>
+                <a:solidFill>
+                  <a:schemeClr val="tx2"/>
+                </a:solidFill>
+              </a:defRPr>
+            </a:lvl8pPr>
+            <a:lvl9pPr>
+              <a:defRPr>
+                <a:solidFill>
+                  <a:schemeClr val="tx2"/>
+                </a:solidFill>
+              </a:defRPr>
+            </a:lvl9pPr>
+          </a:lstStyle>
+          <a:p>
+            <a:pPr lvl="0"/>
+            <a:r>
+              <a:rPr lang="en-US" sz="8000" dirty="0">
+                <a:solidFill>
+                  <a:schemeClr val="tx1"/>
+                </a:solidFill>
+                <a:effectLst/>
+              </a:rPr>
+              <a:t>“</a:t>
+            </a:r>
+          </a:p>
+        </p:txBody>
+      </p:sp>
+      <p:sp>
+        <p:nvSpPr>
+          <p:cNvPr id="10" name="TextBox 9"/>
+          <p:cNvSpPr txBox="1"/>
+          <p:nvPr/>
+        </p:nvSpPr>
+        <p:spPr>
+          <a:xfrm>
+            <a:off x="10984230" y="2701290"/>
+            <a:ext cx="609600" cy="584776"/>
+          </a:xfrm>
+          <a:prstGeom prst="rect">
+            <a:avLst/>
+          </a:prstGeom>
+        </p:spPr>
+        <p:txBody>
+          <a:bodyPr vert="horz" lIns="91440" tIns="45720" rIns="91440" bIns="45720" rtlCol="0" anchor="ctr">
+            <a:noAutofit/>
+          </a:bodyPr>
+          <a:lstStyle>
+            <a:lvl1pPr>
+              <a:spcBef>
+                <a:spcPct val="0"/>
+              </a:spcBef>
+              <a:buNone/>
+              <a:defRPr sz="3200" b="0" cap="all">
+                <a:ln w="3175" cmpd="sng">
+                  <a:noFill/>
+                </a:ln>
+                <a:effectLst>
+                  <a:glow rad="38100">
+                    <a:schemeClr val="bg1">
+                      <a:lumMod val="65000"/>
+                      <a:lumOff val="35000"/>
+                      <a:alpha val="40000"/>
+                    </a:schemeClr>
+                  </a:glow>
+                  <a:outerShdw blurRad="28575" dist="38100" dir="14040000" algn="tl" rotWithShape="0">
+                    <a:srgbClr val="000000">
+                      <a:alpha val="25000"/>
+                    </a:srgbClr>
+                  </a:outerShdw>
+                </a:effectLst>
+              </a:defRPr>
+            </a:lvl1pPr>
+            <a:lvl2pPr>
+              <a:defRPr>
+                <a:solidFill>
+                  <a:schemeClr val="tx2"/>
+                </a:solidFill>
+              </a:defRPr>
+            </a:lvl2pPr>
+            <a:lvl3pPr>
+              <a:defRPr>
+                <a:solidFill>
+                  <a:schemeClr val="tx2"/>
+                </a:solidFill>
+              </a:defRPr>
+            </a:lvl3pPr>
+            <a:lvl4pPr>
+              <a:defRPr>
+                <a:solidFill>
+                  <a:schemeClr val="tx2"/>
+                </a:solidFill>
+              </a:defRPr>
+            </a:lvl4pPr>
+            <a:lvl5pPr>
+              <a:defRPr>
+                <a:solidFill>
+                  <a:schemeClr val="tx2"/>
+                </a:solidFill>
+              </a:defRPr>
+            </a:lvl5pPr>
+            <a:lvl6pPr>
+              <a:defRPr>
+                <a:solidFill>
+                  <a:schemeClr val="tx2"/>
+                </a:solidFill>
+              </a:defRPr>
+            </a:lvl6pPr>
+            <a:lvl7pPr>
+              <a:defRPr>
+                <a:solidFill>
+                  <a:schemeClr val="tx2"/>
+                </a:solidFill>
+              </a:defRPr>
+            </a:lvl7pPr>
+            <a:lvl8pPr>
+              <a:defRPr>
+                <a:solidFill>
+                  <a:schemeClr val="tx2"/>
+                </a:solidFill>
+              </a:defRPr>
+            </a:lvl8pPr>
+            <a:lvl9pPr>
+              <a:defRPr>
+                <a:solidFill>
+                  <a:schemeClr val="tx2"/>
+                </a:solidFill>
+              </a:defRPr>
+            </a:lvl9pPr>
+          </a:lstStyle>
+          <a:p>
+            <a:pPr lvl="0" algn="r"/>
+            <a:r>
+              <a:rPr lang="en-US" sz="8000" dirty="0">
+                <a:solidFill>
+                  <a:schemeClr val="tx1"/>
+                </a:solidFill>
+                <a:effectLst/>
+              </a:rPr>
+              <a:t>”</a:t>
+            </a:r>
+          </a:p>
+        </p:txBody>
+      </p:sp>
+    </p:spTree>
+    <p:extLst>
+      <p:ext uri="{BB962C8B-B14F-4D97-AF65-F5344CB8AC3E}">
+        <p14:creationId xmlns:p14="http://schemas.microsoft.com/office/powerpoint/2010/main" val="1657985399"/>
+      </p:ext>
+    </p:extLst>
+  </p:cSld>
+  <p:clrMapOvr>
+    <a:masterClrMapping/>
+  </p:clrMapOvr>
+</p:sldLayout>
+</file>
+
+<file path=ppt/slideLayouts/slideLayout13.xml><?xml version="1.0" encoding="utf-8"?>
+<p:sldLayout xmlns:a="http://schemas.openxmlformats.org/drawingml/2006/main" xmlns:r="http://schemas.openxmlformats.org/officeDocument/2006/relationships" xmlns:p="http://schemas.openxmlformats.org/presentationml/2006/main" showMasterSp="0" preserve="1">
+  <p:cSld name="Name Card">
+    <p:spTree>
+      <p:nvGrpSpPr>
+        <p:cNvPr id="1" name=""/>
+        <p:cNvGrpSpPr/>
+        <p:nvPr/>
+      </p:nvGrpSpPr>
+      <p:grpSpPr>
+        <a:xfrm>
+          <a:off x="0" y="0"/>
+          <a:ext cx="0" cy="0"/>
+          <a:chOff x="0" y="0"/>
+          <a:chExt cx="0" cy="0"/>
+        </a:xfrm>
+      </p:grpSpPr>
+      <p:pic>
+        <p:nvPicPr>
+          <p:cNvPr id="9" name="Picture 8" descr="C0-HD-BTM.png"/>
+          <p:cNvPicPr>
+            <a:picLocks noChangeAspect="1"/>
+          </p:cNvPicPr>
+          <p:nvPr/>
+        </p:nvPicPr>
+        <p:blipFill>
+          <a:blip r:embed="rId2">
+            <a:extLst>
+              <a:ext uri="{28A0092B-C50C-407E-A947-70E740481C1C}">
+                <a14:useLocalDpi xmlns:a14="http://schemas.microsoft.com/office/drawing/2010/main" val="0"/>
+              </a:ext>
+            </a:extLst>
+          </a:blip>
+          <a:stretch>
+            <a:fillRect/>
+          </a:stretch>
+        </p:blipFill>
+        <p:spPr>
+          <a:xfrm>
+            <a:off x="0" y="4375150"/>
+            <a:ext cx="12192000" cy="2482850"/>
+          </a:xfrm>
+          <a:prstGeom prst="rect">
+            <a:avLst/>
+          </a:prstGeom>
+        </p:spPr>
+      </p:pic>
+      <p:sp>
+        <p:nvSpPr>
+          <p:cNvPr id="2" name="Title 1"/>
+          <p:cNvSpPr>
+            <a:spLocks noGrp="1"/>
+          </p:cNvSpPr>
+          <p:nvPr>
+            <p:ph type="title"/>
+          </p:nvPr>
+        </p:nvSpPr>
+        <p:spPr>
+          <a:xfrm>
+            <a:off x="1024495" y="1124701"/>
+            <a:ext cx="10146186" cy="2511835"/>
+          </a:xfrm>
+        </p:spPr>
+        <p:txBody>
+          <a:bodyPr anchor="b"/>
+          <a:lstStyle>
+            <a:lvl1pPr algn="l">
+              <a:defRPr sz="3200"/>
+            </a:lvl1pPr>
+          </a:lstStyle>
+          <a:p>
+            <a:r>
+              <a:rPr lang="en-US"/>
+              <a:t>Click to edit Master title style</a:t>
+            </a:r>
+            <a:endParaRPr lang="en-US" dirty="0"/>
+          </a:p>
+        </p:txBody>
+      </p:sp>
+      <p:sp>
+        <p:nvSpPr>
+          <p:cNvPr id="4" name="Text Placeholder 3"/>
+          <p:cNvSpPr>
+            <a:spLocks noGrp="1"/>
+          </p:cNvSpPr>
+          <p:nvPr>
+            <p:ph type="body" sz="half" idx="2"/>
+          </p:nvPr>
+        </p:nvSpPr>
+        <p:spPr>
+          <a:xfrm>
+            <a:off x="1024467" y="3648315"/>
+            <a:ext cx="10144654" cy="999885"/>
+          </a:xfrm>
+        </p:spPr>
+        <p:txBody>
+          <a:bodyPr anchor="t"/>
+          <a:lstStyle>
+            <a:lvl1pPr marL="0" indent="0">
+              <a:buNone/>
+              <a:defRPr sz="1600"/>
+            </a:lvl1pPr>
+            <a:lvl2pPr marL="457200" indent="0">
+              <a:buNone/>
+              <a:defRPr sz="1400"/>
+            </a:lvl2pPr>
+            <a:lvl3pPr marL="914400" indent="0">
+              <a:buNone/>
+              <a:defRPr sz="1200"/>
+            </a:lvl3pPr>
+            <a:lvl4pPr marL="1371600" indent="0">
+              <a:buNone/>
+              <a:defRPr sz="1000"/>
+            </a:lvl4pPr>
+            <a:lvl5pPr marL="1828800" indent="0">
+              <a:buNone/>
+              <a:defRPr sz="1000"/>
+            </a:lvl5pPr>
+            <a:lvl6pPr marL="2286000" indent="0">
+              <a:buNone/>
+              <a:defRPr sz="1000"/>
+            </a:lvl6pPr>
+            <a:lvl7pPr marL="2743200" indent="0">
+              <a:buNone/>
+              <a:defRPr sz="1000"/>
+            </a:lvl7pPr>
+            <a:lvl8pPr marL="3200400" indent="0">
+              <a:buNone/>
+              <a:defRPr sz="1000"/>
+            </a:lvl8pPr>
+            <a:lvl9pPr marL="3657600" indent="0">
+              <a:buNone/>
+              <a:defRPr sz="1000"/>
+            </a:lvl9pPr>
+          </a:lstStyle>
+          <a:p>
+            <a:pPr lvl="0"/>
+            <a:r>
+              <a:rPr lang="en-US"/>
+              <a:t>Click to edit Master text styles</a:t>
+            </a:r>
+          </a:p>
+        </p:txBody>
+      </p:sp>
+      <p:sp>
+        <p:nvSpPr>
+          <p:cNvPr id="5" name="Date Placeholder 4"/>
+          <p:cNvSpPr>
+            <a:spLocks noGrp="1"/>
+          </p:cNvSpPr>
+          <p:nvPr>
+            <p:ph type="dt" sz="half" idx="10"/>
+          </p:nvPr>
+        </p:nvSpPr>
+        <p:spPr>
+          <a:xfrm>
+            <a:off x="7814452" y="378883"/>
+            <a:ext cx="2910840" cy="365125"/>
+          </a:xfrm>
+        </p:spPr>
+        <p:txBody>
+          <a:bodyPr/>
+          <a:lstStyle>
+            <a:lvl1pPr algn="r">
+              <a:defRPr/>
+            </a:lvl1pPr>
+          </a:lstStyle>
+          <a:p>
+            <a:fld id="{5DEA3F82-8CB4-4B0C-B6BE-1390C73654E0}" type="datetimeFigureOut">
+              <a:rPr lang="en-US" smtClean="0"/>
+              <a:t>3/31/2019</a:t>
+            </a:fld>
+            <a:endParaRPr lang="en-US"/>
+          </a:p>
+        </p:txBody>
+      </p:sp>
+      <p:sp>
+        <p:nvSpPr>
+          <p:cNvPr id="6" name="Footer Placeholder 5"/>
+          <p:cNvSpPr>
+            <a:spLocks noGrp="1"/>
+          </p:cNvSpPr>
+          <p:nvPr>
+            <p:ph type="ftr" sz="quarter" idx="11"/>
+          </p:nvPr>
+        </p:nvSpPr>
+        <p:spPr>
+          <a:xfrm>
+            <a:off x="685800" y="378883"/>
+            <a:ext cx="6991492" cy="365125"/>
+          </a:xfrm>
+        </p:spPr>
+        <p:txBody>
+          <a:bodyPr/>
+          <a:lstStyle/>
+          <a:p>
+            <a:endParaRPr lang="en-US"/>
+          </a:p>
+        </p:txBody>
+      </p:sp>
+      <p:sp>
+        <p:nvSpPr>
+          <p:cNvPr id="7" name="Slide Number Placeholder 6"/>
+          <p:cNvSpPr>
+            <a:spLocks noGrp="1"/>
+          </p:cNvSpPr>
+          <p:nvPr>
+            <p:ph type="sldNum" sz="quarter" idx="12"/>
+          </p:nvPr>
+        </p:nvSpPr>
+        <p:spPr>
+          <a:xfrm>
+            <a:off x="10862452" y="381000"/>
+            <a:ext cx="643748" cy="365125"/>
+          </a:xfrm>
+        </p:spPr>
+        <p:txBody>
+          <a:bodyPr/>
+          <a:lstStyle/>
+          <a:p>
+            <a:fld id="{AAB1DB7F-6336-4D28-9447-CB35CDE0773F}" type="slidenum">
+              <a:rPr lang="en-US" smtClean="0"/>
+              <a:t>‹#›</a:t>
+            </a:fld>
+            <a:endParaRPr lang="en-US"/>
+          </a:p>
+        </p:txBody>
+      </p:sp>
+    </p:spTree>
+    <p:extLst>
+      <p:ext uri="{BB962C8B-B14F-4D97-AF65-F5344CB8AC3E}">
+        <p14:creationId xmlns:p14="http://schemas.microsoft.com/office/powerpoint/2010/main" val="3585662399"/>
+      </p:ext>
+    </p:extLst>
+  </p:cSld>
+  <p:clrMapOvr>
+    <a:masterClrMapping/>
+  </p:clrMapOvr>
+</p:sldLayout>
+</file>
+
+<file path=ppt/slideLayouts/slideLayout14.xml><?xml version="1.0" encoding="utf-8"?>
+<p:sldLayout xmlns:a="http://schemas.openxmlformats.org/drawingml/2006/main" xmlns:r="http://schemas.openxmlformats.org/officeDocument/2006/relationships" xmlns:p="http://schemas.openxmlformats.org/presentationml/2006/main" preserve="1">
+  <p:cSld name="3 Column">
+    <p:spTree>
+      <p:nvGrpSpPr>
+        <p:cNvPr id="1" name=""/>
+        <p:cNvGrpSpPr/>
+        <p:nvPr/>
+      </p:nvGrpSpPr>
+      <p:grpSpPr>
+        <a:xfrm>
+          <a:off x="0" y="0"/>
+          <a:ext cx="0" cy="0"/>
+          <a:chOff x="0" y="0"/>
+          <a:chExt cx="0" cy="0"/>
+        </a:xfrm>
+      </p:grpSpPr>
+      <p:sp>
+        <p:nvSpPr>
+          <p:cNvPr id="15" name="Title 1"/>
+          <p:cNvSpPr>
+            <a:spLocks noGrp="1"/>
+          </p:cNvSpPr>
+          <p:nvPr>
+            <p:ph type="title"/>
+          </p:nvPr>
+        </p:nvSpPr>
+        <p:spPr>
+          <a:xfrm>
+            <a:off x="2895600" y="761999"/>
+            <a:ext cx="8610599" cy="1303867"/>
+          </a:xfrm>
+        </p:spPr>
+        <p:txBody>
+          <a:bodyPr/>
+          <a:lstStyle/>
+          <a:p>
+            <a:r>
+              <a:rPr lang="en-US"/>
+              <a:t>Click to edit Master title style</a:t>
+            </a:r>
+            <a:endParaRPr lang="en-US" dirty="0"/>
+          </a:p>
+        </p:txBody>
+      </p:sp>
+      <p:sp>
+        <p:nvSpPr>
+          <p:cNvPr id="7" name="Text Placeholder 2"/>
+          <p:cNvSpPr>
+            <a:spLocks noGrp="1"/>
+          </p:cNvSpPr>
+          <p:nvPr>
+            <p:ph type="body" idx="1"/>
+          </p:nvPr>
+        </p:nvSpPr>
+        <p:spPr>
+          <a:xfrm>
+            <a:off x="685800" y="2202080"/>
+            <a:ext cx="3456432" cy="617320"/>
+          </a:xfrm>
+        </p:spPr>
+        <p:txBody>
+          <a:bodyPr anchor="b">
+            <a:noAutofit/>
+          </a:bodyPr>
+          <a:lstStyle>
+            <a:lvl1pPr marL="0" indent="0">
+              <a:buNone/>
+              <a:defRPr sz="2400" b="0">
+                <a:solidFill>
+                  <a:schemeClr val="tx1"/>
+                </a:solidFill>
+              </a:defRPr>
+            </a:lvl1pPr>
+            <a:lvl2pPr marL="457200" indent="0">
+              <a:buNone/>
+              <a:defRPr sz="2000" b="1"/>
+            </a:lvl2pPr>
+            <a:lvl3pPr marL="914400" indent="0">
+              <a:buNone/>
+              <a:defRPr sz="1800" b="1"/>
+            </a:lvl3pPr>
+            <a:lvl4pPr marL="1371600" indent="0">
+              <a:buNone/>
+              <a:defRPr sz="1600" b="1"/>
+            </a:lvl4pPr>
+            <a:lvl5pPr marL="1828800" indent="0">
+              <a:buNone/>
+              <a:defRPr sz="1600" b="1"/>
+            </a:lvl5pPr>
+            <a:lvl6pPr marL="2286000" indent="0">
+              <a:buNone/>
+              <a:defRPr sz="1600" b="1"/>
+            </a:lvl6pPr>
+            <a:lvl7pPr marL="2743200" indent="0">
+              <a:buNone/>
+              <a:defRPr sz="1600" b="1"/>
+            </a:lvl7pPr>
+            <a:lvl8pPr marL="3200400" indent="0">
+              <a:buNone/>
+              <a:defRPr sz="1600" b="1"/>
+            </a:lvl8pPr>
+            <a:lvl9pPr marL="3657600" indent="0">
+              <a:buNone/>
+              <a:defRPr sz="1600" b="1"/>
+            </a:lvl9pPr>
+          </a:lstStyle>
+          <a:p>
+            <a:pPr lvl="0"/>
+            <a:r>
+              <a:rPr lang="en-US"/>
+              <a:t>Click to edit Master text styles</a:t>
+            </a:r>
+          </a:p>
+        </p:txBody>
+      </p:sp>
+      <p:sp>
+        <p:nvSpPr>
+          <p:cNvPr id="8" name="Text Placeholder 3"/>
+          <p:cNvSpPr>
+            <a:spLocks noGrp="1"/>
+          </p:cNvSpPr>
+          <p:nvPr>
+            <p:ph type="body" sz="half" idx="15"/>
+          </p:nvPr>
+        </p:nvSpPr>
+        <p:spPr>
+          <a:xfrm>
+            <a:off x="685799" y="2904565"/>
+            <a:ext cx="3456432" cy="3314132"/>
+          </a:xfrm>
+        </p:spPr>
+        <p:txBody>
+          <a:bodyPr anchor="t">
+            <a:normAutofit/>
+          </a:bodyPr>
+          <a:lstStyle>
+            <a:lvl1pPr marL="0" indent="0">
+              <a:buNone/>
+              <a:defRPr sz="1400"/>
+            </a:lvl1pPr>
+            <a:lvl2pPr marL="457200" indent="0">
+              <a:buNone/>
+              <a:defRPr sz="1200"/>
+            </a:lvl2pPr>
+            <a:lvl3pPr marL="914400" indent="0">
+              <a:buNone/>
+              <a:defRPr sz="1000"/>
+            </a:lvl3pPr>
+            <a:lvl4pPr marL="1371600" indent="0">
+              <a:buNone/>
+              <a:defRPr sz="900"/>
+            </a:lvl4pPr>
+            <a:lvl5pPr marL="1828800" indent="0">
+              <a:buNone/>
+              <a:defRPr sz="900"/>
+            </a:lvl5pPr>
+            <a:lvl6pPr marL="2286000" indent="0">
+              <a:buNone/>
+              <a:defRPr sz="900"/>
+            </a:lvl6pPr>
+            <a:lvl7pPr marL="2743200" indent="0">
+              <a:buNone/>
+              <a:defRPr sz="900"/>
+            </a:lvl7pPr>
+            <a:lvl8pPr marL="3200400" indent="0">
+              <a:buNone/>
+              <a:defRPr sz="900"/>
+            </a:lvl8pPr>
+            <a:lvl9pPr marL="3657600" indent="0">
+              <a:buNone/>
+              <a:defRPr sz="900"/>
+            </a:lvl9pPr>
+          </a:lstStyle>
+          <a:p>
+            <a:pPr lvl="0"/>
+            <a:r>
+              <a:rPr lang="en-US"/>
+              <a:t>Click to edit Master text styles</a:t>
+            </a:r>
+          </a:p>
+        </p:txBody>
+      </p:sp>
+      <p:sp>
+        <p:nvSpPr>
+          <p:cNvPr id="9" name="Text Placeholder 4"/>
+          <p:cNvSpPr>
+            <a:spLocks noGrp="1"/>
+          </p:cNvSpPr>
+          <p:nvPr>
+            <p:ph type="body" sz="quarter" idx="3"/>
+          </p:nvPr>
+        </p:nvSpPr>
+        <p:spPr>
+          <a:xfrm>
+            <a:off x="4368800" y="2201333"/>
+            <a:ext cx="3456432" cy="626534"/>
+          </a:xfrm>
+        </p:spPr>
+        <p:txBody>
+          <a:bodyPr anchor="b">
+            <a:noAutofit/>
+          </a:bodyPr>
+          <a:lstStyle>
+            <a:lvl1pPr marL="0" indent="0">
+              <a:buNone/>
+              <a:defRPr sz="2400" b="0">
+                <a:solidFill>
+                  <a:schemeClr val="tx1"/>
+                </a:solidFill>
+              </a:defRPr>
+            </a:lvl1pPr>
+            <a:lvl2pPr marL="457200" indent="0">
+              <a:buNone/>
+              <a:defRPr sz="2000" b="1"/>
+            </a:lvl2pPr>
+            <a:lvl3pPr marL="914400" indent="0">
+              <a:buNone/>
+              <a:defRPr sz="1800" b="1"/>
+            </a:lvl3pPr>
+            <a:lvl4pPr marL="1371600" indent="0">
+              <a:buNone/>
+              <a:defRPr sz="1600" b="1"/>
+            </a:lvl4pPr>
+            <a:lvl5pPr marL="1828800" indent="0">
+              <a:buNone/>
+              <a:defRPr sz="1600" b="1"/>
+            </a:lvl5pPr>
+            <a:lvl6pPr marL="2286000" indent="0">
+              <a:buNone/>
+              <a:defRPr sz="1600" b="1"/>
+            </a:lvl6pPr>
+            <a:lvl7pPr marL="2743200" indent="0">
+              <a:buNone/>
+              <a:defRPr sz="1600" b="1"/>
+            </a:lvl7pPr>
+            <a:lvl8pPr marL="3200400" indent="0">
+              <a:buNone/>
+              <a:defRPr sz="1600" b="1"/>
+            </a:lvl8pPr>
+            <a:lvl9pPr marL="3657600" indent="0">
+              <a:buNone/>
+              <a:defRPr sz="1600" b="1"/>
+            </a:lvl9pPr>
+          </a:lstStyle>
+          <a:p>
+            <a:pPr lvl="0"/>
+            <a:r>
+              <a:rPr lang="en-US"/>
+              <a:t>Click to edit Master text styles</a:t>
+            </a:r>
+          </a:p>
+        </p:txBody>
+      </p:sp>
+      <p:sp>
+        <p:nvSpPr>
+          <p:cNvPr id="10" name="Text Placeholder 3"/>
+          <p:cNvSpPr>
+            <a:spLocks noGrp="1"/>
+          </p:cNvSpPr>
+          <p:nvPr>
+            <p:ph type="body" sz="half" idx="16"/>
+          </p:nvPr>
+        </p:nvSpPr>
+        <p:spPr>
+          <a:xfrm>
+            <a:off x="4366858" y="2904067"/>
+            <a:ext cx="3456432" cy="3314618"/>
+          </a:xfrm>
+        </p:spPr>
+        <p:txBody>
+          <a:bodyPr anchor="t">
+            <a:normAutofit/>
+          </a:bodyPr>
+          <a:lstStyle>
+            <a:lvl1pPr marL="0" indent="0">
+              <a:buNone/>
+              <a:defRPr sz="1400"/>
+            </a:lvl1pPr>
+            <a:lvl2pPr marL="457200" indent="0">
+              <a:buNone/>
+              <a:defRPr sz="1200"/>
+            </a:lvl2pPr>
+            <a:lvl3pPr marL="914400" indent="0">
+              <a:buNone/>
+              <a:defRPr sz="1000"/>
+            </a:lvl3pPr>
+            <a:lvl4pPr marL="1371600" indent="0">
+              <a:buNone/>
+              <a:defRPr sz="900"/>
+            </a:lvl4pPr>
+            <a:lvl5pPr marL="1828800" indent="0">
+              <a:buNone/>
+              <a:defRPr sz="900"/>
+            </a:lvl5pPr>
+            <a:lvl6pPr marL="2286000" indent="0">
+              <a:buNone/>
+              <a:defRPr sz="900"/>
+            </a:lvl6pPr>
+            <a:lvl7pPr marL="2743200" indent="0">
+              <a:buNone/>
+              <a:defRPr sz="900"/>
+            </a:lvl7pPr>
+            <a:lvl8pPr marL="3200400" indent="0">
+              <a:buNone/>
+              <a:defRPr sz="900"/>
+            </a:lvl8pPr>
+            <a:lvl9pPr marL="3657600" indent="0">
+              <a:buNone/>
+              <a:defRPr sz="900"/>
+            </a:lvl9pPr>
+          </a:lstStyle>
+          <a:p>
+            <a:pPr lvl="0"/>
+            <a:r>
+              <a:rPr lang="en-US"/>
+              <a:t>Click to edit Master text styles</a:t>
+            </a:r>
+          </a:p>
+        </p:txBody>
+      </p:sp>
+      <p:sp>
+        <p:nvSpPr>
+          <p:cNvPr id="11" name="Text Placeholder 4"/>
+          <p:cNvSpPr>
+            <a:spLocks noGrp="1"/>
+          </p:cNvSpPr>
+          <p:nvPr>
+            <p:ph type="body" sz="quarter" idx="13"/>
+          </p:nvPr>
+        </p:nvSpPr>
+        <p:spPr>
+          <a:xfrm>
+            <a:off x="8051800" y="2192866"/>
+            <a:ext cx="3456432" cy="626534"/>
+          </a:xfrm>
+        </p:spPr>
+        <p:txBody>
+          <a:bodyPr anchor="b">
+            <a:noAutofit/>
+          </a:bodyPr>
+          <a:lstStyle>
+            <a:lvl1pPr marL="0" indent="0">
+              <a:buNone/>
+              <a:defRPr sz="2400" b="0">
+                <a:solidFill>
+                  <a:schemeClr val="tx1"/>
+                </a:solidFill>
+              </a:defRPr>
+            </a:lvl1pPr>
+            <a:lvl2pPr marL="457200" indent="0">
+              <a:buNone/>
+              <a:defRPr sz="2000" b="1"/>
+            </a:lvl2pPr>
+            <a:lvl3pPr marL="914400" indent="0">
+              <a:buNone/>
+              <a:defRPr sz="1800" b="1"/>
+            </a:lvl3pPr>
+            <a:lvl4pPr marL="1371600" indent="0">
+              <a:buNone/>
+              <a:defRPr sz="1600" b="1"/>
+            </a:lvl4pPr>
+            <a:lvl5pPr marL="1828800" indent="0">
+              <a:buNone/>
+              <a:defRPr sz="1600" b="1"/>
+            </a:lvl5pPr>
+            <a:lvl6pPr marL="2286000" indent="0">
+              <a:buNone/>
+              <a:defRPr sz="1600" b="1"/>
+            </a:lvl6pPr>
+            <a:lvl7pPr marL="2743200" indent="0">
+              <a:buNone/>
+              <a:defRPr sz="1600" b="1"/>
+            </a:lvl7pPr>
+            <a:lvl8pPr marL="3200400" indent="0">
+              <a:buNone/>
+              <a:defRPr sz="1600" b="1"/>
+            </a:lvl8pPr>
+            <a:lvl9pPr marL="3657600" indent="0">
+              <a:buNone/>
+              <a:defRPr sz="1600" b="1"/>
+            </a:lvl9pPr>
+          </a:lstStyle>
+          <a:p>
+            <a:pPr lvl="0"/>
+            <a:r>
+              <a:rPr lang="en-US"/>
+              <a:t>Click to edit Master text styles</a:t>
+            </a:r>
+          </a:p>
+        </p:txBody>
+      </p:sp>
+      <p:sp>
+        <p:nvSpPr>
+          <p:cNvPr id="12" name="Text Placeholder 3"/>
+          <p:cNvSpPr>
+            <a:spLocks noGrp="1"/>
+          </p:cNvSpPr>
+          <p:nvPr>
+            <p:ph type="body" sz="half" idx="17"/>
+          </p:nvPr>
+        </p:nvSpPr>
+        <p:spPr>
+          <a:xfrm>
+            <a:off x="8051801" y="2904565"/>
+            <a:ext cx="3456432" cy="3314132"/>
+          </a:xfrm>
+        </p:spPr>
+        <p:txBody>
+          <a:bodyPr anchor="t">
+            <a:normAutofit/>
+          </a:bodyPr>
+          <a:lstStyle>
+            <a:lvl1pPr marL="0" indent="0">
+              <a:buNone/>
+              <a:defRPr sz="1400"/>
+            </a:lvl1pPr>
+            <a:lvl2pPr marL="457200" indent="0">
+              <a:buNone/>
+              <a:defRPr sz="1200"/>
+            </a:lvl2pPr>
+            <a:lvl3pPr marL="914400" indent="0">
+              <a:buNone/>
+              <a:defRPr sz="1000"/>
+            </a:lvl3pPr>
+            <a:lvl4pPr marL="1371600" indent="0">
+              <a:buNone/>
+              <a:defRPr sz="900"/>
+            </a:lvl4pPr>
+            <a:lvl5pPr marL="1828800" indent="0">
+              <a:buNone/>
+              <a:defRPr sz="900"/>
+            </a:lvl5pPr>
+            <a:lvl6pPr marL="2286000" indent="0">
+              <a:buNone/>
+              <a:defRPr sz="900"/>
+            </a:lvl6pPr>
+            <a:lvl7pPr marL="2743200" indent="0">
+              <a:buNone/>
+              <a:defRPr sz="900"/>
+            </a:lvl7pPr>
+            <a:lvl8pPr marL="3200400" indent="0">
+              <a:buNone/>
+              <a:defRPr sz="900"/>
+            </a:lvl8pPr>
+            <a:lvl9pPr marL="3657600" indent="0">
+              <a:buNone/>
+              <a:defRPr sz="900"/>
+            </a:lvl9pPr>
+          </a:lstStyle>
+          <a:p>
+            <a:pPr lvl="0"/>
+            <a:r>
+              <a:rPr lang="en-US"/>
+              <a:t>Click to edit Master text styles</a:t>
+            </a:r>
+          </a:p>
+        </p:txBody>
+      </p:sp>
+      <p:sp>
+        <p:nvSpPr>
+          <p:cNvPr id="3" name="Date Placeholder 2"/>
+          <p:cNvSpPr>
+            <a:spLocks noGrp="1"/>
+          </p:cNvSpPr>
+          <p:nvPr>
+            <p:ph type="dt" sz="half" idx="10"/>
+          </p:nvPr>
+        </p:nvSpPr>
+        <p:spPr/>
+        <p:txBody>
+          <a:bodyPr/>
+          <a:lstStyle/>
+          <a:p>
+            <a:fld id="{5DEA3F82-8CB4-4B0C-B6BE-1390C73654E0}" type="datetimeFigureOut">
+              <a:rPr lang="en-US" smtClean="0"/>
+              <a:t>3/31/2019</a:t>
+            </a:fld>
+            <a:endParaRPr lang="en-US"/>
+          </a:p>
+        </p:txBody>
+      </p:sp>
+      <p:sp>
+        <p:nvSpPr>
+          <p:cNvPr id="4" name="Footer Placeholder 3"/>
+          <p:cNvSpPr>
+            <a:spLocks noGrp="1"/>
+          </p:cNvSpPr>
+          <p:nvPr>
+            <p:ph type="ftr" sz="quarter" idx="11"/>
+          </p:nvPr>
+        </p:nvSpPr>
+        <p:spPr/>
+        <p:txBody>
+          <a:bodyPr/>
+          <a:lstStyle/>
+          <a:p>
+            <a:endParaRPr lang="en-US"/>
+          </a:p>
+        </p:txBody>
+      </p:sp>
+      <p:sp>
+        <p:nvSpPr>
+          <p:cNvPr id="5" name="Slide Number Placeholder 4"/>
+          <p:cNvSpPr>
+            <a:spLocks noGrp="1"/>
+          </p:cNvSpPr>
+          <p:nvPr>
+            <p:ph type="sldNum" sz="quarter" idx="12"/>
+          </p:nvPr>
+        </p:nvSpPr>
+        <p:spPr/>
+        <p:txBody>
+          <a:bodyPr/>
+          <a:lstStyle/>
+          <a:p>
+            <a:fld id="{AAB1DB7F-6336-4D28-9447-CB35CDE0773F}" type="slidenum">
+              <a:rPr lang="en-US" smtClean="0"/>
+              <a:t>‹#›</a:t>
+            </a:fld>
+            <a:endParaRPr lang="en-US"/>
+          </a:p>
+        </p:txBody>
+      </p:sp>
+    </p:spTree>
+    <p:extLst>
+      <p:ext uri="{BB962C8B-B14F-4D97-AF65-F5344CB8AC3E}">
+        <p14:creationId xmlns:p14="http://schemas.microsoft.com/office/powerpoint/2010/main" val="1246064276"/>
+      </p:ext>
+    </p:extLst>
+  </p:cSld>
+  <p:clrMapOvr>
+    <a:masterClrMapping/>
+  </p:clrMapOvr>
+</p:sldLayout>
+</file>
+
+<file path=ppt/slideLayouts/slideLayout15.xml><?xml version="1.0" encoding="utf-8"?>
+<p:sldLayout xmlns:a="http://schemas.openxmlformats.org/drawingml/2006/main" xmlns:r="http://schemas.openxmlformats.org/officeDocument/2006/relationships" xmlns:p="http://schemas.openxmlformats.org/presentationml/2006/main" preserve="1">
+  <p:cSld name="3 Picture Column">
+    <p:spTree>
+      <p:nvGrpSpPr>
+        <p:cNvPr id="1" name=""/>
+        <p:cNvGrpSpPr/>
+        <p:nvPr/>
+      </p:nvGrpSpPr>
+      <p:grpSpPr>
+        <a:xfrm>
+          <a:off x="0" y="0"/>
+          <a:ext cx="0" cy="0"/>
+          <a:chOff x="0" y="0"/>
+          <a:chExt cx="0" cy="0"/>
+        </a:xfrm>
+      </p:grpSpPr>
+      <p:sp>
+        <p:nvSpPr>
+          <p:cNvPr id="30" name="Title 1"/>
+          <p:cNvSpPr>
+            <a:spLocks noGrp="1"/>
+          </p:cNvSpPr>
+          <p:nvPr>
+            <p:ph type="title"/>
+          </p:nvPr>
+        </p:nvSpPr>
+        <p:spPr>
+          <a:xfrm>
+            <a:off x="2895600" y="762000"/>
+            <a:ext cx="8610599" cy="1295400"/>
+          </a:xfrm>
+        </p:spPr>
+        <p:txBody>
+          <a:bodyPr/>
+          <a:lstStyle/>
+          <a:p>
+            <a:r>
+              <a:rPr lang="en-US"/>
+              <a:t>Click to edit Master title style</a:t>
+            </a:r>
+            <a:endParaRPr lang="en-US" dirty="0"/>
+          </a:p>
+        </p:txBody>
+      </p:sp>
+      <p:sp>
+        <p:nvSpPr>
+          <p:cNvPr id="19" name="Text Placeholder 2"/>
+          <p:cNvSpPr>
+            <a:spLocks noGrp="1"/>
+          </p:cNvSpPr>
+          <p:nvPr>
+            <p:ph type="body" idx="1"/>
+          </p:nvPr>
+        </p:nvSpPr>
+        <p:spPr>
+          <a:xfrm>
+            <a:off x="688618" y="4191000"/>
+            <a:ext cx="3451582" cy="682765"/>
+          </a:xfrm>
+        </p:spPr>
+        <p:txBody>
+          <a:bodyPr anchor="b">
+            <a:noAutofit/>
+          </a:bodyPr>
+          <a:lstStyle>
+            <a:lvl1pPr marL="0" indent="0">
+              <a:buNone/>
+              <a:defRPr sz="2400" b="0">
+                <a:solidFill>
+                  <a:schemeClr val="tx1"/>
+                </a:solidFill>
+              </a:defRPr>
+            </a:lvl1pPr>
+            <a:lvl2pPr marL="457200" indent="0">
+              <a:buNone/>
+              <a:defRPr sz="2000" b="1"/>
+            </a:lvl2pPr>
+            <a:lvl3pPr marL="914400" indent="0">
+              <a:buNone/>
+              <a:defRPr sz="1800" b="1"/>
+            </a:lvl3pPr>
+            <a:lvl4pPr marL="1371600" indent="0">
+              <a:buNone/>
+              <a:defRPr sz="1600" b="1"/>
+            </a:lvl4pPr>
+            <a:lvl5pPr marL="1828800" indent="0">
+              <a:buNone/>
+              <a:defRPr sz="1600" b="1"/>
+            </a:lvl5pPr>
+            <a:lvl6pPr marL="2286000" indent="0">
+              <a:buNone/>
+              <a:defRPr sz="1600" b="1"/>
+            </a:lvl6pPr>
+            <a:lvl7pPr marL="2743200" indent="0">
+              <a:buNone/>
+              <a:defRPr sz="1600" b="1"/>
+            </a:lvl7pPr>
+            <a:lvl8pPr marL="3200400" indent="0">
+              <a:buNone/>
+              <a:defRPr sz="1600" b="1"/>
+            </a:lvl8pPr>
+            <a:lvl9pPr marL="3657600" indent="0">
+              <a:buNone/>
+              <a:defRPr sz="1600" b="1"/>
+            </a:lvl9pPr>
+          </a:lstStyle>
+          <a:p>
+            <a:pPr lvl="0"/>
+            <a:r>
+              <a:rPr lang="en-US"/>
+              <a:t>Click to edit Master text styles</a:t>
+            </a:r>
+          </a:p>
+        </p:txBody>
+      </p:sp>
+      <p:sp>
+        <p:nvSpPr>
+          <p:cNvPr id="20" name="Picture Placeholder 2"/>
+          <p:cNvSpPr>
+            <a:spLocks noGrp="1" noChangeAspect="1"/>
+          </p:cNvSpPr>
+          <p:nvPr>
+            <p:ph type="pic" idx="15"/>
+          </p:nvPr>
+        </p:nvSpPr>
+        <p:spPr>
+          <a:xfrm>
+            <a:off x="688618" y="2362200"/>
+            <a:ext cx="3451582" cy="1524000"/>
+          </a:xfrm>
+          <a:prstGeom prst="roundRect">
+            <a:avLst>
+              <a:gd name="adj" fmla="val 0"/>
+            </a:avLst>
+          </a:prstGeom>
+          <a:effectLst>
+            <a:outerShdw blurRad="50800" dist="50800" dir="5400000" algn="tl" rotWithShape="0">
+              <a:srgbClr val="000000">
+                <a:alpha val="43000"/>
+              </a:srgbClr>
+            </a:outerShdw>
+          </a:effectLst>
+        </p:spPr>
+        <p:txBody>
+          <a:bodyPr anchor="t">
+            <a:normAutofit/>
+          </a:bodyPr>
+          <a:lstStyle>
+            <a:lvl1pPr marL="0" indent="0" algn="ctr">
+              <a:buNone/>
+              <a:defRPr sz="1600"/>
+            </a:lvl1pPr>
+            <a:lvl2pPr marL="457200" indent="0">
+              <a:buNone/>
+              <a:defRPr sz="1600"/>
+            </a:lvl2pPr>
+            <a:lvl3pPr marL="914400" indent="0">
+              <a:buNone/>
+              <a:defRPr sz="1600"/>
+            </a:lvl3pPr>
+            <a:lvl4pPr marL="1371600" indent="0">
+              <a:buNone/>
+              <a:defRPr sz="1600"/>
+            </a:lvl4pPr>
+            <a:lvl5pPr marL="1828800" indent="0">
+              <a:buNone/>
+              <a:defRPr sz="1600"/>
+            </a:lvl5pPr>
+            <a:lvl6pPr marL="2286000" indent="0">
+              <a:buNone/>
+              <a:defRPr sz="1600"/>
+            </a:lvl6pPr>
+            <a:lvl7pPr marL="2743200" indent="0">
+              <a:buNone/>
+              <a:defRPr sz="1600"/>
+            </a:lvl7pPr>
+            <a:lvl8pPr marL="3200400" indent="0">
+              <a:buNone/>
+              <a:defRPr sz="1600"/>
+            </a:lvl8pPr>
+            <a:lvl9pPr marL="3657600" indent="0">
+              <a:buNone/>
+              <a:defRPr sz="1600"/>
+            </a:lvl9pPr>
+          </a:lstStyle>
+          <a:p>
+            <a:r>
+              <a:rPr lang="en-US"/>
+              <a:t>Click icon to add picture</a:t>
+            </a:r>
+            <a:endParaRPr lang="en-US" dirty="0"/>
+          </a:p>
+        </p:txBody>
+      </p:sp>
+      <p:sp>
+        <p:nvSpPr>
+          <p:cNvPr id="21" name="Text Placeholder 3"/>
+          <p:cNvSpPr>
+            <a:spLocks noGrp="1"/>
+          </p:cNvSpPr>
+          <p:nvPr>
+            <p:ph type="body" sz="half" idx="18"/>
+          </p:nvPr>
+        </p:nvSpPr>
+        <p:spPr>
+          <a:xfrm>
+            <a:off x="688618" y="4873764"/>
+            <a:ext cx="3451582" cy="1344921"/>
+          </a:xfrm>
+        </p:spPr>
+        <p:txBody>
+          <a:bodyPr anchor="t">
+            <a:normAutofit/>
+          </a:bodyPr>
+          <a:lstStyle>
+            <a:lvl1pPr marL="0" indent="0">
+              <a:buNone/>
+              <a:defRPr sz="1400"/>
+            </a:lvl1pPr>
+            <a:lvl2pPr marL="457200" indent="0">
+              <a:buNone/>
+              <a:defRPr sz="1200"/>
+            </a:lvl2pPr>
+            <a:lvl3pPr marL="914400" indent="0">
+              <a:buNone/>
+              <a:defRPr sz="1000"/>
+            </a:lvl3pPr>
+            <a:lvl4pPr marL="1371600" indent="0">
+              <a:buNone/>
+              <a:defRPr sz="900"/>
+            </a:lvl4pPr>
+            <a:lvl5pPr marL="1828800" indent="0">
+              <a:buNone/>
+              <a:defRPr sz="900"/>
+            </a:lvl5pPr>
+            <a:lvl6pPr marL="2286000" indent="0">
+              <a:buNone/>
+              <a:defRPr sz="900"/>
+            </a:lvl6pPr>
+            <a:lvl7pPr marL="2743200" indent="0">
+              <a:buNone/>
+              <a:defRPr sz="900"/>
+            </a:lvl7pPr>
+            <a:lvl8pPr marL="3200400" indent="0">
+              <a:buNone/>
+              <a:defRPr sz="900"/>
+            </a:lvl8pPr>
+            <a:lvl9pPr marL="3657600" indent="0">
+              <a:buNone/>
+              <a:defRPr sz="900"/>
+            </a:lvl9pPr>
+          </a:lstStyle>
+          <a:p>
+            <a:pPr lvl="0"/>
+            <a:r>
+              <a:rPr lang="en-US"/>
+              <a:t>Click to edit Master text styles</a:t>
+            </a:r>
+          </a:p>
+        </p:txBody>
+      </p:sp>
+      <p:sp>
+        <p:nvSpPr>
+          <p:cNvPr id="22" name="Text Placeholder 4"/>
+          <p:cNvSpPr>
+            <a:spLocks noGrp="1"/>
+          </p:cNvSpPr>
+          <p:nvPr>
+            <p:ph type="body" sz="quarter" idx="3"/>
+          </p:nvPr>
+        </p:nvSpPr>
+        <p:spPr>
+          <a:xfrm>
+            <a:off x="4374263" y="4191000"/>
+            <a:ext cx="3448935" cy="682765"/>
+          </a:xfrm>
+        </p:spPr>
+        <p:txBody>
+          <a:bodyPr anchor="b">
+            <a:noAutofit/>
+          </a:bodyPr>
+          <a:lstStyle>
+            <a:lvl1pPr marL="0" indent="0">
+              <a:buNone/>
+              <a:defRPr sz="2400" b="0">
+                <a:solidFill>
+                  <a:schemeClr val="tx1"/>
+                </a:solidFill>
+              </a:defRPr>
+            </a:lvl1pPr>
+            <a:lvl2pPr marL="457200" indent="0">
+              <a:buNone/>
+              <a:defRPr sz="2000" b="1"/>
+            </a:lvl2pPr>
+            <a:lvl3pPr marL="914400" indent="0">
+              <a:buNone/>
+              <a:defRPr sz="1800" b="1"/>
+            </a:lvl3pPr>
+            <a:lvl4pPr marL="1371600" indent="0">
+              <a:buNone/>
+              <a:defRPr sz="1600" b="1"/>
+            </a:lvl4pPr>
+            <a:lvl5pPr marL="1828800" indent="0">
+              <a:buNone/>
+              <a:defRPr sz="1600" b="1"/>
+            </a:lvl5pPr>
+            <a:lvl6pPr marL="2286000" indent="0">
+              <a:buNone/>
+              <a:defRPr sz="1600" b="1"/>
+            </a:lvl6pPr>
+            <a:lvl7pPr marL="2743200" indent="0">
+              <a:buNone/>
+              <a:defRPr sz="1600" b="1"/>
+            </a:lvl7pPr>
+            <a:lvl8pPr marL="3200400" indent="0">
+              <a:buNone/>
+              <a:defRPr sz="1600" b="1"/>
+            </a:lvl8pPr>
+            <a:lvl9pPr marL="3657600" indent="0">
+              <a:buNone/>
+              <a:defRPr sz="1600" b="1"/>
+            </a:lvl9pPr>
+          </a:lstStyle>
+          <a:p>
+            <a:pPr lvl="0"/>
+            <a:r>
+              <a:rPr lang="en-US"/>
+              <a:t>Click to edit Master text styles</a:t>
+            </a:r>
+          </a:p>
+        </p:txBody>
+      </p:sp>
+      <p:sp>
+        <p:nvSpPr>
+          <p:cNvPr id="23" name="Picture Placeholder 2"/>
+          <p:cNvSpPr>
+            <a:spLocks noGrp="1" noChangeAspect="1"/>
+          </p:cNvSpPr>
+          <p:nvPr>
+            <p:ph type="pic" idx="21"/>
+          </p:nvPr>
+        </p:nvSpPr>
+        <p:spPr>
+          <a:xfrm>
+            <a:off x="4374263" y="2362200"/>
+            <a:ext cx="3448936" cy="1524000"/>
+          </a:xfrm>
+          <a:prstGeom prst="roundRect">
+            <a:avLst>
+              <a:gd name="adj" fmla="val 0"/>
+            </a:avLst>
+          </a:prstGeom>
+          <a:effectLst>
+            <a:outerShdw blurRad="50800" dist="50800" dir="5400000" algn="tl" rotWithShape="0">
+              <a:srgbClr val="000000">
+                <a:alpha val="43000"/>
+              </a:srgbClr>
+            </a:outerShdw>
+          </a:effectLst>
+        </p:spPr>
+        <p:txBody>
+          <a:bodyPr anchor="t">
+            <a:normAutofit/>
+          </a:bodyPr>
+          <a:lstStyle>
+            <a:lvl1pPr marL="0" indent="0" algn="ctr">
+              <a:buNone/>
+              <a:defRPr sz="1600"/>
+            </a:lvl1pPr>
+            <a:lvl2pPr marL="457200" indent="0">
+              <a:buNone/>
+              <a:defRPr sz="1600"/>
+            </a:lvl2pPr>
+            <a:lvl3pPr marL="914400" indent="0">
+              <a:buNone/>
+              <a:defRPr sz="1600"/>
+            </a:lvl3pPr>
+            <a:lvl4pPr marL="1371600" indent="0">
+              <a:buNone/>
+              <a:defRPr sz="1600"/>
+            </a:lvl4pPr>
+            <a:lvl5pPr marL="1828800" indent="0">
+              <a:buNone/>
+              <a:defRPr sz="1600"/>
+            </a:lvl5pPr>
+            <a:lvl6pPr marL="2286000" indent="0">
+              <a:buNone/>
+              <a:defRPr sz="1600"/>
+            </a:lvl6pPr>
+            <a:lvl7pPr marL="2743200" indent="0">
+              <a:buNone/>
+              <a:defRPr sz="1600"/>
+            </a:lvl7pPr>
+            <a:lvl8pPr marL="3200400" indent="0">
+              <a:buNone/>
+              <a:defRPr sz="1600"/>
+            </a:lvl8pPr>
+            <a:lvl9pPr marL="3657600" indent="0">
+              <a:buNone/>
+              <a:defRPr sz="1600"/>
+            </a:lvl9pPr>
+          </a:lstStyle>
+          <a:p>
+            <a:r>
+              <a:rPr lang="en-US"/>
+              <a:t>Click icon to add picture</a:t>
+            </a:r>
+            <a:endParaRPr lang="en-US" dirty="0"/>
+          </a:p>
+        </p:txBody>
+      </p:sp>
+      <p:sp>
+        <p:nvSpPr>
+          <p:cNvPr id="24" name="Text Placeholder 3"/>
+          <p:cNvSpPr>
+            <a:spLocks noGrp="1"/>
+          </p:cNvSpPr>
+          <p:nvPr>
+            <p:ph type="body" sz="half" idx="19"/>
+          </p:nvPr>
+        </p:nvSpPr>
+        <p:spPr>
+          <a:xfrm>
+            <a:off x="4374264" y="4873763"/>
+            <a:ext cx="3448935" cy="1344921"/>
+          </a:xfrm>
+        </p:spPr>
+        <p:txBody>
+          <a:bodyPr anchor="t">
+            <a:normAutofit/>
+          </a:bodyPr>
+          <a:lstStyle>
+            <a:lvl1pPr marL="0" indent="0">
+              <a:buNone/>
+              <a:defRPr sz="1400"/>
+            </a:lvl1pPr>
+            <a:lvl2pPr marL="457200" indent="0">
+              <a:buNone/>
+              <a:defRPr sz="1200"/>
+            </a:lvl2pPr>
+            <a:lvl3pPr marL="914400" indent="0">
+              <a:buNone/>
+              <a:defRPr sz="1000"/>
+            </a:lvl3pPr>
+            <a:lvl4pPr marL="1371600" indent="0">
+              <a:buNone/>
+              <a:defRPr sz="900"/>
+            </a:lvl4pPr>
+            <a:lvl5pPr marL="1828800" indent="0">
+              <a:buNone/>
+              <a:defRPr sz="900"/>
+            </a:lvl5pPr>
+            <a:lvl6pPr marL="2286000" indent="0">
+              <a:buNone/>
+              <a:defRPr sz="900"/>
+            </a:lvl6pPr>
+            <a:lvl7pPr marL="2743200" indent="0">
+              <a:buNone/>
+              <a:defRPr sz="900"/>
+            </a:lvl7pPr>
+            <a:lvl8pPr marL="3200400" indent="0">
+              <a:buNone/>
+              <a:defRPr sz="900"/>
+            </a:lvl8pPr>
+            <a:lvl9pPr marL="3657600" indent="0">
+              <a:buNone/>
+              <a:defRPr sz="900"/>
+            </a:lvl9pPr>
+          </a:lstStyle>
+          <a:p>
+            <a:pPr lvl="0"/>
+            <a:r>
+              <a:rPr lang="en-US"/>
+              <a:t>Click to edit Master text styles</a:t>
+            </a:r>
+          </a:p>
+        </p:txBody>
+      </p:sp>
+      <p:sp>
+        <p:nvSpPr>
+          <p:cNvPr id="25" name="Text Placeholder 4"/>
+          <p:cNvSpPr>
+            <a:spLocks noGrp="1"/>
+          </p:cNvSpPr>
+          <p:nvPr>
+            <p:ph type="body" sz="quarter" idx="13"/>
+          </p:nvPr>
+        </p:nvSpPr>
+        <p:spPr>
+          <a:xfrm>
+            <a:off x="8049731" y="4191000"/>
+            <a:ext cx="3456469" cy="682765"/>
+          </a:xfrm>
+        </p:spPr>
+        <p:txBody>
+          <a:bodyPr anchor="b">
+            <a:noAutofit/>
+          </a:bodyPr>
+          <a:lstStyle>
+            <a:lvl1pPr marL="0" indent="0">
+              <a:buNone/>
+              <a:defRPr sz="2400" b="0">
+                <a:solidFill>
+                  <a:schemeClr val="tx1"/>
+                </a:solidFill>
+              </a:defRPr>
+            </a:lvl1pPr>
+            <a:lvl2pPr marL="457200" indent="0">
+              <a:buNone/>
+              <a:defRPr sz="2000" b="1"/>
+            </a:lvl2pPr>
+            <a:lvl3pPr marL="914400" indent="0">
+              <a:buNone/>
+              <a:defRPr sz="1800" b="1"/>
+            </a:lvl3pPr>
+            <a:lvl4pPr marL="1371600" indent="0">
+              <a:buNone/>
+              <a:defRPr sz="1600" b="1"/>
+            </a:lvl4pPr>
+            <a:lvl5pPr marL="1828800" indent="0">
+              <a:buNone/>
+              <a:defRPr sz="1600" b="1"/>
+            </a:lvl5pPr>
+            <a:lvl6pPr marL="2286000" indent="0">
+              <a:buNone/>
+              <a:defRPr sz="1600" b="1"/>
+            </a:lvl6pPr>
+            <a:lvl7pPr marL="2743200" indent="0">
+              <a:buNone/>
+              <a:defRPr sz="1600" b="1"/>
+            </a:lvl7pPr>
+            <a:lvl8pPr marL="3200400" indent="0">
+              <a:buNone/>
+              <a:defRPr sz="1600" b="1"/>
+            </a:lvl8pPr>
+            <a:lvl9pPr marL="3657600" indent="0">
+              <a:buNone/>
+              <a:defRPr sz="1600" b="1"/>
+            </a:lvl9pPr>
+          </a:lstStyle>
+          <a:p>
+            <a:pPr lvl="0"/>
+            <a:r>
+              <a:rPr lang="en-US"/>
+              <a:t>Click to edit Master text styles</a:t>
+            </a:r>
+          </a:p>
+        </p:txBody>
+      </p:sp>
+      <p:sp>
+        <p:nvSpPr>
+          <p:cNvPr id="26" name="Picture Placeholder 2"/>
+          <p:cNvSpPr>
+            <a:spLocks noGrp="1" noChangeAspect="1"/>
+          </p:cNvSpPr>
+          <p:nvPr>
+            <p:ph type="pic" idx="22"/>
+          </p:nvPr>
+        </p:nvSpPr>
+        <p:spPr>
+          <a:xfrm>
+            <a:off x="8049855" y="2362200"/>
+            <a:ext cx="3447878" cy="1524000"/>
+          </a:xfrm>
+          <a:prstGeom prst="roundRect">
+            <a:avLst>
+              <a:gd name="adj" fmla="val 0"/>
+            </a:avLst>
+          </a:prstGeom>
+          <a:effectLst>
+            <a:outerShdw blurRad="50800" dist="50800" dir="5400000" algn="tl" rotWithShape="0">
+              <a:srgbClr val="000000">
+                <a:alpha val="43000"/>
+              </a:srgbClr>
+            </a:outerShdw>
+          </a:effectLst>
+        </p:spPr>
+        <p:txBody>
+          <a:bodyPr anchor="t">
+            <a:normAutofit/>
+          </a:bodyPr>
+          <a:lstStyle>
+            <a:lvl1pPr marL="0" indent="0" algn="ctr">
+              <a:buNone/>
+              <a:defRPr sz="1600"/>
+            </a:lvl1pPr>
+            <a:lvl2pPr marL="457200" indent="0">
+              <a:buNone/>
+              <a:defRPr sz="1600"/>
+            </a:lvl2pPr>
+            <a:lvl3pPr marL="914400" indent="0">
+              <a:buNone/>
+              <a:defRPr sz="1600"/>
+            </a:lvl3pPr>
+            <a:lvl4pPr marL="1371600" indent="0">
+              <a:buNone/>
+              <a:defRPr sz="1600"/>
+            </a:lvl4pPr>
+            <a:lvl5pPr marL="1828800" indent="0">
+              <a:buNone/>
+              <a:defRPr sz="1600"/>
+            </a:lvl5pPr>
+            <a:lvl6pPr marL="2286000" indent="0">
+              <a:buNone/>
+              <a:defRPr sz="1600"/>
+            </a:lvl6pPr>
+            <a:lvl7pPr marL="2743200" indent="0">
+              <a:buNone/>
+              <a:defRPr sz="1600"/>
+            </a:lvl7pPr>
+            <a:lvl8pPr marL="3200400" indent="0">
+              <a:buNone/>
+              <a:defRPr sz="1600"/>
+            </a:lvl8pPr>
+            <a:lvl9pPr marL="3657600" indent="0">
+              <a:buNone/>
+              <a:defRPr sz="1600"/>
+            </a:lvl9pPr>
+          </a:lstStyle>
+          <a:p>
+            <a:r>
+              <a:rPr lang="en-US"/>
+              <a:t>Click icon to add picture</a:t>
+            </a:r>
+            <a:endParaRPr lang="en-US" dirty="0"/>
+          </a:p>
+        </p:txBody>
+      </p:sp>
+      <p:sp>
+        <p:nvSpPr>
+          <p:cNvPr id="27" name="Text Placeholder 3"/>
+          <p:cNvSpPr>
+            <a:spLocks noGrp="1"/>
+          </p:cNvSpPr>
+          <p:nvPr>
+            <p:ph type="body" sz="half" idx="20"/>
+          </p:nvPr>
+        </p:nvSpPr>
+        <p:spPr>
+          <a:xfrm>
+            <a:off x="8049731" y="4873761"/>
+            <a:ext cx="3452445" cy="1344921"/>
+          </a:xfrm>
+        </p:spPr>
+        <p:txBody>
+          <a:bodyPr anchor="t">
+            <a:normAutofit/>
+          </a:bodyPr>
+          <a:lstStyle>
+            <a:lvl1pPr marL="0" indent="0">
+              <a:buNone/>
+              <a:defRPr sz="1400"/>
+            </a:lvl1pPr>
+            <a:lvl2pPr marL="457200" indent="0">
+              <a:buNone/>
+              <a:defRPr sz="1200"/>
+            </a:lvl2pPr>
+            <a:lvl3pPr marL="914400" indent="0">
+              <a:buNone/>
+              <a:defRPr sz="1000"/>
+            </a:lvl3pPr>
+            <a:lvl4pPr marL="1371600" indent="0">
+              <a:buNone/>
+              <a:defRPr sz="900"/>
+            </a:lvl4pPr>
+            <a:lvl5pPr marL="1828800" indent="0">
+              <a:buNone/>
+              <a:defRPr sz="900"/>
+            </a:lvl5pPr>
+            <a:lvl6pPr marL="2286000" indent="0">
+              <a:buNone/>
+              <a:defRPr sz="900"/>
+            </a:lvl6pPr>
+            <a:lvl7pPr marL="2743200" indent="0">
+              <a:buNone/>
+              <a:defRPr sz="900"/>
+            </a:lvl7pPr>
+            <a:lvl8pPr marL="3200400" indent="0">
+              <a:buNone/>
+              <a:defRPr sz="900"/>
+            </a:lvl8pPr>
+            <a:lvl9pPr marL="3657600" indent="0">
+              <a:buNone/>
+              <a:defRPr sz="900"/>
+            </a:lvl9pPr>
+          </a:lstStyle>
+          <a:p>
+            <a:pPr lvl="0"/>
+            <a:r>
+              <a:rPr lang="en-US"/>
+              <a:t>Click to edit Master text styles</a:t>
+            </a:r>
+          </a:p>
+        </p:txBody>
+      </p:sp>
+      <p:sp>
+        <p:nvSpPr>
+          <p:cNvPr id="3" name="Date Placeholder 2"/>
+          <p:cNvSpPr>
+            <a:spLocks noGrp="1"/>
+          </p:cNvSpPr>
+          <p:nvPr>
+            <p:ph type="dt" sz="half" idx="10"/>
+          </p:nvPr>
+        </p:nvSpPr>
+        <p:spPr/>
+        <p:txBody>
+          <a:bodyPr/>
+          <a:lstStyle/>
+          <a:p>
+            <a:fld id="{5DEA3F82-8CB4-4B0C-B6BE-1390C73654E0}" type="datetimeFigureOut">
+              <a:rPr lang="en-US" smtClean="0"/>
+              <a:t>3/31/2019</a:t>
+            </a:fld>
+            <a:endParaRPr lang="en-US"/>
+          </a:p>
+        </p:txBody>
+      </p:sp>
+      <p:sp>
+        <p:nvSpPr>
+          <p:cNvPr id="4" name="Footer Placeholder 3"/>
+          <p:cNvSpPr>
+            <a:spLocks noGrp="1"/>
+          </p:cNvSpPr>
+          <p:nvPr>
+            <p:ph type="ftr" sz="quarter" idx="11"/>
+          </p:nvPr>
+        </p:nvSpPr>
+        <p:spPr/>
+        <p:txBody>
+          <a:bodyPr/>
+          <a:lstStyle/>
+          <a:p>
+            <a:endParaRPr lang="en-US"/>
+          </a:p>
+        </p:txBody>
+      </p:sp>
+      <p:sp>
+        <p:nvSpPr>
+          <p:cNvPr id="5" name="Slide Number Placeholder 4"/>
+          <p:cNvSpPr>
+            <a:spLocks noGrp="1"/>
+          </p:cNvSpPr>
+          <p:nvPr>
+            <p:ph type="sldNum" sz="quarter" idx="12"/>
+          </p:nvPr>
+        </p:nvSpPr>
+        <p:spPr/>
+        <p:txBody>
+          <a:bodyPr/>
+          <a:lstStyle/>
+          <a:p>
+            <a:fld id="{AAB1DB7F-6336-4D28-9447-CB35CDE0773F}" type="slidenum">
+              <a:rPr lang="en-US" smtClean="0"/>
+              <a:t>‹#›</a:t>
+            </a:fld>
+            <a:endParaRPr lang="en-US"/>
+          </a:p>
+        </p:txBody>
+      </p:sp>
+    </p:spTree>
+    <p:extLst>
+      <p:ext uri="{BB962C8B-B14F-4D97-AF65-F5344CB8AC3E}">
+        <p14:creationId xmlns:p14="http://schemas.microsoft.com/office/powerpoint/2010/main" val="1794076569"/>
+      </p:ext>
+    </p:extLst>
+  </p:cSld>
+  <p:clrMapOvr>
+    <a:masterClrMapping/>
+  </p:clrMapOvr>
+</p:sldLayout>
+</file>
+
+<file path=ppt/slideLayouts/slideLayout16.xml><?xml version="1.0" encoding="utf-8"?>
 <p:sldLayout xmlns:a="http://schemas.openxmlformats.org/drawingml/2006/main" xmlns:r="http://schemas.openxmlformats.org/officeDocument/2006/relationships" xmlns:p="http://schemas.openxmlformats.org/presentationml/2006/main" type="vertTx" preserve="1">
   <p:cSld name="Title and Vertical Text">
     <p:spTree>
@@ -351,6 +2994,7 @@
               <a:rPr lang="en-US"/>
               <a:t>Click to edit Master title style</a:t>
             </a:r>
+            <a:endParaRPr lang="en-US" dirty="0"/>
           </a:p>
         </p:txBody>
       </p:sp>
@@ -364,7 +3008,12 @@
             <p:ph type="body" orient="vert" idx="1"/>
           </p:nvPr>
         </p:nvSpPr>
-        <p:spPr/>
+        <p:spPr>
+          <a:xfrm>
+            <a:off x="685800" y="2194559"/>
+            <a:ext cx="10820400" cy="4024125"/>
+          </a:xfrm>
+        </p:spPr>
         <p:txBody>
           <a:bodyPr vert="eaVert"/>
           <a:lstStyle/>
@@ -402,6 +3051,7 @@
               <a:rPr lang="en-US"/>
               <a:t>Fifth level</a:t>
             </a:r>
+            <a:endParaRPr lang="en-US" dirty="0"/>
           </a:p>
         </p:txBody>
       </p:sp>
@@ -473,7 +3123,7 @@
     </p:spTree>
     <p:extLst>
       <p:ext uri="{BB962C8B-B14F-4D97-AF65-F5344CB8AC3E}">
-        <p14:creationId xmlns:p14="http://schemas.microsoft.com/office/powerpoint/2010/main" val="2311522453"/>
+        <p14:creationId xmlns:p14="http://schemas.microsoft.com/office/powerpoint/2010/main" val="801010422"/>
       </p:ext>
     </p:extLst>
   </p:cSld>
@@ -483,8 +3133,8 @@
 </p:sldLayout>
 </file>
 
-<file path=ppt/slideLayouts/slideLayout11.xml><?xml version="1.0" encoding="utf-8"?>
-<p:sldLayout xmlns:a="http://schemas.openxmlformats.org/drawingml/2006/main" xmlns:r="http://schemas.openxmlformats.org/officeDocument/2006/relationships" xmlns:p="http://schemas.openxmlformats.org/presentationml/2006/main" type="vertTitleAndTx" preserve="1">
+<file path=ppt/slideLayouts/slideLayout17.xml><?xml version="1.0" encoding="utf-8"?>
+<p:sldLayout xmlns:a="http://schemas.openxmlformats.org/drawingml/2006/main" xmlns:r="http://schemas.openxmlformats.org/officeDocument/2006/relationships" xmlns:p="http://schemas.openxmlformats.org/presentationml/2006/main" showMasterSp="0" type="vertTitleAndTx" preserve="1">
   <p:cSld name="Vertical Title and Text">
     <p:spTree>
       <p:nvGrpSpPr>
@@ -500,6 +3150,36 @@
           <a:chExt cx="0" cy="0"/>
         </a:xfrm>
       </p:grpSpPr>
+      <p:pic>
+        <p:nvPicPr>
+          <p:cNvPr id="8" name="Picture 7" descr="C0-HD-BTM.png"/>
+          <p:cNvPicPr>
+            <a:picLocks noChangeAspect="1"/>
+          </p:cNvPicPr>
+          <p:nvPr/>
+        </p:nvPicPr>
+        <p:blipFill>
+          <a:blip r:embed="rId2">
+            <a:extLst>
+              <a:ext uri="{28A0092B-C50C-407E-A947-70E740481C1C}">
+                <a14:useLocalDpi xmlns:a14="http://schemas.microsoft.com/office/drawing/2010/main" val="0"/>
+              </a:ext>
+            </a:extLst>
+          </a:blip>
+          <a:stretch>
+            <a:fillRect/>
+          </a:stretch>
+        </p:blipFill>
+        <p:spPr>
+          <a:xfrm>
+            <a:off x="0" y="4375150"/>
+            <a:ext cx="12192000" cy="2482850"/>
+          </a:xfrm>
+          <a:prstGeom prst="rect">
+            <a:avLst/>
+          </a:prstGeom>
+        </p:spPr>
+      </p:pic>
       <p:sp>
         <p:nvSpPr>
           <p:cNvPr id="2" name="Vertical Title 1"/>
@@ -512,18 +3192,23 @@
         </p:nvSpPr>
         <p:spPr>
           <a:xfrm>
-            <a:off x="8724900" y="365125"/>
-            <a:ext cx="2628900" cy="5811838"/>
+            <a:off x="9448800" y="745066"/>
+            <a:ext cx="2057400" cy="3903133"/>
           </a:xfrm>
         </p:spPr>
         <p:txBody>
           <a:bodyPr vert="eaVert"/>
-          <a:lstStyle/>
+          <a:lstStyle>
+            <a:lvl1pPr algn="l">
+              <a:defRPr/>
+            </a:lvl1pPr>
+          </a:lstStyle>
           <a:p>
             <a:r>
               <a:rPr lang="en-US"/>
               <a:t>Click to edit Master title style</a:t>
             </a:r>
+            <a:endParaRPr lang="en-US" dirty="0"/>
           </a:p>
         </p:txBody>
       </p:sp>
@@ -539,8 +3224,8 @@
         </p:nvSpPr>
         <p:spPr>
           <a:xfrm>
-            <a:off x="838200" y="365125"/>
-            <a:ext cx="7734300" cy="5811838"/>
+            <a:off x="1024466" y="745067"/>
+            <a:ext cx="8204201" cy="3903133"/>
           </a:xfrm>
         </p:spPr>
         <p:txBody>
@@ -580,6 +3265,7 @@
               <a:rPr lang="en-US"/>
               <a:t>Fifth level</a:t>
             </a:r>
+            <a:endParaRPr lang="en-US" dirty="0"/>
           </a:p>
         </p:txBody>
       </p:sp>
@@ -593,10 +3279,19 @@
             <p:ph type="dt" sz="half" idx="10"/>
           </p:nvPr>
         </p:nvSpPr>
-        <p:spPr/>
+        <p:spPr>
+          <a:xfrm>
+            <a:off x="7814452" y="379941"/>
+            <a:ext cx="2910840" cy="365125"/>
+          </a:xfrm>
+        </p:spPr>
         <p:txBody>
           <a:bodyPr/>
-          <a:lstStyle/>
+          <a:lstStyle>
+            <a:lvl1pPr algn="r">
+              <a:defRPr/>
+            </a:lvl1pPr>
+          </a:lstStyle>
           <a:p>
             <a:fld id="{5DEA3F82-8CB4-4B0C-B6BE-1390C73654E0}" type="datetimeFigureOut">
               <a:rPr lang="en-US" smtClean="0"/>
@@ -616,7 +3311,12 @@
             <p:ph type="ftr" sz="quarter" idx="11"/>
           </p:nvPr>
         </p:nvSpPr>
-        <p:spPr/>
+        <p:spPr>
+          <a:xfrm>
+            <a:off x="685800" y="381000"/>
+            <a:ext cx="6991492" cy="365125"/>
+          </a:xfrm>
+        </p:spPr>
         <p:txBody>
           <a:bodyPr/>
           <a:lstStyle/>
@@ -635,7 +3335,12 @@
             <p:ph type="sldNum" sz="quarter" idx="12"/>
           </p:nvPr>
         </p:nvSpPr>
-        <p:spPr/>
+        <p:spPr>
+          <a:xfrm>
+            <a:off x="10862452" y="381000"/>
+            <a:ext cx="643748" cy="365125"/>
+          </a:xfrm>
+        </p:spPr>
         <p:txBody>
           <a:bodyPr/>
           <a:lstStyle/>
@@ -651,7 +3356,7 @@
     </p:spTree>
     <p:extLst>
       <p:ext uri="{BB962C8B-B14F-4D97-AF65-F5344CB8AC3E}">
-        <p14:creationId xmlns:p14="http://schemas.microsoft.com/office/powerpoint/2010/main" val="3421509487"/>
+        <p14:creationId xmlns:p14="http://schemas.microsoft.com/office/powerpoint/2010/main" val="1237439456"/>
       </p:ext>
     </p:extLst>
   </p:cSld>
@@ -697,6 +3402,7 @@
               <a:rPr lang="en-US"/>
               <a:t>Click to edit Master title style</a:t>
             </a:r>
+            <a:endParaRPr lang="en-US" dirty="0"/>
           </a:p>
         </p:txBody>
       </p:sp>
@@ -748,6 +3454,7 @@
               <a:rPr lang="en-US"/>
               <a:t>Fifth level</a:t>
             </a:r>
+            <a:endParaRPr lang="en-US" dirty="0"/>
           </a:p>
         </p:txBody>
       </p:sp>
@@ -819,7 +3526,7 @@
     </p:spTree>
     <p:extLst>
       <p:ext uri="{BB962C8B-B14F-4D97-AF65-F5344CB8AC3E}">
-        <p14:creationId xmlns:p14="http://schemas.microsoft.com/office/powerpoint/2010/main" val="3945350263"/>
+        <p14:creationId xmlns:p14="http://schemas.microsoft.com/office/powerpoint/2010/main" val="1926197880"/>
       </p:ext>
     </p:extLst>
   </p:cSld>
@@ -830,7 +3537,7 @@
 </file>
 
 <file path=ppt/slideLayouts/slideLayout3.xml><?xml version="1.0" encoding="utf-8"?>
-<p:sldLayout xmlns:a="http://schemas.openxmlformats.org/drawingml/2006/main" xmlns:r="http://schemas.openxmlformats.org/officeDocument/2006/relationships" xmlns:p="http://schemas.openxmlformats.org/presentationml/2006/main" type="secHead" preserve="1">
+<p:sldLayout xmlns:a="http://schemas.openxmlformats.org/drawingml/2006/main" xmlns:r="http://schemas.openxmlformats.org/officeDocument/2006/relationships" xmlns:p="http://schemas.openxmlformats.org/presentationml/2006/main" showMasterSp="0" type="secHead" preserve="1">
   <p:cSld name="Section Header">
     <p:spTree>
       <p:nvGrpSpPr>
@@ -846,6 +3553,36 @@
           <a:chExt cx="0" cy="0"/>
         </a:xfrm>
       </p:grpSpPr>
+      <p:pic>
+        <p:nvPicPr>
+          <p:cNvPr id="9" name="Picture 8" descr="C0-HD-BTM.png"/>
+          <p:cNvPicPr>
+            <a:picLocks noChangeAspect="1"/>
+          </p:cNvPicPr>
+          <p:nvPr/>
+        </p:nvPicPr>
+        <p:blipFill>
+          <a:blip r:embed="rId2">
+            <a:extLst>
+              <a:ext uri="{28A0092B-C50C-407E-A947-70E740481C1C}">
+                <a14:useLocalDpi xmlns:a14="http://schemas.microsoft.com/office/drawing/2010/main" val="0"/>
+              </a:ext>
+            </a:extLst>
+          </a:blip>
+          <a:stretch>
+            <a:fillRect/>
+          </a:stretch>
+        </p:blipFill>
+        <p:spPr>
+          <a:xfrm>
+            <a:off x="0" y="4375150"/>
+            <a:ext cx="12192000" cy="2482850"/>
+          </a:xfrm>
+          <a:prstGeom prst="rect">
+            <a:avLst/>
+          </a:prstGeom>
+        </p:spPr>
+      </p:pic>
       <p:sp>
         <p:nvSpPr>
           <p:cNvPr id="2" name="Title 1"/>
@@ -858,15 +3595,17 @@
         </p:nvSpPr>
         <p:spPr>
           <a:xfrm>
-            <a:off x="831850" y="1709738"/>
-            <a:ext cx="10515600" cy="2852737"/>
-          </a:xfrm>
-        </p:spPr>
-        <p:txBody>
-          <a:bodyPr anchor="b"/>
+            <a:off x="685800" y="753533"/>
+            <a:ext cx="10820399" cy="2801935"/>
+          </a:xfrm>
+        </p:spPr>
+        <p:txBody>
+          <a:bodyPr anchor="b">
+            <a:normAutofit/>
+          </a:bodyPr>
           <a:lstStyle>
-            <a:lvl1pPr>
-              <a:defRPr sz="6000"/>
+            <a:lvl1pPr algn="r">
+              <a:defRPr sz="4000"/>
             </a:lvl1pPr>
           </a:lstStyle>
           <a:p>
@@ -874,6 +3613,7 @@
               <a:rPr lang="en-US"/>
               <a:t>Click to edit Master title style</a:t>
             </a:r>
+            <a:endParaRPr lang="en-US" dirty="0"/>
           </a:p>
         </p:txBody>
       </p:sp>
@@ -889,16 +3629,18 @@
         </p:nvSpPr>
         <p:spPr>
           <a:xfrm>
-            <a:off x="831850" y="4589463"/>
-            <a:ext cx="10515600" cy="1500187"/>
-          </a:xfrm>
-        </p:spPr>
-        <p:txBody>
-          <a:bodyPr/>
+            <a:off x="1024467" y="3641725"/>
+            <a:ext cx="10490200" cy="955675"/>
+          </a:xfrm>
+        </p:spPr>
+        <p:txBody>
+          <a:bodyPr>
+            <a:normAutofit/>
+          </a:bodyPr>
           <a:lstStyle>
-            <a:lvl1pPr marL="0" indent="0">
-              <a:buNone/>
-              <a:defRPr sz="2400">
+            <a:lvl1pPr marL="0" indent="0" algn="r">
+              <a:buNone/>
+              <a:defRPr sz="2200">
                 <a:solidFill>
                   <a:schemeClr val="tx1">
                     <a:tint val="75000"/>
@@ -1006,10 +3748,19 @@
             <p:ph type="dt" sz="half" idx="10"/>
           </p:nvPr>
         </p:nvSpPr>
-        <p:spPr/>
+        <p:spPr>
+          <a:xfrm>
+            <a:off x="7814452" y="381000"/>
+            <a:ext cx="2910840" cy="365125"/>
+          </a:xfrm>
+        </p:spPr>
         <p:txBody>
           <a:bodyPr/>
-          <a:lstStyle/>
+          <a:lstStyle>
+            <a:lvl1pPr algn="r">
+              <a:defRPr/>
+            </a:lvl1pPr>
+          </a:lstStyle>
           <a:p>
             <a:fld id="{5DEA3F82-8CB4-4B0C-B6BE-1390C73654E0}" type="datetimeFigureOut">
               <a:rPr lang="en-US" smtClean="0"/>
@@ -1029,7 +3780,12 @@
             <p:ph type="ftr" sz="quarter" idx="11"/>
           </p:nvPr>
         </p:nvSpPr>
-        <p:spPr/>
+        <p:spPr>
+          <a:xfrm>
+            <a:off x="685800" y="381001"/>
+            <a:ext cx="6991492" cy="364065"/>
+          </a:xfrm>
+        </p:spPr>
         <p:txBody>
           <a:bodyPr/>
           <a:lstStyle/>
@@ -1048,7 +3804,12 @@
             <p:ph type="sldNum" sz="quarter" idx="12"/>
           </p:nvPr>
         </p:nvSpPr>
-        <p:spPr/>
+        <p:spPr>
+          <a:xfrm>
+            <a:off x="10862452" y="381000"/>
+            <a:ext cx="643748" cy="365125"/>
+          </a:xfrm>
+        </p:spPr>
         <p:txBody>
           <a:bodyPr/>
           <a:lstStyle/>
@@ -1064,7 +3825,7 @@
     </p:spTree>
     <p:extLst>
       <p:ext uri="{BB962C8B-B14F-4D97-AF65-F5344CB8AC3E}">
-        <p14:creationId xmlns:p14="http://schemas.microsoft.com/office/powerpoint/2010/main" val="1290455523"/>
+        <p14:creationId xmlns:p14="http://schemas.microsoft.com/office/powerpoint/2010/main" val="71214775"/>
       </p:ext>
     </p:extLst>
   </p:cSld>
@@ -1110,6 +3871,7 @@
               <a:rPr lang="en-US"/>
               <a:t>Click to edit Master title style</a:t>
             </a:r>
+            <a:endParaRPr lang="en-US" dirty="0"/>
           </a:p>
         </p:txBody>
       </p:sp>
@@ -1125,8 +3887,8 @@
         </p:nvSpPr>
         <p:spPr>
           <a:xfrm>
-            <a:off x="838200" y="1825625"/>
-            <a:ext cx="5181600" cy="4351338"/>
+            <a:off x="685800" y="2194559"/>
+            <a:ext cx="5334000" cy="4024125"/>
           </a:xfrm>
         </p:spPr>
         <p:txBody>
@@ -1166,6 +3928,7 @@
               <a:rPr lang="en-US"/>
               <a:t>Fifth level</a:t>
             </a:r>
+            <a:endParaRPr lang="en-US" dirty="0"/>
           </a:p>
         </p:txBody>
       </p:sp>
@@ -1181,8 +3944,8 @@
         </p:nvSpPr>
         <p:spPr>
           <a:xfrm>
-            <a:off x="6172200" y="1825625"/>
-            <a:ext cx="5181600" cy="4351338"/>
+            <a:off x="6172200" y="2194559"/>
+            <a:ext cx="5334000" cy="4024125"/>
           </a:xfrm>
         </p:spPr>
         <p:txBody>
@@ -1222,6 +3985,7 @@
               <a:rPr lang="en-US"/>
               <a:t>Fifth level</a:t>
             </a:r>
+            <a:endParaRPr lang="en-US" dirty="0"/>
           </a:p>
         </p:txBody>
       </p:sp>
@@ -1293,7 +4057,7 @@
     </p:spTree>
     <p:extLst>
       <p:ext uri="{BB962C8B-B14F-4D97-AF65-F5344CB8AC3E}">
-        <p14:creationId xmlns:p14="http://schemas.microsoft.com/office/powerpoint/2010/main" val="662530032"/>
+        <p14:creationId xmlns:p14="http://schemas.microsoft.com/office/powerpoint/2010/main" val="695896321"/>
       </p:ext>
     </p:extLst>
   </p:cSld>
@@ -1332,8 +4096,8 @@
         </p:nvSpPr>
         <p:spPr>
           <a:xfrm>
-            <a:off x="839788" y="365125"/>
-            <a:ext cx="10515600" cy="1325563"/>
+            <a:off x="2895600" y="762000"/>
+            <a:ext cx="8610600" cy="1295400"/>
           </a:xfrm>
         </p:spPr>
         <p:txBody>
@@ -1344,6 +4108,7 @@
               <a:rPr lang="en-US"/>
               <a:t>Click to edit Master title style</a:t>
             </a:r>
+            <a:endParaRPr lang="en-US" dirty="0"/>
           </a:p>
         </p:txBody>
       </p:sp>
@@ -1359,16 +4124,22 @@
         </p:nvSpPr>
         <p:spPr>
           <a:xfrm>
-            <a:off x="839788" y="1681163"/>
-            <a:ext cx="5157787" cy="823912"/>
-          </a:xfrm>
-        </p:spPr>
-        <p:txBody>
-          <a:bodyPr anchor="b"/>
+            <a:off x="914409" y="2183802"/>
+            <a:ext cx="5079991" cy="823912"/>
+          </a:xfrm>
+        </p:spPr>
+        <p:txBody>
+          <a:bodyPr anchor="b">
+            <a:normAutofit/>
+          </a:bodyPr>
           <a:lstStyle>
             <a:lvl1pPr marL="0" indent="0">
               <a:buNone/>
-              <a:defRPr sz="2400" b="1"/>
+              <a:defRPr sz="2800" b="0">
+                <a:solidFill>
+                  <a:schemeClr val="tx1"/>
+                </a:solidFill>
+              </a:defRPr>
             </a:lvl1pPr>
             <a:lvl2pPr marL="457200" indent="0">
               <a:buNone/>
@@ -1424,8 +4195,8 @@
         </p:nvSpPr>
         <p:spPr>
           <a:xfrm>
-            <a:off x="839788" y="2505075"/>
-            <a:ext cx="5157787" cy="3684588"/>
+            <a:off x="685800" y="3132666"/>
+            <a:ext cx="5311775" cy="3086019"/>
           </a:xfrm>
         </p:spPr>
         <p:txBody>
@@ -1465,6 +4236,7 @@
               <a:rPr lang="en-US"/>
               <a:t>Fifth level</a:t>
             </a:r>
+            <a:endParaRPr lang="en-US" dirty="0"/>
           </a:p>
         </p:txBody>
       </p:sp>
@@ -1480,16 +4252,22 @@
         </p:nvSpPr>
         <p:spPr>
           <a:xfrm>
-            <a:off x="6172200" y="1681163"/>
-            <a:ext cx="5183188" cy="823912"/>
-          </a:xfrm>
-        </p:spPr>
-        <p:txBody>
-          <a:bodyPr anchor="b"/>
+            <a:off x="6400800" y="2183802"/>
+            <a:ext cx="5105400" cy="823912"/>
+          </a:xfrm>
+        </p:spPr>
+        <p:txBody>
+          <a:bodyPr anchor="b">
+            <a:normAutofit/>
+          </a:bodyPr>
           <a:lstStyle>
             <a:lvl1pPr marL="0" indent="0">
               <a:buNone/>
-              <a:defRPr sz="2400" b="1"/>
+              <a:defRPr sz="2800" b="0">
+                <a:solidFill>
+                  <a:schemeClr val="tx1"/>
+                </a:solidFill>
+              </a:defRPr>
             </a:lvl1pPr>
             <a:lvl2pPr marL="457200" indent="0">
               <a:buNone/>
@@ -1545,8 +4323,8 @@
         </p:nvSpPr>
         <p:spPr>
           <a:xfrm>
-            <a:off x="6172200" y="2505075"/>
-            <a:ext cx="5183188" cy="3684588"/>
+            <a:off x="6172200" y="3132666"/>
+            <a:ext cx="5334000" cy="3086019"/>
           </a:xfrm>
         </p:spPr>
         <p:txBody>
@@ -1586,6 +4364,7 @@
               <a:rPr lang="en-US"/>
               <a:t>Fifth level</a:t>
             </a:r>
+            <a:endParaRPr lang="en-US" dirty="0"/>
           </a:p>
         </p:txBody>
       </p:sp>
@@ -1657,7 +4436,7 @@
     </p:spTree>
     <p:extLst>
       <p:ext uri="{BB962C8B-B14F-4D97-AF65-F5344CB8AC3E}">
-        <p14:creationId xmlns:p14="http://schemas.microsoft.com/office/powerpoint/2010/main" val="950128295"/>
+        <p14:creationId xmlns:p14="http://schemas.microsoft.com/office/powerpoint/2010/main" val="2119520566"/>
       </p:ext>
     </p:extLst>
   </p:cSld>
@@ -1703,6 +4482,7 @@
               <a:rPr lang="en-US"/>
               <a:t>Click to edit Master title style</a:t>
             </a:r>
+            <a:endParaRPr lang="en-US" dirty="0"/>
           </a:p>
         </p:txBody>
       </p:sp>
@@ -1774,7 +4554,7 @@
     </p:spTree>
     <p:extLst>
       <p:ext uri="{BB962C8B-B14F-4D97-AF65-F5344CB8AC3E}">
-        <p14:creationId xmlns:p14="http://schemas.microsoft.com/office/powerpoint/2010/main" val="2421404906"/>
+        <p14:creationId xmlns:p14="http://schemas.microsoft.com/office/powerpoint/2010/main" val="24238843"/>
       </p:ext>
     </p:extLst>
   </p:cSld>
@@ -1869,7 +4649,7 @@
     </p:spTree>
     <p:extLst>
       <p:ext uri="{BB962C8B-B14F-4D97-AF65-F5344CB8AC3E}">
-        <p14:creationId xmlns:p14="http://schemas.microsoft.com/office/powerpoint/2010/main" val="4284786921"/>
+        <p14:creationId xmlns:p14="http://schemas.microsoft.com/office/powerpoint/2010/main" val="3379637017"/>
       </p:ext>
     </p:extLst>
   </p:cSld>
@@ -1908,14 +4688,14 @@
         </p:nvSpPr>
         <p:spPr>
           <a:xfrm>
-            <a:off x="839788" y="457200"/>
-            <a:ext cx="3932237" cy="1600200"/>
+            <a:off x="685800" y="1524000"/>
+            <a:ext cx="4114800" cy="1600200"/>
           </a:xfrm>
         </p:spPr>
         <p:txBody>
           <a:bodyPr anchor="b"/>
           <a:lstStyle>
-            <a:lvl1pPr>
+            <a:lvl1pPr algn="l">
               <a:defRPr sz="3200"/>
             </a:lvl1pPr>
           </a:lstStyle>
@@ -1924,6 +4704,7 @@
               <a:rPr lang="en-US"/>
               <a:t>Click to edit Master title style</a:t>
             </a:r>
+            <a:endParaRPr lang="en-US" dirty="0"/>
           </a:p>
         </p:txBody>
       </p:sp>
@@ -1939,41 +4720,13 @@
         </p:nvSpPr>
         <p:spPr>
           <a:xfrm>
-            <a:off x="5183188" y="987425"/>
-            <a:ext cx="6172200" cy="4873625"/>
-          </a:xfrm>
-        </p:spPr>
-        <p:txBody>
-          <a:bodyPr/>
-          <a:lstStyle>
-            <a:lvl1pPr>
-              <a:defRPr sz="3200"/>
-            </a:lvl1pPr>
-            <a:lvl2pPr>
-              <a:defRPr sz="2800"/>
-            </a:lvl2pPr>
-            <a:lvl3pPr>
-              <a:defRPr sz="2400"/>
-            </a:lvl3pPr>
-            <a:lvl4pPr>
-              <a:defRPr sz="2000"/>
-            </a:lvl4pPr>
-            <a:lvl5pPr>
-              <a:defRPr sz="2000"/>
-            </a:lvl5pPr>
-            <a:lvl6pPr>
-              <a:defRPr sz="2000"/>
-            </a:lvl6pPr>
-            <a:lvl7pPr>
-              <a:defRPr sz="2000"/>
-            </a:lvl7pPr>
-            <a:lvl8pPr>
-              <a:defRPr sz="2000"/>
-            </a:lvl8pPr>
-            <a:lvl9pPr>
-              <a:defRPr sz="2000"/>
-            </a:lvl9pPr>
-          </a:lstStyle>
+            <a:off x="4995582" y="746759"/>
+            <a:ext cx="6510618" cy="5471925"/>
+          </a:xfrm>
+        </p:spPr>
+        <p:txBody>
+          <a:bodyPr anchor="ctr"/>
+          <a:lstStyle/>
           <a:p>
             <a:pPr lvl="0"/>
             <a:r>
@@ -2008,6 +4761,7 @@
               <a:rPr lang="en-US"/>
               <a:t>Fifth level</a:t>
             </a:r>
+            <a:endParaRPr lang="en-US" dirty="0"/>
           </a:p>
         </p:txBody>
       </p:sp>
@@ -2023,8 +4777,8 @@
         </p:nvSpPr>
         <p:spPr>
           <a:xfrm>
-            <a:off x="839788" y="2057400"/>
-            <a:ext cx="3932237" cy="3811588"/>
+            <a:off x="685800" y="3124199"/>
+            <a:ext cx="4114800" cy="3094485"/>
           </a:xfrm>
         </p:spPr>
         <p:txBody>
@@ -2144,7 +4898,7 @@
     </p:spTree>
     <p:extLst>
       <p:ext uri="{BB962C8B-B14F-4D97-AF65-F5344CB8AC3E}">
-        <p14:creationId xmlns:p14="http://schemas.microsoft.com/office/powerpoint/2010/main" val="2621454274"/>
+        <p14:creationId xmlns:p14="http://schemas.microsoft.com/office/powerpoint/2010/main" val="77018944"/>
       </p:ext>
     </p:extLst>
   </p:cSld>
@@ -2183,14 +4937,14 @@
         </p:nvSpPr>
         <p:spPr>
           <a:xfrm>
-            <a:off x="839788" y="457200"/>
-            <a:ext cx="3932237" cy="1600200"/>
+            <a:off x="685800" y="1524000"/>
+            <a:ext cx="6873240" cy="1600200"/>
           </a:xfrm>
         </p:spPr>
         <p:txBody>
           <a:bodyPr anchor="b"/>
           <a:lstStyle>
-            <a:lvl1pPr>
+            <a:lvl1pPr algn="l">
               <a:defRPr sz="3200"/>
             </a:lvl1pPr>
           </a:lstStyle>
@@ -2199,6 +4953,7 @@
               <a:rPr lang="en-US"/>
               <a:t>Click to edit Master title style</a:t>
             </a:r>
+            <a:endParaRPr lang="en-US" dirty="0"/>
           </a:p>
         </p:txBody>
       </p:sp>
@@ -2206,7 +4961,7 @@
         <p:nvSpPr>
           <p:cNvPr id="3" name="Picture Placeholder 2"/>
           <p:cNvSpPr>
-            <a:spLocks noGrp="1"/>
+            <a:spLocks noGrp="1" noChangeAspect="1"/>
           </p:cNvSpPr>
           <p:nvPr>
             <p:ph type="pic" idx="1"/>
@@ -2214,12 +4969,12 @@
         </p:nvSpPr>
         <p:spPr>
           <a:xfrm>
-            <a:off x="5183188" y="987425"/>
-            <a:ext cx="6172200" cy="4873625"/>
-          </a:xfrm>
-        </p:spPr>
-        <p:txBody>
-          <a:bodyPr/>
+            <a:off x="7861238" y="751241"/>
+            <a:ext cx="3644962" cy="5467443"/>
+          </a:xfrm>
+        </p:spPr>
+        <p:txBody>
+          <a:bodyPr anchor="t"/>
           <a:lstStyle>
             <a:lvl1pPr marL="0" indent="0">
               <a:buNone/>
@@ -2259,7 +5014,11 @@
             </a:lvl9pPr>
           </a:lstStyle>
           <a:p>
-            <a:endParaRPr lang="en-US"/>
+            <a:r>
+              <a:rPr lang="en-US"/>
+              <a:t>Click icon to add picture</a:t>
+            </a:r>
+            <a:endParaRPr lang="en-US" dirty="0"/>
           </a:p>
         </p:txBody>
       </p:sp>
@@ -2275,8 +5034,8 @@
         </p:nvSpPr>
         <p:spPr>
           <a:xfrm>
-            <a:off x="839788" y="2057400"/>
-            <a:ext cx="3932237" cy="3811588"/>
+            <a:off x="685800" y="3124199"/>
+            <a:ext cx="6873240" cy="3094485"/>
           </a:xfrm>
         </p:spPr>
         <p:txBody>
@@ -2396,7 +5155,7 @@
     </p:spTree>
     <p:extLst>
       <p:ext uri="{BB962C8B-B14F-4D97-AF65-F5344CB8AC3E}">
-        <p14:creationId xmlns:p14="http://schemas.microsoft.com/office/powerpoint/2010/main" val="2676616384"/>
+        <p14:creationId xmlns:p14="http://schemas.microsoft.com/office/powerpoint/2010/main" val="713880882"/>
       </p:ext>
     </p:extLst>
   </p:cSld>
@@ -2428,25 +5187,55 @@
           <a:chExt cx="0" cy="0"/>
         </a:xfrm>
       </p:grpSpPr>
-      <p:sp>
-        <p:nvSpPr>
-          <p:cNvPr id="2" name="Title Placeholder 1"/>
-          <p:cNvSpPr>
-            <a:spLocks noGrp="1"/>
-          </p:cNvSpPr>
-          <p:nvPr>
-            <p:ph type="title"/>
-          </p:nvPr>
-        </p:nvSpPr>
-        <p:spPr>
-          <a:xfrm>
-            <a:off x="838200" y="365125"/>
-            <a:ext cx="10515600" cy="1325563"/>
+      <p:pic>
+        <p:nvPicPr>
+          <p:cNvPr id="7" name="Picture 6" descr="C0-HD-TOP.png"/>
+          <p:cNvPicPr>
+            <a:picLocks noChangeAspect="1"/>
+          </p:cNvPicPr>
+          <p:nvPr/>
+        </p:nvPicPr>
+        <p:blipFill>
+          <a:blip r:embed="rId19">
+            <a:extLst>
+              <a:ext uri="{28A0092B-C50C-407E-A947-70E740481C1C}">
+                <a14:useLocalDpi xmlns:a14="http://schemas.microsoft.com/office/drawing/2010/main" val="0"/>
+              </a:ext>
+            </a:extLst>
+          </a:blip>
+          <a:stretch>
+            <a:fillRect/>
+          </a:stretch>
+        </p:blipFill>
+        <p:spPr>
+          <a:xfrm>
+            <a:off x="0" y="0"/>
+            <a:ext cx="12192000" cy="1441450"/>
           </a:xfrm>
           <a:prstGeom prst="rect">
             <a:avLst/>
           </a:prstGeom>
         </p:spPr>
+      </p:pic>
+      <p:sp>
+        <p:nvSpPr>
+          <p:cNvPr id="2" name="Title Placeholder 1"/>
+          <p:cNvSpPr>
+            <a:spLocks noGrp="1"/>
+          </p:cNvSpPr>
+          <p:nvPr>
+            <p:ph type="title"/>
+          </p:nvPr>
+        </p:nvSpPr>
+        <p:spPr>
+          <a:xfrm>
+            <a:off x="2895600" y="764373"/>
+            <a:ext cx="8610600" cy="1293028"/>
+          </a:xfrm>
+          <a:prstGeom prst="rect">
+            <a:avLst/>
+          </a:prstGeom>
+        </p:spPr>
         <p:txBody>
           <a:bodyPr vert="horz" lIns="91440" tIns="45720" rIns="91440" bIns="45720" rtlCol="0" anchor="ctr">
             <a:normAutofit/>
@@ -2457,6 +5246,7 @@
               <a:rPr lang="en-US"/>
               <a:t>Click to edit Master title style</a:t>
             </a:r>
+            <a:endParaRPr lang="en-US" dirty="0"/>
           </a:p>
         </p:txBody>
       </p:sp>
@@ -2472,8 +5262,8 @@
         </p:nvSpPr>
         <p:spPr>
           <a:xfrm>
-            <a:off x="838200" y="1825625"/>
-            <a:ext cx="10515600" cy="4351338"/>
+            <a:off x="685800" y="2194560"/>
+            <a:ext cx="10820400" cy="4024125"/>
           </a:xfrm>
           <a:prstGeom prst="rect">
             <a:avLst/>
@@ -2518,6 +5308,7 @@
               <a:rPr lang="en-US"/>
               <a:t>Fifth level</a:t>
             </a:r>
+            <a:endParaRPr lang="en-US" dirty="0"/>
           </a:p>
         </p:txBody>
       </p:sp>
@@ -2533,8 +5324,8 @@
         </p:nvSpPr>
         <p:spPr>
           <a:xfrm>
-            <a:off x="838200" y="6356350"/>
-            <a:ext cx="2743200" cy="365125"/>
+            <a:off x="8595360" y="6356350"/>
+            <a:ext cx="2910840" cy="365125"/>
           </a:xfrm>
           <a:prstGeom prst="rect">
             <a:avLst/>
@@ -2543,8 +5334,8 @@
         <p:txBody>
           <a:bodyPr vert="horz" lIns="91440" tIns="45720" rIns="91440" bIns="45720" rtlCol="0" anchor="ctr"/>
           <a:lstStyle>
-            <a:lvl1pPr algn="l">
-              <a:defRPr sz="1200">
+            <a:lvl1pPr algn="r">
+              <a:defRPr sz="1050">
                 <a:solidFill>
                   <a:schemeClr val="tx1">
                     <a:tint val="75000"/>
@@ -2574,8 +5365,8 @@
         </p:nvSpPr>
         <p:spPr>
           <a:xfrm>
-            <a:off x="4038600" y="6356350"/>
-            <a:ext cx="4114800" cy="365125"/>
+            <a:off x="685800" y="6355845"/>
+            <a:ext cx="7772400" cy="365125"/>
           </a:xfrm>
           <a:prstGeom prst="rect">
             <a:avLst/>
@@ -2584,8 +5375,8 @@
         <p:txBody>
           <a:bodyPr vert="horz" lIns="91440" tIns="45720" rIns="91440" bIns="45720" rtlCol="0" anchor="ctr"/>
           <a:lstStyle>
-            <a:lvl1pPr algn="ctr">
-              <a:defRPr sz="1200">
+            <a:lvl1pPr algn="l">
+              <a:defRPr sz="1050">
                 <a:solidFill>
                   <a:schemeClr val="tx1">
                     <a:tint val="75000"/>
@@ -2611,7 +5402,7 @@
         </p:nvSpPr>
         <p:spPr>
           <a:xfrm>
-            <a:off x="8610600" y="6356350"/>
+            <a:off x="8763000" y="381000"/>
             <a:ext cx="2743200" cy="365125"/>
           </a:xfrm>
           <a:prstGeom prst="rect">
@@ -2622,7 +5413,7 @@
           <a:bodyPr vert="horz" lIns="91440" tIns="45720" rIns="91440" bIns="45720" rtlCol="0" anchor="ctr"/>
           <a:lstStyle>
             <a:lvl1pPr algn="r">
-              <a:defRPr sz="1200">
+              <a:defRPr sz="1050">
                 <a:solidFill>
                   <a:schemeClr val="tx1">
                     <a:tint val="75000"/>
@@ -2643,27 +5434,33 @@
     </p:spTree>
     <p:extLst>
       <p:ext uri="{BB962C8B-B14F-4D97-AF65-F5344CB8AC3E}">
-        <p14:creationId xmlns:p14="http://schemas.microsoft.com/office/powerpoint/2010/main" val="3916544374"/>
+        <p14:creationId xmlns:p14="http://schemas.microsoft.com/office/powerpoint/2010/main" val="1866357972"/>
       </p:ext>
     </p:extLst>
   </p:cSld>
-  <p:clrMap bg1="lt1" tx1="dk1" bg2="lt2" tx2="dk2" accent1="accent1" accent2="accent2" accent3="accent3" accent4="accent4" accent5="accent5" accent6="accent6" hlink="hlink" folHlink="folHlink"/>
+  <p:clrMap bg1="dk1" tx1="lt1" bg2="dk2" tx2="lt2" accent1="accent1" accent2="accent2" accent3="accent3" accent4="accent4" accent5="accent5" accent6="accent6" hlink="hlink" folHlink="folHlink"/>
   <p:sldLayoutIdLst>
-    <p:sldLayoutId id="2147483649" r:id="rId1"/>
-    <p:sldLayoutId id="2147483650" r:id="rId2"/>
-    <p:sldLayoutId id="2147483651" r:id="rId3"/>
-    <p:sldLayoutId id="2147483652" r:id="rId4"/>
-    <p:sldLayoutId id="2147483653" r:id="rId5"/>
-    <p:sldLayoutId id="2147483654" r:id="rId6"/>
-    <p:sldLayoutId id="2147483655" r:id="rId7"/>
-    <p:sldLayoutId id="2147483656" r:id="rId8"/>
-    <p:sldLayoutId id="2147483657" r:id="rId9"/>
-    <p:sldLayoutId id="2147483658" r:id="rId10"/>
-    <p:sldLayoutId id="2147483659" r:id="rId11"/>
+    <p:sldLayoutId id="2147483661" r:id="rId1"/>
+    <p:sldLayoutId id="2147483662" r:id="rId2"/>
+    <p:sldLayoutId id="2147483663" r:id="rId3"/>
+    <p:sldLayoutId id="2147483664" r:id="rId4"/>
+    <p:sldLayoutId id="2147483665" r:id="rId5"/>
+    <p:sldLayoutId id="2147483666" r:id="rId6"/>
+    <p:sldLayoutId id="2147483667" r:id="rId7"/>
+    <p:sldLayoutId id="2147483668" r:id="rId8"/>
+    <p:sldLayoutId id="2147483669" r:id="rId9"/>
+    <p:sldLayoutId id="2147483670" r:id="rId10"/>
+    <p:sldLayoutId id="2147483671" r:id="rId11"/>
+    <p:sldLayoutId id="2147483672" r:id="rId12"/>
+    <p:sldLayoutId id="2147483673" r:id="rId13"/>
+    <p:sldLayoutId id="2147483674" r:id="rId14"/>
+    <p:sldLayoutId id="2147483675" r:id="rId15"/>
+    <p:sldLayoutId id="2147483676" r:id="rId16"/>
+    <p:sldLayoutId id="2147483677" r:id="rId17"/>
   </p:sldLayoutIdLst>
   <p:txStyles>
     <p:titleStyle>
-      <a:lvl1pPr algn="l" defTabSz="914400" rtl="0" eaLnBrk="1" latinLnBrk="0" hangingPunct="1">
+      <a:lvl1pPr algn="r" defTabSz="914400" rtl="0" eaLnBrk="1" latinLnBrk="0" hangingPunct="1">
         <a:lnSpc>
           <a:spcPct val="90000"/>
         </a:lnSpc>
@@ -2671,7 +5468,7 @@
           <a:spcPct val="0"/>
         </a:spcBef>
         <a:buNone/>
-        <a:defRPr sz="4400" kern="1200">
+        <a:defRPr sz="4000" kern="1200" cap="all" baseline="0">
           <a:solidFill>
             <a:schemeClr val="tx1"/>
           </a:solidFill>
@@ -2691,7 +5488,7 @@
         </a:spcBef>
         <a:buFont typeface="Arial" panose="020B0604020202020204" pitchFamily="34" charset="0"/>
         <a:buChar char="•"/>
-        <a:defRPr sz="2800" kern="1200">
+        <a:defRPr sz="2200" kern="1200">
           <a:solidFill>
             <a:schemeClr val="tx1"/>
           </a:solidFill>
@@ -2709,7 +5506,7 @@
         </a:spcBef>
         <a:buFont typeface="Arial" panose="020B0604020202020204" pitchFamily="34" charset="0"/>
         <a:buChar char="•"/>
-        <a:defRPr sz="2400" kern="1200">
+        <a:defRPr sz="2000" kern="1200">
           <a:solidFill>
             <a:schemeClr val="tx1"/>
           </a:solidFill>
@@ -2727,7 +5524,7 @@
         </a:spcBef>
         <a:buFont typeface="Arial" panose="020B0604020202020204" pitchFamily="34" charset="0"/>
         <a:buChar char="•"/>
-        <a:defRPr sz="2000" kern="1200">
+        <a:defRPr sz="1800" kern="1200">
           <a:solidFill>
             <a:schemeClr val="tx1"/>
           </a:solidFill>
@@ -2745,7 +5542,7 @@
         </a:spcBef>
         <a:buFont typeface="Arial" panose="020B0604020202020204" pitchFamily="34" charset="0"/>
         <a:buChar char="•"/>
-        <a:defRPr sz="1800" kern="1200">
+        <a:defRPr sz="1600" kern="1200">
           <a:solidFill>
             <a:schemeClr val="tx1"/>
           </a:solidFill>
@@ -2763,7 +5560,7 @@
         </a:spcBef>
         <a:buFont typeface="Arial" panose="020B0604020202020204" pitchFamily="34" charset="0"/>
         <a:buChar char="•"/>
-        <a:defRPr sz="1800" kern="1200">
+        <a:defRPr sz="1600" kern="1200">
           <a:solidFill>
             <a:schemeClr val="tx1"/>
           </a:solidFill>
@@ -2781,7 +5578,7 @@
         </a:spcBef>
         <a:buFont typeface="Arial" panose="020B0604020202020204" pitchFamily="34" charset="0"/>
         <a:buChar char="•"/>
-        <a:defRPr sz="1800" kern="1200">
+        <a:defRPr sz="1600" kern="1200">
           <a:solidFill>
             <a:schemeClr val="tx1"/>
           </a:solidFill>
@@ -2799,7 +5596,7 @@
         </a:spcBef>
         <a:buFont typeface="Arial" panose="020B0604020202020204" pitchFamily="34" charset="0"/>
         <a:buChar char="•"/>
-        <a:defRPr sz="1800" kern="1200">
+        <a:defRPr sz="1600" kern="1200">
           <a:solidFill>
             <a:schemeClr val="tx1"/>
           </a:solidFill>
@@ -2817,7 +5614,7 @@
         </a:spcBef>
         <a:buFont typeface="Arial" panose="020B0604020202020204" pitchFamily="34" charset="0"/>
         <a:buChar char="•"/>
-        <a:defRPr sz="1800" kern="1200">
+        <a:defRPr sz="1600" kern="1200">
           <a:solidFill>
             <a:schemeClr val="tx1"/>
           </a:solidFill>
@@ -2835,7 +5632,7 @@
         </a:spcBef>
         <a:buFont typeface="Arial" panose="020B0604020202020204" pitchFamily="34" charset="0"/>
         <a:buChar char="•"/>
-        <a:defRPr sz="1800" kern="1200">
+        <a:defRPr sz="1600" kern="1200">
           <a:solidFill>
             <a:schemeClr val="tx1"/>
           </a:solidFill>
@@ -2998,7 +5795,7 @@
         <p:spPr/>
         <p:txBody>
           <a:bodyPr>
-            <a:normAutofit/>
+            <a:normAutofit fontScale="70000" lnSpcReduction="20000"/>
           </a:bodyPr>
           <a:lstStyle/>
           <a:p>
@@ -3050,7 +5847,7 @@
           <p:cNvPr id="2" name="Title 1">
             <a:extLst>
               <a:ext uri="{FF2B5EF4-FFF2-40B4-BE49-F238E27FC236}">
-                <a16:creationId xmlns:a16="http://schemas.microsoft.com/office/drawing/2014/main" xmlns="" id="{27E5E4B7-0D24-1246-B992-4E761C8D9010}"/>
+                <a16:creationId xmlns:a16="http://schemas.microsoft.com/office/drawing/2014/main" id="{27E5E4B7-0D24-1246-B992-4E761C8D9010}"/>
               </a:ext>
             </a:extLst>
           </p:cNvPr>
@@ -3078,7 +5875,7 @@
           <p:cNvPr id="3" name="Content Placeholder 2">
             <a:extLst>
               <a:ext uri="{FF2B5EF4-FFF2-40B4-BE49-F238E27FC236}">
-                <a16:creationId xmlns:a16="http://schemas.microsoft.com/office/drawing/2014/main" xmlns="" id="{F68D2FE6-AC37-FA4F-B071-B1D2CB6CF5FE}"/>
+                <a16:creationId xmlns:a16="http://schemas.microsoft.com/office/drawing/2014/main" id="{F68D2FE6-AC37-FA4F-B071-B1D2CB6CF5FE}"/>
               </a:ext>
             </a:extLst>
           </p:cNvPr>
@@ -3092,7 +5889,7 @@
         <p:spPr/>
         <p:txBody>
           <a:bodyPr>
-            <a:normAutofit fontScale="92500"/>
+            <a:normAutofit/>
           </a:bodyPr>
           <a:lstStyle/>
           <a:p>
@@ -3207,7 +6004,7 @@
           <p:cNvPr id="2" name="Title 1">
             <a:extLst>
               <a:ext uri="{FF2B5EF4-FFF2-40B4-BE49-F238E27FC236}">
-                <a16:creationId xmlns:a16="http://schemas.microsoft.com/office/drawing/2014/main" xmlns="" id="{21D3167F-30A9-4F8D-99EE-386A1F094613}"/>
+                <a16:creationId xmlns:a16="http://schemas.microsoft.com/office/drawing/2014/main" id="{21D3167F-30A9-4F8D-99EE-386A1F094613}"/>
               </a:ext>
             </a:extLst>
           </p:cNvPr>
@@ -3235,7 +6032,7 @@
           <p:cNvPr id="3" name="Content Placeholder 2">
             <a:extLst>
               <a:ext uri="{FF2B5EF4-FFF2-40B4-BE49-F238E27FC236}">
-                <a16:creationId xmlns:a16="http://schemas.microsoft.com/office/drawing/2014/main" xmlns="" id="{571BA543-3A3F-43F0-957D-37B7A83B0853}"/>
+                <a16:creationId xmlns:a16="http://schemas.microsoft.com/office/drawing/2014/main" id="{571BA543-3A3F-43F0-957D-37B7A83B0853}"/>
               </a:ext>
             </a:extLst>
           </p:cNvPr>
@@ -3293,7 +6090,7 @@
           <p:cNvPr id="2" name="Title 1">
             <a:extLst>
               <a:ext uri="{FF2B5EF4-FFF2-40B4-BE49-F238E27FC236}">
-                <a16:creationId xmlns:a16="http://schemas.microsoft.com/office/drawing/2014/main" xmlns="" id="{D8975F0A-4727-47D2-96A8-DFAC0FBD6C91}"/>
+                <a16:creationId xmlns:a16="http://schemas.microsoft.com/office/drawing/2014/main" id="{D8975F0A-4727-47D2-96A8-DFAC0FBD6C91}"/>
               </a:ext>
             </a:extLst>
           </p:cNvPr>
@@ -3321,7 +6118,7 @@
           <p:cNvPr id="3" name="Content Placeholder 2">
             <a:extLst>
               <a:ext uri="{FF2B5EF4-FFF2-40B4-BE49-F238E27FC236}">
-                <a16:creationId xmlns:a16="http://schemas.microsoft.com/office/drawing/2014/main" xmlns="" id="{C69386F3-A2F7-4C59-B5D1-F22F1E51F196}"/>
+                <a16:creationId xmlns:a16="http://schemas.microsoft.com/office/drawing/2014/main" id="{C69386F3-A2F7-4C59-B5D1-F22F1E51F196}"/>
               </a:ext>
             </a:extLst>
           </p:cNvPr>
@@ -3341,31 +6138,31 @@
           <a:p>
             <a:r>
               <a:rPr lang="en-US" dirty="0"/>
-              <a:t>Bureau of Labor Statistics data is based on employment of individuals over 16 only (?)</a:t>
+              <a:t>The BLS included calculations for the percent relative standard error (RSE) for total employment numbers.  Looking at a sample of the RSEs, there were concerns about the precision of certain estimates</a:t>
             </a:r>
           </a:p>
           <a:p>
             <a:r>
               <a:rPr lang="en-US" dirty="0"/>
-              <a:t>The BLS included calculations for the percent relative standard error (RSE) for total employment #s.  Looking at a sample of the RSEs, there were concerns about the precision of certain estimates</a:t>
+              <a:t>Estimates for detailed occupations do not sum to the totals because the totals include occupations not shown separately</a:t>
             </a:r>
           </a:p>
           <a:p>
             <a:r>
               <a:rPr lang="en-US" dirty="0"/>
-              <a:t>Estimates for detailed occupations do not sum to the totals because the totals include occupations not shown separately. </a:t>
-            </a:r>
-          </a:p>
-          <a:p>
-            <a:r>
-              <a:rPr lang="en-US" dirty="0"/>
-              <a:t>Estimates do not include self-employed workers.</a:t>
+              <a:t>Estimates do not include self-employed workers</a:t>
             </a:r>
           </a:p>
           <a:p>
             <a:r>
               <a:rPr lang="en-US" dirty="0"/>
               <a:t>The most recent BLS data went to 2017 only</a:t>
+            </a:r>
+          </a:p>
+          <a:p>
+            <a:r>
+              <a:rPr lang="en-US" dirty="0"/>
+              <a:t>BLS data covers full-time and part-time wage and salary workers in nonfarm industries.  It does not cover self-employed, owners and partners in unincorporated firms, household workers, or unpaid family workers.</a:t>
             </a:r>
           </a:p>
         </p:txBody>
@@ -3405,7 +6202,7 @@
           <p:cNvPr id="2" name="Title 1">
             <a:extLst>
               <a:ext uri="{FF2B5EF4-FFF2-40B4-BE49-F238E27FC236}">
-                <a16:creationId xmlns:a16="http://schemas.microsoft.com/office/drawing/2014/main" xmlns="" id="{E1C9EF35-DC7C-428F-A8C6-930DEFB1E1DB}"/>
+                <a16:creationId xmlns:a16="http://schemas.microsoft.com/office/drawing/2014/main" id="{E1C9EF35-DC7C-428F-A8C6-930DEFB1E1DB}"/>
               </a:ext>
             </a:extLst>
           </p:cNvPr>
@@ -3433,7 +6230,7 @@
           <p:cNvPr id="3" name="Content Placeholder 2">
             <a:extLst>
               <a:ext uri="{FF2B5EF4-FFF2-40B4-BE49-F238E27FC236}">
-                <a16:creationId xmlns:a16="http://schemas.microsoft.com/office/drawing/2014/main" xmlns="" id="{1B82C285-6A5A-45FC-B1D5-1D0786CBCFB5}"/>
+                <a16:creationId xmlns:a16="http://schemas.microsoft.com/office/drawing/2014/main" id="{1B82C285-6A5A-45FC-B1D5-1D0786CBCFB5}"/>
               </a:ext>
             </a:extLst>
           </p:cNvPr>
@@ -3512,7 +6309,7 @@
           <p:cNvPr id="2" name="Title 1">
             <a:extLst>
               <a:ext uri="{FF2B5EF4-FFF2-40B4-BE49-F238E27FC236}">
-                <a16:creationId xmlns:a16="http://schemas.microsoft.com/office/drawing/2014/main" xmlns="" id="{55A6334A-68E7-42D4-919A-0C62BE53DBB2}"/>
+                <a16:creationId xmlns:a16="http://schemas.microsoft.com/office/drawing/2014/main" id="{55A6334A-68E7-42D4-919A-0C62BE53DBB2}"/>
               </a:ext>
             </a:extLst>
           </p:cNvPr>
@@ -3545,7 +6342,7 @@
           <p:cNvPr id="3" name="Content Placeholder 2">
             <a:extLst>
               <a:ext uri="{FF2B5EF4-FFF2-40B4-BE49-F238E27FC236}">
-                <a16:creationId xmlns:a16="http://schemas.microsoft.com/office/drawing/2014/main" xmlns="" id="{1C25BB28-A4EC-414D-859C-C7A0FCD1F980}"/>
+                <a16:creationId xmlns:a16="http://schemas.microsoft.com/office/drawing/2014/main" id="{1C25BB28-A4EC-414D-859C-C7A0FCD1F980}"/>
               </a:ext>
             </a:extLst>
           </p:cNvPr>
@@ -3624,7 +6421,7 @@
           <p:cNvPr id="2" name="Title 1">
             <a:extLst>
               <a:ext uri="{FF2B5EF4-FFF2-40B4-BE49-F238E27FC236}">
-                <a16:creationId xmlns:a16="http://schemas.microsoft.com/office/drawing/2014/main" xmlns="" id="{41B5C587-4962-4E00-A54B-F8B9FE251918}"/>
+                <a16:creationId xmlns:a16="http://schemas.microsoft.com/office/drawing/2014/main" id="{41B5C587-4962-4E00-A54B-F8B9FE251918}"/>
               </a:ext>
             </a:extLst>
           </p:cNvPr>
@@ -3652,7 +6449,7 @@
           <p:cNvPr id="3" name="Content Placeholder 2">
             <a:extLst>
               <a:ext uri="{FF2B5EF4-FFF2-40B4-BE49-F238E27FC236}">
-                <a16:creationId xmlns:a16="http://schemas.microsoft.com/office/drawing/2014/main" xmlns="" id="{129B7FB5-54B8-4545-A8C7-1D4B4C033F1E}"/>
+                <a16:creationId xmlns:a16="http://schemas.microsoft.com/office/drawing/2014/main" id="{129B7FB5-54B8-4545-A8C7-1D4B4C033F1E}"/>
               </a:ext>
             </a:extLst>
           </p:cNvPr>
@@ -3665,19 +6462,81 @@
         </p:nvSpPr>
         <p:spPr/>
         <p:txBody>
-          <a:bodyPr/>
+          <a:bodyPr>
+            <a:normAutofit fontScale="92500" lnSpcReduction="10000"/>
+          </a:bodyPr>
           <a:lstStyle/>
           <a:p>
             <a:r>
               <a:rPr lang="en-US" dirty="0"/>
-              <a:t>The purpose of this project is to analyze US employment data to observe trends in computer and mathematical occupations based on location and job title </a:t>
-            </a:r>
-          </a:p>
-          <a:p>
+              <a:t>The purpose of this project is to analyze US employment data to observe trends in computer and mathematical occupations based on location and job title. </a:t>
+            </a:r>
+          </a:p>
+          <a:p>
+            <a:endParaRPr lang="en-US" dirty="0"/>
+          </a:p>
+          <a:p>
+            <a:pPr marL="0" indent="0">
+              <a:buNone/>
+            </a:pPr>
             <a:r>
               <a:rPr lang="en-US" dirty="0"/>
-              <a:t>Our goal was to find the fastest growing occupations in the overall United States as well as the States with the fast growing job markets in computer and math related fields.  </a:t>
-            </a:r>
+              <a:t>	1. Which states have the fastest growing job market for computer and mathematical occupations ?</a:t>
+            </a:r>
+          </a:p>
+          <a:p>
+            <a:pPr marL="0" indent="0">
+              <a:buNone/>
+            </a:pPr>
+            <a:r>
+              <a:rPr lang="en-US" dirty="0"/>
+              <a:t>	2. Does a larger state population translate to higher job growth? </a:t>
+            </a:r>
+          </a:p>
+          <a:p>
+            <a:pPr marL="0" indent="0">
+              <a:buNone/>
+            </a:pPr>
+            <a:r>
+              <a:rPr lang="en-US" dirty="0"/>
+              <a:t>	3. Which specific occupations are the most and least in demand?</a:t>
+            </a:r>
+          </a:p>
+          <a:p>
+            <a:pPr marL="0" indent="0">
+              <a:buNone/>
+            </a:pPr>
+            <a:r>
+              <a:rPr lang="en-US" dirty="0"/>
+              <a:t>	4. How do computer and mathematical  occupations stack up against other occupation types? </a:t>
+            </a:r>
+          </a:p>
+          <a:p>
+            <a:pPr marL="0" indent="0">
+              <a:buNone/>
+            </a:pPr>
+            <a:r>
+              <a:rPr lang="en-US" dirty="0"/>
+              <a:t>	5. Which specific occupations had the highest number of employees in 2017? </a:t>
+            </a:r>
+          </a:p>
+          <a:p>
+            <a:pPr marL="0" indent="0">
+              <a:buNone/>
+            </a:pPr>
+            <a:r>
+              <a:rPr lang="en-US" dirty="0"/>
+              <a:t>	6. Which state had the most people working in computer and mathematical related occupations in 2017?</a:t>
+            </a:r>
+          </a:p>
+          <a:p>
+            <a:endParaRPr lang="en-US" dirty="0"/>
+          </a:p>
+          <a:p>
+            <a:endParaRPr lang="en-US" dirty="0"/>
+          </a:p>
+          <a:p>
+            <a:endParaRPr lang="en-US" dirty="0"/>
           </a:p>
         </p:txBody>
       </p:sp>
@@ -3716,7 +6575,7 @@
           <p:cNvPr id="2" name="Title 1">
             <a:extLst>
               <a:ext uri="{FF2B5EF4-FFF2-40B4-BE49-F238E27FC236}">
-                <a16:creationId xmlns:a16="http://schemas.microsoft.com/office/drawing/2014/main" xmlns="" id="{B01FBC95-86CC-4C5D-80F0-CF41A33B1E9F}"/>
+                <a16:creationId xmlns:a16="http://schemas.microsoft.com/office/drawing/2014/main" id="{B01FBC95-86CC-4C5D-80F0-CF41A33B1E9F}"/>
               </a:ext>
             </a:extLst>
           </p:cNvPr>
@@ -3744,7 +6603,7 @@
           <p:cNvPr id="3" name="Content Placeholder 2">
             <a:extLst>
               <a:ext uri="{FF2B5EF4-FFF2-40B4-BE49-F238E27FC236}">
-                <a16:creationId xmlns:a16="http://schemas.microsoft.com/office/drawing/2014/main" xmlns="" id="{CACC8578-D28C-470E-8EBE-3E9A3C6434E3}"/>
+                <a16:creationId xmlns:a16="http://schemas.microsoft.com/office/drawing/2014/main" id="{CACC8578-D28C-470E-8EBE-3E9A3C6434E3}"/>
               </a:ext>
             </a:extLst>
           </p:cNvPr>
@@ -3755,24 +6614,170 @@
             <p:ph idx="1"/>
           </p:nvPr>
         </p:nvSpPr>
-        <p:spPr/>
+        <p:spPr>
+          <a:xfrm>
+            <a:off x="3278908" y="2194560"/>
+            <a:ext cx="8227291" cy="4024125"/>
+          </a:xfrm>
+        </p:spPr>
         <p:txBody>
           <a:bodyPr/>
           <a:lstStyle/>
           <a:p>
             <a:r>
               <a:rPr lang="en-US" dirty="0"/>
-              <a:t>Bureau of Labor Statistics </a:t>
-            </a:r>
-          </a:p>
-          <a:p>
+              <a:t>Bureau of Labor Statistics</a:t>
+            </a:r>
+          </a:p>
+          <a:p>
+            <a:pPr lvl="1"/>
+            <a:r>
+              <a:rPr lang="en-US" dirty="0">
+                <a:solidFill>
+                  <a:schemeClr val="accent5">
+                    <a:lumMod val="75000"/>
+                  </a:schemeClr>
+                </a:solidFill>
+                <a:hlinkClick r:id="rId2">
+                  <a:extLst>
+                    <a:ext uri="{A12FA001-AC4F-418D-AE19-62706E023703}">
+                      <ahyp:hlinkClr xmlns:ahyp="http://schemas.microsoft.com/office/drawing/2018/hyperlinkcolor" val="tx"/>
+                    </a:ext>
+                  </a:extLst>
+                </a:hlinkClick>
+              </a:rPr>
+              <a:t>https://www.bls.gov/oes/oes_emp.htm</a:t>
+            </a:r>
+            <a:r>
+              <a:rPr lang="en-US" dirty="0">
+                <a:solidFill>
+                  <a:schemeClr val="accent5">
+                    <a:lumMod val="75000"/>
+                  </a:schemeClr>
+                </a:solidFill>
+              </a:rPr>
+              <a:t> </a:t>
+            </a:r>
             <a:r>
               <a:rPr lang="en-US" dirty="0"/>
-              <a:t>US Census</a:t>
-            </a:r>
-          </a:p>
-        </p:txBody>
-      </p:sp>
+              <a:t>The Occupational Employment Statistics (OES) program conducts a semiannual survey designed to produce estimates of employment and wages for specific occupations.</a:t>
+            </a:r>
+          </a:p>
+          <a:p>
+            <a:endParaRPr lang="en-US" dirty="0"/>
+          </a:p>
+          <a:p>
+            <a:r>
+              <a:rPr lang="en-US" dirty="0"/>
+              <a:t>US Census </a:t>
+            </a:r>
+          </a:p>
+          <a:p>
+            <a:pPr lvl="1"/>
+            <a:r>
+              <a:rPr lang="en-US" dirty="0">
+                <a:solidFill>
+                  <a:schemeClr val="accent5">
+                    <a:lumMod val="75000"/>
+                  </a:schemeClr>
+                </a:solidFill>
+                <a:hlinkClick r:id="rId3">
+                  <a:extLst>
+                    <a:ext uri="{A12FA001-AC4F-418D-AE19-62706E023703}">
+                      <ahyp:hlinkClr xmlns:ahyp="http://schemas.microsoft.com/office/drawing/2018/hyperlinkcolor" val="tx"/>
+                    </a:ext>
+                  </a:extLst>
+                </a:hlinkClick>
+              </a:rPr>
+              <a:t>https://www.census.gov/data/tables/time-series/demo/popest/2010s-state-total.html</a:t>
+            </a:r>
+            <a:r>
+              <a:rPr lang="en-US" dirty="0">
+                <a:solidFill>
+                  <a:schemeClr val="accent5">
+                    <a:lumMod val="75000"/>
+                  </a:schemeClr>
+                </a:solidFill>
+              </a:rPr>
+              <a:t>  </a:t>
+            </a:r>
+            <a:r>
+              <a:rPr lang="en-US" dirty="0"/>
+              <a:t>Used for state population estimates (as of July 1) from 2013 through 2017</a:t>
+            </a:r>
+          </a:p>
+          <a:p>
+            <a:pPr lvl="1"/>
+            <a:endParaRPr lang="en-US" dirty="0"/>
+          </a:p>
+        </p:txBody>
+      </p:sp>
+      <p:pic>
+        <p:nvPicPr>
+          <p:cNvPr id="4" name="Picture 3">
+            <a:extLst>
+              <a:ext uri="{FF2B5EF4-FFF2-40B4-BE49-F238E27FC236}">
+                <a16:creationId xmlns:a16="http://schemas.microsoft.com/office/drawing/2014/main" id="{E7D53E29-B383-4B9D-A554-11B128DFEE9B}"/>
+              </a:ext>
+            </a:extLst>
+          </p:cNvPr>
+          <p:cNvPicPr>
+            <a:picLocks noChangeAspect="1"/>
+          </p:cNvPicPr>
+          <p:nvPr/>
+        </p:nvPicPr>
+        <p:blipFill>
+          <a:blip r:embed="rId4"/>
+          <a:stretch>
+            <a:fillRect/>
+          </a:stretch>
+        </p:blipFill>
+        <p:spPr>
+          <a:xfrm>
+            <a:off x="685800" y="1085273"/>
+            <a:ext cx="2343727" cy="2343727"/>
+          </a:xfrm>
+          <a:prstGeom prst="rect">
+            <a:avLst/>
+          </a:prstGeom>
+        </p:spPr>
+      </p:pic>
+      <p:pic>
+        <p:nvPicPr>
+          <p:cNvPr id="6" name="Picture 5">
+            <a:extLst>
+              <a:ext uri="{FF2B5EF4-FFF2-40B4-BE49-F238E27FC236}">
+                <a16:creationId xmlns:a16="http://schemas.microsoft.com/office/drawing/2014/main" id="{064340ED-E940-4A96-89BA-D2EE55992785}"/>
+              </a:ext>
+            </a:extLst>
+          </p:cNvPr>
+          <p:cNvPicPr>
+            <a:picLocks noChangeAspect="1"/>
+          </p:cNvPicPr>
+          <p:nvPr/>
+        </p:nvPicPr>
+        <p:blipFill>
+          <a:blip r:embed="rId5">
+            <a:extLst>
+              <a:ext uri="{28A0092B-C50C-407E-A947-70E740481C1C}">
+                <a14:useLocalDpi xmlns:a14="http://schemas.microsoft.com/office/drawing/2010/main" val="0"/>
+              </a:ext>
+            </a:extLst>
+          </a:blip>
+          <a:stretch>
+            <a:fillRect/>
+          </a:stretch>
+        </p:blipFill>
+        <p:spPr>
+          <a:xfrm>
+            <a:off x="404860" y="3932382"/>
+            <a:ext cx="2749357" cy="2062018"/>
+          </a:xfrm>
+          <a:prstGeom prst="rect">
+            <a:avLst/>
+          </a:prstGeom>
+        </p:spPr>
+      </p:pic>
     </p:spTree>
     <p:extLst>
       <p:ext uri="{BB962C8B-B14F-4D97-AF65-F5344CB8AC3E}">
@@ -3808,7 +6813,7 @@
           <p:cNvPr id="3" name="Content Placeholder 2">
             <a:extLst>
               <a:ext uri="{FF2B5EF4-FFF2-40B4-BE49-F238E27FC236}">
-                <a16:creationId xmlns:a16="http://schemas.microsoft.com/office/drawing/2014/main" xmlns="" id="{75897B1C-3F8F-4B5D-8723-E5115AF5882A}"/>
+                <a16:creationId xmlns:a16="http://schemas.microsoft.com/office/drawing/2014/main" id="{75897B1C-3F8F-4B5D-8723-E5115AF5882A}"/>
               </a:ext>
             </a:extLst>
           </p:cNvPr>
@@ -3827,7 +6832,7 @@
         </p:spPr>
         <p:txBody>
           <a:bodyPr>
-            <a:normAutofit fontScale="92500" lnSpcReduction="20000"/>
+            <a:normAutofit fontScale="85000" lnSpcReduction="20000"/>
           </a:bodyPr>
           <a:lstStyle/>
           <a:p>
@@ -3899,8 +6904,8 @@
         </p:blipFill>
         <p:spPr>
           <a:xfrm>
-            <a:off x="3258356" y="101173"/>
-            <a:ext cx="8810695" cy="3350366"/>
+            <a:off x="3457508" y="101173"/>
+            <a:ext cx="8658284" cy="3292410"/>
           </a:xfrm>
           <a:prstGeom prst="rect">
             <a:avLst/>
@@ -3966,7 +6971,7 @@
           <p:cNvPr id="3" name="Content Placeholder 2">
             <a:extLst>
               <a:ext uri="{FF2B5EF4-FFF2-40B4-BE49-F238E27FC236}">
-                <a16:creationId xmlns:a16="http://schemas.microsoft.com/office/drawing/2014/main" xmlns="" id="{A1BF3F66-EBAC-4059-95DC-84F0A2D0D9F8}"/>
+                <a16:creationId xmlns:a16="http://schemas.microsoft.com/office/drawing/2014/main" id="{A1BF3F66-EBAC-4059-95DC-84F0A2D0D9F8}"/>
               </a:ext>
             </a:extLst>
           </p:cNvPr>
@@ -4062,7 +7067,7 @@
           <p:cNvPr id="2" name="Title 1">
             <a:extLst>
               <a:ext uri="{FF2B5EF4-FFF2-40B4-BE49-F238E27FC236}">
-                <a16:creationId xmlns:a16="http://schemas.microsoft.com/office/drawing/2014/main" xmlns="" id="{AB68570A-62BD-4471-B097-C694410375A6}"/>
+                <a16:creationId xmlns:a16="http://schemas.microsoft.com/office/drawing/2014/main" id="{AB68570A-62BD-4471-B097-C694410375A6}"/>
               </a:ext>
             </a:extLst>
           </p:cNvPr>
@@ -4078,7 +7083,10 @@
           <a:bodyPr/>
           <a:lstStyle/>
           <a:p>
-            <a:endParaRPr lang="en-US" dirty="0"/>
+            <a:r>
+              <a:rPr lang="en-US" dirty="0"/>
+              <a:t>Which Occupations have the Highest and Lowest demands? </a:t>
+            </a:r>
           </a:p>
         </p:txBody>
       </p:sp>
@@ -4087,7 +7095,7 @@
           <p:cNvPr id="5" name="Content Placeholder 4">
             <a:extLst>
               <a:ext uri="{FF2B5EF4-FFF2-40B4-BE49-F238E27FC236}">
-                <a16:creationId xmlns:a16="http://schemas.microsoft.com/office/drawing/2014/main" xmlns="" id="{EEB80261-BFDA-43BA-9A2B-7566F24FD572}"/>
+                <a16:creationId xmlns:a16="http://schemas.microsoft.com/office/drawing/2014/main" id="{EEB80261-BFDA-43BA-9A2B-7566F24FD572}"/>
               </a:ext>
             </a:extLst>
           </p:cNvPr>
@@ -4122,7 +7130,7 @@
           <p:cNvPr id="7" name="Picture 6">
             <a:extLst>
               <a:ext uri="{FF2B5EF4-FFF2-40B4-BE49-F238E27FC236}">
-                <a16:creationId xmlns:a16="http://schemas.microsoft.com/office/drawing/2014/main" xmlns="" id="{AD43CADE-D702-44C9-9494-04A14FD16E34}"/>
+                <a16:creationId xmlns:a16="http://schemas.microsoft.com/office/drawing/2014/main" id="{AD43CADE-D702-44C9-9494-04A14FD16E34}"/>
               </a:ext>
             </a:extLst>
           </p:cNvPr>
@@ -4188,7 +7196,7 @@
           <p:cNvPr id="2" name="Title 1">
             <a:extLst>
               <a:ext uri="{FF2B5EF4-FFF2-40B4-BE49-F238E27FC236}">
-                <a16:creationId xmlns:a16="http://schemas.microsoft.com/office/drawing/2014/main" xmlns="" id="{1B85EE37-585C-E64B-A7B4-E9E8C734F5D4}"/>
+                <a16:creationId xmlns:a16="http://schemas.microsoft.com/office/drawing/2014/main" id="{1B85EE37-585C-E64B-A7B4-E9E8C734F5D4}"/>
               </a:ext>
             </a:extLst>
           </p:cNvPr>
@@ -4222,7 +7230,7 @@
           <p:cNvPr id="4" name="Content Placeholder 3" descr="A screenshot of a cell phone&#10;&#10;Description automatically generated">
             <a:extLst>
               <a:ext uri="{FF2B5EF4-FFF2-40B4-BE49-F238E27FC236}">
-                <a16:creationId xmlns:a16="http://schemas.microsoft.com/office/drawing/2014/main" xmlns="" id="{FD0DA324-9218-FB43-8DC1-2E5B35B91D27}"/>
+                <a16:creationId xmlns:a16="http://schemas.microsoft.com/office/drawing/2014/main" id="{FD0DA324-9218-FB43-8DC1-2E5B35B91D27}"/>
               </a:ext>
             </a:extLst>
           </p:cNvPr>
@@ -4241,8 +7249,8 @@
         </p:blipFill>
         <p:spPr>
           <a:xfrm>
-            <a:off x="2532916" y="1176951"/>
-            <a:ext cx="6546071" cy="5018119"/>
+            <a:off x="2532916" y="1783062"/>
+            <a:ext cx="5755407" cy="4412008"/>
           </a:xfrm>
           <a:prstGeom prst="rect">
             <a:avLst/>
@@ -4257,7 +7265,7 @@
         </p:nvSpPr>
         <p:spPr>
           <a:xfrm>
-            <a:off x="6096000" y="3902299"/>
+            <a:off x="5626216" y="4153968"/>
             <a:ext cx="1249251" cy="296214"/>
           </a:xfrm>
           <a:prstGeom prst="leftArrow">
@@ -4322,7 +7330,7 @@
           <p:cNvPr id="2" name="Title 1">
             <a:extLst>
               <a:ext uri="{FF2B5EF4-FFF2-40B4-BE49-F238E27FC236}">
-                <a16:creationId xmlns:a16="http://schemas.microsoft.com/office/drawing/2014/main" xmlns="" id="{EC0D6666-CF76-4F9D-B356-8C4E5E1D8BE9}"/>
+                <a16:creationId xmlns:a16="http://schemas.microsoft.com/office/drawing/2014/main" id="{EC0D6666-CF76-4F9D-B356-8C4E5E1D8BE9}"/>
               </a:ext>
             </a:extLst>
           </p:cNvPr>
@@ -4335,7 +7343,9 @@
         </p:nvSpPr>
         <p:spPr/>
         <p:txBody>
-          <a:bodyPr/>
+          <a:bodyPr>
+            <a:normAutofit fontScale="90000"/>
+          </a:bodyPr>
           <a:lstStyle/>
           <a:p>
             <a:r>
@@ -4350,7 +7360,7 @@
           <p:cNvPr id="4" name="Content Placeholder 7" descr="A screenshot of a cell phone&#10;&#10;Description automatically generated">
             <a:extLst>
               <a:ext uri="{FF2B5EF4-FFF2-40B4-BE49-F238E27FC236}">
-                <a16:creationId xmlns:a16="http://schemas.microsoft.com/office/drawing/2014/main" xmlns="" id="{9E445847-9143-459E-B36A-C0979765F252}"/>
+                <a16:creationId xmlns:a16="http://schemas.microsoft.com/office/drawing/2014/main" id="{9E445847-9143-459E-B36A-C0979765F252}"/>
               </a:ext>
             </a:extLst>
           </p:cNvPr>
@@ -4369,8 +7379,8 @@
         </p:blipFill>
         <p:spPr>
           <a:xfrm>
-            <a:off x="3474040" y="1825625"/>
-            <a:ext cx="5243919" cy="4351338"/>
+            <a:off x="3671094" y="2193925"/>
+            <a:ext cx="4849812" cy="4024313"/>
           </a:xfrm>
           <a:prstGeom prst="rect">
             <a:avLst/>
@@ -4412,7 +7422,7 @@
           <p:cNvPr id="2" name="Title 1">
             <a:extLst>
               <a:ext uri="{FF2B5EF4-FFF2-40B4-BE49-F238E27FC236}">
-                <a16:creationId xmlns:a16="http://schemas.microsoft.com/office/drawing/2014/main" xmlns="" id="{1CFEA6E0-9345-1C43-9594-047B355EECDF}"/>
+                <a16:creationId xmlns:a16="http://schemas.microsoft.com/office/drawing/2014/main" id="{1CFEA6E0-9345-1C43-9594-047B355EECDF}"/>
               </a:ext>
             </a:extLst>
           </p:cNvPr>
@@ -4430,10 +7440,6 @@
           </a:bodyPr>
           <a:lstStyle/>
           <a:p>
-            <a:r>
-              <a:rPr lang="en-US" dirty="0"/>
-              <a:t/>
-            </a:r>
             <a:br>
               <a:rPr lang="en-US" dirty="0"/>
             </a:br>
@@ -4457,8 +7463,8 @@
         </p:blipFill>
         <p:spPr>
           <a:xfrm>
-            <a:off x="193185" y="262094"/>
-            <a:ext cx="11814869" cy="6409162"/>
+            <a:off x="872693" y="1738980"/>
+            <a:ext cx="8783035" cy="4764496"/>
           </a:xfrm>
           <a:prstGeom prst="rect">
             <a:avLst/>
@@ -4479,9 +7485,9 @@
 </file>
 
 <file path=ppt/theme/theme1.xml><?xml version="1.0" encoding="utf-8"?>
-<a:theme xmlns:a="http://schemas.openxmlformats.org/drawingml/2006/main" name="Office Theme">
+<a:theme xmlns:a="http://schemas.openxmlformats.org/drawingml/2006/main" name="Vapor Trail">
   <a:themeElements>
-    <a:clrScheme name="Office">
+    <a:clrScheme name="Vapor Trail">
       <a:dk1>
         <a:sysClr val="windowText" lastClr="000000"/>
       </a:dk1>
@@ -4489,39 +7495,39 @@
         <a:sysClr val="window" lastClr="FFFFFF"/>
       </a:lt1>
       <a:dk2>
-        <a:srgbClr val="44546A"/>
+        <a:srgbClr val="454545"/>
       </a:dk2>
       <a:lt2>
-        <a:srgbClr val="E7E6E6"/>
+        <a:srgbClr val="DADADA"/>
       </a:lt2>
       <a:accent1>
-        <a:srgbClr val="5B9BD5"/>
+        <a:srgbClr val="DF2E28"/>
       </a:accent1>
       <a:accent2>
-        <a:srgbClr val="ED7D31"/>
+        <a:srgbClr val="FE801A"/>
       </a:accent2>
       <a:accent3>
-        <a:srgbClr val="A5A5A5"/>
+        <a:srgbClr val="E9BF35"/>
       </a:accent3>
       <a:accent4>
-        <a:srgbClr val="FFC000"/>
+        <a:srgbClr val="81BB42"/>
       </a:accent4>
       <a:accent5>
-        <a:srgbClr val="4472C4"/>
+        <a:srgbClr val="32C7A9"/>
       </a:accent5>
       <a:accent6>
-        <a:srgbClr val="70AD47"/>
+        <a:srgbClr val="4A9BDC"/>
       </a:accent6>
       <a:hlink>
-        <a:srgbClr val="0563C1"/>
+        <a:srgbClr val="F0532B"/>
       </a:hlink>
       <a:folHlink>
-        <a:srgbClr val="954F72"/>
+        <a:srgbClr val="F38B53"/>
       </a:folHlink>
     </a:clrScheme>
-    <a:fontScheme name="Office">
+    <a:fontScheme name="Vapor Trail">
       <a:majorFont>
-        <a:latin typeface="Calibri Light" panose="020F0302020204030204"/>
+        <a:latin typeface="Century Gothic" panose="020B0502020202020204"/>
         <a:ea typeface=""/>
         <a:cs typeface=""/>
         <a:font script="Jpan" typeface="ＭＳ Ｐゴシック"/>
@@ -4556,7 +7562,7 @@
         <a:font script="Geor" typeface="Sylfaen"/>
       </a:majorFont>
       <a:minorFont>
-        <a:latin typeface="Calibri" panose="020F0502020204030204"/>
+        <a:latin typeface="Century Gothic" panose="020B0502020202020204"/>
         <a:ea typeface=""/>
         <a:cs typeface=""/>
         <a:font script="Jpan" typeface="ＭＳ Ｐゴシック"/>
@@ -4591,7 +7597,7 @@
         <a:font script="Geor" typeface="Sylfaen"/>
       </a:minorFont>
     </a:fontScheme>
-    <a:fmtScheme name="Office">
+    <a:fmtScheme name="Vapor Trail">
       <a:fillStyleLst>
         <a:solidFill>
           <a:schemeClr val="phClr"/>
@@ -4600,23 +7606,24 @@
           <a:gsLst>
             <a:gs pos="0">
               <a:schemeClr val="phClr">
+                <a:tint val="69000"/>
+                <a:alpha val="100000"/>
+                <a:satMod val="109000"/>
                 <a:lumMod val="110000"/>
-                <a:satMod val="105000"/>
-                <a:tint val="67000"/>
               </a:schemeClr>
             </a:gs>
-            <a:gs pos="50000">
+            <a:gs pos="52000">
               <a:schemeClr val="phClr">
-                <a:lumMod val="105000"/>
-                <a:satMod val="103000"/>
-                <a:tint val="73000"/>
+                <a:tint val="74000"/>
+                <a:satMod val="100000"/>
+                <a:lumMod val="104000"/>
               </a:schemeClr>
             </a:gs>
             <a:gs pos="100000">
               <a:schemeClr val="phClr">
-                <a:lumMod val="105000"/>
-                <a:satMod val="109000"/>
-                <a:tint val="81000"/>
+                <a:tint val="78000"/>
+                <a:satMod val="100000"/>
+                <a:lumMod val="100000"/>
               </a:schemeClr>
             </a:gs>
           </a:gsLst>
@@ -4626,23 +7633,16 @@
           <a:gsLst>
             <a:gs pos="0">
               <a:schemeClr val="phClr">
-                <a:satMod val="103000"/>
-                <a:lumMod val="102000"/>
-                <a:tint val="94000"/>
+                <a:tint val="96000"/>
+                <a:satMod val="100000"/>
+                <a:lumMod val="104000"/>
               </a:schemeClr>
             </a:gs>
-            <a:gs pos="50000">
+            <a:gs pos="78000">
               <a:schemeClr val="phClr">
+                <a:shade val="100000"/>
                 <a:satMod val="110000"/>
                 <a:lumMod val="100000"/>
-                <a:shade val="100000"/>
-              </a:schemeClr>
-            </a:gs>
-            <a:gs pos="100000">
-              <a:schemeClr val="phClr">
-                <a:lumMod val="99000"/>
-                <a:satMod val="120000"/>
-                <a:shade val="78000"/>
               </a:schemeClr>
             </a:gs>
           </a:gsLst>
@@ -4650,26 +7650,23 @@
         </a:gradFill>
       </a:fillStyleLst>
       <a:lnStyleLst>
-        <a:ln w="6350" cap="flat" cmpd="sng" algn="ctr">
+        <a:ln w="9525" cap="flat" cmpd="sng" algn="ctr">
           <a:solidFill>
             <a:schemeClr val="phClr"/>
           </a:solidFill>
           <a:prstDash val="solid"/>
-          <a:miter lim="800000"/>
         </a:ln>
         <a:ln w="12700" cap="flat" cmpd="sng" algn="ctr">
           <a:solidFill>
             <a:schemeClr val="phClr"/>
           </a:solidFill>
           <a:prstDash val="solid"/>
-          <a:miter lim="800000"/>
         </a:ln>
         <a:ln w="19050" cap="flat" cmpd="sng" algn="ctr">
           <a:solidFill>
             <a:schemeClr val="phClr"/>
           </a:solidFill>
           <a:prstDash val="solid"/>
-          <a:miter lim="800000"/>
         </a:ln>
       </a:lnStyleLst>
       <a:effectStyleLst>
@@ -4678,15 +7675,33 @@
         </a:effectStyle>
         <a:effectStyle>
           <a:effectLst/>
+          <a:scene3d>
+            <a:camera prst="orthographicFront">
+              <a:rot lat="0" lon="0" rev="0"/>
+            </a:camera>
+            <a:lightRig rig="threePt" dir="t"/>
+          </a:scene3d>
+          <a:sp3d>
+            <a:bevelT w="25400" h="12700"/>
+          </a:sp3d>
         </a:effectStyle>
         <a:effectStyle>
           <a:effectLst>
             <a:outerShdw blurRad="57150" dist="19050" dir="5400000" algn="ctr" rotWithShape="0">
               <a:srgbClr val="000000">
-                <a:alpha val="63000"/>
+                <a:alpha val="48000"/>
               </a:srgbClr>
             </a:outerShdw>
           </a:effectLst>
+          <a:scene3d>
+            <a:camera prst="orthographicFront">
+              <a:rot lat="0" lon="0" rev="0"/>
+            </a:camera>
+            <a:lightRig rig="threePt" dir="t"/>
+          </a:scene3d>
+          <a:sp3d>
+            <a:bevelT w="50800" h="25400"/>
+          </a:sp3d>
         </a:effectStyle>
       </a:effectStyleLst>
       <a:bgFillStyleLst>
@@ -4704,16 +7719,16 @@
             <a:gs pos="0">
               <a:schemeClr val="phClr">
                 <a:tint val="93000"/>
+                <a:shade val="98000"/>
                 <a:satMod val="150000"/>
-                <a:shade val="98000"/>
                 <a:lumMod val="102000"/>
               </a:schemeClr>
             </a:gs>
             <a:gs pos="50000">
               <a:schemeClr val="phClr">
                 <a:tint val="98000"/>
+                <a:shade val="90000"/>
                 <a:satMod val="130000"/>
-                <a:shade val="90000"/>
                 <a:lumMod val="103000"/>
               </a:schemeClr>
             </a:gs>
@@ -4733,7 +7748,7 @@
   <a:extraClrSchemeLst/>
   <a:extLst>
     <a:ext uri="{05A4C25C-085E-4340-85A3-A5531E510DB2}">
-      <thm15:themeFamily xmlns:thm15="http://schemas.microsoft.com/office/thememl/2012/main" name="Office Theme" id="{62F939B6-93AF-4DB8-9C6B-D6C7DFDC589F}" vid="{4A3C46E8-61CC-4603-A589-7422A47A8E4A}"/>
+      <thm15:themeFamily xmlns:thm15="http://schemas.microsoft.com/office/thememl/2012/main" name="Vapor Trail" id="{4FDF2955-7D9C-493C-B9F9-C205151B46CD}" vid="{8F31A783-2159-4870-BC29-2BA7D038EA44}"/>
     </a:ext>
   </a:extLst>
 </a:theme>

--- a/Group_5_Presentation.pptx
+++ b/Group_5_Presentation.pptx
@@ -2,7 +2,7 @@
 <file path=ppt/presentation.xml><?xml version="1.0" encoding="utf-8"?>
 <p:presentation xmlns:a="http://schemas.openxmlformats.org/drawingml/2006/main" xmlns:r="http://schemas.openxmlformats.org/officeDocument/2006/relationships" xmlns:p="http://schemas.openxmlformats.org/presentationml/2006/main" saveSubsetFonts="1">
   <p:sldMasterIdLst>
-    <p:sldMasterId id="2147483660" r:id="rId1"/>
+    <p:sldMasterId id="2147483696" r:id="rId1"/>
   </p:sldMasterIdLst>
   <p:sldIdLst>
     <p:sldId id="256" r:id="rId2"/>
@@ -356,7 +356,7 @@
     </p:spTree>
     <p:extLst>
       <p:ext uri="{BB962C8B-B14F-4D97-AF65-F5344CB8AC3E}">
-        <p14:creationId xmlns:p14="http://schemas.microsoft.com/office/powerpoint/2010/main" val="2294369364"/>
+        <p14:creationId xmlns:p14="http://schemas.microsoft.com/office/powerpoint/2010/main" val="3891262460"/>
       </p:ext>
     </p:extLst>
   </p:cSld>
@@ -613,7 +613,7 @@
     </p:spTree>
     <p:extLst>
       <p:ext uri="{BB962C8B-B14F-4D97-AF65-F5344CB8AC3E}">
-        <p14:creationId xmlns:p14="http://schemas.microsoft.com/office/powerpoint/2010/main" val="2590366700"/>
+        <p14:creationId xmlns:p14="http://schemas.microsoft.com/office/powerpoint/2010/main" val="33434302"/>
       </p:ext>
     </p:extLst>
   </p:cSld>
@@ -854,7 +854,7 @@
     </p:spTree>
     <p:extLst>
       <p:ext uri="{BB962C8B-B14F-4D97-AF65-F5344CB8AC3E}">
-        <p14:creationId xmlns:p14="http://schemas.microsoft.com/office/powerpoint/2010/main" val="3193631370"/>
+        <p14:creationId xmlns:p14="http://schemas.microsoft.com/office/powerpoint/2010/main" val="1389001514"/>
       </p:ext>
     </p:extLst>
   </p:cSld>
@@ -1396,7 +1396,7 @@
     </p:spTree>
     <p:extLst>
       <p:ext uri="{BB962C8B-B14F-4D97-AF65-F5344CB8AC3E}">
-        <p14:creationId xmlns:p14="http://schemas.microsoft.com/office/powerpoint/2010/main" val="1657985399"/>
+        <p14:creationId xmlns:p14="http://schemas.microsoft.com/office/powerpoint/2010/main" val="2252053273"/>
       </p:ext>
     </p:extLst>
   </p:cSld>
@@ -1637,7 +1637,7 @@
     </p:spTree>
     <p:extLst>
       <p:ext uri="{BB962C8B-B14F-4D97-AF65-F5344CB8AC3E}">
-        <p14:creationId xmlns:p14="http://schemas.microsoft.com/office/powerpoint/2010/main" val="3585662399"/>
+        <p14:creationId xmlns:p14="http://schemas.microsoft.com/office/powerpoint/2010/main" val="1290093487"/>
       </p:ext>
     </p:extLst>
   </p:cSld>
@@ -2174,7 +2174,7 @@
     </p:spTree>
     <p:extLst>
       <p:ext uri="{BB962C8B-B14F-4D97-AF65-F5344CB8AC3E}">
-        <p14:creationId xmlns:p14="http://schemas.microsoft.com/office/powerpoint/2010/main" val="1246064276"/>
+        <p14:creationId xmlns:p14="http://schemas.microsoft.com/office/powerpoint/2010/main" val="4221207590"/>
       </p:ext>
     </p:extLst>
   </p:cSld>
@@ -2948,7 +2948,7 @@
     </p:spTree>
     <p:extLst>
       <p:ext uri="{BB962C8B-B14F-4D97-AF65-F5344CB8AC3E}">
-        <p14:creationId xmlns:p14="http://schemas.microsoft.com/office/powerpoint/2010/main" val="1794076569"/>
+        <p14:creationId xmlns:p14="http://schemas.microsoft.com/office/powerpoint/2010/main" val="2126106273"/>
       </p:ext>
     </p:extLst>
   </p:cSld>
@@ -3123,7 +3123,7 @@
     </p:spTree>
     <p:extLst>
       <p:ext uri="{BB962C8B-B14F-4D97-AF65-F5344CB8AC3E}">
-        <p14:creationId xmlns:p14="http://schemas.microsoft.com/office/powerpoint/2010/main" val="801010422"/>
+        <p14:creationId xmlns:p14="http://schemas.microsoft.com/office/powerpoint/2010/main" val="2246547235"/>
       </p:ext>
     </p:extLst>
   </p:cSld>
@@ -3356,7 +3356,7 @@
     </p:spTree>
     <p:extLst>
       <p:ext uri="{BB962C8B-B14F-4D97-AF65-F5344CB8AC3E}">
-        <p14:creationId xmlns:p14="http://schemas.microsoft.com/office/powerpoint/2010/main" val="1237439456"/>
+        <p14:creationId xmlns:p14="http://schemas.microsoft.com/office/powerpoint/2010/main" val="1992012917"/>
       </p:ext>
     </p:extLst>
   </p:cSld>
@@ -3526,7 +3526,7 @@
     </p:spTree>
     <p:extLst>
       <p:ext uri="{BB962C8B-B14F-4D97-AF65-F5344CB8AC3E}">
-        <p14:creationId xmlns:p14="http://schemas.microsoft.com/office/powerpoint/2010/main" val="1926197880"/>
+        <p14:creationId xmlns:p14="http://schemas.microsoft.com/office/powerpoint/2010/main" val="1963231885"/>
       </p:ext>
     </p:extLst>
   </p:cSld>
@@ -3825,7 +3825,7 @@
     </p:spTree>
     <p:extLst>
       <p:ext uri="{BB962C8B-B14F-4D97-AF65-F5344CB8AC3E}">
-        <p14:creationId xmlns:p14="http://schemas.microsoft.com/office/powerpoint/2010/main" val="71214775"/>
+        <p14:creationId xmlns:p14="http://schemas.microsoft.com/office/powerpoint/2010/main" val="200136199"/>
       </p:ext>
     </p:extLst>
   </p:cSld>
@@ -4057,7 +4057,7 @@
     </p:spTree>
     <p:extLst>
       <p:ext uri="{BB962C8B-B14F-4D97-AF65-F5344CB8AC3E}">
-        <p14:creationId xmlns:p14="http://schemas.microsoft.com/office/powerpoint/2010/main" val="695896321"/>
+        <p14:creationId xmlns:p14="http://schemas.microsoft.com/office/powerpoint/2010/main" val="2264452342"/>
       </p:ext>
     </p:extLst>
   </p:cSld>
@@ -4436,7 +4436,7 @@
     </p:spTree>
     <p:extLst>
       <p:ext uri="{BB962C8B-B14F-4D97-AF65-F5344CB8AC3E}">
-        <p14:creationId xmlns:p14="http://schemas.microsoft.com/office/powerpoint/2010/main" val="2119520566"/>
+        <p14:creationId xmlns:p14="http://schemas.microsoft.com/office/powerpoint/2010/main" val="2268511462"/>
       </p:ext>
     </p:extLst>
   </p:cSld>
@@ -4554,7 +4554,7 @@
     </p:spTree>
     <p:extLst>
       <p:ext uri="{BB962C8B-B14F-4D97-AF65-F5344CB8AC3E}">
-        <p14:creationId xmlns:p14="http://schemas.microsoft.com/office/powerpoint/2010/main" val="24238843"/>
+        <p14:creationId xmlns:p14="http://schemas.microsoft.com/office/powerpoint/2010/main" val="160816302"/>
       </p:ext>
     </p:extLst>
   </p:cSld>
@@ -4649,7 +4649,7 @@
     </p:spTree>
     <p:extLst>
       <p:ext uri="{BB962C8B-B14F-4D97-AF65-F5344CB8AC3E}">
-        <p14:creationId xmlns:p14="http://schemas.microsoft.com/office/powerpoint/2010/main" val="3379637017"/>
+        <p14:creationId xmlns:p14="http://schemas.microsoft.com/office/powerpoint/2010/main" val="190964071"/>
       </p:ext>
     </p:extLst>
   </p:cSld>
@@ -4898,7 +4898,7 @@
     </p:spTree>
     <p:extLst>
       <p:ext uri="{BB962C8B-B14F-4D97-AF65-F5344CB8AC3E}">
-        <p14:creationId xmlns:p14="http://schemas.microsoft.com/office/powerpoint/2010/main" val="77018944"/>
+        <p14:creationId xmlns:p14="http://schemas.microsoft.com/office/powerpoint/2010/main" val="2462076774"/>
       </p:ext>
     </p:extLst>
   </p:cSld>
@@ -5155,7 +5155,7 @@
     </p:spTree>
     <p:extLst>
       <p:ext uri="{BB962C8B-B14F-4D97-AF65-F5344CB8AC3E}">
-        <p14:creationId xmlns:p14="http://schemas.microsoft.com/office/powerpoint/2010/main" val="713880882"/>
+        <p14:creationId xmlns:p14="http://schemas.microsoft.com/office/powerpoint/2010/main" val="3196829731"/>
       </p:ext>
     </p:extLst>
   </p:cSld>
@@ -5434,29 +5434,29 @@
     </p:spTree>
     <p:extLst>
       <p:ext uri="{BB962C8B-B14F-4D97-AF65-F5344CB8AC3E}">
-        <p14:creationId xmlns:p14="http://schemas.microsoft.com/office/powerpoint/2010/main" val="1866357972"/>
+        <p14:creationId xmlns:p14="http://schemas.microsoft.com/office/powerpoint/2010/main" val="3755421109"/>
       </p:ext>
     </p:extLst>
   </p:cSld>
   <p:clrMap bg1="dk1" tx1="lt1" bg2="dk2" tx2="lt2" accent1="accent1" accent2="accent2" accent3="accent3" accent4="accent4" accent5="accent5" accent6="accent6" hlink="hlink" folHlink="folHlink"/>
   <p:sldLayoutIdLst>
-    <p:sldLayoutId id="2147483661" r:id="rId1"/>
-    <p:sldLayoutId id="2147483662" r:id="rId2"/>
-    <p:sldLayoutId id="2147483663" r:id="rId3"/>
-    <p:sldLayoutId id="2147483664" r:id="rId4"/>
-    <p:sldLayoutId id="2147483665" r:id="rId5"/>
-    <p:sldLayoutId id="2147483666" r:id="rId6"/>
-    <p:sldLayoutId id="2147483667" r:id="rId7"/>
-    <p:sldLayoutId id="2147483668" r:id="rId8"/>
-    <p:sldLayoutId id="2147483669" r:id="rId9"/>
-    <p:sldLayoutId id="2147483670" r:id="rId10"/>
-    <p:sldLayoutId id="2147483671" r:id="rId11"/>
-    <p:sldLayoutId id="2147483672" r:id="rId12"/>
-    <p:sldLayoutId id="2147483673" r:id="rId13"/>
-    <p:sldLayoutId id="2147483674" r:id="rId14"/>
-    <p:sldLayoutId id="2147483675" r:id="rId15"/>
-    <p:sldLayoutId id="2147483676" r:id="rId16"/>
-    <p:sldLayoutId id="2147483677" r:id="rId17"/>
+    <p:sldLayoutId id="2147483697" r:id="rId1"/>
+    <p:sldLayoutId id="2147483698" r:id="rId2"/>
+    <p:sldLayoutId id="2147483699" r:id="rId3"/>
+    <p:sldLayoutId id="2147483700" r:id="rId4"/>
+    <p:sldLayoutId id="2147483701" r:id="rId5"/>
+    <p:sldLayoutId id="2147483702" r:id="rId6"/>
+    <p:sldLayoutId id="2147483703" r:id="rId7"/>
+    <p:sldLayoutId id="2147483704" r:id="rId8"/>
+    <p:sldLayoutId id="2147483705" r:id="rId9"/>
+    <p:sldLayoutId id="2147483706" r:id="rId10"/>
+    <p:sldLayoutId id="2147483707" r:id="rId11"/>
+    <p:sldLayoutId id="2147483708" r:id="rId12"/>
+    <p:sldLayoutId id="2147483709" r:id="rId13"/>
+    <p:sldLayoutId id="2147483710" r:id="rId14"/>
+    <p:sldLayoutId id="2147483711" r:id="rId15"/>
+    <p:sldLayoutId id="2147483712" r:id="rId16"/>
+    <p:sldLayoutId id="2147483713" r:id="rId17"/>
   </p:sldLayoutIdLst>
   <p:txStyles>
     <p:titleStyle>
@@ -5812,6 +5812,61 @@
           </a:p>
         </p:txBody>
       </p:sp>
+      <p:sp>
+        <p:nvSpPr>
+          <p:cNvPr id="4" name="TextBox 3">
+            <a:extLst>
+              <a:ext uri="{FF2B5EF4-FFF2-40B4-BE49-F238E27FC236}">
+                <a16:creationId xmlns:a16="http://schemas.microsoft.com/office/drawing/2014/main" id="{FCF9FFDB-DB25-4AFA-B506-312075D34380}"/>
+              </a:ext>
+            </a:extLst>
+          </p:cNvPr>
+          <p:cNvSpPr txBox="1"/>
+          <p:nvPr/>
+        </p:nvSpPr>
+        <p:spPr>
+          <a:xfrm>
+            <a:off x="3263318" y="4318001"/>
+            <a:ext cx="3052261" cy="1661993"/>
+          </a:xfrm>
+          <a:prstGeom prst="rect">
+            <a:avLst/>
+          </a:prstGeom>
+          <a:noFill/>
+          <a:ln>
+            <a:solidFill>
+              <a:schemeClr val="tx1"/>
+            </a:solidFill>
+          </a:ln>
+        </p:spPr>
+        <p:txBody>
+          <a:bodyPr wrap="square" rtlCol="0">
+            <a:spAutoFit/>
+          </a:bodyPr>
+          <a:lstStyle/>
+          <a:p>
+            <a:r>
+              <a:rPr lang="en-US" sz="2800" b="1" dirty="0"/>
+              <a:t>Winnie Wu</a:t>
+            </a:r>
+          </a:p>
+          <a:p>
+            <a:r>
+              <a:rPr lang="en-US" sz="2800" b="1" dirty="0"/>
+              <a:t>Rob Seaberg</a:t>
+            </a:r>
+          </a:p>
+          <a:p>
+            <a:r>
+              <a:rPr lang="en-US" sz="2800" b="1" dirty="0"/>
+              <a:t>&amp; Lei Qin</a:t>
+            </a:r>
+          </a:p>
+          <a:p>
+            <a:endParaRPr lang="en-US" dirty="0"/>
+          </a:p>
+        </p:txBody>
+      </p:sp>
     </p:spTree>
     <p:extLst>
       <p:ext uri="{BB962C8B-B14F-4D97-AF65-F5344CB8AC3E}">
@@ -5909,15 +5964,7 @@
             <a:pPr lvl="1"/>
             <a:r>
               <a:rPr lang="en-US" dirty="0"/>
-              <a:t>Computer and Mathematical occupations rank No. 14 among 22 major occupation </a:t>
-            </a:r>
-            <a:r>
-              <a:rPr lang="en-US" dirty="0" err="1"/>
-              <a:t>catergories</a:t>
-            </a:r>
-            <a:r>
-              <a:rPr lang="en-US" dirty="0"/>
-              <a:t> </a:t>
+              <a:t>Computer and Mathematical occupations rank No. 14 among 22 major occupation categories </a:t>
             </a:r>
           </a:p>
           <a:p>
@@ -6320,7 +6367,12 @@
             <p:ph type="title"/>
           </p:nvPr>
         </p:nvSpPr>
-        <p:spPr/>
+        <p:spPr>
+          <a:xfrm>
+            <a:off x="1058411" y="1548046"/>
+            <a:ext cx="8610600" cy="1293028"/>
+          </a:xfrm>
+        </p:spPr>
         <p:txBody>
           <a:bodyPr/>
           <a:lstStyle/>
@@ -6353,7 +6405,12 @@
             <p:ph idx="1"/>
           </p:nvPr>
         </p:nvSpPr>
-        <p:spPr/>
+        <p:spPr>
+          <a:xfrm>
+            <a:off x="2189527" y="2320394"/>
+            <a:ext cx="6474902" cy="4024125"/>
+          </a:xfrm>
+        </p:spPr>
         <p:txBody>
           <a:bodyPr/>
           <a:lstStyle/>
@@ -6890,50 +6947,96 @@
       </p:sp>
       <p:pic>
         <p:nvPicPr>
-          <p:cNvPr id="4" name="Picture 3"/>
+          <p:cNvPr id="2050" name="Picture 2">
+            <a:extLst>
+              <a:ext uri="{FF2B5EF4-FFF2-40B4-BE49-F238E27FC236}">
+                <a16:creationId xmlns:a16="http://schemas.microsoft.com/office/drawing/2014/main" id="{2B43D4F7-2FB9-4B53-BC1C-D53E372565A1}"/>
+              </a:ext>
+            </a:extLst>
+          </p:cNvPr>
           <p:cNvPicPr>
-            <a:picLocks noChangeAspect="1"/>
+            <a:picLocks noChangeAspect="1" noChangeArrowheads="1"/>
           </p:cNvPicPr>
           <p:nvPr/>
         </p:nvPicPr>
         <p:blipFill>
-          <a:blip r:embed="rId2"/>
+          <a:blip r:embed="rId2">
+            <a:extLst>
+              <a:ext uri="{28A0092B-C50C-407E-A947-70E740481C1C}">
+                <a14:useLocalDpi xmlns:a14="http://schemas.microsoft.com/office/drawing/2010/main" val="0"/>
+              </a:ext>
+            </a:extLst>
+          </a:blip>
+          <a:srcRect/>
           <a:stretch>
             <a:fillRect/>
           </a:stretch>
         </p:blipFill>
-        <p:spPr>
-          <a:xfrm>
-            <a:off x="3457508" y="101173"/>
-            <a:ext cx="8658284" cy="3292410"/>
+        <p:spPr bwMode="auto">
+          <a:xfrm>
+            <a:off x="3457508" y="3464418"/>
+            <a:ext cx="8477250" cy="3314700"/>
           </a:xfrm>
           <a:prstGeom prst="rect">
             <a:avLst/>
           </a:prstGeom>
+          <a:noFill/>
+          <a:extLst>
+            <a:ext uri="{909E8E84-426E-40DD-AFC4-6F175D3DCCD1}">
+              <a14:hiddenFill xmlns:a14="http://schemas.microsoft.com/office/drawing/2010/main">
+                <a:solidFill>
+                  <a:srgbClr val="FFFFFF"/>
+                </a:solidFill>
+              </a14:hiddenFill>
+            </a:ext>
+          </a:extLst>
         </p:spPr>
       </p:pic>
       <p:pic>
         <p:nvPicPr>
-          <p:cNvPr id="9" name="Picture 8"/>
+          <p:cNvPr id="2052" name="Picture 4">
+            <a:extLst>
+              <a:ext uri="{FF2B5EF4-FFF2-40B4-BE49-F238E27FC236}">
+                <a16:creationId xmlns:a16="http://schemas.microsoft.com/office/drawing/2014/main" id="{FEAD4804-AEB4-4589-B496-D0CC142274CD}"/>
+              </a:ext>
+            </a:extLst>
+          </p:cNvPr>
           <p:cNvPicPr>
-            <a:picLocks noChangeAspect="1"/>
+            <a:picLocks noChangeAspect="1" noChangeArrowheads="1"/>
           </p:cNvPicPr>
           <p:nvPr/>
         </p:nvPicPr>
         <p:blipFill>
-          <a:blip r:embed="rId3"/>
+          <a:blip r:embed="rId3">
+            <a:extLst>
+              <a:ext uri="{28A0092B-C50C-407E-A947-70E740481C1C}">
+                <a14:useLocalDpi xmlns:a14="http://schemas.microsoft.com/office/drawing/2010/main" val="0"/>
+              </a:ext>
+            </a:extLst>
+          </a:blip>
+          <a:srcRect/>
           <a:stretch>
             <a:fillRect/>
           </a:stretch>
         </p:blipFill>
-        <p:spPr>
-          <a:xfrm>
-            <a:off x="3457508" y="3464417"/>
-            <a:ext cx="8650940" cy="3367825"/>
+        <p:spPr bwMode="auto">
+          <a:xfrm>
+            <a:off x="3379805" y="149718"/>
+            <a:ext cx="8534400" cy="3314700"/>
           </a:xfrm>
           <a:prstGeom prst="rect">
             <a:avLst/>
           </a:prstGeom>
+          <a:noFill/>
+          <a:extLst>
+            <a:ext uri="{909E8E84-426E-40DD-AFC4-6F175D3DCCD1}">
+              <a14:hiddenFill xmlns:a14="http://schemas.microsoft.com/office/drawing/2010/main">
+                <a:solidFill>
+                  <a:srgbClr val="FFFFFF"/>
+                </a:solidFill>
+              </a14:hiddenFill>
+            </a:ext>
+          </a:extLst>
         </p:spPr>
       </p:pic>
     </p:spTree>
@@ -6984,7 +7087,7 @@
         </p:nvSpPr>
         <p:spPr>
           <a:xfrm>
-            <a:off x="965916" y="4691598"/>
+            <a:off x="1047482" y="295089"/>
             <a:ext cx="10097036" cy="1709201"/>
           </a:xfrm>
         </p:spPr>
@@ -7010,26 +7113,49 @@
       </p:sp>
       <p:pic>
         <p:nvPicPr>
-          <p:cNvPr id="5" name="Picture 4"/>
+          <p:cNvPr id="1028" name="Picture 4">
+            <a:extLst>
+              <a:ext uri="{FF2B5EF4-FFF2-40B4-BE49-F238E27FC236}">
+                <a16:creationId xmlns:a16="http://schemas.microsoft.com/office/drawing/2014/main" id="{642F8360-CC0D-4DD9-9C82-369B6108FA21}"/>
+              </a:ext>
+            </a:extLst>
+          </p:cNvPr>
           <p:cNvPicPr>
-            <a:picLocks noChangeAspect="1"/>
+            <a:picLocks noChangeAspect="1" noChangeArrowheads="1"/>
           </p:cNvPicPr>
           <p:nvPr/>
         </p:nvPicPr>
         <p:blipFill>
-          <a:blip r:embed="rId2"/>
+          <a:blip r:embed="rId2">
+            <a:extLst>
+              <a:ext uri="{28A0092B-C50C-407E-A947-70E740481C1C}">
+                <a14:useLocalDpi xmlns:a14="http://schemas.microsoft.com/office/drawing/2010/main" val="0"/>
+              </a:ext>
+            </a:extLst>
+          </a:blip>
+          <a:srcRect/>
           <a:stretch>
             <a:fillRect/>
           </a:stretch>
         </p:blipFill>
-        <p:spPr>
-          <a:xfrm>
-            <a:off x="433454" y="298963"/>
-            <a:ext cx="11027701" cy="4131369"/>
+        <p:spPr bwMode="auto">
+          <a:xfrm>
+            <a:off x="230332" y="2004290"/>
+            <a:ext cx="11532976" cy="4267201"/>
           </a:xfrm>
           <a:prstGeom prst="rect">
             <a:avLst/>
           </a:prstGeom>
+          <a:noFill/>
+          <a:extLst>
+            <a:ext uri="{909E8E84-426E-40DD-AFC4-6F175D3DCCD1}">
+              <a14:hiddenFill xmlns:a14="http://schemas.microsoft.com/office/drawing/2010/main">
+                <a:solidFill>
+                  <a:srgbClr val="FFFFFF"/>
+                </a:solidFill>
+              </a14:hiddenFill>
+            </a:ext>
+          </a:extLst>
         </p:spPr>
       </p:pic>
     </p:spTree>
@@ -7379,7 +7505,7 @@
         </p:blipFill>
         <p:spPr>
           <a:xfrm>
-            <a:off x="3671094" y="2193925"/>
+            <a:off x="1414455" y="2328149"/>
             <a:ext cx="4849812" cy="4024313"/>
           </a:xfrm>
           <a:prstGeom prst="rect">
@@ -7463,8 +7589,8 @@
         </p:blipFill>
         <p:spPr>
           <a:xfrm>
-            <a:off x="872693" y="1738980"/>
-            <a:ext cx="8783035" cy="4764496"/>
+            <a:off x="0" y="-1"/>
+            <a:ext cx="12510824" cy="6982691"/>
           </a:xfrm>
           <a:prstGeom prst="rect">
             <a:avLst/>

--- a/Group_5_Presentation.pptx
+++ b/Group_5_Presentation.pptx
@@ -11,14 +11,15 @@
     <p:sldId id="263" r:id="rId5"/>
     <p:sldId id="265" r:id="rId6"/>
     <p:sldId id="287" r:id="rId7"/>
-    <p:sldId id="289" r:id="rId8"/>
-    <p:sldId id="288" r:id="rId9"/>
-    <p:sldId id="281" r:id="rId10"/>
-    <p:sldId id="282" r:id="rId11"/>
-    <p:sldId id="262" r:id="rId12"/>
-    <p:sldId id="259" r:id="rId13"/>
-    <p:sldId id="273" r:id="rId14"/>
-    <p:sldId id="274" r:id="rId15"/>
+    <p:sldId id="290" r:id="rId8"/>
+    <p:sldId id="289" r:id="rId9"/>
+    <p:sldId id="288" r:id="rId10"/>
+    <p:sldId id="281" r:id="rId11"/>
+    <p:sldId id="282" r:id="rId12"/>
+    <p:sldId id="262" r:id="rId13"/>
+    <p:sldId id="259" r:id="rId14"/>
+    <p:sldId id="273" r:id="rId15"/>
+    <p:sldId id="274" r:id="rId16"/>
   </p:sldIdLst>
   <p:sldSz cx="12192000" cy="6858000"/>
   <p:notesSz cx="6858000" cy="9144000"/>
@@ -5902,7 +5903,7 @@
           <p:cNvPr id="2" name="Title 1">
             <a:extLst>
               <a:ext uri="{FF2B5EF4-FFF2-40B4-BE49-F238E27FC236}">
-                <a16:creationId xmlns:a16="http://schemas.microsoft.com/office/drawing/2014/main" id="{27E5E4B7-0D24-1246-B992-4E761C8D9010}"/>
+                <a16:creationId xmlns:a16="http://schemas.microsoft.com/office/drawing/2014/main" id="{1CFEA6E0-9345-1C43-9594-047B355EECDF}"/>
               </a:ext>
             </a:extLst>
           </p:cNvPr>
@@ -5911,34 +5912,6 @@
           </p:cNvSpPr>
           <p:nvPr>
             <p:ph type="title"/>
-          </p:nvPr>
-        </p:nvSpPr>
-        <p:spPr/>
-        <p:txBody>
-          <a:bodyPr/>
-          <a:lstStyle/>
-          <a:p>
-            <a:r>
-              <a:rPr lang="en-US" dirty="0"/>
-              <a:t>Summary</a:t>
-            </a:r>
-          </a:p>
-        </p:txBody>
-      </p:sp>
-      <p:sp>
-        <p:nvSpPr>
-          <p:cNvPr id="3" name="Content Placeholder 2">
-            <a:extLst>
-              <a:ext uri="{FF2B5EF4-FFF2-40B4-BE49-F238E27FC236}">
-                <a16:creationId xmlns:a16="http://schemas.microsoft.com/office/drawing/2014/main" id="{F68D2FE6-AC37-FA4F-B071-B1D2CB6CF5FE}"/>
-              </a:ext>
-            </a:extLst>
-          </p:cNvPr>
-          <p:cNvSpPr>
-            <a:spLocks noGrp="1"/>
-          </p:cNvSpPr>
-          <p:nvPr>
-            <p:ph idx="1"/>
           </p:nvPr>
         </p:nvSpPr>
         <p:spPr/>
@@ -5948,78 +5921,41 @@
           </a:bodyPr>
           <a:lstStyle/>
           <a:p>
-            <a:r>
+            <a:br>
               <a:rPr lang="en-US" dirty="0"/>
-              <a:t>The overall employment status by occupations in US in 2017</a:t>
-            </a:r>
-          </a:p>
-          <a:p>
-            <a:pPr lvl="1"/>
-            <a:r>
-              <a:rPr lang="en-US" dirty="0"/>
-              <a:t>Nation level top 3: administrative Support, sales and food preparation and serving</a:t>
-            </a:r>
-          </a:p>
-          <a:p>
-            <a:pPr lvl="1"/>
-            <a:r>
-              <a:rPr lang="en-US" dirty="0"/>
-              <a:t>Computer and Mathematical occupations rank No. 14 among 22 major occupation categories </a:t>
-            </a:r>
-          </a:p>
-          <a:p>
-            <a:pPr lvl="1"/>
+            </a:br>
             <a:endParaRPr lang="en-US" dirty="0"/>
           </a:p>
-          <a:p>
-            <a:pPr lvl="1"/>
-            <a:endParaRPr lang="en-US" dirty="0"/>
-          </a:p>
-          <a:p>
-            <a:pPr lvl="1"/>
-            <a:endParaRPr lang="en-US" dirty="0"/>
-          </a:p>
-          <a:p>
-            <a:r>
-              <a:rPr lang="en-US" dirty="0"/>
-              <a:t>The employment status in Computer and Mathematical Occupation in US</a:t>
-            </a:r>
-          </a:p>
-          <a:p>
-            <a:pPr lvl="1"/>
-            <a:r>
-              <a:rPr lang="en-US" dirty="0"/>
-              <a:t>Top 3 states: California, Texas, and New York</a:t>
-            </a:r>
-          </a:p>
-          <a:p>
-            <a:pPr lvl="1"/>
-            <a:r>
-              <a:rPr lang="en-US" dirty="0"/>
-              <a:t>Top 3: software developers, computer user support specialists and computer analysts are the highest</a:t>
-            </a:r>
-          </a:p>
-          <a:p>
-            <a:pPr marL="457200" lvl="1" indent="0">
-              <a:buNone/>
-            </a:pPr>
-            <a:endParaRPr lang="en-US" dirty="0"/>
-          </a:p>
-          <a:p>
-            <a:endParaRPr lang="en-US" dirty="0"/>
-          </a:p>
-          <a:p>
-            <a:endParaRPr lang="en-US" dirty="0"/>
-          </a:p>
-          <a:p>
-            <a:endParaRPr lang="en-US" dirty="0"/>
-          </a:p>
-        </p:txBody>
-      </p:sp>
+        </p:txBody>
+      </p:sp>
+      <p:pic>
+        <p:nvPicPr>
+          <p:cNvPr id="4" name="Picture 3"/>
+          <p:cNvPicPr>
+            <a:picLocks noChangeAspect="1"/>
+          </p:cNvPicPr>
+          <p:nvPr/>
+        </p:nvPicPr>
+        <p:blipFill>
+          <a:blip r:embed="rId2"/>
+          <a:stretch>
+            <a:fillRect/>
+          </a:stretch>
+        </p:blipFill>
+        <p:spPr>
+          <a:xfrm>
+            <a:off x="0" y="-1"/>
+            <a:ext cx="12510824" cy="6982691"/>
+          </a:xfrm>
+          <a:prstGeom prst="rect">
+            <a:avLst/>
+          </a:prstGeom>
+        </p:spPr>
+      </p:pic>
     </p:spTree>
     <p:extLst>
       <p:ext uri="{BB962C8B-B14F-4D97-AF65-F5344CB8AC3E}">
-        <p14:creationId xmlns:p14="http://schemas.microsoft.com/office/powerpoint/2010/main" val="3741776806"/>
+        <p14:creationId xmlns:p14="http://schemas.microsoft.com/office/powerpoint/2010/main" val="2979562136"/>
       </p:ext>
     </p:extLst>
   </p:cSld>
@@ -6051,7 +5987,7 @@
           <p:cNvPr id="2" name="Title 1">
             <a:extLst>
               <a:ext uri="{FF2B5EF4-FFF2-40B4-BE49-F238E27FC236}">
-                <a16:creationId xmlns:a16="http://schemas.microsoft.com/office/drawing/2014/main" id="{21D3167F-30A9-4F8D-99EE-386A1F094613}"/>
+                <a16:creationId xmlns:a16="http://schemas.microsoft.com/office/drawing/2014/main" id="{27E5E4B7-0D24-1246-B992-4E761C8D9010}"/>
               </a:ext>
             </a:extLst>
           </p:cNvPr>
@@ -6069,7 +6005,7 @@
           <a:p>
             <a:r>
               <a:rPr lang="en-US" dirty="0"/>
-              <a:t>Overall Summary </a:t>
+              <a:t>Summary</a:t>
             </a:r>
           </a:p>
         </p:txBody>
@@ -6079,7 +6015,7 @@
           <p:cNvPr id="3" name="Content Placeholder 2">
             <a:extLst>
               <a:ext uri="{FF2B5EF4-FFF2-40B4-BE49-F238E27FC236}">
-                <a16:creationId xmlns:a16="http://schemas.microsoft.com/office/drawing/2014/main" id="{571BA543-3A3F-43F0-957D-37B7A83B0853}"/>
+                <a16:creationId xmlns:a16="http://schemas.microsoft.com/office/drawing/2014/main" id="{F68D2FE6-AC37-FA4F-B071-B1D2CB6CF5FE}"/>
               </a:ext>
             </a:extLst>
           </p:cNvPr>
@@ -6092,20 +6028,83 @@
         </p:nvSpPr>
         <p:spPr/>
         <p:txBody>
-          <a:bodyPr/>
+          <a:bodyPr>
+            <a:normAutofit/>
+          </a:bodyPr>
           <a:lstStyle/>
           <a:p>
             <a:r>
               <a:rPr lang="en-US" dirty="0"/>
-              <a:t>Big take-aways</a:t>
-            </a:r>
+              <a:t>The overall employment status by occupations in US in 2017</a:t>
+            </a:r>
+          </a:p>
+          <a:p>
+            <a:pPr lvl="1"/>
+            <a:r>
+              <a:rPr lang="en-US" dirty="0"/>
+              <a:t>Nation level top 3: administrative Support, sales and food preparation and serving</a:t>
+            </a:r>
+          </a:p>
+          <a:p>
+            <a:pPr lvl="1"/>
+            <a:r>
+              <a:rPr lang="en-US" dirty="0"/>
+              <a:t>Computer and Mathematical occupations rank No. 14 among 22 major occupation categories </a:t>
+            </a:r>
+          </a:p>
+          <a:p>
+            <a:pPr lvl="1"/>
+            <a:endParaRPr lang="en-US" dirty="0"/>
+          </a:p>
+          <a:p>
+            <a:pPr lvl="1"/>
+            <a:endParaRPr lang="en-US" dirty="0"/>
+          </a:p>
+          <a:p>
+            <a:pPr lvl="1"/>
+            <a:endParaRPr lang="en-US" dirty="0"/>
+          </a:p>
+          <a:p>
+            <a:r>
+              <a:rPr lang="en-US" dirty="0"/>
+              <a:t>The employment status in Computer and Mathematical Occupation in US</a:t>
+            </a:r>
+          </a:p>
+          <a:p>
+            <a:pPr lvl="1"/>
+            <a:r>
+              <a:rPr lang="en-US" dirty="0"/>
+              <a:t>Top 3 states: California, Texas, and New York</a:t>
+            </a:r>
+          </a:p>
+          <a:p>
+            <a:pPr lvl="1"/>
+            <a:r>
+              <a:rPr lang="en-US" dirty="0"/>
+              <a:t>Top 3: software developers, computer user support specialists and computer analysts are the highest</a:t>
+            </a:r>
+          </a:p>
+          <a:p>
+            <a:pPr marL="457200" lvl="1" indent="0">
+              <a:buNone/>
+            </a:pPr>
+            <a:endParaRPr lang="en-US" dirty="0"/>
+          </a:p>
+          <a:p>
+            <a:endParaRPr lang="en-US" dirty="0"/>
+          </a:p>
+          <a:p>
+            <a:endParaRPr lang="en-US" dirty="0"/>
+          </a:p>
+          <a:p>
+            <a:endParaRPr lang="en-US" dirty="0"/>
           </a:p>
         </p:txBody>
       </p:sp>
     </p:spTree>
     <p:extLst>
       <p:ext uri="{BB962C8B-B14F-4D97-AF65-F5344CB8AC3E}">
-        <p14:creationId xmlns:p14="http://schemas.microsoft.com/office/powerpoint/2010/main" val="3858428707"/>
+        <p14:creationId xmlns:p14="http://schemas.microsoft.com/office/powerpoint/2010/main" val="3741776806"/>
       </p:ext>
     </p:extLst>
   </p:cSld>
@@ -6137,7 +6136,7 @@
           <p:cNvPr id="2" name="Title 1">
             <a:extLst>
               <a:ext uri="{FF2B5EF4-FFF2-40B4-BE49-F238E27FC236}">
-                <a16:creationId xmlns:a16="http://schemas.microsoft.com/office/drawing/2014/main" id="{D8975F0A-4727-47D2-96A8-DFAC0FBD6C91}"/>
+                <a16:creationId xmlns:a16="http://schemas.microsoft.com/office/drawing/2014/main" id="{21D3167F-30A9-4F8D-99EE-386A1F094613}"/>
               </a:ext>
             </a:extLst>
           </p:cNvPr>
@@ -6155,7 +6154,7 @@
           <a:p>
             <a:r>
               <a:rPr lang="en-US" dirty="0"/>
-              <a:t>Data Limitations</a:t>
+              <a:t>Overall Summary </a:t>
             </a:r>
           </a:p>
         </p:txBody>
@@ -6165,7 +6164,7 @@
           <p:cNvPr id="3" name="Content Placeholder 2">
             <a:extLst>
               <a:ext uri="{FF2B5EF4-FFF2-40B4-BE49-F238E27FC236}">
-                <a16:creationId xmlns:a16="http://schemas.microsoft.com/office/drawing/2014/main" id="{C69386F3-A2F7-4C59-B5D1-F22F1E51F196}"/>
+                <a16:creationId xmlns:a16="http://schemas.microsoft.com/office/drawing/2014/main" id="{571BA543-3A3F-43F0-957D-37B7A83B0853}"/>
               </a:ext>
             </a:extLst>
           </p:cNvPr>
@@ -6178,38 +6177,12 @@
         </p:nvSpPr>
         <p:spPr/>
         <p:txBody>
-          <a:bodyPr>
-            <a:normAutofit/>
-          </a:bodyPr>
+          <a:bodyPr/>
           <a:lstStyle/>
           <a:p>
             <a:r>
               <a:rPr lang="en-US" dirty="0"/>
-              <a:t>The BLS included calculations for the percent relative standard error (RSE) for total employment numbers.  Looking at a sample of the RSEs, there were concerns about the precision of certain estimates</a:t>
-            </a:r>
-          </a:p>
-          <a:p>
-            <a:r>
-              <a:rPr lang="en-US" dirty="0"/>
-              <a:t>Estimates for detailed occupations do not sum to the totals because the totals include occupations not shown separately</a:t>
-            </a:r>
-          </a:p>
-          <a:p>
-            <a:r>
-              <a:rPr lang="en-US" dirty="0"/>
-              <a:t>Estimates do not include self-employed workers</a:t>
-            </a:r>
-          </a:p>
-          <a:p>
-            <a:r>
-              <a:rPr lang="en-US" dirty="0"/>
-              <a:t>The most recent BLS data went to 2017 only</a:t>
-            </a:r>
-          </a:p>
-          <a:p>
-            <a:r>
-              <a:rPr lang="en-US" dirty="0"/>
-              <a:t>BLS data covers full-time and part-time wage and salary workers in nonfarm industries.  It does not cover self-employed, owners and partners in unincorporated firms, household workers, or unpaid family workers.</a:t>
+              <a:t>Big take-aways</a:t>
             </a:r>
           </a:p>
         </p:txBody>
@@ -6217,7 +6190,7 @@
     </p:spTree>
     <p:extLst>
       <p:ext uri="{BB962C8B-B14F-4D97-AF65-F5344CB8AC3E}">
-        <p14:creationId xmlns:p14="http://schemas.microsoft.com/office/powerpoint/2010/main" val="1693282570"/>
+        <p14:creationId xmlns:p14="http://schemas.microsoft.com/office/powerpoint/2010/main" val="3858428707"/>
       </p:ext>
     </p:extLst>
   </p:cSld>
@@ -6249,6 +6222,118 @@
           <p:cNvPr id="2" name="Title 1">
             <a:extLst>
               <a:ext uri="{FF2B5EF4-FFF2-40B4-BE49-F238E27FC236}">
+                <a16:creationId xmlns:a16="http://schemas.microsoft.com/office/drawing/2014/main" id="{D8975F0A-4727-47D2-96A8-DFAC0FBD6C91}"/>
+              </a:ext>
+            </a:extLst>
+          </p:cNvPr>
+          <p:cNvSpPr>
+            <a:spLocks noGrp="1"/>
+          </p:cNvSpPr>
+          <p:nvPr>
+            <p:ph type="title"/>
+          </p:nvPr>
+        </p:nvSpPr>
+        <p:spPr/>
+        <p:txBody>
+          <a:bodyPr/>
+          <a:lstStyle/>
+          <a:p>
+            <a:r>
+              <a:rPr lang="en-US" dirty="0"/>
+              <a:t>Data Limitations</a:t>
+            </a:r>
+          </a:p>
+        </p:txBody>
+      </p:sp>
+      <p:sp>
+        <p:nvSpPr>
+          <p:cNvPr id="3" name="Content Placeholder 2">
+            <a:extLst>
+              <a:ext uri="{FF2B5EF4-FFF2-40B4-BE49-F238E27FC236}">
+                <a16:creationId xmlns:a16="http://schemas.microsoft.com/office/drawing/2014/main" id="{C69386F3-A2F7-4C59-B5D1-F22F1E51F196}"/>
+              </a:ext>
+            </a:extLst>
+          </p:cNvPr>
+          <p:cNvSpPr>
+            <a:spLocks noGrp="1"/>
+          </p:cNvSpPr>
+          <p:nvPr>
+            <p:ph idx="1"/>
+          </p:nvPr>
+        </p:nvSpPr>
+        <p:spPr/>
+        <p:txBody>
+          <a:bodyPr>
+            <a:normAutofit/>
+          </a:bodyPr>
+          <a:lstStyle/>
+          <a:p>
+            <a:r>
+              <a:rPr lang="en-US" dirty="0"/>
+              <a:t>The BLS included calculations for the percent relative standard error (RSE) for total employment numbers.  Looking at a sample of the RSEs, there were concerns about the precision of certain estimates</a:t>
+            </a:r>
+          </a:p>
+          <a:p>
+            <a:r>
+              <a:rPr lang="en-US" dirty="0"/>
+              <a:t>Estimates for detailed occupations do not sum to the totals because the totals include occupations not shown separately</a:t>
+            </a:r>
+          </a:p>
+          <a:p>
+            <a:r>
+              <a:rPr lang="en-US" dirty="0"/>
+              <a:t>Estimates do not include self-employed workers</a:t>
+            </a:r>
+          </a:p>
+          <a:p>
+            <a:r>
+              <a:rPr lang="en-US" dirty="0"/>
+              <a:t>The most recent BLS data went to 2017 only</a:t>
+            </a:r>
+          </a:p>
+          <a:p>
+            <a:r>
+              <a:rPr lang="en-US" dirty="0"/>
+              <a:t>BLS data covers full-time and part-time wage and salary workers in nonfarm industries.  It does not cover self-employed, owners and partners in unincorporated firms, household workers, or unpaid family workers.</a:t>
+            </a:r>
+          </a:p>
+        </p:txBody>
+      </p:sp>
+    </p:spTree>
+    <p:extLst>
+      <p:ext uri="{BB962C8B-B14F-4D97-AF65-F5344CB8AC3E}">
+        <p14:creationId xmlns:p14="http://schemas.microsoft.com/office/powerpoint/2010/main" val="1693282570"/>
+      </p:ext>
+    </p:extLst>
+  </p:cSld>
+  <p:clrMapOvr>
+    <a:masterClrMapping/>
+  </p:clrMapOvr>
+</p:sld>
+</file>
+
+<file path=ppt/slides/slide14.xml><?xml version="1.0" encoding="utf-8"?>
+<p:sld xmlns:a="http://schemas.openxmlformats.org/drawingml/2006/main" xmlns:r="http://schemas.openxmlformats.org/officeDocument/2006/relationships" xmlns:p="http://schemas.openxmlformats.org/presentationml/2006/main">
+  <p:cSld>
+    <p:spTree>
+      <p:nvGrpSpPr>
+        <p:cNvPr id="1" name=""/>
+        <p:cNvGrpSpPr/>
+        <p:nvPr/>
+      </p:nvGrpSpPr>
+      <p:grpSpPr>
+        <a:xfrm>
+          <a:off x="0" y="0"/>
+          <a:ext cx="0" cy="0"/>
+          <a:chOff x="0" y="0"/>
+          <a:chExt cx="0" cy="0"/>
+        </a:xfrm>
+      </p:grpSpPr>
+      <p:sp>
+        <p:nvSpPr>
+          <p:cNvPr id="2" name="Title 1">
+            <a:extLst>
+              <a:ext uri="{FF2B5EF4-FFF2-40B4-BE49-F238E27FC236}">
                 <a16:creationId xmlns:a16="http://schemas.microsoft.com/office/drawing/2014/main" id="{E1C9EF35-DC7C-428F-A8C6-930DEFB1E1DB}"/>
               </a:ext>
             </a:extLst>
@@ -6334,7 +6419,7 @@
 </p:sld>
 </file>
 
-<file path=ppt/slides/slide14.xml><?xml version="1.0" encoding="utf-8"?>
+<file path=ppt/slides/slide15.xml><?xml version="1.0" encoding="utf-8"?>
 <p:sld xmlns:a="http://schemas.openxmlformats.org/drawingml/2006/main" xmlns:r="http://schemas.openxmlformats.org/officeDocument/2006/relationships" xmlns:p="http://schemas.openxmlformats.org/presentationml/2006/main">
   <p:cSld>
     <p:spTree>
@@ -6947,10 +7032,10 @@
       </p:sp>
       <p:pic>
         <p:nvPicPr>
-          <p:cNvPr id="2050" name="Picture 2">
+          <p:cNvPr id="2058" name="Picture 10">
             <a:extLst>
               <a:ext uri="{FF2B5EF4-FFF2-40B4-BE49-F238E27FC236}">
-                <a16:creationId xmlns:a16="http://schemas.microsoft.com/office/drawing/2014/main" id="{2B43D4F7-2FB9-4B53-BC1C-D53E372565A1}"/>
+                <a16:creationId xmlns:a16="http://schemas.microsoft.com/office/drawing/2014/main" id="{C7E7A439-E819-4DB7-B4F7-A25B98A49CCC}"/>
               </a:ext>
             </a:extLst>
           </p:cNvPr>
@@ -6974,7 +7059,7 @@
         </p:blipFill>
         <p:spPr bwMode="auto">
           <a:xfrm>
-            <a:off x="3457508" y="3464418"/>
+            <a:off x="3379805" y="3543300"/>
             <a:ext cx="8477250" cy="3314700"/>
           </a:xfrm>
           <a:prstGeom prst="rect">
@@ -6994,10 +7079,10 @@
       </p:pic>
       <p:pic>
         <p:nvPicPr>
-          <p:cNvPr id="2052" name="Picture 4">
+          <p:cNvPr id="2060" name="Picture 12">
             <a:extLst>
               <a:ext uri="{FF2B5EF4-FFF2-40B4-BE49-F238E27FC236}">
-                <a16:creationId xmlns:a16="http://schemas.microsoft.com/office/drawing/2014/main" id="{FEAD4804-AEB4-4589-B496-D0CC142274CD}"/>
+                <a16:creationId xmlns:a16="http://schemas.microsoft.com/office/drawing/2014/main" id="{6F0AC7CD-13B1-49CA-A210-0FEA7F648B7C}"/>
               </a:ext>
             </a:extLst>
           </p:cNvPr>
@@ -7021,7 +7106,7 @@
         </p:blipFill>
         <p:spPr bwMode="auto">
           <a:xfrm>
-            <a:off x="3379805" y="149718"/>
+            <a:off x="3258356" y="186745"/>
             <a:ext cx="8534400" cy="3314700"/>
           </a:xfrm>
           <a:prstGeom prst="rect">
@@ -7322,7 +7407,7 @@
           <p:cNvPr id="2" name="Title 1">
             <a:extLst>
               <a:ext uri="{FF2B5EF4-FFF2-40B4-BE49-F238E27FC236}">
-                <a16:creationId xmlns:a16="http://schemas.microsoft.com/office/drawing/2014/main" id="{1B85EE37-585C-E64B-A7B4-E9E8C734F5D4}"/>
+                <a16:creationId xmlns:a16="http://schemas.microsoft.com/office/drawing/2014/main" id="{A596BA33-7754-4852-A943-2BF56BC5ACEE}"/>
               </a:ext>
             </a:extLst>
           </p:cNvPr>
@@ -7333,98 +7418,971 @@
             <p:ph type="title"/>
           </p:nvPr>
         </p:nvSpPr>
-        <p:spPr/>
-        <p:txBody>
-          <a:bodyPr>
-            <a:normAutofit fontScale="90000"/>
-          </a:bodyPr>
+        <p:spPr>
+          <a:xfrm>
+            <a:off x="5651383" y="393235"/>
+            <a:ext cx="5088622" cy="814780"/>
+          </a:xfrm>
+        </p:spPr>
+        <p:txBody>
+          <a:bodyPr/>
           <a:lstStyle/>
           <a:p>
             <a:r>
               <a:rPr lang="en-US" dirty="0"/>
-              <a:t>The overall employment status by occupations in US</a:t>
-            </a:r>
-            <a:br>
-              <a:rPr lang="en-US" dirty="0"/>
-            </a:br>
-            <a:endParaRPr lang="en-US" dirty="0"/>
-          </a:p>
-        </p:txBody>
-      </p:sp>
-      <p:pic>
-        <p:nvPicPr>
-          <p:cNvPr id="4" name="Content Placeholder 3" descr="A screenshot of a cell phone&#10;&#10;Description automatically generated">
+              <a:t>Findings</a:t>
+            </a:r>
+          </a:p>
+        </p:txBody>
+      </p:sp>
+      <p:graphicFrame>
+        <p:nvGraphicFramePr>
+          <p:cNvPr id="4" name="Content Placeholder 3">
             <a:extLst>
               <a:ext uri="{FF2B5EF4-FFF2-40B4-BE49-F238E27FC236}">
-                <a16:creationId xmlns:a16="http://schemas.microsoft.com/office/drawing/2014/main" id="{FD0DA324-9218-FB43-8DC1-2E5B35B91D27}"/>
+                <a16:creationId xmlns:a16="http://schemas.microsoft.com/office/drawing/2014/main" id="{491C927E-30F3-4185-BE20-0B6D3C5A74A6}"/>
               </a:ext>
             </a:extLst>
           </p:cNvPr>
-          <p:cNvPicPr>
-            <a:picLocks noGrp="1" noChangeAspect="1"/>
-          </p:cNvPicPr>
+          <p:cNvGraphicFramePr>
+            <a:graphicFrameLocks noGrp="1"/>
+          </p:cNvGraphicFramePr>
           <p:nvPr>
             <p:ph idx="1"/>
-          </p:nvPr>
-        </p:nvPicPr>
-        <p:blipFill>
-          <a:blip r:embed="rId2"/>
-          <a:stretch>
-            <a:fillRect/>
-          </a:stretch>
-        </p:blipFill>
-        <p:spPr>
-          <a:xfrm>
-            <a:off x="2532916" y="1783062"/>
-            <a:ext cx="5755407" cy="4412008"/>
+            <p:extLst>
+              <p:ext uri="{D42A27DB-BD31-4B8C-83A1-F6EECF244321}">
+                <p14:modId xmlns:p14="http://schemas.microsoft.com/office/powerpoint/2010/main" val="384301928"/>
+              </p:ext>
+            </p:extLst>
+          </p:nvPr>
+        </p:nvGraphicFramePr>
+        <p:xfrm>
+          <a:off x="646477" y="1461221"/>
+          <a:ext cx="5219700" cy="5105336"/>
+        </p:xfrm>
+        <a:graphic>
+          <a:graphicData uri="http://schemas.openxmlformats.org/drawingml/2006/table">
+            <a:tbl>
+              <a:tblPr>
+                <a:tableStyleId>{5C22544A-7EE6-4342-B048-85BDC9FD1C3A}</a:tableStyleId>
+              </a:tblPr>
+              <a:tblGrid>
+                <a:gridCol w="1647559">
+                  <a:extLst>
+                    <a:ext uri="{9D8B030D-6E8A-4147-A177-3AD203B41FA5}">
+                      <a16:colId xmlns:a16="http://schemas.microsoft.com/office/drawing/2014/main" val="957085690"/>
+                    </a:ext>
+                  </a:extLst>
+                </a:gridCol>
+                <a:gridCol w="1647559">
+                  <a:extLst>
+                    <a:ext uri="{9D8B030D-6E8A-4147-A177-3AD203B41FA5}">
+                      <a16:colId xmlns:a16="http://schemas.microsoft.com/office/drawing/2014/main" val="3984160696"/>
+                    </a:ext>
+                  </a:extLst>
+                </a:gridCol>
+                <a:gridCol w="1924582">
+                  <a:extLst>
+                    <a:ext uri="{9D8B030D-6E8A-4147-A177-3AD203B41FA5}">
+                      <a16:colId xmlns:a16="http://schemas.microsoft.com/office/drawing/2014/main" val="3944266915"/>
+                    </a:ext>
+                  </a:extLst>
+                </a:gridCol>
+              </a:tblGrid>
+              <a:tr h="515130">
+                <a:tc>
+                  <a:txBody>
+                    <a:bodyPr/>
+                    <a:lstStyle/>
+                    <a:p>
+                      <a:pPr algn="l" fontAlgn="b"/>
+                      <a:r>
+                        <a:rPr lang="en-US" sz="1600" b="1" u="none" strike="noStrike" dirty="0">
+                          <a:solidFill>
+                            <a:schemeClr val="tx1"/>
+                          </a:solidFill>
+                          <a:effectLst/>
+                        </a:rPr>
+                        <a:t>Occupation</a:t>
+                      </a:r>
+                      <a:endParaRPr lang="en-US" sz="1600" b="1" i="0" u="none" strike="noStrike" dirty="0">
+                        <a:solidFill>
+                          <a:schemeClr val="tx1"/>
+                        </a:solidFill>
+                        <a:effectLst/>
+                        <a:latin typeface="Calibri" panose="020F0502020204030204" pitchFamily="34" charset="0"/>
+                      </a:endParaRPr>
+                    </a:p>
+                  </a:txBody>
+                  <a:tcPr marL="6350" marR="6350" marT="6350" marB="0">
+                    <a:solidFill>
+                      <a:schemeClr val="bg1"/>
+                    </a:solidFill>
+                  </a:tcPr>
+                </a:tc>
+                <a:tc>
+                  <a:txBody>
+                    <a:bodyPr/>
+                    <a:lstStyle/>
+                    <a:p>
+                      <a:pPr algn="l" fontAlgn="b"/>
+                      <a:r>
+                        <a:rPr lang="en-US" sz="1600" b="1" u="none" strike="noStrike" dirty="0">
+                          <a:solidFill>
+                            <a:schemeClr val="tx1"/>
+                          </a:solidFill>
+                          <a:effectLst/>
+                        </a:rPr>
+                        <a:t>% Change 2017</a:t>
+                      </a:r>
+                      <a:endParaRPr lang="en-US" sz="1600" b="1" i="0" u="none" strike="noStrike" dirty="0">
+                        <a:solidFill>
+                          <a:schemeClr val="tx1"/>
+                        </a:solidFill>
+                        <a:effectLst/>
+                        <a:latin typeface="Calibri" panose="020F0502020204030204" pitchFamily="34" charset="0"/>
+                      </a:endParaRPr>
+                    </a:p>
+                  </a:txBody>
+                  <a:tcPr marL="6350" marR="6350" marT="6350" marB="0">
+                    <a:solidFill>
+                      <a:schemeClr val="bg1"/>
+                    </a:solidFill>
+                  </a:tcPr>
+                </a:tc>
+                <a:tc>
+                  <a:txBody>
+                    <a:bodyPr/>
+                    <a:lstStyle/>
+                    <a:p>
+                      <a:pPr algn="l" fontAlgn="b"/>
+                      <a:r>
+                        <a:rPr lang="en-US" sz="1600" b="1" u="none" strike="noStrike" dirty="0">
+                          <a:solidFill>
+                            <a:schemeClr val="tx1"/>
+                          </a:solidFill>
+                          <a:effectLst/>
+                        </a:rPr>
+                        <a:t>Avg. % Change 2013-2017</a:t>
+                      </a:r>
+                      <a:endParaRPr lang="en-US" sz="1600" b="1" i="0" u="none" strike="noStrike" dirty="0">
+                        <a:solidFill>
+                          <a:schemeClr val="tx1"/>
+                        </a:solidFill>
+                        <a:effectLst/>
+                        <a:latin typeface="Calibri" panose="020F0502020204030204" pitchFamily="34" charset="0"/>
+                      </a:endParaRPr>
+                    </a:p>
+                  </a:txBody>
+                  <a:tcPr marL="6350" marR="6350" marT="6350" marB="0">
+                    <a:solidFill>
+                      <a:schemeClr val="bg1"/>
+                    </a:solidFill>
+                  </a:tcPr>
+                </a:tc>
+                <a:extLst>
+                  <a:ext uri="{0D108BD9-81ED-4DB2-BD59-A6C34878D82A}">
+                    <a16:rowId xmlns:a16="http://schemas.microsoft.com/office/drawing/2014/main" val="3101018803"/>
+                  </a:ext>
+                </a:extLst>
+              </a:tr>
+              <a:tr h="767907">
+                <a:tc>
+                  <a:txBody>
+                    <a:bodyPr/>
+                    <a:lstStyle/>
+                    <a:p>
+                      <a:pPr algn="l" fontAlgn="b"/>
+                      <a:r>
+                        <a:rPr lang="en-US" sz="1100" b="1" u="none" strike="noStrike" dirty="0">
+                          <a:solidFill>
+                            <a:schemeClr val="tx1"/>
+                          </a:solidFill>
+                          <a:effectLst/>
+                        </a:rPr>
+                        <a:t>Computer Occupations, All Other</a:t>
+                      </a:r>
+                      <a:endParaRPr lang="en-US" sz="1100" b="1" i="0" u="none" strike="noStrike" dirty="0">
+                        <a:solidFill>
+                          <a:schemeClr val="tx1"/>
+                        </a:solidFill>
+                        <a:effectLst/>
+                        <a:latin typeface="Calibri" panose="020F0502020204030204" pitchFamily="34" charset="0"/>
+                      </a:endParaRPr>
+                    </a:p>
+                  </a:txBody>
+                  <a:tcPr marL="6350" marR="6350" marT="6350" marB="0" anchor="b">
+                    <a:solidFill>
+                      <a:schemeClr val="accent4"/>
+                    </a:solidFill>
+                  </a:tcPr>
+                </a:tc>
+                <a:tc>
+                  <a:txBody>
+                    <a:bodyPr/>
+                    <a:lstStyle/>
+                    <a:p>
+                      <a:pPr algn="r" fontAlgn="b"/>
+                      <a:r>
+                        <a:rPr lang="en-US" sz="1110" b="1" i="0" u="none" strike="noStrike" baseline="0" dirty="0">
+                          <a:solidFill>
+                            <a:schemeClr val="tx1"/>
+                          </a:solidFill>
+                          <a:effectLst/>
+                          <a:latin typeface="Century Gothic" panose="020B0502020202020204" pitchFamily="34" charset="0"/>
+                        </a:rPr>
+                        <a:t>17.65</a:t>
+                      </a:r>
+                    </a:p>
+                  </a:txBody>
+                  <a:tcPr marL="6350" marR="6350" marT="6350" marB="0" anchor="b">
+                    <a:solidFill>
+                      <a:schemeClr val="accent4"/>
+                    </a:solidFill>
+                  </a:tcPr>
+                </a:tc>
+                <a:tc>
+                  <a:txBody>
+                    <a:bodyPr/>
+                    <a:lstStyle/>
+                    <a:p>
+                      <a:pPr algn="r" fontAlgn="b"/>
+                      <a:r>
+                        <a:rPr lang="en-US" sz="1110" b="1" i="0" u="none" strike="noStrike" baseline="0" dirty="0">
+                          <a:solidFill>
+                            <a:schemeClr val="tx1"/>
+                          </a:solidFill>
+                          <a:effectLst/>
+                          <a:latin typeface="Century Gothic" panose="020B0502020202020204" pitchFamily="34" charset="0"/>
+                        </a:rPr>
+                        <a:t>12.10</a:t>
+                      </a:r>
+                    </a:p>
+                  </a:txBody>
+                  <a:tcPr marL="6350" marR="6350" marT="6350" marB="0" anchor="b">
+                    <a:solidFill>
+                      <a:schemeClr val="accent4"/>
+                    </a:solidFill>
+                  </a:tcPr>
+                </a:tc>
+                <a:extLst>
+                  <a:ext uri="{0D108BD9-81ED-4DB2-BD59-A6C34878D82A}">
+                    <a16:rowId xmlns:a16="http://schemas.microsoft.com/office/drawing/2014/main" val="3649961185"/>
+                  </a:ext>
+                </a:extLst>
+              </a:tr>
+              <a:tr h="555344">
+                <a:tc>
+                  <a:txBody>
+                    <a:bodyPr/>
+                    <a:lstStyle/>
+                    <a:p>
+                      <a:pPr algn="l" fontAlgn="b"/>
+                      <a:r>
+                        <a:rPr lang="en-US" sz="1100" b="1" u="none" strike="noStrike">
+                          <a:solidFill>
+                            <a:schemeClr val="tx1"/>
+                          </a:solidFill>
+                          <a:effectLst/>
+                        </a:rPr>
+                        <a:t>Information Security Analysts</a:t>
+                      </a:r>
+                      <a:endParaRPr lang="en-US" sz="1100" b="1" i="0" u="none" strike="noStrike">
+                        <a:solidFill>
+                          <a:schemeClr val="tx1"/>
+                        </a:solidFill>
+                        <a:effectLst/>
+                        <a:latin typeface="Calibri" panose="020F0502020204030204" pitchFamily="34" charset="0"/>
+                      </a:endParaRPr>
+                    </a:p>
+                  </a:txBody>
+                  <a:tcPr marL="6350" marR="6350" marT="6350" marB="0" anchor="b">
+                    <a:solidFill>
+                      <a:schemeClr val="accent4"/>
+                    </a:solidFill>
+                  </a:tcPr>
+                </a:tc>
+                <a:tc>
+                  <a:txBody>
+                    <a:bodyPr/>
+                    <a:lstStyle/>
+                    <a:p>
+                      <a:pPr algn="r" fontAlgn="b"/>
+                      <a:r>
+                        <a:rPr lang="en-US" sz="1110" b="1" i="0" u="none" strike="noStrike" baseline="0">
+                          <a:solidFill>
+                            <a:schemeClr val="tx1"/>
+                          </a:solidFill>
+                          <a:effectLst/>
+                          <a:latin typeface="Century Gothic" panose="020B0502020202020204" pitchFamily="34" charset="0"/>
+                        </a:rPr>
+                        <a:t>10.57</a:t>
+                      </a:r>
+                    </a:p>
+                  </a:txBody>
+                  <a:tcPr marL="6350" marR="6350" marT="6350" marB="0" anchor="b">
+                    <a:solidFill>
+                      <a:schemeClr val="accent4"/>
+                    </a:solidFill>
+                  </a:tcPr>
+                </a:tc>
+                <a:tc>
+                  <a:txBody>
+                    <a:bodyPr/>
+                    <a:lstStyle/>
+                    <a:p>
+                      <a:pPr algn="r" fontAlgn="b"/>
+                      <a:r>
+                        <a:rPr lang="en-US" sz="1110" b="1" i="0" u="none" strike="noStrike" baseline="0" dirty="0">
+                          <a:solidFill>
+                            <a:schemeClr val="tx1"/>
+                          </a:solidFill>
+                          <a:effectLst/>
+                          <a:latin typeface="Century Gothic" panose="020B0502020202020204" pitchFamily="34" charset="0"/>
+                        </a:rPr>
+                        <a:t>7.85</a:t>
+                      </a:r>
+                    </a:p>
+                  </a:txBody>
+                  <a:tcPr marL="6350" marR="6350" marT="6350" marB="0" anchor="b">
+                    <a:solidFill>
+                      <a:schemeClr val="accent4"/>
+                    </a:solidFill>
+                  </a:tcPr>
+                </a:tc>
+                <a:extLst>
+                  <a:ext uri="{0D108BD9-81ED-4DB2-BD59-A6C34878D82A}">
+                    <a16:rowId xmlns:a16="http://schemas.microsoft.com/office/drawing/2014/main" val="3566758617"/>
+                  </a:ext>
+                </a:extLst>
+              </a:tr>
+              <a:tr h="555344">
+                <a:tc>
+                  <a:txBody>
+                    <a:bodyPr/>
+                    <a:lstStyle/>
+                    <a:p>
+                      <a:pPr algn="l" fontAlgn="b"/>
+                      <a:r>
+                        <a:rPr lang="en-US" sz="1100" b="1" u="none" strike="noStrike">
+                          <a:solidFill>
+                            <a:schemeClr val="tx1"/>
+                          </a:solidFill>
+                          <a:effectLst/>
+                        </a:rPr>
+                        <a:t>Statisticians</a:t>
+                      </a:r>
+                      <a:endParaRPr lang="en-US" sz="1100" b="1" i="0" u="none" strike="noStrike">
+                        <a:solidFill>
+                          <a:schemeClr val="tx1"/>
+                        </a:solidFill>
+                        <a:effectLst/>
+                        <a:latin typeface="Calibri" panose="020F0502020204030204" pitchFamily="34" charset="0"/>
+                      </a:endParaRPr>
+                    </a:p>
+                  </a:txBody>
+                  <a:tcPr marL="6350" marR="6350" marT="6350" marB="0" anchor="b">
+                    <a:solidFill>
+                      <a:schemeClr val="accent4"/>
+                    </a:solidFill>
+                  </a:tcPr>
+                </a:tc>
+                <a:tc>
+                  <a:txBody>
+                    <a:bodyPr/>
+                    <a:lstStyle/>
+                    <a:p>
+                      <a:pPr algn="r" fontAlgn="b"/>
+                      <a:r>
+                        <a:rPr lang="en-US" sz="1110" b="1" i="0" u="none" strike="noStrike" baseline="0">
+                          <a:solidFill>
+                            <a:schemeClr val="tx1"/>
+                          </a:solidFill>
+                          <a:effectLst/>
+                          <a:latin typeface="Century Gothic" panose="020B0502020202020204" pitchFamily="34" charset="0"/>
+                        </a:rPr>
+                        <a:t>7.63</a:t>
+                      </a:r>
+                    </a:p>
+                  </a:txBody>
+                  <a:tcPr marL="6350" marR="6350" marT="6350" marB="0" anchor="b">
+                    <a:solidFill>
+                      <a:schemeClr val="accent4"/>
+                    </a:solidFill>
+                  </a:tcPr>
+                </a:tc>
+                <a:tc>
+                  <a:txBody>
+                    <a:bodyPr/>
+                    <a:lstStyle/>
+                    <a:p>
+                      <a:pPr algn="r" fontAlgn="b"/>
+                      <a:r>
+                        <a:rPr lang="en-US" sz="1110" b="1" i="0" u="none" strike="noStrike" baseline="0" dirty="0">
+                          <a:solidFill>
+                            <a:schemeClr val="tx1"/>
+                          </a:solidFill>
+                          <a:effectLst/>
+                          <a:latin typeface="Century Gothic" panose="020B0502020202020204" pitchFamily="34" charset="0"/>
+                        </a:rPr>
+                        <a:t>9.51</a:t>
+                      </a:r>
+                    </a:p>
+                  </a:txBody>
+                  <a:tcPr marL="6350" marR="6350" marT="6350" marB="0" anchor="b">
+                    <a:solidFill>
+                      <a:schemeClr val="accent4"/>
+                    </a:solidFill>
+                  </a:tcPr>
+                </a:tc>
+                <a:extLst>
+                  <a:ext uri="{0D108BD9-81ED-4DB2-BD59-A6C34878D82A}">
+                    <a16:rowId xmlns:a16="http://schemas.microsoft.com/office/drawing/2014/main" val="2431465096"/>
+                  </a:ext>
+                </a:extLst>
+              </a:tr>
+              <a:tr h="277672">
+                <a:tc>
+                  <a:txBody>
+                    <a:bodyPr/>
+                    <a:lstStyle/>
+                    <a:p>
+                      <a:pPr algn="l" fontAlgn="b"/>
+                      <a:r>
+                        <a:rPr lang="en-US" sz="1100" b="1" u="none" strike="noStrike" dirty="0">
+                          <a:solidFill>
+                            <a:schemeClr val="tx1"/>
+                          </a:solidFill>
+                          <a:effectLst/>
+                        </a:rPr>
+                        <a:t>Web Developers</a:t>
+                      </a:r>
+                      <a:endParaRPr lang="en-US" sz="1100" b="1" i="0" u="none" strike="noStrike" dirty="0">
+                        <a:solidFill>
+                          <a:schemeClr val="tx1"/>
+                        </a:solidFill>
+                        <a:effectLst/>
+                        <a:latin typeface="Calibri" panose="020F0502020204030204" pitchFamily="34" charset="0"/>
+                      </a:endParaRPr>
+                    </a:p>
+                  </a:txBody>
+                  <a:tcPr marL="6350" marR="6350" marT="6350" marB="0" anchor="b">
+                    <a:solidFill>
+                      <a:srgbClr val="C00000"/>
+                    </a:solidFill>
+                  </a:tcPr>
+                </a:tc>
+                <a:tc>
+                  <a:txBody>
+                    <a:bodyPr/>
+                    <a:lstStyle/>
+                    <a:p>
+                      <a:pPr algn="r" fontAlgn="b"/>
+                      <a:r>
+                        <a:rPr lang="en-US" sz="1110" b="1" i="0" u="none" strike="noStrike" baseline="0">
+                          <a:solidFill>
+                            <a:schemeClr val="tx1"/>
+                          </a:solidFill>
+                          <a:effectLst/>
+                          <a:latin typeface="Century Gothic" panose="020B0502020202020204" pitchFamily="34" charset="0"/>
+                        </a:rPr>
+                        <a:t>-2.86</a:t>
+                      </a:r>
+                    </a:p>
+                  </a:txBody>
+                  <a:tcPr marL="6350" marR="6350" marT="6350" marB="0" anchor="b">
+                    <a:solidFill>
+                      <a:srgbClr val="C00000"/>
+                    </a:solidFill>
+                  </a:tcPr>
+                </a:tc>
+                <a:tc>
+                  <a:txBody>
+                    <a:bodyPr/>
+                    <a:lstStyle/>
+                    <a:p>
+                      <a:pPr algn="r" fontAlgn="b"/>
+                      <a:r>
+                        <a:rPr lang="en-US" sz="1110" b="1" i="0" u="none" strike="noStrike" baseline="0" dirty="0">
+                          <a:solidFill>
+                            <a:schemeClr val="tx1"/>
+                          </a:solidFill>
+                          <a:effectLst/>
+                          <a:latin typeface="Century Gothic" panose="020B0502020202020204" pitchFamily="34" charset="0"/>
+                        </a:rPr>
+                        <a:t>2.86</a:t>
+                      </a:r>
+                    </a:p>
+                  </a:txBody>
+                  <a:tcPr marL="6350" marR="6350" marT="6350" marB="0" anchor="b">
+                    <a:solidFill>
+                      <a:srgbClr val="C00000"/>
+                    </a:solidFill>
+                  </a:tcPr>
+                </a:tc>
+                <a:extLst>
+                  <a:ext uri="{0D108BD9-81ED-4DB2-BD59-A6C34878D82A}">
+                    <a16:rowId xmlns:a16="http://schemas.microsoft.com/office/drawing/2014/main" val="1755834529"/>
+                  </a:ext>
+                </a:extLst>
+              </a:tr>
+              <a:tr h="767907">
+                <a:tc>
+                  <a:txBody>
+                    <a:bodyPr/>
+                    <a:lstStyle/>
+                    <a:p>
+                      <a:pPr algn="l" fontAlgn="b"/>
+                      <a:r>
+                        <a:rPr lang="en-US" sz="1100" b="1" u="none" strike="noStrike">
+                          <a:solidFill>
+                            <a:schemeClr val="tx1"/>
+                          </a:solidFill>
+                          <a:effectLst/>
+                        </a:rPr>
+                        <a:t>Software Developers, Systems Software</a:t>
+                      </a:r>
+                      <a:endParaRPr lang="en-US" sz="1100" b="1" i="0" u="none" strike="noStrike">
+                        <a:solidFill>
+                          <a:schemeClr val="tx1"/>
+                        </a:solidFill>
+                        <a:effectLst/>
+                        <a:latin typeface="Calibri" panose="020F0502020204030204" pitchFamily="34" charset="0"/>
+                      </a:endParaRPr>
+                    </a:p>
+                  </a:txBody>
+                  <a:tcPr marL="6350" marR="6350" marT="6350" marB="0" anchor="b">
+                    <a:solidFill>
+                      <a:srgbClr val="C00000"/>
+                    </a:solidFill>
+                  </a:tcPr>
+                </a:tc>
+                <a:tc>
+                  <a:txBody>
+                    <a:bodyPr/>
+                    <a:lstStyle/>
+                    <a:p>
+                      <a:pPr algn="r" fontAlgn="b"/>
+                      <a:r>
+                        <a:rPr lang="en-US" sz="1110" b="1" i="0" u="none" strike="noStrike" baseline="0">
+                          <a:solidFill>
+                            <a:schemeClr val="tx1"/>
+                          </a:solidFill>
+                          <a:effectLst/>
+                          <a:latin typeface="Century Gothic" panose="020B0502020202020204" pitchFamily="34" charset="0"/>
+                        </a:rPr>
+                        <a:t>-3.48</a:t>
+                      </a:r>
+                    </a:p>
+                  </a:txBody>
+                  <a:tcPr marL="6350" marR="6350" marT="6350" marB="0" anchor="b">
+                    <a:solidFill>
+                      <a:srgbClr val="C00000"/>
+                    </a:solidFill>
+                  </a:tcPr>
+                </a:tc>
+                <a:tc>
+                  <a:txBody>
+                    <a:bodyPr/>
+                    <a:lstStyle/>
+                    <a:p>
+                      <a:pPr algn="r" fontAlgn="b"/>
+                      <a:r>
+                        <a:rPr lang="en-US" sz="1110" b="1" i="0" u="none" strike="noStrike" baseline="0" dirty="0">
+                          <a:solidFill>
+                            <a:schemeClr val="tx1"/>
+                          </a:solidFill>
+                          <a:effectLst/>
+                          <a:latin typeface="Century Gothic" panose="020B0502020202020204" pitchFamily="34" charset="0"/>
+                        </a:rPr>
+                        <a:t>1.40</a:t>
+                      </a:r>
+                    </a:p>
+                  </a:txBody>
+                  <a:tcPr marL="6350" marR="6350" marT="6350" marB="0" anchor="b">
+                    <a:solidFill>
+                      <a:srgbClr val="C00000"/>
+                    </a:solidFill>
+                  </a:tcPr>
+                </a:tc>
+                <a:extLst>
+                  <a:ext uri="{0D108BD9-81ED-4DB2-BD59-A6C34878D82A}">
+                    <a16:rowId xmlns:a16="http://schemas.microsoft.com/office/drawing/2014/main" val="4151097572"/>
+                  </a:ext>
+                </a:extLst>
+              </a:tr>
+              <a:tr h="555344">
+                <a:tc>
+                  <a:txBody>
+                    <a:bodyPr/>
+                    <a:lstStyle/>
+                    <a:p>
+                      <a:pPr algn="l" fontAlgn="b"/>
+                      <a:r>
+                        <a:rPr lang="en-US" sz="1100" b="1" u="none" strike="noStrike">
+                          <a:solidFill>
+                            <a:schemeClr val="tx1"/>
+                          </a:solidFill>
+                          <a:effectLst/>
+                        </a:rPr>
+                        <a:t>Computer Programmers</a:t>
+                      </a:r>
+                      <a:endParaRPr lang="en-US" sz="1100" b="1" i="0" u="none" strike="noStrike">
+                        <a:solidFill>
+                          <a:schemeClr val="tx1"/>
+                        </a:solidFill>
+                        <a:effectLst/>
+                        <a:latin typeface="Calibri" panose="020F0502020204030204" pitchFamily="34" charset="0"/>
+                      </a:endParaRPr>
+                    </a:p>
+                  </a:txBody>
+                  <a:tcPr marL="6350" marR="6350" marT="6350" marB="0" anchor="b">
+                    <a:solidFill>
+                      <a:srgbClr val="C00000"/>
+                    </a:solidFill>
+                  </a:tcPr>
+                </a:tc>
+                <a:tc>
+                  <a:txBody>
+                    <a:bodyPr/>
+                    <a:lstStyle/>
+                    <a:p>
+                      <a:pPr algn="r" fontAlgn="b"/>
+                      <a:r>
+                        <a:rPr lang="en-US" sz="1110" b="1" i="0" u="none" strike="noStrike" baseline="0">
+                          <a:solidFill>
+                            <a:schemeClr val="tx1"/>
+                          </a:solidFill>
+                          <a:effectLst/>
+                          <a:latin typeface="Century Gothic" panose="020B0502020202020204" pitchFamily="34" charset="0"/>
+                        </a:rPr>
+                        <a:t>-11.19</a:t>
+                      </a:r>
+                    </a:p>
+                  </a:txBody>
+                  <a:tcPr marL="6350" marR="6350" marT="6350" marB="0" anchor="b">
+                    <a:solidFill>
+                      <a:srgbClr val="C00000"/>
+                    </a:solidFill>
+                  </a:tcPr>
+                </a:tc>
+                <a:tc>
+                  <a:txBody>
+                    <a:bodyPr/>
+                    <a:lstStyle/>
+                    <a:p>
+                      <a:pPr algn="r" fontAlgn="b"/>
+                      <a:r>
+                        <a:rPr lang="en-US" sz="1110" b="1" i="0" u="none" strike="noStrike" baseline="0" dirty="0">
+                          <a:solidFill>
+                            <a:schemeClr val="tx1"/>
+                          </a:solidFill>
+                          <a:effectLst/>
+                          <a:latin typeface="Century Gothic" panose="020B0502020202020204" pitchFamily="34" charset="0"/>
+                        </a:rPr>
+                        <a:t>-6.22</a:t>
+                      </a:r>
+                    </a:p>
+                  </a:txBody>
+                  <a:tcPr marL="6350" marR="6350" marT="6350" marB="0" anchor="b">
+                    <a:solidFill>
+                      <a:srgbClr val="C00000"/>
+                    </a:solidFill>
+                  </a:tcPr>
+                </a:tc>
+                <a:extLst>
+                  <a:ext uri="{0D108BD9-81ED-4DB2-BD59-A6C34878D82A}">
+                    <a16:rowId xmlns:a16="http://schemas.microsoft.com/office/drawing/2014/main" val="1023807493"/>
+                  </a:ext>
+                </a:extLst>
+              </a:tr>
+              <a:tr h="833016">
+                <a:tc>
+                  <a:txBody>
+                    <a:bodyPr/>
+                    <a:lstStyle/>
+                    <a:p>
+                      <a:pPr algn="l" fontAlgn="b"/>
+                      <a:r>
+                        <a:rPr lang="en-US" sz="1100" b="1" u="none" strike="noStrike" dirty="0">
+                          <a:solidFill>
+                            <a:schemeClr val="tx1"/>
+                          </a:solidFill>
+                          <a:effectLst/>
+                        </a:rPr>
+                        <a:t>Computer and Mathematical Occupations</a:t>
+                      </a:r>
+                      <a:endParaRPr lang="en-US" sz="1100" b="1" i="0" u="none" strike="noStrike" dirty="0">
+                        <a:solidFill>
+                          <a:schemeClr val="tx1"/>
+                        </a:solidFill>
+                        <a:effectLst/>
+                        <a:latin typeface="Calibri" panose="020F0502020204030204" pitchFamily="34" charset="0"/>
+                      </a:endParaRPr>
+                    </a:p>
+                  </a:txBody>
+                  <a:tcPr marL="6350" marR="6350" marT="6350" marB="0" anchor="b">
+                    <a:solidFill>
+                      <a:schemeClr val="accent6">
+                        <a:lumMod val="75000"/>
+                      </a:schemeClr>
+                    </a:solidFill>
+                  </a:tcPr>
+                </a:tc>
+                <a:tc>
+                  <a:txBody>
+                    <a:bodyPr/>
+                    <a:lstStyle/>
+                    <a:p>
+                      <a:pPr algn="r" fontAlgn="b"/>
+                      <a:r>
+                        <a:rPr lang="en-US" sz="1110" b="1" i="0" u="none" strike="noStrike" baseline="0">
+                          <a:solidFill>
+                            <a:schemeClr val="tx1"/>
+                          </a:solidFill>
+                          <a:effectLst/>
+                          <a:latin typeface="Century Gothic" panose="020B0502020202020204" pitchFamily="34" charset="0"/>
+                        </a:rPr>
+                        <a:t>2.31</a:t>
+                      </a:r>
+                    </a:p>
+                  </a:txBody>
+                  <a:tcPr marL="6350" marR="6350" marT="6350" marB="0" anchor="b">
+                    <a:solidFill>
+                      <a:schemeClr val="accent6">
+                        <a:lumMod val="75000"/>
+                      </a:schemeClr>
+                    </a:solidFill>
+                  </a:tcPr>
+                </a:tc>
+                <a:tc>
+                  <a:txBody>
+                    <a:bodyPr/>
+                    <a:lstStyle/>
+                    <a:p>
+                      <a:pPr algn="r" fontAlgn="b"/>
+                      <a:r>
+                        <a:rPr lang="en-US" sz="1110" b="1" i="0" u="none" strike="noStrike" baseline="0" dirty="0">
+                          <a:solidFill>
+                            <a:schemeClr val="tx1"/>
+                          </a:solidFill>
+                          <a:effectLst/>
+                          <a:latin typeface="Century Gothic" panose="020B0502020202020204" pitchFamily="34" charset="0"/>
+                        </a:rPr>
+                        <a:t>3.62</a:t>
+                      </a:r>
+                    </a:p>
+                  </a:txBody>
+                  <a:tcPr marL="6350" marR="6350" marT="6350" marB="0" anchor="b">
+                    <a:solidFill>
+                      <a:schemeClr val="accent6">
+                        <a:lumMod val="75000"/>
+                      </a:schemeClr>
+                    </a:solidFill>
+                  </a:tcPr>
+                </a:tc>
+                <a:extLst>
+                  <a:ext uri="{0D108BD9-81ED-4DB2-BD59-A6C34878D82A}">
+                    <a16:rowId xmlns:a16="http://schemas.microsoft.com/office/drawing/2014/main" val="1166867636"/>
+                  </a:ext>
+                </a:extLst>
+              </a:tr>
+              <a:tr h="277672">
+                <a:tc>
+                  <a:txBody>
+                    <a:bodyPr/>
+                    <a:lstStyle/>
+                    <a:p>
+                      <a:pPr algn="l" fontAlgn="b"/>
+                      <a:r>
+                        <a:rPr lang="en-US" sz="1100" b="1" u="none" strike="noStrike">
+                          <a:solidFill>
+                            <a:schemeClr val="tx1"/>
+                          </a:solidFill>
+                          <a:effectLst/>
+                        </a:rPr>
+                        <a:t>All Occupations</a:t>
+                      </a:r>
+                      <a:endParaRPr lang="en-US" sz="1100" b="1" i="0" u="none" strike="noStrike">
+                        <a:solidFill>
+                          <a:schemeClr val="tx1"/>
+                        </a:solidFill>
+                        <a:effectLst/>
+                        <a:latin typeface="Calibri" panose="020F0502020204030204" pitchFamily="34" charset="0"/>
+                      </a:endParaRPr>
+                    </a:p>
+                  </a:txBody>
+                  <a:tcPr marL="6350" marR="6350" marT="6350" marB="0" anchor="b">
+                    <a:solidFill>
+                      <a:schemeClr val="accent6">
+                        <a:lumMod val="75000"/>
+                      </a:schemeClr>
+                    </a:solidFill>
+                  </a:tcPr>
+                </a:tc>
+                <a:tc>
+                  <a:txBody>
+                    <a:bodyPr/>
+                    <a:lstStyle/>
+                    <a:p>
+                      <a:pPr algn="r" fontAlgn="b"/>
+                      <a:r>
+                        <a:rPr lang="en-US" sz="1110" b="1" i="0" u="none" strike="noStrike" baseline="0">
+                          <a:solidFill>
+                            <a:schemeClr val="tx1"/>
+                          </a:solidFill>
+                          <a:effectLst/>
+                          <a:latin typeface="Century Gothic" panose="020B0502020202020204" pitchFamily="34" charset="0"/>
+                        </a:rPr>
+                        <a:t>1.51</a:t>
+                      </a:r>
+                    </a:p>
+                  </a:txBody>
+                  <a:tcPr marL="6350" marR="6350" marT="6350" marB="0" anchor="b">
+                    <a:solidFill>
+                      <a:schemeClr val="accent6">
+                        <a:lumMod val="75000"/>
+                      </a:schemeClr>
+                    </a:solidFill>
+                  </a:tcPr>
+                </a:tc>
+                <a:tc>
+                  <a:txBody>
+                    <a:bodyPr/>
+                    <a:lstStyle/>
+                    <a:p>
+                      <a:pPr algn="r" fontAlgn="b"/>
+                      <a:r>
+                        <a:rPr lang="en-US" sz="1110" b="1" i="0" u="none" strike="noStrike" baseline="0" dirty="0">
+                          <a:solidFill>
+                            <a:schemeClr val="tx1"/>
+                          </a:solidFill>
+                          <a:effectLst/>
+                          <a:latin typeface="Century Gothic" panose="020B0502020202020204" pitchFamily="34" charset="0"/>
+                        </a:rPr>
+                        <a:t>1.80</a:t>
+                      </a:r>
+                    </a:p>
+                  </a:txBody>
+                  <a:tcPr marL="6350" marR="6350" marT="6350" marB="0" anchor="b">
+                    <a:solidFill>
+                      <a:schemeClr val="accent6">
+                        <a:lumMod val="75000"/>
+                      </a:schemeClr>
+                    </a:solidFill>
+                  </a:tcPr>
+                </a:tc>
+                <a:extLst>
+                  <a:ext uri="{0D108BD9-81ED-4DB2-BD59-A6C34878D82A}">
+                    <a16:rowId xmlns:a16="http://schemas.microsoft.com/office/drawing/2014/main" val="4172888325"/>
+                  </a:ext>
+                </a:extLst>
+              </a:tr>
+            </a:tbl>
+          </a:graphicData>
+        </a:graphic>
+      </p:graphicFrame>
+      <p:sp>
+        <p:nvSpPr>
+          <p:cNvPr id="5" name="TextBox 4">
+            <a:extLst>
+              <a:ext uri="{FF2B5EF4-FFF2-40B4-BE49-F238E27FC236}">
+                <a16:creationId xmlns:a16="http://schemas.microsoft.com/office/drawing/2014/main" id="{4E286D4F-4DA4-47A6-B4A1-69C59C04C373}"/>
+              </a:ext>
+            </a:extLst>
+          </p:cNvPr>
+          <p:cNvSpPr txBox="1"/>
+          <p:nvPr/>
+        </p:nvSpPr>
+        <p:spPr>
+          <a:xfrm>
+            <a:off x="6516497" y="1359428"/>
+            <a:ext cx="5160977" cy="5078313"/>
           </a:xfrm>
           <a:prstGeom prst="rect">
             <a:avLst/>
           </a:prstGeom>
-        </p:spPr>
-      </p:pic>
-      <p:sp>
-        <p:nvSpPr>
-          <p:cNvPr id="3" name="Left Arrow 2"/>
-          <p:cNvSpPr/>
-          <p:nvPr/>
-        </p:nvSpPr>
-        <p:spPr>
-          <a:xfrm>
-            <a:off x="5626216" y="4153968"/>
-            <a:ext cx="1249251" cy="296214"/>
-          </a:xfrm>
-          <a:prstGeom prst="leftArrow">
-            <a:avLst/>
-          </a:prstGeom>
-        </p:spPr>
-        <p:style>
-          <a:lnRef idx="1">
-            <a:schemeClr val="accent4"/>
-          </a:lnRef>
-          <a:fillRef idx="3">
-            <a:schemeClr val="accent4"/>
-          </a:fillRef>
-          <a:effectRef idx="2">
-            <a:schemeClr val="accent4"/>
-          </a:effectRef>
-          <a:fontRef idx="minor">
-            <a:schemeClr val="lt1"/>
-          </a:fontRef>
-        </p:style>
-        <p:txBody>
-          <a:bodyPr rtlCol="0" anchor="ctr"/>
+          <a:noFill/>
+        </p:spPr>
+        <p:txBody>
+          <a:bodyPr wrap="square" rtlCol="0">
+            <a:spAutoFit/>
+          </a:bodyPr>
           <a:lstStyle/>
           <a:p>
-            <a:pPr algn="ctr"/>
-            <a:endParaRPr lang="en-US"/>
+            <a:pPr marL="285750" indent="-285750">
+              <a:buFont typeface="Arial" panose="020B0604020202020204" pitchFamily="34" charset="0"/>
+              <a:buChar char="•"/>
+            </a:pPr>
+            <a:r>
+              <a:rPr lang="en-US" dirty="0"/>
+              <a:t>Occupations with high growth in 2017 also had higher average yearly growth over the four preceding years.  </a:t>
+            </a:r>
+          </a:p>
+          <a:p>
+            <a:pPr marL="285750" indent="-285750">
+              <a:buFont typeface="Arial" panose="020B0604020202020204" pitchFamily="34" charset="0"/>
+              <a:buChar char="•"/>
+            </a:pPr>
+            <a:endParaRPr lang="en-US" dirty="0"/>
+          </a:p>
+          <a:p>
+            <a:pPr marL="285750" indent="-285750">
+              <a:buFont typeface="Arial" panose="020B0604020202020204" pitchFamily="34" charset="0"/>
+              <a:buChar char="•"/>
+            </a:pPr>
+            <a:r>
+              <a:rPr lang="en-US" dirty="0"/>
+              <a:t>Occupations with low growth in 2017 also had lower average yearly growth over the four preceding years.  </a:t>
+            </a:r>
+          </a:p>
+          <a:p>
+            <a:pPr marL="285750" indent="-285750">
+              <a:buFont typeface="Arial" panose="020B0604020202020204" pitchFamily="34" charset="0"/>
+              <a:buChar char="•"/>
+            </a:pPr>
+            <a:endParaRPr lang="en-US" dirty="0"/>
+          </a:p>
+          <a:p>
+            <a:pPr marL="285750" indent="-285750">
+              <a:buFont typeface="Arial" panose="020B0604020202020204" pitchFamily="34" charset="0"/>
+              <a:buChar char="•"/>
+            </a:pPr>
+            <a:r>
+              <a:rPr lang="en-US" dirty="0"/>
+              <a:t>Both Computer and Mathematical Occupations and All Occupations showed steady growth. However, Computer and Mathematical Occupations had consistently higher growth that All Occupations </a:t>
+            </a:r>
+          </a:p>
+          <a:p>
+            <a:pPr marL="285750" indent="-285750">
+              <a:buFont typeface="Arial" panose="020B0604020202020204" pitchFamily="34" charset="0"/>
+              <a:buChar char="•"/>
+            </a:pPr>
+            <a:endParaRPr lang="en-US" dirty="0"/>
+          </a:p>
+          <a:p>
+            <a:endParaRPr lang="en-US" dirty="0"/>
+          </a:p>
+          <a:p>
+            <a:pPr marL="285750" indent="-285750">
+              <a:buFont typeface="Arial" panose="020B0604020202020204" pitchFamily="34" charset="0"/>
+              <a:buChar char="•"/>
+            </a:pPr>
+            <a:endParaRPr lang="en-US" dirty="0"/>
+          </a:p>
+          <a:p>
+            <a:pPr marL="285750" indent="-285750">
+              <a:buFont typeface="Arial" panose="020B0604020202020204" pitchFamily="34" charset="0"/>
+              <a:buChar char="•"/>
+            </a:pPr>
+            <a:endParaRPr lang="en-US" dirty="0"/>
           </a:p>
         </p:txBody>
       </p:sp>
     </p:spTree>
     <p:extLst>
       <p:ext uri="{BB962C8B-B14F-4D97-AF65-F5344CB8AC3E}">
-        <p14:creationId xmlns:p14="http://schemas.microsoft.com/office/powerpoint/2010/main" val="1078398472"/>
+        <p14:creationId xmlns:p14="http://schemas.microsoft.com/office/powerpoint/2010/main" val="903084494"/>
       </p:ext>
     </p:extLst>
   </p:cSld>
@@ -7456,7 +8414,7 @@
           <p:cNvPr id="2" name="Title 1">
             <a:extLst>
               <a:ext uri="{FF2B5EF4-FFF2-40B4-BE49-F238E27FC236}">
-                <a16:creationId xmlns:a16="http://schemas.microsoft.com/office/drawing/2014/main" id="{EC0D6666-CF76-4F9D-B356-8C4E5E1D8BE9}"/>
+                <a16:creationId xmlns:a16="http://schemas.microsoft.com/office/drawing/2014/main" id="{1B85EE37-585C-E64B-A7B4-E9E8C734F5D4}"/>
               </a:ext>
             </a:extLst>
           </p:cNvPr>
@@ -7467,56 +8425,121 @@
             <p:ph type="title"/>
           </p:nvPr>
         </p:nvSpPr>
-        <p:spPr/>
+        <p:spPr>
+          <a:xfrm>
+            <a:off x="0" y="731982"/>
+            <a:ext cx="3894496" cy="5394036"/>
+          </a:xfrm>
+        </p:spPr>
         <p:txBody>
           <a:bodyPr>
-            <a:normAutofit fontScale="90000"/>
+            <a:normAutofit/>
           </a:bodyPr>
           <a:lstStyle/>
           <a:p>
             <a:r>
               <a:rPr lang="en-US" dirty="0"/>
-              <a:t>The employment status in Computer and Mathematical Occupation in US</a:t>
-            </a:r>
+              <a:t>The overall employment status by occupations in US</a:t>
+            </a:r>
+            <a:br>
+              <a:rPr lang="en-US" dirty="0"/>
+            </a:br>
+            <a:endParaRPr lang="en-US" dirty="0"/>
           </a:p>
         </p:txBody>
       </p:sp>
       <p:pic>
         <p:nvPicPr>
-          <p:cNvPr id="4" name="Content Placeholder 7" descr="A screenshot of a cell phone&#10;&#10;Description automatically generated">
+          <p:cNvPr id="3074" name="Picture 2">
             <a:extLst>
               <a:ext uri="{FF2B5EF4-FFF2-40B4-BE49-F238E27FC236}">
-                <a16:creationId xmlns:a16="http://schemas.microsoft.com/office/drawing/2014/main" id="{9E445847-9143-459E-B36A-C0979765F252}"/>
+                <a16:creationId xmlns:a16="http://schemas.microsoft.com/office/drawing/2014/main" id="{F41EE0FD-2018-46CC-8500-10BF0C3A1649}"/>
               </a:ext>
             </a:extLst>
           </p:cNvPr>
           <p:cNvPicPr>
-            <a:picLocks noGrp="1" noChangeAspect="1"/>
+            <a:picLocks noChangeAspect="1" noChangeArrowheads="1"/>
           </p:cNvPicPr>
-          <p:nvPr>
-            <p:ph idx="1"/>
-          </p:nvPr>
+          <p:nvPr/>
         </p:nvPicPr>
         <p:blipFill>
-          <a:blip r:embed="rId2"/>
+          <a:blip r:embed="rId2">
+            <a:extLst>
+              <a:ext uri="{28A0092B-C50C-407E-A947-70E740481C1C}">
+                <a14:useLocalDpi xmlns:a14="http://schemas.microsoft.com/office/drawing/2010/main" val="0"/>
+              </a:ext>
+            </a:extLst>
+          </a:blip>
+          <a:srcRect/>
           <a:stretch>
             <a:fillRect/>
           </a:stretch>
         </p:blipFill>
-        <p:spPr>
-          <a:xfrm>
-            <a:off x="1414455" y="2328149"/>
-            <a:ext cx="4849812" cy="4024313"/>
+        <p:spPr bwMode="auto">
+          <a:xfrm>
+            <a:off x="4149725" y="304799"/>
+            <a:ext cx="7894922" cy="6052127"/>
           </a:xfrm>
           <a:prstGeom prst="rect">
             <a:avLst/>
           </a:prstGeom>
+          <a:noFill/>
+          <a:extLst>
+            <a:ext uri="{909E8E84-426E-40DD-AFC4-6F175D3DCCD1}">
+              <a14:hiddenFill xmlns:a14="http://schemas.microsoft.com/office/drawing/2010/main">
+                <a:solidFill>
+                  <a:srgbClr val="FFFFFF"/>
+                </a:solidFill>
+              </a14:hiddenFill>
+            </a:ext>
+          </a:extLst>
         </p:spPr>
       </p:pic>
+      <p:sp>
+        <p:nvSpPr>
+          <p:cNvPr id="3" name="Left Arrow 2"/>
+          <p:cNvSpPr/>
+          <p:nvPr/>
+        </p:nvSpPr>
+        <p:spPr>
+          <a:xfrm>
+            <a:off x="8483642" y="3634573"/>
+            <a:ext cx="1249251" cy="296214"/>
+          </a:xfrm>
+          <a:prstGeom prst="leftArrow">
+            <a:avLst/>
+          </a:prstGeom>
+          <a:solidFill>
+            <a:srgbClr val="FFFF00"/>
+          </a:solidFill>
+        </p:spPr>
+        <p:style>
+          <a:lnRef idx="1">
+            <a:schemeClr val="accent4"/>
+          </a:lnRef>
+          <a:fillRef idx="3">
+            <a:schemeClr val="accent4"/>
+          </a:fillRef>
+          <a:effectRef idx="2">
+            <a:schemeClr val="accent4"/>
+          </a:effectRef>
+          <a:fontRef idx="minor">
+            <a:schemeClr val="lt1"/>
+          </a:fontRef>
+        </p:style>
+        <p:txBody>
+          <a:bodyPr rtlCol="0" anchor="ctr"/>
+          <a:lstStyle/>
+          <a:p>
+            <a:pPr algn="ctr"/>
+            <a:endParaRPr lang="en-US"/>
+          </a:p>
+        </p:txBody>
+      </p:sp>
     </p:spTree>
     <p:extLst>
       <p:ext uri="{BB962C8B-B14F-4D97-AF65-F5344CB8AC3E}">
-        <p14:creationId xmlns:p14="http://schemas.microsoft.com/office/powerpoint/2010/main" val="998277709"/>
+        <p14:creationId xmlns:p14="http://schemas.microsoft.com/office/powerpoint/2010/main" val="1078398472"/>
       </p:ext>
     </p:extLst>
   </p:cSld>
@@ -7548,7 +8571,7 @@
           <p:cNvPr id="2" name="Title 1">
             <a:extLst>
               <a:ext uri="{FF2B5EF4-FFF2-40B4-BE49-F238E27FC236}">
-                <a16:creationId xmlns:a16="http://schemas.microsoft.com/office/drawing/2014/main" id="{1CFEA6E0-9345-1C43-9594-047B355EECDF}"/>
+                <a16:creationId xmlns:a16="http://schemas.microsoft.com/office/drawing/2014/main" id="{EC0D6666-CF76-4F9D-B356-8C4E5E1D8BE9}"/>
               </a:ext>
             </a:extLst>
           </p:cNvPr>
@@ -7559,48 +8582,76 @@
             <p:ph type="title"/>
           </p:nvPr>
         </p:nvSpPr>
-        <p:spPr/>
+        <p:spPr>
+          <a:xfrm>
+            <a:off x="734291" y="1158105"/>
+            <a:ext cx="2978727" cy="5470172"/>
+          </a:xfrm>
+        </p:spPr>
         <p:txBody>
           <a:bodyPr>
-            <a:normAutofit/>
+            <a:normAutofit fontScale="90000"/>
           </a:bodyPr>
           <a:lstStyle/>
           <a:p>
-            <a:br>
+            <a:r>
               <a:rPr lang="en-US" dirty="0"/>
-            </a:br>
-            <a:endParaRPr lang="en-US" dirty="0"/>
+              <a:t>The employment status in Computer and Mathematical Occupation in US</a:t>
+            </a:r>
           </a:p>
         </p:txBody>
       </p:sp>
       <p:pic>
         <p:nvPicPr>
-          <p:cNvPr id="4" name="Picture 3"/>
+          <p:cNvPr id="4098" name="Picture 2">
+            <a:extLst>
+              <a:ext uri="{FF2B5EF4-FFF2-40B4-BE49-F238E27FC236}">
+                <a16:creationId xmlns:a16="http://schemas.microsoft.com/office/drawing/2014/main" id="{B9FF63C9-ACF4-465C-BC1B-055E493546A8}"/>
+              </a:ext>
+            </a:extLst>
+          </p:cNvPr>
           <p:cNvPicPr>
-            <a:picLocks noChangeAspect="1"/>
+            <a:picLocks noChangeAspect="1" noChangeArrowheads="1"/>
           </p:cNvPicPr>
           <p:nvPr/>
         </p:nvPicPr>
         <p:blipFill>
-          <a:blip r:embed="rId2"/>
+          <a:blip r:embed="rId2">
+            <a:extLst>
+              <a:ext uri="{28A0092B-C50C-407E-A947-70E740481C1C}">
+                <a14:useLocalDpi xmlns:a14="http://schemas.microsoft.com/office/drawing/2010/main" val="0"/>
+              </a:ext>
+            </a:extLst>
+          </a:blip>
+          <a:srcRect/>
           <a:stretch>
             <a:fillRect/>
           </a:stretch>
         </p:blipFill>
-        <p:spPr>
-          <a:xfrm>
-            <a:off x="0" y="-1"/>
-            <a:ext cx="12510824" cy="6982691"/>
+        <p:spPr bwMode="auto">
+          <a:xfrm>
+            <a:off x="4051300" y="764373"/>
+            <a:ext cx="7543800" cy="5943600"/>
           </a:xfrm>
           <a:prstGeom prst="rect">
             <a:avLst/>
           </a:prstGeom>
+          <a:noFill/>
+          <a:extLst>
+            <a:ext uri="{909E8E84-426E-40DD-AFC4-6F175D3DCCD1}">
+              <a14:hiddenFill xmlns:a14="http://schemas.microsoft.com/office/drawing/2010/main">
+                <a:solidFill>
+                  <a:srgbClr val="FFFFFF"/>
+                </a:solidFill>
+              </a14:hiddenFill>
+            </a:ext>
+          </a:extLst>
         </p:spPr>
       </p:pic>
     </p:spTree>
     <p:extLst>
       <p:ext uri="{BB962C8B-B14F-4D97-AF65-F5344CB8AC3E}">
-        <p14:creationId xmlns:p14="http://schemas.microsoft.com/office/powerpoint/2010/main" val="2979562136"/>
+        <p14:creationId xmlns:p14="http://schemas.microsoft.com/office/powerpoint/2010/main" val="998277709"/>
       </p:ext>
     </p:extLst>
   </p:cSld>

--- a/Group_5_Presentation.pptx
+++ b/Group_5_Presentation.pptx
@@ -8,18 +8,19 @@
     <p:sldId id="256" r:id="rId2"/>
     <p:sldId id="257" r:id="rId3"/>
     <p:sldId id="258" r:id="rId4"/>
-    <p:sldId id="263" r:id="rId5"/>
-    <p:sldId id="265" r:id="rId6"/>
-    <p:sldId id="287" r:id="rId7"/>
-    <p:sldId id="290" r:id="rId8"/>
-    <p:sldId id="289" r:id="rId9"/>
-    <p:sldId id="288" r:id="rId10"/>
-    <p:sldId id="281" r:id="rId11"/>
-    <p:sldId id="282" r:id="rId12"/>
-    <p:sldId id="262" r:id="rId13"/>
-    <p:sldId id="259" r:id="rId14"/>
-    <p:sldId id="273" r:id="rId15"/>
-    <p:sldId id="274" r:id="rId16"/>
+    <p:sldId id="291" r:id="rId5"/>
+    <p:sldId id="292" r:id="rId6"/>
+    <p:sldId id="265" r:id="rId7"/>
+    <p:sldId id="287" r:id="rId8"/>
+    <p:sldId id="290" r:id="rId9"/>
+    <p:sldId id="289" r:id="rId10"/>
+    <p:sldId id="288" r:id="rId11"/>
+    <p:sldId id="281" r:id="rId12"/>
+    <p:sldId id="282" r:id="rId13"/>
+    <p:sldId id="262" r:id="rId14"/>
+    <p:sldId id="259" r:id="rId15"/>
+    <p:sldId id="273" r:id="rId16"/>
+    <p:sldId id="274" r:id="rId17"/>
   </p:sldIdLst>
   <p:sldSz cx="12192000" cy="6858000"/>
   <p:notesSz cx="6858000" cy="9144000"/>
@@ -5818,7 +5819,7 @@
           <p:cNvPr id="4" name="TextBox 3">
             <a:extLst>
               <a:ext uri="{FF2B5EF4-FFF2-40B4-BE49-F238E27FC236}">
-                <a16:creationId xmlns:a16="http://schemas.microsoft.com/office/drawing/2014/main" id="{FCF9FFDB-DB25-4AFA-B506-312075D34380}"/>
+                <a16:creationId xmlns:a16="http://schemas.microsoft.com/office/drawing/2014/main" xmlns="" id="{FCF9FFDB-DB25-4AFA-B506-312075D34380}"/>
               </a:ext>
             </a:extLst>
           </p:cNvPr>
@@ -5827,7 +5828,7 @@
         </p:nvSpPr>
         <p:spPr>
           <a:xfrm>
-            <a:off x="3263318" y="4318001"/>
+            <a:off x="1371600" y="4781641"/>
             <a:ext cx="3052261" cy="1661993"/>
           </a:xfrm>
           <a:prstGeom prst="rect">
@@ -5903,7 +5904,7 @@
           <p:cNvPr id="2" name="Title 1">
             <a:extLst>
               <a:ext uri="{FF2B5EF4-FFF2-40B4-BE49-F238E27FC236}">
-                <a16:creationId xmlns:a16="http://schemas.microsoft.com/office/drawing/2014/main" id="{1CFEA6E0-9345-1C43-9594-047B355EECDF}"/>
+                <a16:creationId xmlns:a16="http://schemas.microsoft.com/office/drawing/2014/main" xmlns="" id="{EC0D6666-CF76-4F9D-B356-8C4E5E1D8BE9}"/>
               </a:ext>
             </a:extLst>
           </p:cNvPr>
@@ -5914,48 +5915,76 @@
             <p:ph type="title"/>
           </p:nvPr>
         </p:nvSpPr>
-        <p:spPr/>
+        <p:spPr>
+          <a:xfrm>
+            <a:off x="218941" y="1158105"/>
+            <a:ext cx="3494078" cy="5470172"/>
+          </a:xfrm>
+        </p:spPr>
         <p:txBody>
           <a:bodyPr>
             <a:normAutofit/>
           </a:bodyPr>
           <a:lstStyle/>
           <a:p>
-            <a:br>
-              <a:rPr lang="en-US" dirty="0"/>
-            </a:br>
-            <a:endParaRPr lang="en-US" dirty="0"/>
+            <a:r>
+              <a:rPr lang="en-US" sz="3400" dirty="0"/>
+              <a:t>The employment status in Computer and Mathematical Occupation in US</a:t>
+            </a:r>
           </a:p>
         </p:txBody>
       </p:sp>
       <p:pic>
         <p:nvPicPr>
-          <p:cNvPr id="4" name="Picture 3"/>
+          <p:cNvPr id="4098" name="Picture 2">
+            <a:extLst>
+              <a:ext uri="{FF2B5EF4-FFF2-40B4-BE49-F238E27FC236}">
+                <a16:creationId xmlns:a16="http://schemas.microsoft.com/office/drawing/2014/main" xmlns="" id="{B9FF63C9-ACF4-465C-BC1B-055E493546A8}"/>
+              </a:ext>
+            </a:extLst>
+          </p:cNvPr>
           <p:cNvPicPr>
-            <a:picLocks noChangeAspect="1"/>
+            <a:picLocks noChangeAspect="1" noChangeArrowheads="1"/>
           </p:cNvPicPr>
           <p:nvPr/>
         </p:nvPicPr>
         <p:blipFill>
-          <a:blip r:embed="rId2"/>
+          <a:blip r:embed="rId2">
+            <a:extLst>
+              <a:ext uri="{28A0092B-C50C-407E-A947-70E740481C1C}">
+                <a14:useLocalDpi xmlns:a14="http://schemas.microsoft.com/office/drawing/2010/main" val="0"/>
+              </a:ext>
+            </a:extLst>
+          </a:blip>
+          <a:srcRect/>
           <a:stretch>
             <a:fillRect/>
           </a:stretch>
         </p:blipFill>
-        <p:spPr>
-          <a:xfrm>
-            <a:off x="0" y="-1"/>
-            <a:ext cx="12510824" cy="6982691"/>
+        <p:spPr bwMode="auto">
+          <a:xfrm>
+            <a:off x="4051300" y="764373"/>
+            <a:ext cx="7543800" cy="5943600"/>
           </a:xfrm>
           <a:prstGeom prst="rect">
             <a:avLst/>
           </a:prstGeom>
+          <a:noFill/>
+          <a:extLst>
+            <a:ext uri="{909E8E84-426E-40DD-AFC4-6F175D3DCCD1}">
+              <a14:hiddenFill xmlns:a14="http://schemas.microsoft.com/office/drawing/2010/main">
+                <a:solidFill>
+                  <a:srgbClr val="FFFFFF"/>
+                </a:solidFill>
+              </a14:hiddenFill>
+            </a:ext>
+          </a:extLst>
         </p:spPr>
       </p:pic>
     </p:spTree>
     <p:extLst>
       <p:ext uri="{BB962C8B-B14F-4D97-AF65-F5344CB8AC3E}">
-        <p14:creationId xmlns:p14="http://schemas.microsoft.com/office/powerpoint/2010/main" val="2979562136"/>
+        <p14:creationId xmlns:p14="http://schemas.microsoft.com/office/powerpoint/2010/main" val="998277709"/>
       </p:ext>
     </p:extLst>
   </p:cSld>
@@ -5987,7 +6016,7 @@
           <p:cNvPr id="2" name="Title 1">
             <a:extLst>
               <a:ext uri="{FF2B5EF4-FFF2-40B4-BE49-F238E27FC236}">
-                <a16:creationId xmlns:a16="http://schemas.microsoft.com/office/drawing/2014/main" id="{27E5E4B7-0D24-1246-B992-4E761C8D9010}"/>
+                <a16:creationId xmlns:a16="http://schemas.microsoft.com/office/drawing/2014/main" xmlns="" id="{1CFEA6E0-9345-1C43-9594-047B355EECDF}"/>
               </a:ext>
             </a:extLst>
           </p:cNvPr>
@@ -5996,34 +6025,6 @@
           </p:cNvSpPr>
           <p:nvPr>
             <p:ph type="title"/>
-          </p:nvPr>
-        </p:nvSpPr>
-        <p:spPr/>
-        <p:txBody>
-          <a:bodyPr/>
-          <a:lstStyle/>
-          <a:p>
-            <a:r>
-              <a:rPr lang="en-US" dirty="0"/>
-              <a:t>Summary</a:t>
-            </a:r>
-          </a:p>
-        </p:txBody>
-      </p:sp>
-      <p:sp>
-        <p:nvSpPr>
-          <p:cNvPr id="3" name="Content Placeholder 2">
-            <a:extLst>
-              <a:ext uri="{FF2B5EF4-FFF2-40B4-BE49-F238E27FC236}">
-                <a16:creationId xmlns:a16="http://schemas.microsoft.com/office/drawing/2014/main" id="{F68D2FE6-AC37-FA4F-B071-B1D2CB6CF5FE}"/>
-              </a:ext>
-            </a:extLst>
-          </p:cNvPr>
-          <p:cNvSpPr>
-            <a:spLocks noGrp="1"/>
-          </p:cNvSpPr>
-          <p:nvPr>
-            <p:ph idx="1"/>
           </p:nvPr>
         </p:nvSpPr>
         <p:spPr/>
@@ -6035,76 +6036,43 @@
           <a:p>
             <a:r>
               <a:rPr lang="en-US" dirty="0"/>
-              <a:t>The overall employment status by occupations in US in 2017</a:t>
-            </a:r>
-          </a:p>
-          <a:p>
-            <a:pPr lvl="1"/>
-            <a:r>
+              <a:t/>
+            </a:r>
+            <a:br>
               <a:rPr lang="en-US" dirty="0"/>
-              <a:t>Nation level top 3: administrative Support, sales and food preparation and serving</a:t>
-            </a:r>
-          </a:p>
-          <a:p>
-            <a:pPr lvl="1"/>
-            <a:r>
-              <a:rPr lang="en-US" dirty="0"/>
-              <a:t>Computer and Mathematical occupations rank No. 14 among 22 major occupation categories </a:t>
-            </a:r>
-          </a:p>
-          <a:p>
-            <a:pPr lvl="1"/>
+            </a:br>
             <a:endParaRPr lang="en-US" dirty="0"/>
           </a:p>
-          <a:p>
-            <a:pPr lvl="1"/>
-            <a:endParaRPr lang="en-US" dirty="0"/>
-          </a:p>
-          <a:p>
-            <a:pPr lvl="1"/>
-            <a:endParaRPr lang="en-US" dirty="0"/>
-          </a:p>
-          <a:p>
-            <a:r>
-              <a:rPr lang="en-US" dirty="0"/>
-              <a:t>The employment status in Computer and Mathematical Occupation in US</a:t>
-            </a:r>
-          </a:p>
-          <a:p>
-            <a:pPr lvl="1"/>
-            <a:r>
-              <a:rPr lang="en-US" dirty="0"/>
-              <a:t>Top 3 states: California, Texas, and New York</a:t>
-            </a:r>
-          </a:p>
-          <a:p>
-            <a:pPr lvl="1"/>
-            <a:r>
-              <a:rPr lang="en-US" dirty="0"/>
-              <a:t>Top 3: software developers, computer user support specialists and computer analysts are the highest</a:t>
-            </a:r>
-          </a:p>
-          <a:p>
-            <a:pPr marL="457200" lvl="1" indent="0">
-              <a:buNone/>
-            </a:pPr>
-            <a:endParaRPr lang="en-US" dirty="0"/>
-          </a:p>
-          <a:p>
-            <a:endParaRPr lang="en-US" dirty="0"/>
-          </a:p>
-          <a:p>
-            <a:endParaRPr lang="en-US" dirty="0"/>
-          </a:p>
-          <a:p>
-            <a:endParaRPr lang="en-US" dirty="0"/>
-          </a:p>
-        </p:txBody>
-      </p:sp>
+        </p:txBody>
+      </p:sp>
+      <p:pic>
+        <p:nvPicPr>
+          <p:cNvPr id="4" name="Picture 3"/>
+          <p:cNvPicPr>
+            <a:picLocks noChangeAspect="1"/>
+          </p:cNvPicPr>
+          <p:nvPr/>
+        </p:nvPicPr>
+        <p:blipFill>
+          <a:blip r:embed="rId2"/>
+          <a:stretch>
+            <a:fillRect/>
+          </a:stretch>
+        </p:blipFill>
+        <p:spPr>
+          <a:xfrm>
+            <a:off x="0" y="-1"/>
+            <a:ext cx="12510824" cy="6982691"/>
+          </a:xfrm>
+          <a:prstGeom prst="rect">
+            <a:avLst/>
+          </a:prstGeom>
+        </p:spPr>
+      </p:pic>
     </p:spTree>
     <p:extLst>
       <p:ext uri="{BB962C8B-B14F-4D97-AF65-F5344CB8AC3E}">
-        <p14:creationId xmlns:p14="http://schemas.microsoft.com/office/powerpoint/2010/main" val="3741776806"/>
+        <p14:creationId xmlns:p14="http://schemas.microsoft.com/office/powerpoint/2010/main" val="2979562136"/>
       </p:ext>
     </p:extLst>
   </p:cSld>
@@ -6136,7 +6104,7 @@
           <p:cNvPr id="2" name="Title 1">
             <a:extLst>
               <a:ext uri="{FF2B5EF4-FFF2-40B4-BE49-F238E27FC236}">
-                <a16:creationId xmlns:a16="http://schemas.microsoft.com/office/drawing/2014/main" id="{21D3167F-30A9-4F8D-99EE-386A1F094613}"/>
+                <a16:creationId xmlns:a16="http://schemas.microsoft.com/office/drawing/2014/main" xmlns="" id="{27E5E4B7-0D24-1246-B992-4E761C8D9010}"/>
               </a:ext>
             </a:extLst>
           </p:cNvPr>
@@ -6154,7 +6122,7 @@
           <a:p>
             <a:r>
               <a:rPr lang="en-US" dirty="0"/>
-              <a:t>Overall Summary </a:t>
+              <a:t>Summary</a:t>
             </a:r>
           </a:p>
         </p:txBody>
@@ -6164,7 +6132,7 @@
           <p:cNvPr id="3" name="Content Placeholder 2">
             <a:extLst>
               <a:ext uri="{FF2B5EF4-FFF2-40B4-BE49-F238E27FC236}">
-                <a16:creationId xmlns:a16="http://schemas.microsoft.com/office/drawing/2014/main" id="{571BA543-3A3F-43F0-957D-37B7A83B0853}"/>
+                <a16:creationId xmlns:a16="http://schemas.microsoft.com/office/drawing/2014/main" xmlns="" id="{F68D2FE6-AC37-FA4F-B071-B1D2CB6CF5FE}"/>
               </a:ext>
             </a:extLst>
           </p:cNvPr>
@@ -6175,22 +6143,84 @@
             <p:ph idx="1"/>
           </p:nvPr>
         </p:nvSpPr>
-        <p:spPr/>
-        <p:txBody>
-          <a:bodyPr/>
+        <p:spPr>
+          <a:xfrm>
+            <a:off x="685800" y="2271834"/>
+            <a:ext cx="10820400" cy="4024125"/>
+          </a:xfrm>
+        </p:spPr>
+        <p:txBody>
+          <a:bodyPr>
+            <a:normAutofit/>
+          </a:bodyPr>
           <a:lstStyle/>
           <a:p>
             <a:r>
               <a:rPr lang="en-US" dirty="0"/>
-              <a:t>Big take-aways</a:t>
-            </a:r>
+              <a:t>The overall employment status by occupations in US in 2017</a:t>
+            </a:r>
+          </a:p>
+          <a:p>
+            <a:pPr lvl="1"/>
+            <a:r>
+              <a:rPr lang="en-US" dirty="0"/>
+              <a:t>Nation level top 3: administrative Support, sales and food preparation and serving</a:t>
+            </a:r>
+          </a:p>
+          <a:p>
+            <a:pPr lvl="1"/>
+            <a:r>
+              <a:rPr lang="en-US" dirty="0"/>
+              <a:t>Computer and Mathematical occupations rank No. 14 among 22 major occupation categories </a:t>
+            </a:r>
+          </a:p>
+          <a:p>
+            <a:pPr marL="457200" lvl="1" indent="0">
+              <a:buNone/>
+            </a:pPr>
+            <a:endParaRPr lang="en-US" dirty="0"/>
+          </a:p>
+          <a:p>
+            <a:r>
+              <a:rPr lang="en-US" dirty="0"/>
+              <a:t>The employment status in Computer and Mathematical Occupation in US</a:t>
+            </a:r>
+          </a:p>
+          <a:p>
+            <a:pPr lvl="1"/>
+            <a:r>
+              <a:rPr lang="en-US" dirty="0"/>
+              <a:t>Top 3 states: California, Texas, and New York</a:t>
+            </a:r>
+          </a:p>
+          <a:p>
+            <a:pPr lvl="1"/>
+            <a:r>
+              <a:rPr lang="en-US" dirty="0"/>
+              <a:t>Top 3: software developers, computer user support specialists and computer analysts are the highest</a:t>
+            </a:r>
+          </a:p>
+          <a:p>
+            <a:pPr marL="457200" lvl="1" indent="0">
+              <a:buNone/>
+            </a:pPr>
+            <a:endParaRPr lang="en-US" dirty="0"/>
+          </a:p>
+          <a:p>
+            <a:endParaRPr lang="en-US" dirty="0"/>
+          </a:p>
+          <a:p>
+            <a:endParaRPr lang="en-US" dirty="0"/>
+          </a:p>
+          <a:p>
+            <a:endParaRPr lang="en-US" dirty="0"/>
           </a:p>
         </p:txBody>
       </p:sp>
     </p:spTree>
     <p:extLst>
       <p:ext uri="{BB962C8B-B14F-4D97-AF65-F5344CB8AC3E}">
-        <p14:creationId xmlns:p14="http://schemas.microsoft.com/office/powerpoint/2010/main" val="3858428707"/>
+        <p14:creationId xmlns:p14="http://schemas.microsoft.com/office/powerpoint/2010/main" val="3741776806"/>
       </p:ext>
     </p:extLst>
   </p:cSld>
@@ -6222,7 +6252,7 @@
           <p:cNvPr id="2" name="Title 1">
             <a:extLst>
               <a:ext uri="{FF2B5EF4-FFF2-40B4-BE49-F238E27FC236}">
-                <a16:creationId xmlns:a16="http://schemas.microsoft.com/office/drawing/2014/main" id="{D8975F0A-4727-47D2-96A8-DFAC0FBD6C91}"/>
+                <a16:creationId xmlns:a16="http://schemas.microsoft.com/office/drawing/2014/main" xmlns="" id="{21D3167F-30A9-4F8D-99EE-386A1F094613}"/>
               </a:ext>
             </a:extLst>
           </p:cNvPr>
@@ -6239,9 +6269,10 @@
           <a:lstStyle/>
           <a:p>
             <a:r>
-              <a:rPr lang="en-US" dirty="0"/>
-              <a:t>Data Limitations</a:t>
-            </a:r>
+              <a:rPr lang="en-US" dirty="0" smtClean="0"/>
+              <a:t>TAKE-AWAYS</a:t>
+            </a:r>
+            <a:endParaRPr lang="en-US" dirty="0"/>
           </a:p>
         </p:txBody>
       </p:sp>
@@ -6250,7 +6281,7 @@
           <p:cNvPr id="3" name="Content Placeholder 2">
             <a:extLst>
               <a:ext uri="{FF2B5EF4-FFF2-40B4-BE49-F238E27FC236}">
-                <a16:creationId xmlns:a16="http://schemas.microsoft.com/office/drawing/2014/main" id="{C69386F3-A2F7-4C59-B5D1-F22F1E51F196}"/>
+                <a16:creationId xmlns:a16="http://schemas.microsoft.com/office/drawing/2014/main" xmlns="" id="{571BA543-3A3F-43F0-957D-37B7A83B0853}"/>
               </a:ext>
             </a:extLst>
           </p:cNvPr>
@@ -6263,46 +6294,21 @@
         </p:nvSpPr>
         <p:spPr/>
         <p:txBody>
-          <a:bodyPr>
-            <a:normAutofit/>
-          </a:bodyPr>
+          <a:bodyPr/>
           <a:lstStyle/>
           <a:p>
             <a:r>
-              <a:rPr lang="en-US" dirty="0"/>
-              <a:t>The BLS included calculations for the percent relative standard error (RSE) for total employment numbers.  Looking at a sample of the RSEs, there were concerns about the precision of certain estimates</a:t>
-            </a:r>
-          </a:p>
-          <a:p>
-            <a:r>
-              <a:rPr lang="en-US" dirty="0"/>
-              <a:t>Estimates for detailed occupations do not sum to the totals because the totals include occupations not shown separately</a:t>
-            </a:r>
-          </a:p>
-          <a:p>
-            <a:r>
-              <a:rPr lang="en-US" dirty="0"/>
-              <a:t>Estimates do not include self-employed workers</a:t>
-            </a:r>
-          </a:p>
-          <a:p>
-            <a:r>
-              <a:rPr lang="en-US" dirty="0"/>
-              <a:t>The most recent BLS data went to 2017 only</a:t>
-            </a:r>
-          </a:p>
-          <a:p>
-            <a:r>
-              <a:rPr lang="en-US" dirty="0"/>
-              <a:t>BLS data covers full-time and part-time wage and salary workers in nonfarm industries.  It does not cover self-employed, owners and partners in unincorporated firms, household workers, or unpaid family workers.</a:t>
-            </a:r>
+              <a:rPr lang="en-US" dirty="0" err="1" smtClean="0"/>
+              <a:t>gsdgdsgssdgds</a:t>
+            </a:r>
+            <a:endParaRPr lang="en-US" dirty="0"/>
           </a:p>
         </p:txBody>
       </p:sp>
     </p:spTree>
     <p:extLst>
       <p:ext uri="{BB962C8B-B14F-4D97-AF65-F5344CB8AC3E}">
-        <p14:creationId xmlns:p14="http://schemas.microsoft.com/office/powerpoint/2010/main" val="1693282570"/>
+        <p14:creationId xmlns:p14="http://schemas.microsoft.com/office/powerpoint/2010/main" val="3858428707"/>
       </p:ext>
     </p:extLst>
   </p:cSld>
@@ -6334,7 +6340,7 @@
           <p:cNvPr id="2" name="Title 1">
             <a:extLst>
               <a:ext uri="{FF2B5EF4-FFF2-40B4-BE49-F238E27FC236}">
-                <a16:creationId xmlns:a16="http://schemas.microsoft.com/office/drawing/2014/main" id="{E1C9EF35-DC7C-428F-A8C6-930DEFB1E1DB}"/>
+                <a16:creationId xmlns:a16="http://schemas.microsoft.com/office/drawing/2014/main" xmlns="" id="{D8975F0A-4727-47D2-96A8-DFAC0FBD6C91}"/>
               </a:ext>
             </a:extLst>
           </p:cNvPr>
@@ -6352,7 +6358,7 @@
           <a:p>
             <a:r>
               <a:rPr lang="en-US" dirty="0"/>
-              <a:t>Next steps</a:t>
+              <a:t>Data Limitations</a:t>
             </a:r>
           </a:p>
         </p:txBody>
@@ -6362,7 +6368,7 @@
           <p:cNvPr id="3" name="Content Placeholder 2">
             <a:extLst>
               <a:ext uri="{FF2B5EF4-FFF2-40B4-BE49-F238E27FC236}">
-                <a16:creationId xmlns:a16="http://schemas.microsoft.com/office/drawing/2014/main" id="{1B82C285-6A5A-45FC-B1D5-1D0786CBCFB5}"/>
+                <a16:creationId xmlns:a16="http://schemas.microsoft.com/office/drawing/2014/main" xmlns="" id="{C69386F3-A2F7-4C59-B5D1-F22F1E51F196}"/>
               </a:ext>
             </a:extLst>
           </p:cNvPr>
@@ -6375,33 +6381,38 @@
         </p:nvSpPr>
         <p:spPr/>
         <p:txBody>
-          <a:bodyPr/>
+          <a:bodyPr>
+            <a:normAutofit/>
+          </a:bodyPr>
           <a:lstStyle/>
           <a:p>
             <a:r>
               <a:rPr lang="en-US" dirty="0"/>
-              <a:t>We would like to utilize job search APIs such as LinkedIn, </a:t>
-            </a:r>
-            <a:r>
-              <a:rPr lang="en-US" dirty="0" err="1"/>
-              <a:t>GoogleCloud</a:t>
-            </a:r>
+              <a:t>The BLS included calculations for the percent relative standard error (RSE) for total employment numbers.  Looking at a sample of the RSEs, there were concerns about the precision of certain estimates</a:t>
+            </a:r>
+          </a:p>
+          <a:p>
             <a:r>
               <a:rPr lang="en-US" dirty="0"/>
-              <a:t>, or Indeed to find insight about the volume of job searches and postings.  </a:t>
-            </a:r>
-          </a:p>
-          <a:p>
-            <a:pPr lvl="1"/>
+              <a:t>Estimates for detailed occupations do not sum to the totals because the totals include occupations not shown separately</a:t>
+            </a:r>
+          </a:p>
+          <a:p>
             <a:r>
               <a:rPr lang="en-US" dirty="0"/>
-              <a:t>APIs would also give us more current information than BLS which only went up to 2017.  In a rapidly changing employment sector, such up to date information would be essential in painting an accurate picture of the current job market. </a:t>
+              <a:t>Estimates do not include self-employed workers</a:t>
             </a:r>
           </a:p>
           <a:p>
             <a:r>
               <a:rPr lang="en-US" dirty="0"/>
-              <a:t>If given more time we would have liked to narrow our results to gender, race, age, and educational background of employees</a:t>
+              <a:t>The most recent BLS data went to 2017 only</a:t>
+            </a:r>
+          </a:p>
+          <a:p>
+            <a:r>
+              <a:rPr lang="en-US" dirty="0"/>
+              <a:t>BLS data covers full-time and part-time wage and salary workers in nonfarm industries.  It does not cover self-employed, owners and partners in unincorporated firms, household workers, or unpaid family workers.</a:t>
             </a:r>
           </a:p>
         </p:txBody>
@@ -6409,7 +6420,7 @@
     </p:spTree>
     <p:extLst>
       <p:ext uri="{BB962C8B-B14F-4D97-AF65-F5344CB8AC3E}">
-        <p14:creationId xmlns:p14="http://schemas.microsoft.com/office/powerpoint/2010/main" val="3968576988"/>
+        <p14:creationId xmlns:p14="http://schemas.microsoft.com/office/powerpoint/2010/main" val="1693282570"/>
       </p:ext>
     </p:extLst>
   </p:cSld>
@@ -6441,7 +6452,7 @@
           <p:cNvPr id="2" name="Title 1">
             <a:extLst>
               <a:ext uri="{FF2B5EF4-FFF2-40B4-BE49-F238E27FC236}">
-                <a16:creationId xmlns:a16="http://schemas.microsoft.com/office/drawing/2014/main" id="{55A6334A-68E7-42D4-919A-0C62BE53DBB2}"/>
+                <a16:creationId xmlns:a16="http://schemas.microsoft.com/office/drawing/2014/main" xmlns="" id="{E1C9EF35-DC7C-428F-A8C6-930DEFB1E1DB}"/>
               </a:ext>
             </a:extLst>
           </p:cNvPr>
@@ -6452,20 +6463,133 @@
             <p:ph type="title"/>
           </p:nvPr>
         </p:nvSpPr>
-        <p:spPr>
-          <a:xfrm>
-            <a:off x="1058411" y="1548046"/>
-            <a:ext cx="8610600" cy="1293028"/>
-          </a:xfrm>
-        </p:spPr>
+        <p:spPr/>
         <p:txBody>
           <a:bodyPr/>
           <a:lstStyle/>
           <a:p>
+            <a:r>
+              <a:rPr lang="en-US" dirty="0"/>
+              <a:t>Next steps</a:t>
+            </a:r>
+          </a:p>
+        </p:txBody>
+      </p:sp>
+      <p:sp>
+        <p:nvSpPr>
+          <p:cNvPr id="3" name="Content Placeholder 2">
+            <a:extLst>
+              <a:ext uri="{FF2B5EF4-FFF2-40B4-BE49-F238E27FC236}">
+                <a16:creationId xmlns:a16="http://schemas.microsoft.com/office/drawing/2014/main" xmlns="" id="{1B82C285-6A5A-45FC-B1D5-1D0786CBCFB5}"/>
+              </a:ext>
+            </a:extLst>
+          </p:cNvPr>
+          <p:cNvSpPr>
+            <a:spLocks noGrp="1"/>
+          </p:cNvSpPr>
+          <p:nvPr>
+            <p:ph idx="1"/>
+          </p:nvPr>
+        </p:nvSpPr>
+        <p:spPr/>
+        <p:txBody>
+          <a:bodyPr/>
+          <a:lstStyle/>
+          <a:p>
+            <a:r>
+              <a:rPr lang="en-US" dirty="0"/>
+              <a:t>We would like to utilize job search APIs such as LinkedIn, </a:t>
+            </a:r>
+            <a:r>
+              <a:rPr lang="en-US" dirty="0" err="1"/>
+              <a:t>GoogleCloud</a:t>
+            </a:r>
+            <a:r>
+              <a:rPr lang="en-US" dirty="0"/>
+              <a:t>, or Indeed to find insight about the volume of job searches and postings.  </a:t>
+            </a:r>
+          </a:p>
+          <a:p>
+            <a:pPr lvl="1"/>
+            <a:r>
+              <a:rPr lang="en-US" dirty="0"/>
+              <a:t>APIs would also give us more current information than BLS which only went up to 2017.  In a rapidly changing employment sector, such up to date information would be essential in painting an accurate picture of the current job market. </a:t>
+            </a:r>
+          </a:p>
+          <a:p>
+            <a:r>
+              <a:rPr lang="en-US" dirty="0"/>
+              <a:t>If given more time we would have liked to narrow our results to gender, race, age, and educational background of employees</a:t>
+            </a:r>
+          </a:p>
+        </p:txBody>
+      </p:sp>
+    </p:spTree>
+    <p:extLst>
+      <p:ext uri="{BB962C8B-B14F-4D97-AF65-F5344CB8AC3E}">
+        <p14:creationId xmlns:p14="http://schemas.microsoft.com/office/powerpoint/2010/main" val="3968576988"/>
+      </p:ext>
+    </p:extLst>
+  </p:cSld>
+  <p:clrMapOvr>
+    <a:masterClrMapping/>
+  </p:clrMapOvr>
+</p:sld>
+</file>
+
+<file path=ppt/slides/slide16.xml><?xml version="1.0" encoding="utf-8"?>
+<p:sld xmlns:a="http://schemas.openxmlformats.org/drawingml/2006/main" xmlns:r="http://schemas.openxmlformats.org/officeDocument/2006/relationships" xmlns:p="http://schemas.openxmlformats.org/presentationml/2006/main">
+  <p:cSld>
+    <p:spTree>
+      <p:nvGrpSpPr>
+        <p:cNvPr id="1" name=""/>
+        <p:cNvGrpSpPr/>
+        <p:nvPr/>
+      </p:nvGrpSpPr>
+      <p:grpSpPr>
+        <a:xfrm>
+          <a:off x="0" y="0"/>
+          <a:ext cx="0" cy="0"/>
+          <a:chOff x="0" y="0"/>
+          <a:chExt cx="0" cy="0"/>
+        </a:xfrm>
+      </p:grpSpPr>
+      <p:sp>
+        <p:nvSpPr>
+          <p:cNvPr id="2" name="Title 1">
+            <a:extLst>
+              <a:ext uri="{FF2B5EF4-FFF2-40B4-BE49-F238E27FC236}">
+                <a16:creationId xmlns:a16="http://schemas.microsoft.com/office/drawing/2014/main" xmlns="" id="{55A6334A-68E7-42D4-919A-0C62BE53DBB2}"/>
+              </a:ext>
+            </a:extLst>
+          </p:cNvPr>
+          <p:cNvSpPr>
+            <a:spLocks noGrp="1"/>
+          </p:cNvSpPr>
+          <p:nvPr>
+            <p:ph type="title"/>
+          </p:nvPr>
+        </p:nvSpPr>
+        <p:spPr>
+          <a:xfrm>
+            <a:off x="1457656" y="2114716"/>
+            <a:ext cx="8610600" cy="1293028"/>
+          </a:xfrm>
+        </p:spPr>
+        <p:txBody>
+          <a:bodyPr>
+            <a:normAutofit fontScale="90000"/>
+          </a:bodyPr>
+          <a:lstStyle/>
+          <a:p>
             <a:pPr algn="ctr"/>
             <a:r>
+              <a:rPr lang="en-US" sz="6700" dirty="0"/>
+              <a:t>Thank you</a:t>
+            </a:r>
+            <a:r>
               <a:rPr lang="en-US" dirty="0"/>
-              <a:t>Thank you</a:t>
+              <a:t/>
             </a:r>
             <a:br>
               <a:rPr lang="en-US" dirty="0"/>
@@ -6479,7 +6603,7 @@
           <p:cNvPr id="3" name="Content Placeholder 2">
             <a:extLst>
               <a:ext uri="{FF2B5EF4-FFF2-40B4-BE49-F238E27FC236}">
-                <a16:creationId xmlns:a16="http://schemas.microsoft.com/office/drawing/2014/main" id="{1C25BB28-A4EC-414D-859C-C7A0FCD1F980}"/>
+                <a16:creationId xmlns:a16="http://schemas.microsoft.com/office/drawing/2014/main" xmlns="" id="{1C25BB28-A4EC-414D-859C-C7A0FCD1F980}"/>
               </a:ext>
             </a:extLst>
           </p:cNvPr>
@@ -6492,38 +6616,26 @@
         </p:nvSpPr>
         <p:spPr>
           <a:xfrm>
-            <a:off x="2189527" y="2320394"/>
-            <a:ext cx="6474902" cy="4024125"/>
-          </a:xfrm>
-        </p:spPr>
-        <p:txBody>
-          <a:bodyPr/>
+            <a:off x="2575893" y="3381986"/>
+            <a:ext cx="6474902" cy="1046142"/>
+          </a:xfrm>
+        </p:spPr>
+        <p:txBody>
+          <a:bodyPr>
+            <a:normAutofit/>
+          </a:bodyPr>
           <a:lstStyle/>
           <a:p>
             <a:pPr marL="0" indent="0" algn="ctr">
               <a:buNone/>
             </a:pPr>
-            <a:endParaRPr lang="en-US" dirty="0"/>
-          </a:p>
-          <a:p>
-            <a:pPr marL="0" indent="0" algn="ctr">
-              <a:buNone/>
-            </a:pPr>
-            <a:endParaRPr lang="en-US" dirty="0"/>
-          </a:p>
-          <a:p>
-            <a:pPr marL="0" indent="0" algn="ctr">
-              <a:buNone/>
-            </a:pPr>
-            <a:endParaRPr lang="en-US" dirty="0"/>
-          </a:p>
-          <a:p>
-            <a:pPr marL="0" indent="0" algn="ctr">
-              <a:buNone/>
-            </a:pPr>
-            <a:r>
-              <a:rPr lang="en-US" dirty="0"/>
-              <a:t>Questions?</a:t>
+            <a:r>
+              <a:rPr lang="en-US" sz="4400" dirty="0" smtClean="0"/>
+              <a:t>Questions</a:t>
+            </a:r>
+            <a:r>
+              <a:rPr lang="en-US" sz="4400" dirty="0"/>
+              <a:t>?</a:t>
             </a:r>
           </a:p>
         </p:txBody>
@@ -6563,7 +6675,7 @@
           <p:cNvPr id="2" name="Title 1">
             <a:extLst>
               <a:ext uri="{FF2B5EF4-FFF2-40B4-BE49-F238E27FC236}">
-                <a16:creationId xmlns:a16="http://schemas.microsoft.com/office/drawing/2014/main" id="{41B5C587-4962-4E00-A54B-F8B9FE251918}"/>
+                <a16:creationId xmlns:a16="http://schemas.microsoft.com/office/drawing/2014/main" xmlns="" id="{41B5C587-4962-4E00-A54B-F8B9FE251918}"/>
               </a:ext>
             </a:extLst>
           </p:cNvPr>
@@ -6591,7 +6703,7 @@
           <p:cNvPr id="3" name="Content Placeholder 2">
             <a:extLst>
               <a:ext uri="{FF2B5EF4-FFF2-40B4-BE49-F238E27FC236}">
-                <a16:creationId xmlns:a16="http://schemas.microsoft.com/office/drawing/2014/main" id="{129B7FB5-54B8-4545-A8C7-1D4B4C033F1E}"/>
+                <a16:creationId xmlns:a16="http://schemas.microsoft.com/office/drawing/2014/main" xmlns="" id="{129B7FB5-54B8-4545-A8C7-1D4B4C033F1E}"/>
               </a:ext>
             </a:extLst>
           </p:cNvPr>
@@ -6602,23 +6714,36 @@
             <p:ph idx="1"/>
           </p:nvPr>
         </p:nvSpPr>
-        <p:spPr/>
+        <p:spPr>
+          <a:xfrm>
+            <a:off x="476518" y="2194560"/>
+            <a:ext cx="11029682" cy="4024125"/>
+          </a:xfrm>
+        </p:spPr>
         <p:txBody>
           <a:bodyPr>
             <a:normAutofit fontScale="92500" lnSpcReduction="10000"/>
           </a:bodyPr>
           <a:lstStyle/>
           <a:p>
-            <a:r>
-              <a:rPr lang="en-US" dirty="0"/>
-              <a:t>The purpose of this project is to analyze US employment data to observe trends in computer and mathematical occupations based on location and job title. </a:t>
-            </a:r>
+            <a:pPr marL="0" indent="0" algn="r">
+              <a:buNone/>
+            </a:pPr>
+            <a:r>
+              <a:rPr lang="en-US" sz="2400" dirty="0"/>
+              <a:t>The purpose of this project is to analyze US employment data to observe trends in computer and mathematical occupations based on location and job </a:t>
+            </a:r>
+            <a:r>
+              <a:rPr lang="en-US" sz="2400" dirty="0" smtClean="0"/>
+              <a:t>title </a:t>
+            </a:r>
+            <a:endParaRPr lang="en-US" sz="2400" dirty="0"/>
           </a:p>
           <a:p>
             <a:endParaRPr lang="en-US" dirty="0"/>
           </a:p>
           <a:p>
-            <a:pPr marL="0" indent="0">
+            <a:pPr marL="0" indent="0" algn="r">
               <a:buNone/>
             </a:pPr>
             <a:r>
@@ -6627,7 +6752,7 @@
             </a:r>
           </a:p>
           <a:p>
-            <a:pPr marL="0" indent="0">
+            <a:pPr marL="0" indent="0" algn="r">
               <a:buNone/>
             </a:pPr>
             <a:r>
@@ -6636,7 +6761,7 @@
             </a:r>
           </a:p>
           <a:p>
-            <a:pPr marL="0" indent="0">
+            <a:pPr marL="0" indent="0" algn="r">
               <a:buNone/>
             </a:pPr>
             <a:r>
@@ -6645,7 +6770,7 @@
             </a:r>
           </a:p>
           <a:p>
-            <a:pPr marL="0" indent="0">
+            <a:pPr marL="0" indent="0" algn="r">
               <a:buNone/>
             </a:pPr>
             <a:r>
@@ -6654,7 +6779,7 @@
             </a:r>
           </a:p>
           <a:p>
-            <a:pPr marL="0" indent="0">
+            <a:pPr marL="0" indent="0" algn="r">
               <a:buNone/>
             </a:pPr>
             <a:r>
@@ -6663,7 +6788,7 @@
             </a:r>
           </a:p>
           <a:p>
-            <a:pPr marL="0" indent="0">
+            <a:pPr marL="0" indent="0" algn="r">
               <a:buNone/>
             </a:pPr>
             <a:r>
@@ -6717,7 +6842,7 @@
           <p:cNvPr id="2" name="Title 1">
             <a:extLst>
               <a:ext uri="{FF2B5EF4-FFF2-40B4-BE49-F238E27FC236}">
-                <a16:creationId xmlns:a16="http://schemas.microsoft.com/office/drawing/2014/main" id="{B01FBC95-86CC-4C5D-80F0-CF41A33B1E9F}"/>
+                <a16:creationId xmlns:a16="http://schemas.microsoft.com/office/drawing/2014/main" xmlns="" id="{B01FBC95-86CC-4C5D-80F0-CF41A33B1E9F}"/>
               </a:ext>
             </a:extLst>
           </p:cNvPr>
@@ -6745,7 +6870,7 @@
           <p:cNvPr id="3" name="Content Placeholder 2">
             <a:extLst>
               <a:ext uri="{FF2B5EF4-FFF2-40B4-BE49-F238E27FC236}">
-                <a16:creationId xmlns:a16="http://schemas.microsoft.com/office/drawing/2014/main" id="{CACC8578-D28C-470E-8EBE-3E9A3C6434E3}"/>
+                <a16:creationId xmlns:a16="http://schemas.microsoft.com/office/drawing/2014/main" xmlns="" id="{CACC8578-D28C-470E-8EBE-3E9A3C6434E3}"/>
               </a:ext>
             </a:extLst>
           </p:cNvPr>
@@ -6783,7 +6908,7 @@
                 <a:hlinkClick r:id="rId2">
                   <a:extLst>
                     <a:ext uri="{A12FA001-AC4F-418D-AE19-62706E023703}">
-                      <ahyp:hlinkClr xmlns:ahyp="http://schemas.microsoft.com/office/drawing/2018/hyperlinkcolor" val="tx"/>
+                      <ahyp:hlinkClr xmlns:ahyp="http://schemas.microsoft.com/office/drawing/2018/hyperlinkcolor" xmlns="" val="tx"/>
                     </a:ext>
                   </a:extLst>
                 </a:hlinkClick>
@@ -6826,7 +6951,7 @@
                 <a:hlinkClick r:id="rId3">
                   <a:extLst>
                     <a:ext uri="{A12FA001-AC4F-418D-AE19-62706E023703}">
-                      <ahyp:hlinkClr xmlns:ahyp="http://schemas.microsoft.com/office/drawing/2018/hyperlinkcolor" val="tx"/>
+                      <ahyp:hlinkClr xmlns:ahyp="http://schemas.microsoft.com/office/drawing/2018/hyperlinkcolor" xmlns="" val="tx"/>
                     </a:ext>
                   </a:extLst>
                 </a:hlinkClick>
@@ -6845,7 +6970,19 @@
             </a:r>
             <a:r>
               <a:rPr lang="en-US" dirty="0"/>
-              <a:t>Used for state population estimates (as of July 1) from 2013 through 2017</a:t>
+              <a:t>Used for state population estimates (as of </a:t>
+            </a:r>
+            <a:r>
+              <a:rPr lang="en-US" dirty="0" smtClean="0"/>
+              <a:t>7/</a:t>
+            </a:r>
+            <a:r>
+              <a:rPr lang="en-US" dirty="0" smtClean="0"/>
+              <a:t>1</a:t>
+            </a:r>
+            <a:r>
+              <a:rPr lang="en-US" dirty="0"/>
+              <a:t>) from 2013 through 2017</a:t>
             </a:r>
           </a:p>
           <a:p>
@@ -6859,7 +6996,7 @@
           <p:cNvPr id="4" name="Picture 3">
             <a:extLst>
               <a:ext uri="{FF2B5EF4-FFF2-40B4-BE49-F238E27FC236}">
-                <a16:creationId xmlns:a16="http://schemas.microsoft.com/office/drawing/2014/main" id="{E7D53E29-B383-4B9D-A554-11B128DFEE9B}"/>
+                <a16:creationId xmlns:a16="http://schemas.microsoft.com/office/drawing/2014/main" xmlns="" id="{E7D53E29-B383-4B9D-A554-11B128DFEE9B}"/>
               </a:ext>
             </a:extLst>
           </p:cNvPr>
@@ -6889,7 +7026,7 @@
           <p:cNvPr id="6" name="Picture 5">
             <a:extLst>
               <a:ext uri="{FF2B5EF4-FFF2-40B4-BE49-F238E27FC236}">
-                <a16:creationId xmlns:a16="http://schemas.microsoft.com/office/drawing/2014/main" id="{064340ED-E940-4A96-89BA-D2EE55992785}"/>
+                <a16:creationId xmlns:a16="http://schemas.microsoft.com/office/drawing/2014/main" xmlns="" id="{064340ED-E940-4A96-89BA-D2EE55992785}"/>
               </a:ext>
             </a:extLst>
           </p:cNvPr>
@@ -6955,7 +7092,7 @@
           <p:cNvPr id="3" name="Content Placeholder 2">
             <a:extLst>
               <a:ext uri="{FF2B5EF4-FFF2-40B4-BE49-F238E27FC236}">
-                <a16:creationId xmlns:a16="http://schemas.microsoft.com/office/drawing/2014/main" id="{75897B1C-3F8F-4B5D-8723-E5115AF5882A}"/>
+                <a16:creationId xmlns="" xmlns:a16="http://schemas.microsoft.com/office/drawing/2014/main" id="{75897B1C-3F8F-4B5D-8723-E5115AF5882A}"/>
               </a:ext>
             </a:extLst>
           </p:cNvPr>
@@ -6968,13 +7105,13 @@
         </p:nvSpPr>
         <p:spPr>
           <a:xfrm>
-            <a:off x="115910" y="540912"/>
-            <a:ext cx="3142446" cy="6130343"/>
+            <a:off x="115909" y="4546242"/>
+            <a:ext cx="11888447" cy="2125013"/>
           </a:xfrm>
         </p:spPr>
         <p:txBody>
           <a:bodyPr>
-            <a:normAutofit fontScale="85000" lnSpcReduction="20000"/>
+            <a:normAutofit fontScale="92500" lnSpcReduction="20000"/>
           </a:bodyPr>
           <a:lstStyle/>
           <a:p>
@@ -6983,46 +7120,49 @@
             </a:pPr>
             <a:r>
               <a:rPr lang="en-US" sz="2500" dirty="0"/>
-              <a:t>First graph shows 3 states with fastest YOY (2017 vs 2016) growth vs the US</a:t>
-            </a:r>
-          </a:p>
-          <a:p>
-            <a:pPr marL="0" indent="0">
-              <a:buNone/>
-            </a:pPr>
+              <a:t>S</a:t>
+            </a:r>
+            <a:r>
+              <a:rPr lang="en-US" sz="2500" dirty="0" smtClean="0"/>
+              <a:t>tates </a:t>
+            </a:r>
+            <a:r>
+              <a:rPr lang="en-US" sz="2500" dirty="0" smtClean="0"/>
+              <a:t>chosen based on fastest YOY </a:t>
+            </a:r>
             <a:r>
               <a:rPr lang="en-US" sz="2500" dirty="0"/>
-              <a:t>Second graph shows 3   states with slowest YOY (2017 vs 2016) growth vs the US</a:t>
-            </a:r>
-          </a:p>
-          <a:p>
-            <a:pPr marL="0" indent="0">
-              <a:buNone/>
-            </a:pPr>
+              <a:t>growth </a:t>
+            </a:r>
+            <a:r>
+              <a:rPr lang="en-US" sz="2500" dirty="0" smtClean="0"/>
+              <a:t>for 2017 vs 2016.  Included US as a comparison point</a:t>
+            </a:r>
             <a:endParaRPr lang="en-US" sz="100" dirty="0"/>
           </a:p>
           <a:p>
-            <a:pPr marL="0" indent="0">
-              <a:buNone/>
-            </a:pPr>
-            <a:r>
-              <a:rPr lang="en-US" sz="2400" dirty="0"/>
-              <a:t>Job titles included:</a:t>
-            </a:r>
-          </a:p>
-          <a:p>
-            <a:pPr marL="0" indent="0">
-              <a:buNone/>
-            </a:pPr>
-            <a:r>
-              <a:rPr lang="en-US" sz="1700" dirty="0"/>
-              <a:t>Computer and Mathematical Occupations, Computer and Information Research Scientists, Computer Systems Analysts, Information Security Analysts, Computer Programmers, Software Developers (Applications), Software Developers (Systems Software), Web Developers, Database Administrators, Network and Computer Systems Administrators, Computer Network Architects, Computer User Support Specialists, Computer Network Support Specialists, Computer Occupations - All Other, Actuaries, Mathematicians, Operations Research Analysts, &amp; Statisticians</a:t>
-            </a:r>
-          </a:p>
-          <a:p>
-            <a:pPr marL="457200" lvl="1" indent="0">
-              <a:buNone/>
-            </a:pPr>
+            <a:r>
+              <a:rPr lang="en-US" dirty="0"/>
+              <a:t>O</a:t>
+            </a:r>
+            <a:r>
+              <a:rPr lang="en-US" dirty="0" smtClean="0"/>
+              <a:t>verall US grew in 2017, but not as fast as it did in 2016 and 2015</a:t>
+            </a:r>
+          </a:p>
+          <a:p>
+            <a:r>
+              <a:rPr lang="en-US" dirty="0" smtClean="0"/>
+              <a:t>Top 3 fastest states/territories are Guam, Montana, and Utah, with Guam growing almost 14% in one year.  Both Guam and Montana show a volatile job market</a:t>
+            </a:r>
+          </a:p>
+          <a:p>
+            <a:r>
+              <a:rPr lang="en-US" dirty="0" smtClean="0"/>
+              <a:t>Utah also did not grow as much as it did in 2016, but continued to experience a strong job market</a:t>
+            </a:r>
+          </a:p>
+          <a:p>
             <a:endParaRPr lang="en-US" dirty="0"/>
           </a:p>
           <a:p>
@@ -7032,57 +7172,34 @@
       </p:sp>
       <p:pic>
         <p:nvPicPr>
-          <p:cNvPr id="2058" name="Picture 10">
-            <a:extLst>
-              <a:ext uri="{FF2B5EF4-FFF2-40B4-BE49-F238E27FC236}">
-                <a16:creationId xmlns:a16="http://schemas.microsoft.com/office/drawing/2014/main" id="{C7E7A439-E819-4DB7-B4F7-A25B98A49CCC}"/>
-              </a:ext>
-            </a:extLst>
-          </p:cNvPr>
+          <p:cNvPr id="2" name="Picture 1"/>
           <p:cNvPicPr>
-            <a:picLocks noChangeAspect="1" noChangeArrowheads="1"/>
+            <a:picLocks noChangeAspect="1"/>
           </p:cNvPicPr>
           <p:nvPr/>
         </p:nvPicPr>
         <p:blipFill>
-          <a:blip r:embed="rId2">
-            <a:extLst>
-              <a:ext uri="{28A0092B-C50C-407E-A947-70E740481C1C}">
-                <a14:useLocalDpi xmlns:a14="http://schemas.microsoft.com/office/drawing/2010/main" val="0"/>
-              </a:ext>
-            </a:extLst>
-          </a:blip>
-          <a:srcRect/>
+          <a:blip r:embed="rId2"/>
           <a:stretch>
             <a:fillRect/>
           </a:stretch>
         </p:blipFill>
-        <p:spPr bwMode="auto">
-          <a:xfrm>
-            <a:off x="3379805" y="3543300"/>
-            <a:ext cx="8477250" cy="3314700"/>
+        <p:spPr>
+          <a:xfrm>
+            <a:off x="115909" y="2859430"/>
+            <a:ext cx="3493583" cy="1120141"/>
           </a:xfrm>
           <a:prstGeom prst="rect">
             <a:avLst/>
           </a:prstGeom>
-          <a:noFill/>
-          <a:extLst>
-            <a:ext uri="{909E8E84-426E-40DD-AFC4-6F175D3DCCD1}">
-              <a14:hiddenFill xmlns:a14="http://schemas.microsoft.com/office/drawing/2010/main">
-                <a:solidFill>
-                  <a:srgbClr val="FFFFFF"/>
-                </a:solidFill>
-              </a14:hiddenFill>
-            </a:ext>
-          </a:extLst>
         </p:spPr>
       </p:pic>
       <p:pic>
         <p:nvPicPr>
-          <p:cNvPr id="2060" name="Picture 12">
+          <p:cNvPr id="5" name="Picture 12">
             <a:extLst>
               <a:ext uri="{FF2B5EF4-FFF2-40B4-BE49-F238E27FC236}">
-                <a16:creationId xmlns:a16="http://schemas.microsoft.com/office/drawing/2014/main" id="{6F0AC7CD-13B1-49CA-A210-0FEA7F648B7C}"/>
+                <a16:creationId xmlns:a16="http://schemas.microsoft.com/office/drawing/2014/main" xmlns="" id="{6F0AC7CD-13B1-49CA-A210-0FEA7F648B7C}"/>
               </a:ext>
             </a:extLst>
           </p:cNvPr>
@@ -7106,8 +7223,8 @@
         </p:blipFill>
         <p:spPr bwMode="auto">
           <a:xfrm>
-            <a:off x="3258356" y="186745"/>
-            <a:ext cx="8534400" cy="3314700"/>
+            <a:off x="3902298" y="946601"/>
+            <a:ext cx="8102057" cy="3314700"/>
           </a:xfrm>
           <a:prstGeom prst="rect">
             <a:avLst/>
@@ -7124,10 +7241,74 @@
           </a:extLst>
         </p:spPr>
       </p:pic>
+      <p:sp>
+        <p:nvSpPr>
+          <p:cNvPr id="6" name="TextBox 5"/>
+          <p:cNvSpPr txBox="1"/>
+          <p:nvPr/>
+        </p:nvSpPr>
+        <p:spPr>
+          <a:xfrm>
+            <a:off x="0" y="795503"/>
+            <a:ext cx="4043966" cy="1785104"/>
+          </a:xfrm>
+          <a:prstGeom prst="rect">
+            <a:avLst/>
+          </a:prstGeom>
+          <a:noFill/>
+        </p:spPr>
+        <p:txBody>
+          <a:bodyPr wrap="square" rtlCol="0">
+            <a:spAutoFit/>
+          </a:bodyPr>
+          <a:lstStyle/>
+          <a:p>
+            <a:r>
+              <a:rPr lang="en-US" sz="1000" dirty="0">
+                <a:solidFill>
+                  <a:schemeClr val="tx1">
+                    <a:lumMod val="95000"/>
+                  </a:schemeClr>
+                </a:solidFill>
+              </a:rPr>
+              <a:t>Job titles included:</a:t>
+            </a:r>
+          </a:p>
+          <a:p>
+            <a:r>
+              <a:rPr lang="en-US" sz="1000" dirty="0">
+                <a:solidFill>
+                  <a:schemeClr val="tx1">
+                    <a:lumMod val="95000"/>
+                  </a:schemeClr>
+                </a:solidFill>
+              </a:rPr>
+              <a:t>Computer and Mathematical Occupations, Computer and Information Research Scientists, Computer Systems Analysts, Information Security Analysts, Computer Programmers, Software Developers (Applications), Software Developers (Systems Software), Web Developers, Database Administrators, Network and Computer Systems Administrators, Computer Network Architects, Computer User Support Specialists, Computer Network Support Specialists, Computer Occupations - All Other, Actuaries, Mathematicians, Operations Research Analysts, &amp; </a:t>
+            </a:r>
+            <a:r>
+              <a:rPr lang="en-US" sz="1000" dirty="0" smtClean="0">
+                <a:solidFill>
+                  <a:schemeClr val="tx1">
+                    <a:lumMod val="95000"/>
+                  </a:schemeClr>
+                </a:solidFill>
+              </a:rPr>
+              <a:t>Statisticians</a:t>
+            </a:r>
+            <a:endParaRPr lang="en-US" sz="1000" dirty="0">
+              <a:solidFill>
+                <a:schemeClr val="tx1">
+                  <a:lumMod val="95000"/>
+                </a:schemeClr>
+              </a:solidFill>
+            </a:endParaRPr>
+          </a:p>
+        </p:txBody>
+      </p:sp>
     </p:spTree>
     <p:extLst>
       <p:ext uri="{BB962C8B-B14F-4D97-AF65-F5344CB8AC3E}">
-        <p14:creationId xmlns:p14="http://schemas.microsoft.com/office/powerpoint/2010/main" val="2887634918"/>
+        <p14:creationId xmlns:p14="http://schemas.microsoft.com/office/powerpoint/2010/main" val="3985836914"/>
       </p:ext>
     </p:extLst>
   </p:cSld>
@@ -7156,52 +7337,261 @@
       </p:grpSpPr>
       <p:sp>
         <p:nvSpPr>
-          <p:cNvPr id="3" name="Content Placeholder 2">
+          <p:cNvPr id="5" name="Content Placeholder 2">
             <a:extLst>
               <a:ext uri="{FF2B5EF4-FFF2-40B4-BE49-F238E27FC236}">
-                <a16:creationId xmlns:a16="http://schemas.microsoft.com/office/drawing/2014/main" id="{A1BF3F66-EBAC-4059-95DC-84F0A2D0D9F8}"/>
+                <a16:creationId xmlns="" xmlns:a16="http://schemas.microsoft.com/office/drawing/2014/main" id="{75897B1C-3F8F-4B5D-8723-E5115AF5882A}"/>
               </a:ext>
             </a:extLst>
           </p:cNvPr>
-          <p:cNvSpPr>
-            <a:spLocks noGrp="1"/>
-          </p:cNvSpPr>
-          <p:nvPr>
-            <p:ph idx="1"/>
-          </p:nvPr>
-        </p:nvSpPr>
-        <p:spPr>
-          <a:xfrm>
-            <a:off x="1047482" y="295089"/>
-            <a:ext cx="10097036" cy="1709201"/>
-          </a:xfrm>
-        </p:spPr>
-        <p:txBody>
-          <a:bodyPr>
-            <a:normAutofit/>
+          <p:cNvSpPr txBox="1">
+            <a:spLocks/>
+          </p:cNvSpPr>
+          <p:nvPr/>
+        </p:nvSpPr>
+        <p:spPr>
+          <a:xfrm>
+            <a:off x="115909" y="4546242"/>
+            <a:ext cx="11888447" cy="2125013"/>
+          </a:xfrm>
+          <a:prstGeom prst="rect">
+            <a:avLst/>
+          </a:prstGeom>
+        </p:spPr>
+        <p:txBody>
+          <a:bodyPr vert="horz" lIns="91440" tIns="45720" rIns="91440" bIns="45720" rtlCol="0">
+            <a:normAutofit fontScale="85000" lnSpcReduction="20000"/>
           </a:bodyPr>
-          <a:lstStyle/>
-          <a:p>
-            <a:r>
-              <a:rPr lang="en-US" dirty="0"/>
-              <a:t>Compared US population by state vs the YOY growth rate (2017 vs 2016) for Computer and Mathematical Occupations</a:t>
-            </a:r>
-          </a:p>
-          <a:p>
-            <a:pPr lvl="1"/>
-            <a:r>
-              <a:rPr lang="en-US" dirty="0"/>
-              <a:t>Surprisingly, a larger population did not necessarily translate to higher job growth in this case</a:t>
-            </a:r>
+          <a:lstStyle>
+            <a:lvl1pPr marL="228600" indent="-228600" algn="l" defTabSz="914400" rtl="0" eaLnBrk="1" latinLnBrk="0" hangingPunct="1">
+              <a:lnSpc>
+                <a:spcPct val="90000"/>
+              </a:lnSpc>
+              <a:spcBef>
+                <a:spcPts val="1000"/>
+              </a:spcBef>
+              <a:buFont typeface="Arial" panose="020B0604020202020204" pitchFamily="34" charset="0"/>
+              <a:buChar char="•"/>
+              <a:defRPr sz="2200" kern="1200">
+                <a:solidFill>
+                  <a:schemeClr val="tx1"/>
+                </a:solidFill>
+                <a:latin typeface="+mn-lt"/>
+                <a:ea typeface="+mn-ea"/>
+                <a:cs typeface="+mn-cs"/>
+              </a:defRPr>
+            </a:lvl1pPr>
+            <a:lvl2pPr marL="685800" indent="-228600" algn="l" defTabSz="914400" rtl="0" eaLnBrk="1" latinLnBrk="0" hangingPunct="1">
+              <a:lnSpc>
+                <a:spcPct val="90000"/>
+              </a:lnSpc>
+              <a:spcBef>
+                <a:spcPts val="500"/>
+              </a:spcBef>
+              <a:buFont typeface="Arial" panose="020B0604020202020204" pitchFamily="34" charset="0"/>
+              <a:buChar char="•"/>
+              <a:defRPr sz="2000" kern="1200">
+                <a:solidFill>
+                  <a:schemeClr val="tx1"/>
+                </a:solidFill>
+                <a:latin typeface="+mn-lt"/>
+                <a:ea typeface="+mn-ea"/>
+                <a:cs typeface="+mn-cs"/>
+              </a:defRPr>
+            </a:lvl2pPr>
+            <a:lvl3pPr marL="1143000" indent="-228600" algn="l" defTabSz="914400" rtl="0" eaLnBrk="1" latinLnBrk="0" hangingPunct="1">
+              <a:lnSpc>
+                <a:spcPct val="90000"/>
+              </a:lnSpc>
+              <a:spcBef>
+                <a:spcPts val="500"/>
+              </a:spcBef>
+              <a:buFont typeface="Arial" panose="020B0604020202020204" pitchFamily="34" charset="0"/>
+              <a:buChar char="•"/>
+              <a:defRPr sz="1800" kern="1200">
+                <a:solidFill>
+                  <a:schemeClr val="tx1"/>
+                </a:solidFill>
+                <a:latin typeface="+mn-lt"/>
+                <a:ea typeface="+mn-ea"/>
+                <a:cs typeface="+mn-cs"/>
+              </a:defRPr>
+            </a:lvl3pPr>
+            <a:lvl4pPr marL="1600200" indent="-228600" algn="l" defTabSz="914400" rtl="0" eaLnBrk="1" latinLnBrk="0" hangingPunct="1">
+              <a:lnSpc>
+                <a:spcPct val="90000"/>
+              </a:lnSpc>
+              <a:spcBef>
+                <a:spcPts val="500"/>
+              </a:spcBef>
+              <a:buFont typeface="Arial" panose="020B0604020202020204" pitchFamily="34" charset="0"/>
+              <a:buChar char="•"/>
+              <a:defRPr sz="1600" kern="1200">
+                <a:solidFill>
+                  <a:schemeClr val="tx1"/>
+                </a:solidFill>
+                <a:latin typeface="+mn-lt"/>
+                <a:ea typeface="+mn-ea"/>
+                <a:cs typeface="+mn-cs"/>
+              </a:defRPr>
+            </a:lvl4pPr>
+            <a:lvl5pPr marL="2057400" indent="-228600" algn="l" defTabSz="914400" rtl="0" eaLnBrk="1" latinLnBrk="0" hangingPunct="1">
+              <a:lnSpc>
+                <a:spcPct val="90000"/>
+              </a:lnSpc>
+              <a:spcBef>
+                <a:spcPts val="500"/>
+              </a:spcBef>
+              <a:buFont typeface="Arial" panose="020B0604020202020204" pitchFamily="34" charset="0"/>
+              <a:buChar char="•"/>
+              <a:defRPr sz="1600" kern="1200">
+                <a:solidFill>
+                  <a:schemeClr val="tx1"/>
+                </a:solidFill>
+                <a:latin typeface="+mn-lt"/>
+                <a:ea typeface="+mn-ea"/>
+                <a:cs typeface="+mn-cs"/>
+              </a:defRPr>
+            </a:lvl5pPr>
+            <a:lvl6pPr marL="2514600" indent="-228600" algn="l" defTabSz="914400" rtl="0" eaLnBrk="1" latinLnBrk="0" hangingPunct="1">
+              <a:lnSpc>
+                <a:spcPct val="90000"/>
+              </a:lnSpc>
+              <a:spcBef>
+                <a:spcPts val="500"/>
+              </a:spcBef>
+              <a:buFont typeface="Arial" panose="020B0604020202020204" pitchFamily="34" charset="0"/>
+              <a:buChar char="•"/>
+              <a:defRPr sz="1600" kern="1200">
+                <a:solidFill>
+                  <a:schemeClr val="tx1"/>
+                </a:solidFill>
+                <a:latin typeface="+mn-lt"/>
+                <a:ea typeface="+mn-ea"/>
+                <a:cs typeface="+mn-cs"/>
+              </a:defRPr>
+            </a:lvl6pPr>
+            <a:lvl7pPr marL="2971800" indent="-228600" algn="l" defTabSz="914400" rtl="0" eaLnBrk="1" latinLnBrk="0" hangingPunct="1">
+              <a:lnSpc>
+                <a:spcPct val="90000"/>
+              </a:lnSpc>
+              <a:spcBef>
+                <a:spcPts val="500"/>
+              </a:spcBef>
+              <a:buFont typeface="Arial" panose="020B0604020202020204" pitchFamily="34" charset="0"/>
+              <a:buChar char="•"/>
+              <a:defRPr sz="1600" kern="1200">
+                <a:solidFill>
+                  <a:schemeClr val="tx1"/>
+                </a:solidFill>
+                <a:latin typeface="+mn-lt"/>
+                <a:ea typeface="+mn-ea"/>
+                <a:cs typeface="+mn-cs"/>
+              </a:defRPr>
+            </a:lvl7pPr>
+            <a:lvl8pPr marL="3429000" indent="-228600" algn="l" defTabSz="914400" rtl="0" eaLnBrk="1" latinLnBrk="0" hangingPunct="1">
+              <a:lnSpc>
+                <a:spcPct val="90000"/>
+              </a:lnSpc>
+              <a:spcBef>
+                <a:spcPts val="500"/>
+              </a:spcBef>
+              <a:buFont typeface="Arial" panose="020B0604020202020204" pitchFamily="34" charset="0"/>
+              <a:buChar char="•"/>
+              <a:defRPr sz="1600" kern="1200">
+                <a:solidFill>
+                  <a:schemeClr val="tx1"/>
+                </a:solidFill>
+                <a:latin typeface="+mn-lt"/>
+                <a:ea typeface="+mn-ea"/>
+                <a:cs typeface="+mn-cs"/>
+              </a:defRPr>
+            </a:lvl8pPr>
+            <a:lvl9pPr marL="3886200" indent="-228600" algn="l" defTabSz="914400" rtl="0" eaLnBrk="1" latinLnBrk="0" hangingPunct="1">
+              <a:lnSpc>
+                <a:spcPct val="90000"/>
+              </a:lnSpc>
+              <a:spcBef>
+                <a:spcPts val="500"/>
+              </a:spcBef>
+              <a:buFont typeface="Arial" panose="020B0604020202020204" pitchFamily="34" charset="0"/>
+              <a:buChar char="•"/>
+              <a:defRPr sz="1600" kern="1200">
+                <a:solidFill>
+                  <a:schemeClr val="tx1"/>
+                </a:solidFill>
+                <a:latin typeface="+mn-lt"/>
+                <a:ea typeface="+mn-ea"/>
+                <a:cs typeface="+mn-cs"/>
+              </a:defRPr>
+            </a:lvl9pPr>
+          </a:lstStyle>
+          <a:p>
+            <a:pPr marL="0" indent="0">
+              <a:buFont typeface="Arial" panose="020B0604020202020204" pitchFamily="34" charset="0"/>
+              <a:buNone/>
+            </a:pPr>
+            <a:r>
+              <a:rPr lang="en-US" sz="2700" dirty="0" smtClean="0"/>
+              <a:t>Bottom three states chosen based on slowest YOY growth for 2017 vs 2016.  Included US as a comparison point</a:t>
+            </a:r>
+          </a:p>
+          <a:p>
+            <a:r>
+              <a:rPr lang="en-US" sz="2400" dirty="0" smtClean="0"/>
+              <a:t>Three bottom states are Louisiana, New Mexico, </a:t>
+            </a:r>
+            <a:r>
+              <a:rPr lang="en-US" sz="2400" dirty="0"/>
+              <a:t>and </a:t>
+            </a:r>
+            <a:r>
+              <a:rPr lang="en-US" sz="2400" dirty="0" smtClean="0"/>
+              <a:t>Minnesota.  All three of these states experienced growth in 2016.  Out of the three, New Mexico experienced the largest % decline</a:t>
+            </a:r>
+          </a:p>
+          <a:p>
+            <a:r>
+              <a:rPr lang="en-US" sz="2400" dirty="0" smtClean="0"/>
+              <a:t>All three of these state outgrew the US in 2014, but did not exceed overall US growth in 2015, 2016, or 2017</a:t>
+            </a:r>
+            <a:endParaRPr lang="en-US" dirty="0" smtClean="0"/>
+          </a:p>
+          <a:p>
+            <a:endParaRPr lang="en-US" dirty="0"/>
           </a:p>
         </p:txBody>
       </p:sp>
       <p:pic>
         <p:nvPicPr>
-          <p:cNvPr id="1028" name="Picture 4">
+          <p:cNvPr id="4" name="Picture 3"/>
+          <p:cNvPicPr>
+            <a:picLocks noChangeAspect="1"/>
+          </p:cNvPicPr>
+          <p:nvPr/>
+        </p:nvPicPr>
+        <p:blipFill>
+          <a:blip r:embed="rId2"/>
+          <a:stretch>
+            <a:fillRect/>
+          </a:stretch>
+        </p:blipFill>
+        <p:spPr>
+          <a:xfrm>
+            <a:off x="115909" y="2870298"/>
+            <a:ext cx="3451538" cy="1070721"/>
+          </a:xfrm>
+          <a:prstGeom prst="rect">
+            <a:avLst/>
+          </a:prstGeom>
+        </p:spPr>
+      </p:pic>
+      <p:pic>
+        <p:nvPicPr>
+          <p:cNvPr id="6" name="Picture 10">
             <a:extLst>
               <a:ext uri="{FF2B5EF4-FFF2-40B4-BE49-F238E27FC236}">
-                <a16:creationId xmlns:a16="http://schemas.microsoft.com/office/drawing/2014/main" id="{642F8360-CC0D-4DD9-9C82-369B6108FA21}"/>
+                <a16:creationId xmlns:a16="http://schemas.microsoft.com/office/drawing/2014/main" xmlns="" id="{C7E7A439-E819-4DB7-B4F7-A25B98A49CCC}"/>
               </a:ext>
             </a:extLst>
           </p:cNvPr>
@@ -7211,7 +7601,7 @@
           <p:nvPr/>
         </p:nvPicPr>
         <p:blipFill>
-          <a:blip r:embed="rId2">
+          <a:blip r:embed="rId3">
             <a:extLst>
               <a:ext uri="{28A0092B-C50C-407E-A947-70E740481C1C}">
                 <a14:useLocalDpi xmlns:a14="http://schemas.microsoft.com/office/drawing/2010/main" val="0"/>
@@ -7225,8 +7615,8 @@
         </p:blipFill>
         <p:spPr bwMode="auto">
           <a:xfrm>
-            <a:off x="230332" y="2004290"/>
-            <a:ext cx="11532976" cy="4267201"/>
+            <a:off x="3928056" y="916011"/>
+            <a:ext cx="8076300" cy="3314700"/>
           </a:xfrm>
           <a:prstGeom prst="rect">
             <a:avLst/>
@@ -7243,10 +7633,74 @@
           </a:extLst>
         </p:spPr>
       </p:pic>
+      <p:sp>
+        <p:nvSpPr>
+          <p:cNvPr id="2" name="TextBox 1"/>
+          <p:cNvSpPr txBox="1"/>
+          <p:nvPr/>
+        </p:nvSpPr>
+        <p:spPr>
+          <a:xfrm>
+            <a:off x="0" y="795503"/>
+            <a:ext cx="4043966" cy="1785104"/>
+          </a:xfrm>
+          <a:prstGeom prst="rect">
+            <a:avLst/>
+          </a:prstGeom>
+          <a:noFill/>
+        </p:spPr>
+        <p:txBody>
+          <a:bodyPr wrap="square" rtlCol="0">
+            <a:spAutoFit/>
+          </a:bodyPr>
+          <a:lstStyle/>
+          <a:p>
+            <a:r>
+              <a:rPr lang="en-US" sz="1000" dirty="0">
+                <a:solidFill>
+                  <a:schemeClr val="tx1">
+                    <a:lumMod val="95000"/>
+                  </a:schemeClr>
+                </a:solidFill>
+              </a:rPr>
+              <a:t>Job titles included:</a:t>
+            </a:r>
+          </a:p>
+          <a:p>
+            <a:r>
+              <a:rPr lang="en-US" sz="1000" dirty="0">
+                <a:solidFill>
+                  <a:schemeClr val="tx1">
+                    <a:lumMod val="95000"/>
+                  </a:schemeClr>
+                </a:solidFill>
+              </a:rPr>
+              <a:t>Computer and Mathematical Occupations, Computer and Information Research Scientists, Computer Systems Analysts, Information Security Analysts, Computer Programmers, Software Developers (Applications), Software Developers (Systems Software), Web Developers, Database Administrators, Network and Computer Systems Administrators, Computer Network Architects, Computer User Support Specialists, Computer Network Support Specialists, Computer Occupations - All Other, Actuaries, Mathematicians, Operations Research Analysts, &amp; </a:t>
+            </a:r>
+            <a:r>
+              <a:rPr lang="en-US" sz="1000" dirty="0" smtClean="0">
+                <a:solidFill>
+                  <a:schemeClr val="tx1">
+                    <a:lumMod val="95000"/>
+                  </a:schemeClr>
+                </a:solidFill>
+              </a:rPr>
+              <a:t>Statisticians</a:t>
+            </a:r>
+            <a:endParaRPr lang="en-US" sz="1000" dirty="0">
+              <a:solidFill>
+                <a:schemeClr val="tx1">
+                  <a:lumMod val="95000"/>
+                </a:schemeClr>
+              </a:solidFill>
+            </a:endParaRPr>
+          </a:p>
+        </p:txBody>
+      </p:sp>
     </p:spTree>
     <p:extLst>
       <p:ext uri="{BB962C8B-B14F-4D97-AF65-F5344CB8AC3E}">
-        <p14:creationId xmlns:p14="http://schemas.microsoft.com/office/powerpoint/2010/main" val="4084077749"/>
+        <p14:creationId xmlns:p14="http://schemas.microsoft.com/office/powerpoint/2010/main" val="3443989620"/>
       </p:ext>
     </p:extLst>
   </p:cSld>
@@ -7275,10 +7729,10 @@
       </p:grpSpPr>
       <p:sp>
         <p:nvSpPr>
-          <p:cNvPr id="2" name="Title 1">
+          <p:cNvPr id="3" name="Content Placeholder 2">
             <a:extLst>
               <a:ext uri="{FF2B5EF4-FFF2-40B4-BE49-F238E27FC236}">
-                <a16:creationId xmlns:a16="http://schemas.microsoft.com/office/drawing/2014/main" id="{AB68570A-62BD-4471-B097-C694410375A6}"/>
+                <a16:creationId xmlns:a16="http://schemas.microsoft.com/office/drawing/2014/main" xmlns="" id="{A1BF3F66-EBAC-4059-95DC-84F0A2D0D9F8}"/>
               </a:ext>
             </a:extLst>
           </p:cNvPr>
@@ -7286,36 +7740,71 @@
             <a:spLocks noGrp="1"/>
           </p:cNvSpPr>
           <p:nvPr>
-            <p:ph type="title"/>
-          </p:nvPr>
-        </p:nvSpPr>
-        <p:spPr/>
-        <p:txBody>
-          <a:bodyPr/>
+            <p:ph idx="1"/>
+          </p:nvPr>
+        </p:nvSpPr>
+        <p:spPr>
+          <a:xfrm>
+            <a:off x="579549" y="295089"/>
+            <a:ext cx="11075831" cy="1894319"/>
+          </a:xfrm>
+        </p:spPr>
+        <p:txBody>
+          <a:bodyPr>
+            <a:normAutofit fontScale="85000" lnSpcReduction="10000"/>
+          </a:bodyPr>
           <a:lstStyle/>
           <a:p>
             <a:r>
               <a:rPr lang="en-US" dirty="0"/>
-              <a:t>Which Occupations have the Highest and Lowest demands? </a:t>
-            </a:r>
+              <a:t>Compared US population by state vs the YOY growth rate (2017 vs 2016) for Computer and Mathematical Occupations</a:t>
+            </a:r>
+          </a:p>
+          <a:p>
+            <a:pPr lvl="1"/>
+            <a:r>
+              <a:rPr lang="en-US" dirty="0"/>
+              <a:t>Surprisingly, a larger population did not necessarily translate to higher job growth in this </a:t>
+            </a:r>
+            <a:r>
+              <a:rPr lang="en-US" dirty="0" smtClean="0"/>
+              <a:t>case</a:t>
+            </a:r>
+          </a:p>
+          <a:p>
+            <a:pPr lvl="1"/>
+            <a:r>
+              <a:rPr lang="en-US" dirty="0" smtClean="0"/>
+              <a:t>The highest and lowest growth rates tende</a:t>
+            </a:r>
+            <a:r>
+              <a:rPr lang="en-US" dirty="0" smtClean="0"/>
+              <a:t>d to be for states with a population of around 5MM or fewer</a:t>
+            </a:r>
+          </a:p>
+          <a:p>
+            <a:pPr lvl="1"/>
+            <a:r>
+              <a:rPr lang="en-US" dirty="0" smtClean="0"/>
+              <a:t>California and New Year, the two most populous states, had fairly average growth rates</a:t>
+            </a:r>
+            <a:endParaRPr lang="en-US" dirty="0"/>
           </a:p>
         </p:txBody>
       </p:sp>
       <p:pic>
         <p:nvPicPr>
-          <p:cNvPr id="5" name="Content Placeholder 4">
+          <p:cNvPr id="1028" name="Picture 4">
             <a:extLst>
               <a:ext uri="{FF2B5EF4-FFF2-40B4-BE49-F238E27FC236}">
-                <a16:creationId xmlns:a16="http://schemas.microsoft.com/office/drawing/2014/main" id="{EEB80261-BFDA-43BA-9A2B-7566F24FD572}"/>
+                <a16:creationId xmlns:a16="http://schemas.microsoft.com/office/drawing/2014/main" xmlns="" id="{642F8360-CC0D-4DD9-9C82-369B6108FA21}"/>
               </a:ext>
             </a:extLst>
           </p:cNvPr>
           <p:cNvPicPr>
-            <a:picLocks noGrp="1" noChangeAspect="1"/>
+            <a:picLocks noChangeAspect="1" noChangeArrowheads="1"/>
           </p:cNvPicPr>
-          <p:nvPr>
-            <p:ph idx="1"/>
-          </p:nvPr>
+          <p:nvPr/>
         </p:nvPicPr>
         <p:blipFill>
           <a:blip r:embed="rId2">
@@ -7325,57 +7814,35 @@
               </a:ext>
             </a:extLst>
           </a:blip>
+          <a:srcRect/>
           <a:stretch>
             <a:fillRect/>
           </a:stretch>
         </p:blipFill>
-        <p:spPr>
-          <a:xfrm>
-            <a:off x="0" y="2849418"/>
-            <a:ext cx="6012874" cy="4008582"/>
-          </a:xfrm>
-        </p:spPr>
-      </p:pic>
-      <p:pic>
-        <p:nvPicPr>
-          <p:cNvPr id="7" name="Picture 6">
-            <a:extLst>
-              <a:ext uri="{FF2B5EF4-FFF2-40B4-BE49-F238E27FC236}">
-                <a16:creationId xmlns:a16="http://schemas.microsoft.com/office/drawing/2014/main" id="{AD43CADE-D702-44C9-9494-04A14FD16E34}"/>
-              </a:ext>
-            </a:extLst>
-          </p:cNvPr>
-          <p:cNvPicPr>
-            <a:picLocks noChangeAspect="1"/>
-          </p:cNvPicPr>
-          <p:nvPr/>
-        </p:nvPicPr>
-        <p:blipFill>
-          <a:blip r:embed="rId3">
-            <a:extLst>
-              <a:ext uri="{28A0092B-C50C-407E-A947-70E740481C1C}">
-                <a14:useLocalDpi xmlns:a14="http://schemas.microsoft.com/office/drawing/2010/main" val="0"/>
-              </a:ext>
-            </a:extLst>
-          </a:blip>
-          <a:stretch>
-            <a:fillRect/>
-          </a:stretch>
-        </p:blipFill>
-        <p:spPr>
-          <a:xfrm>
-            <a:off x="6012874" y="2849418"/>
-            <a:ext cx="6012873" cy="4008582"/>
+        <p:spPr bwMode="auto">
+          <a:xfrm>
+            <a:off x="230332" y="2455053"/>
+            <a:ext cx="11532976" cy="4267201"/>
           </a:xfrm>
           <a:prstGeom prst="rect">
             <a:avLst/>
           </a:prstGeom>
+          <a:noFill/>
+          <a:extLst>
+            <a:ext uri="{909E8E84-426E-40DD-AFC4-6F175D3DCCD1}">
+              <a14:hiddenFill xmlns:a14="http://schemas.microsoft.com/office/drawing/2010/main">
+                <a:solidFill>
+                  <a:srgbClr val="FFFFFF"/>
+                </a:solidFill>
+              </a14:hiddenFill>
+            </a:ext>
+          </a:extLst>
         </p:spPr>
       </p:pic>
     </p:spTree>
     <p:extLst>
       <p:ext uri="{BB962C8B-B14F-4D97-AF65-F5344CB8AC3E}">
-        <p14:creationId xmlns:p14="http://schemas.microsoft.com/office/powerpoint/2010/main" val="4220940930"/>
+        <p14:creationId xmlns:p14="http://schemas.microsoft.com/office/powerpoint/2010/main" val="4084077749"/>
       </p:ext>
     </p:extLst>
   </p:cSld>
@@ -7407,7 +7874,136 @@
           <p:cNvPr id="2" name="Title 1">
             <a:extLst>
               <a:ext uri="{FF2B5EF4-FFF2-40B4-BE49-F238E27FC236}">
-                <a16:creationId xmlns:a16="http://schemas.microsoft.com/office/drawing/2014/main" id="{A596BA33-7754-4852-A943-2BF56BC5ACEE}"/>
+                <a16:creationId xmlns:a16="http://schemas.microsoft.com/office/drawing/2014/main" xmlns="" id="{AB68570A-62BD-4471-B097-C694410375A6}"/>
+              </a:ext>
+            </a:extLst>
+          </p:cNvPr>
+          <p:cNvSpPr>
+            <a:spLocks noGrp="1"/>
+          </p:cNvSpPr>
+          <p:nvPr>
+            <p:ph type="title"/>
+          </p:nvPr>
+        </p:nvSpPr>
+        <p:spPr/>
+        <p:txBody>
+          <a:bodyPr/>
+          <a:lstStyle/>
+          <a:p>
+            <a:r>
+              <a:rPr lang="en-US" dirty="0"/>
+              <a:t>Which Occupations have the Highest and Lowest demands? </a:t>
+            </a:r>
+          </a:p>
+        </p:txBody>
+      </p:sp>
+      <p:pic>
+        <p:nvPicPr>
+          <p:cNvPr id="5" name="Content Placeholder 4">
+            <a:extLst>
+              <a:ext uri="{FF2B5EF4-FFF2-40B4-BE49-F238E27FC236}">
+                <a16:creationId xmlns:a16="http://schemas.microsoft.com/office/drawing/2014/main" xmlns="" id="{EEB80261-BFDA-43BA-9A2B-7566F24FD572}"/>
+              </a:ext>
+            </a:extLst>
+          </p:cNvPr>
+          <p:cNvPicPr>
+            <a:picLocks noGrp="1" noChangeAspect="1"/>
+          </p:cNvPicPr>
+          <p:nvPr>
+            <p:ph idx="1"/>
+          </p:nvPr>
+        </p:nvPicPr>
+        <p:blipFill>
+          <a:blip r:embed="rId2">
+            <a:extLst>
+              <a:ext uri="{28A0092B-C50C-407E-A947-70E740481C1C}">
+                <a14:useLocalDpi xmlns:a14="http://schemas.microsoft.com/office/drawing/2010/main" val="0"/>
+              </a:ext>
+            </a:extLst>
+          </a:blip>
+          <a:stretch>
+            <a:fillRect/>
+          </a:stretch>
+        </p:blipFill>
+        <p:spPr>
+          <a:xfrm>
+            <a:off x="0" y="2849418"/>
+            <a:ext cx="6012874" cy="4008582"/>
+          </a:xfrm>
+        </p:spPr>
+      </p:pic>
+      <p:pic>
+        <p:nvPicPr>
+          <p:cNvPr id="7" name="Picture 6">
+            <a:extLst>
+              <a:ext uri="{FF2B5EF4-FFF2-40B4-BE49-F238E27FC236}">
+                <a16:creationId xmlns:a16="http://schemas.microsoft.com/office/drawing/2014/main" xmlns="" id="{AD43CADE-D702-44C9-9494-04A14FD16E34}"/>
+              </a:ext>
+            </a:extLst>
+          </p:cNvPr>
+          <p:cNvPicPr>
+            <a:picLocks noChangeAspect="1"/>
+          </p:cNvPicPr>
+          <p:nvPr/>
+        </p:nvPicPr>
+        <p:blipFill>
+          <a:blip r:embed="rId3">
+            <a:extLst>
+              <a:ext uri="{28A0092B-C50C-407E-A947-70E740481C1C}">
+                <a14:useLocalDpi xmlns:a14="http://schemas.microsoft.com/office/drawing/2010/main" val="0"/>
+              </a:ext>
+            </a:extLst>
+          </a:blip>
+          <a:stretch>
+            <a:fillRect/>
+          </a:stretch>
+        </p:blipFill>
+        <p:spPr>
+          <a:xfrm>
+            <a:off x="6012874" y="2849418"/>
+            <a:ext cx="6012873" cy="4008582"/>
+          </a:xfrm>
+          <a:prstGeom prst="rect">
+            <a:avLst/>
+          </a:prstGeom>
+        </p:spPr>
+      </p:pic>
+    </p:spTree>
+    <p:extLst>
+      <p:ext uri="{BB962C8B-B14F-4D97-AF65-F5344CB8AC3E}">
+        <p14:creationId xmlns:p14="http://schemas.microsoft.com/office/powerpoint/2010/main" val="4220940930"/>
+      </p:ext>
+    </p:extLst>
+  </p:cSld>
+  <p:clrMapOvr>
+    <a:masterClrMapping/>
+  </p:clrMapOvr>
+</p:sld>
+</file>
+
+<file path=ppt/slides/slide8.xml><?xml version="1.0" encoding="utf-8"?>
+<p:sld xmlns:a="http://schemas.openxmlformats.org/drawingml/2006/main" xmlns:r="http://schemas.openxmlformats.org/officeDocument/2006/relationships" xmlns:p="http://schemas.openxmlformats.org/presentationml/2006/main">
+  <p:cSld>
+    <p:spTree>
+      <p:nvGrpSpPr>
+        <p:cNvPr id="1" name=""/>
+        <p:cNvGrpSpPr/>
+        <p:nvPr/>
+      </p:nvGrpSpPr>
+      <p:grpSpPr>
+        <a:xfrm>
+          <a:off x="0" y="0"/>
+          <a:ext cx="0" cy="0"/>
+          <a:chOff x="0" y="0"/>
+          <a:chExt cx="0" cy="0"/>
+        </a:xfrm>
+      </p:grpSpPr>
+      <p:sp>
+        <p:nvSpPr>
+          <p:cNvPr id="2" name="Title 1">
+            <a:extLst>
+              <a:ext uri="{FF2B5EF4-FFF2-40B4-BE49-F238E27FC236}">
+                <a16:creationId xmlns:a16="http://schemas.microsoft.com/office/drawing/2014/main" xmlns="" id="{A596BA33-7754-4852-A943-2BF56BC5ACEE}"/>
               </a:ext>
             </a:extLst>
           </p:cNvPr>
@@ -7440,7 +8036,7 @@
           <p:cNvPr id="4" name="Content Placeholder 3">
             <a:extLst>
               <a:ext uri="{FF2B5EF4-FFF2-40B4-BE49-F238E27FC236}">
-                <a16:creationId xmlns:a16="http://schemas.microsoft.com/office/drawing/2014/main" id="{491C927E-30F3-4185-BE20-0B6D3C5A74A6}"/>
+                <a16:creationId xmlns:a16="http://schemas.microsoft.com/office/drawing/2014/main" xmlns="" id="{491C927E-30F3-4185-BE20-0B6D3C5A74A6}"/>
               </a:ext>
             </a:extLst>
           </p:cNvPr>
@@ -7470,21 +8066,21 @@
                 <a:gridCol w="1647559">
                   <a:extLst>
                     <a:ext uri="{9D8B030D-6E8A-4147-A177-3AD203B41FA5}">
-                      <a16:colId xmlns:a16="http://schemas.microsoft.com/office/drawing/2014/main" val="957085690"/>
+                      <a16:colId xmlns:a16="http://schemas.microsoft.com/office/drawing/2014/main" xmlns="" val="957085690"/>
                     </a:ext>
                   </a:extLst>
                 </a:gridCol>
                 <a:gridCol w="1647559">
                   <a:extLst>
                     <a:ext uri="{9D8B030D-6E8A-4147-A177-3AD203B41FA5}">
-                      <a16:colId xmlns:a16="http://schemas.microsoft.com/office/drawing/2014/main" val="3984160696"/>
+                      <a16:colId xmlns:a16="http://schemas.microsoft.com/office/drawing/2014/main" xmlns="" val="3984160696"/>
                     </a:ext>
                   </a:extLst>
                 </a:gridCol>
                 <a:gridCol w="1924582">
                   <a:extLst>
                     <a:ext uri="{9D8B030D-6E8A-4147-A177-3AD203B41FA5}">
-                      <a16:colId xmlns:a16="http://schemas.microsoft.com/office/drawing/2014/main" val="3944266915"/>
+                      <a16:colId xmlns:a16="http://schemas.microsoft.com/office/drawing/2014/main" xmlns="" val="3944266915"/>
                     </a:ext>
                   </a:extLst>
                 </a:gridCol>
@@ -7582,7 +8178,7 @@
                 </a:tc>
                 <a:extLst>
                   <a:ext uri="{0D108BD9-81ED-4DB2-BD59-A6C34878D82A}">
-                    <a16:rowId xmlns:a16="http://schemas.microsoft.com/office/drawing/2014/main" val="3101018803"/>
+                    <a16:rowId xmlns:a16="http://schemas.microsoft.com/office/drawing/2014/main" xmlns="" val="3101018803"/>
                   </a:ext>
                 </a:extLst>
               </a:tr>
@@ -7667,7 +8263,7 @@
                 </a:tc>
                 <a:extLst>
                   <a:ext uri="{0D108BD9-81ED-4DB2-BD59-A6C34878D82A}">
-                    <a16:rowId xmlns:a16="http://schemas.microsoft.com/office/drawing/2014/main" val="3649961185"/>
+                    <a16:rowId xmlns:a16="http://schemas.microsoft.com/office/drawing/2014/main" xmlns="" val="3649961185"/>
                   </a:ext>
                 </a:extLst>
               </a:tr>
@@ -7752,7 +8348,7 @@
                 </a:tc>
                 <a:extLst>
                   <a:ext uri="{0D108BD9-81ED-4DB2-BD59-A6C34878D82A}">
-                    <a16:rowId xmlns:a16="http://schemas.microsoft.com/office/drawing/2014/main" val="3566758617"/>
+                    <a16:rowId xmlns:a16="http://schemas.microsoft.com/office/drawing/2014/main" xmlns="" val="3566758617"/>
                   </a:ext>
                 </a:extLst>
               </a:tr>
@@ -7837,7 +8433,7 @@
                 </a:tc>
                 <a:extLst>
                   <a:ext uri="{0D108BD9-81ED-4DB2-BD59-A6C34878D82A}">
-                    <a16:rowId xmlns:a16="http://schemas.microsoft.com/office/drawing/2014/main" val="2431465096"/>
+                    <a16:rowId xmlns:a16="http://schemas.microsoft.com/office/drawing/2014/main" xmlns="" val="2431465096"/>
                   </a:ext>
                 </a:extLst>
               </a:tr>
@@ -7922,7 +8518,7 @@
                 </a:tc>
                 <a:extLst>
                   <a:ext uri="{0D108BD9-81ED-4DB2-BD59-A6C34878D82A}">
-                    <a16:rowId xmlns:a16="http://schemas.microsoft.com/office/drawing/2014/main" val="1755834529"/>
+                    <a16:rowId xmlns:a16="http://schemas.microsoft.com/office/drawing/2014/main" xmlns="" val="1755834529"/>
                   </a:ext>
                 </a:extLst>
               </a:tr>
@@ -8007,7 +8603,7 @@
                 </a:tc>
                 <a:extLst>
                   <a:ext uri="{0D108BD9-81ED-4DB2-BD59-A6C34878D82A}">
-                    <a16:rowId xmlns:a16="http://schemas.microsoft.com/office/drawing/2014/main" val="4151097572"/>
+                    <a16:rowId xmlns:a16="http://schemas.microsoft.com/office/drawing/2014/main" xmlns="" val="4151097572"/>
                   </a:ext>
                 </a:extLst>
               </a:tr>
@@ -8092,7 +8688,7 @@
                 </a:tc>
                 <a:extLst>
                   <a:ext uri="{0D108BD9-81ED-4DB2-BD59-A6C34878D82A}">
-                    <a16:rowId xmlns:a16="http://schemas.microsoft.com/office/drawing/2014/main" val="1023807493"/>
+                    <a16:rowId xmlns:a16="http://schemas.microsoft.com/office/drawing/2014/main" xmlns="" val="1023807493"/>
                   </a:ext>
                 </a:extLst>
               </a:tr>
@@ -8183,7 +8779,7 @@
                 </a:tc>
                 <a:extLst>
                   <a:ext uri="{0D108BD9-81ED-4DB2-BD59-A6C34878D82A}">
-                    <a16:rowId xmlns:a16="http://schemas.microsoft.com/office/drawing/2014/main" val="1166867636"/>
+                    <a16:rowId xmlns:a16="http://schemas.microsoft.com/office/drawing/2014/main" xmlns="" val="1166867636"/>
                   </a:ext>
                 </a:extLst>
               </a:tr>
@@ -8274,7 +8870,7 @@
                 </a:tc>
                 <a:extLst>
                   <a:ext uri="{0D108BD9-81ED-4DB2-BD59-A6C34878D82A}">
-                    <a16:rowId xmlns:a16="http://schemas.microsoft.com/office/drawing/2014/main" val="4172888325"/>
+                    <a16:rowId xmlns:a16="http://schemas.microsoft.com/office/drawing/2014/main" xmlns="" val="4172888325"/>
                   </a:ext>
                 </a:extLst>
               </a:tr>
@@ -8287,7 +8883,7 @@
           <p:cNvPr id="5" name="TextBox 4">
             <a:extLst>
               <a:ext uri="{FF2B5EF4-FFF2-40B4-BE49-F238E27FC236}">
-                <a16:creationId xmlns:a16="http://schemas.microsoft.com/office/drawing/2014/main" id="{4E286D4F-4DA4-47A6-B4A1-69C59C04C373}"/>
+                <a16:creationId xmlns:a16="http://schemas.microsoft.com/office/drawing/2014/main" xmlns="" id="{4E286D4F-4DA4-47A6-B4A1-69C59C04C373}"/>
               </a:ext>
             </a:extLst>
           </p:cNvPr>
@@ -8383,163 +8979,6 @@
     <p:extLst>
       <p:ext uri="{BB962C8B-B14F-4D97-AF65-F5344CB8AC3E}">
         <p14:creationId xmlns:p14="http://schemas.microsoft.com/office/powerpoint/2010/main" val="903084494"/>
-      </p:ext>
-    </p:extLst>
-  </p:cSld>
-  <p:clrMapOvr>
-    <a:masterClrMapping/>
-  </p:clrMapOvr>
-</p:sld>
-</file>
-
-<file path=ppt/slides/slide8.xml><?xml version="1.0" encoding="utf-8"?>
-<p:sld xmlns:a="http://schemas.openxmlformats.org/drawingml/2006/main" xmlns:r="http://schemas.openxmlformats.org/officeDocument/2006/relationships" xmlns:p="http://schemas.openxmlformats.org/presentationml/2006/main">
-  <p:cSld>
-    <p:spTree>
-      <p:nvGrpSpPr>
-        <p:cNvPr id="1" name=""/>
-        <p:cNvGrpSpPr/>
-        <p:nvPr/>
-      </p:nvGrpSpPr>
-      <p:grpSpPr>
-        <a:xfrm>
-          <a:off x="0" y="0"/>
-          <a:ext cx="0" cy="0"/>
-          <a:chOff x="0" y="0"/>
-          <a:chExt cx="0" cy="0"/>
-        </a:xfrm>
-      </p:grpSpPr>
-      <p:sp>
-        <p:nvSpPr>
-          <p:cNvPr id="2" name="Title 1">
-            <a:extLst>
-              <a:ext uri="{FF2B5EF4-FFF2-40B4-BE49-F238E27FC236}">
-                <a16:creationId xmlns:a16="http://schemas.microsoft.com/office/drawing/2014/main" id="{1B85EE37-585C-E64B-A7B4-E9E8C734F5D4}"/>
-              </a:ext>
-            </a:extLst>
-          </p:cNvPr>
-          <p:cNvSpPr>
-            <a:spLocks noGrp="1"/>
-          </p:cNvSpPr>
-          <p:nvPr>
-            <p:ph type="title"/>
-          </p:nvPr>
-        </p:nvSpPr>
-        <p:spPr>
-          <a:xfrm>
-            <a:off x="0" y="731982"/>
-            <a:ext cx="3894496" cy="5394036"/>
-          </a:xfrm>
-        </p:spPr>
-        <p:txBody>
-          <a:bodyPr>
-            <a:normAutofit/>
-          </a:bodyPr>
-          <a:lstStyle/>
-          <a:p>
-            <a:r>
-              <a:rPr lang="en-US" dirty="0"/>
-              <a:t>The overall employment status by occupations in US</a:t>
-            </a:r>
-            <a:br>
-              <a:rPr lang="en-US" dirty="0"/>
-            </a:br>
-            <a:endParaRPr lang="en-US" dirty="0"/>
-          </a:p>
-        </p:txBody>
-      </p:sp>
-      <p:pic>
-        <p:nvPicPr>
-          <p:cNvPr id="3074" name="Picture 2">
-            <a:extLst>
-              <a:ext uri="{FF2B5EF4-FFF2-40B4-BE49-F238E27FC236}">
-                <a16:creationId xmlns:a16="http://schemas.microsoft.com/office/drawing/2014/main" id="{F41EE0FD-2018-46CC-8500-10BF0C3A1649}"/>
-              </a:ext>
-            </a:extLst>
-          </p:cNvPr>
-          <p:cNvPicPr>
-            <a:picLocks noChangeAspect="1" noChangeArrowheads="1"/>
-          </p:cNvPicPr>
-          <p:nvPr/>
-        </p:nvPicPr>
-        <p:blipFill>
-          <a:blip r:embed="rId2">
-            <a:extLst>
-              <a:ext uri="{28A0092B-C50C-407E-A947-70E740481C1C}">
-                <a14:useLocalDpi xmlns:a14="http://schemas.microsoft.com/office/drawing/2010/main" val="0"/>
-              </a:ext>
-            </a:extLst>
-          </a:blip>
-          <a:srcRect/>
-          <a:stretch>
-            <a:fillRect/>
-          </a:stretch>
-        </p:blipFill>
-        <p:spPr bwMode="auto">
-          <a:xfrm>
-            <a:off x="4149725" y="304799"/>
-            <a:ext cx="7894922" cy="6052127"/>
-          </a:xfrm>
-          <a:prstGeom prst="rect">
-            <a:avLst/>
-          </a:prstGeom>
-          <a:noFill/>
-          <a:extLst>
-            <a:ext uri="{909E8E84-426E-40DD-AFC4-6F175D3DCCD1}">
-              <a14:hiddenFill xmlns:a14="http://schemas.microsoft.com/office/drawing/2010/main">
-                <a:solidFill>
-                  <a:srgbClr val="FFFFFF"/>
-                </a:solidFill>
-              </a14:hiddenFill>
-            </a:ext>
-          </a:extLst>
-        </p:spPr>
-      </p:pic>
-      <p:sp>
-        <p:nvSpPr>
-          <p:cNvPr id="3" name="Left Arrow 2"/>
-          <p:cNvSpPr/>
-          <p:nvPr/>
-        </p:nvSpPr>
-        <p:spPr>
-          <a:xfrm>
-            <a:off x="8483642" y="3634573"/>
-            <a:ext cx="1249251" cy="296214"/>
-          </a:xfrm>
-          <a:prstGeom prst="leftArrow">
-            <a:avLst/>
-          </a:prstGeom>
-          <a:solidFill>
-            <a:srgbClr val="FFFF00"/>
-          </a:solidFill>
-        </p:spPr>
-        <p:style>
-          <a:lnRef idx="1">
-            <a:schemeClr val="accent4"/>
-          </a:lnRef>
-          <a:fillRef idx="3">
-            <a:schemeClr val="accent4"/>
-          </a:fillRef>
-          <a:effectRef idx="2">
-            <a:schemeClr val="accent4"/>
-          </a:effectRef>
-          <a:fontRef idx="minor">
-            <a:schemeClr val="lt1"/>
-          </a:fontRef>
-        </p:style>
-        <p:txBody>
-          <a:bodyPr rtlCol="0" anchor="ctr"/>
-          <a:lstStyle/>
-          <a:p>
-            <a:pPr algn="ctr"/>
-            <a:endParaRPr lang="en-US"/>
-          </a:p>
-        </p:txBody>
-      </p:sp>
-    </p:spTree>
-    <p:extLst>
-      <p:ext uri="{BB962C8B-B14F-4D97-AF65-F5344CB8AC3E}">
-        <p14:creationId xmlns:p14="http://schemas.microsoft.com/office/powerpoint/2010/main" val="1078398472"/>
       </p:ext>
     </p:extLst>
   </p:cSld>
@@ -8571,7 +9010,7 @@
           <p:cNvPr id="2" name="Title 1">
             <a:extLst>
               <a:ext uri="{FF2B5EF4-FFF2-40B4-BE49-F238E27FC236}">
-                <a16:creationId xmlns:a16="http://schemas.microsoft.com/office/drawing/2014/main" id="{EC0D6666-CF76-4F9D-B356-8C4E5E1D8BE9}"/>
+                <a16:creationId xmlns:a16="http://schemas.microsoft.com/office/drawing/2014/main" xmlns="" id="{1B85EE37-585C-E64B-A7B4-E9E8C734F5D4}"/>
               </a:ext>
             </a:extLst>
           </p:cNvPr>
@@ -8584,29 +9023,37 @@
         </p:nvSpPr>
         <p:spPr>
           <a:xfrm>
-            <a:off x="734291" y="1158105"/>
-            <a:ext cx="2978727" cy="5470172"/>
+            <a:off x="192603" y="1195618"/>
+            <a:ext cx="3580327" cy="5394036"/>
           </a:xfrm>
         </p:spPr>
         <p:txBody>
           <a:bodyPr>
-            <a:normAutofit fontScale="90000"/>
+            <a:normAutofit/>
           </a:bodyPr>
           <a:lstStyle/>
           <a:p>
             <a:r>
+              <a:rPr lang="en-US" sz="3400" dirty="0"/>
+              <a:t>The overall employment status by occupations in US</a:t>
+            </a:r>
+            <a:r>
               <a:rPr lang="en-US" dirty="0"/>
-              <a:t>The employment status in Computer and Mathematical Occupation in US</a:t>
-            </a:r>
+              <a:t/>
+            </a:r>
+            <a:br>
+              <a:rPr lang="en-US" dirty="0"/>
+            </a:br>
+            <a:endParaRPr lang="en-US" dirty="0"/>
           </a:p>
         </p:txBody>
       </p:sp>
       <p:pic>
         <p:nvPicPr>
-          <p:cNvPr id="4098" name="Picture 2">
+          <p:cNvPr id="3074" name="Picture 2">
             <a:extLst>
               <a:ext uri="{FF2B5EF4-FFF2-40B4-BE49-F238E27FC236}">
-                <a16:creationId xmlns:a16="http://schemas.microsoft.com/office/drawing/2014/main" id="{B9FF63C9-ACF4-465C-BC1B-055E493546A8}"/>
+                <a16:creationId xmlns:a16="http://schemas.microsoft.com/office/drawing/2014/main" xmlns="" id="{F41EE0FD-2018-46CC-8500-10BF0C3A1649}"/>
               </a:ext>
             </a:extLst>
           </p:cNvPr>
@@ -8630,8 +9077,8 @@
         </p:blipFill>
         <p:spPr bwMode="auto">
           <a:xfrm>
-            <a:off x="4051300" y="764373"/>
-            <a:ext cx="7543800" cy="5943600"/>
+            <a:off x="4149725" y="729799"/>
+            <a:ext cx="7894922" cy="6052127"/>
           </a:xfrm>
           <a:prstGeom prst="rect">
             <a:avLst/>
@@ -8648,10 +9095,51 @@
           </a:extLst>
         </p:spPr>
       </p:pic>
+      <p:sp>
+        <p:nvSpPr>
+          <p:cNvPr id="3" name="Left Arrow 2"/>
+          <p:cNvSpPr/>
+          <p:nvPr/>
+        </p:nvSpPr>
+        <p:spPr>
+          <a:xfrm>
+            <a:off x="8483642" y="4020943"/>
+            <a:ext cx="1249251" cy="296214"/>
+          </a:xfrm>
+          <a:prstGeom prst="leftArrow">
+            <a:avLst/>
+          </a:prstGeom>
+          <a:solidFill>
+            <a:srgbClr val="FFFF00"/>
+          </a:solidFill>
+        </p:spPr>
+        <p:style>
+          <a:lnRef idx="1">
+            <a:schemeClr val="accent4"/>
+          </a:lnRef>
+          <a:fillRef idx="3">
+            <a:schemeClr val="accent4"/>
+          </a:fillRef>
+          <a:effectRef idx="2">
+            <a:schemeClr val="accent4"/>
+          </a:effectRef>
+          <a:fontRef idx="minor">
+            <a:schemeClr val="lt1"/>
+          </a:fontRef>
+        </p:style>
+        <p:txBody>
+          <a:bodyPr rtlCol="0" anchor="ctr"/>
+          <a:lstStyle/>
+          <a:p>
+            <a:pPr algn="ctr"/>
+            <a:endParaRPr lang="en-US"/>
+          </a:p>
+        </p:txBody>
+      </p:sp>
     </p:spTree>
     <p:extLst>
       <p:ext uri="{BB962C8B-B14F-4D97-AF65-F5344CB8AC3E}">
-        <p14:creationId xmlns:p14="http://schemas.microsoft.com/office/powerpoint/2010/main" val="998277709"/>
+        <p14:creationId xmlns:p14="http://schemas.microsoft.com/office/powerpoint/2010/main" val="1078398472"/>
       </p:ext>
     </p:extLst>
   </p:cSld>

--- a/Group_5_Presentation.pptx
+++ b/Group_5_Presentation.pptx
@@ -5819,7 +5819,7 @@
           <p:cNvPr id="4" name="TextBox 3">
             <a:extLst>
               <a:ext uri="{FF2B5EF4-FFF2-40B4-BE49-F238E27FC236}">
-                <a16:creationId xmlns:a16="http://schemas.microsoft.com/office/drawing/2014/main" xmlns="" id="{FCF9FFDB-DB25-4AFA-B506-312075D34380}"/>
+                <a16:creationId xmlns="" xmlns:a16="http://schemas.microsoft.com/office/drawing/2014/main" id="{FCF9FFDB-DB25-4AFA-B506-312075D34380}"/>
               </a:ext>
             </a:extLst>
           </p:cNvPr>
@@ -5904,7 +5904,7 @@
           <p:cNvPr id="2" name="Title 1">
             <a:extLst>
               <a:ext uri="{FF2B5EF4-FFF2-40B4-BE49-F238E27FC236}">
-                <a16:creationId xmlns:a16="http://schemas.microsoft.com/office/drawing/2014/main" xmlns="" id="{EC0D6666-CF76-4F9D-B356-8C4E5E1D8BE9}"/>
+                <a16:creationId xmlns="" xmlns:a16="http://schemas.microsoft.com/office/drawing/2014/main" id="{EC0D6666-CF76-4F9D-B356-8C4E5E1D8BE9}"/>
               </a:ext>
             </a:extLst>
           </p:cNvPr>
@@ -5929,8 +5929,13 @@
           <a:p>
             <a:r>
               <a:rPr lang="en-US" sz="3400" dirty="0"/>
-              <a:t>The employment status in Computer and Mathematical Occupation in US</a:t>
-            </a:r>
+              <a:t>The employment status in Computer and Mathematical Occupation in </a:t>
+            </a:r>
+            <a:r>
+              <a:rPr lang="en-US" sz="3400" dirty="0" smtClean="0"/>
+              <a:t>US: 2017</a:t>
+            </a:r>
+            <a:endParaRPr lang="en-US" sz="3400" dirty="0"/>
           </a:p>
         </p:txBody>
       </p:sp>
@@ -5939,7 +5944,7 @@
           <p:cNvPr id="4098" name="Picture 2">
             <a:extLst>
               <a:ext uri="{FF2B5EF4-FFF2-40B4-BE49-F238E27FC236}">
-                <a16:creationId xmlns:a16="http://schemas.microsoft.com/office/drawing/2014/main" xmlns="" id="{B9FF63C9-ACF4-465C-BC1B-055E493546A8}"/>
+                <a16:creationId xmlns="" xmlns:a16="http://schemas.microsoft.com/office/drawing/2014/main" id="{B9FF63C9-ACF4-465C-BC1B-055E493546A8}"/>
               </a:ext>
             </a:extLst>
           </p:cNvPr>
@@ -6016,7 +6021,7 @@
           <p:cNvPr id="2" name="Title 1">
             <a:extLst>
               <a:ext uri="{FF2B5EF4-FFF2-40B4-BE49-F238E27FC236}">
-                <a16:creationId xmlns:a16="http://schemas.microsoft.com/office/drawing/2014/main" xmlns="" id="{1CFEA6E0-9345-1C43-9594-047B355EECDF}"/>
+                <a16:creationId xmlns="" xmlns:a16="http://schemas.microsoft.com/office/drawing/2014/main" id="{1CFEA6E0-9345-1C43-9594-047B355EECDF}"/>
               </a:ext>
             </a:extLst>
           </p:cNvPr>
@@ -6104,7 +6109,7 @@
           <p:cNvPr id="2" name="Title 1">
             <a:extLst>
               <a:ext uri="{FF2B5EF4-FFF2-40B4-BE49-F238E27FC236}">
-                <a16:creationId xmlns:a16="http://schemas.microsoft.com/office/drawing/2014/main" xmlns="" id="{27E5E4B7-0D24-1246-B992-4E761C8D9010}"/>
+                <a16:creationId xmlns="" xmlns:a16="http://schemas.microsoft.com/office/drawing/2014/main" id="{27E5E4B7-0D24-1246-B992-4E761C8D9010}"/>
               </a:ext>
             </a:extLst>
           </p:cNvPr>
@@ -6132,7 +6137,7 @@
           <p:cNvPr id="3" name="Content Placeholder 2">
             <a:extLst>
               <a:ext uri="{FF2B5EF4-FFF2-40B4-BE49-F238E27FC236}">
-                <a16:creationId xmlns:a16="http://schemas.microsoft.com/office/drawing/2014/main" xmlns="" id="{F68D2FE6-AC37-FA4F-B071-B1D2CB6CF5FE}"/>
+                <a16:creationId xmlns="" xmlns:a16="http://schemas.microsoft.com/office/drawing/2014/main" id="{F68D2FE6-AC37-FA4F-B071-B1D2CB6CF5FE}"/>
               </a:ext>
             </a:extLst>
           </p:cNvPr>
@@ -6252,7 +6257,7 @@
           <p:cNvPr id="2" name="Title 1">
             <a:extLst>
               <a:ext uri="{FF2B5EF4-FFF2-40B4-BE49-F238E27FC236}">
-                <a16:creationId xmlns:a16="http://schemas.microsoft.com/office/drawing/2014/main" xmlns="" id="{21D3167F-30A9-4F8D-99EE-386A1F094613}"/>
+                <a16:creationId xmlns="" xmlns:a16="http://schemas.microsoft.com/office/drawing/2014/main" id="{21D3167F-30A9-4F8D-99EE-386A1F094613}"/>
               </a:ext>
             </a:extLst>
           </p:cNvPr>
@@ -6281,7 +6286,7 @@
           <p:cNvPr id="3" name="Content Placeholder 2">
             <a:extLst>
               <a:ext uri="{FF2B5EF4-FFF2-40B4-BE49-F238E27FC236}">
-                <a16:creationId xmlns:a16="http://schemas.microsoft.com/office/drawing/2014/main" xmlns="" id="{571BA543-3A3F-43F0-957D-37B7A83B0853}"/>
+                <a16:creationId xmlns="" xmlns:a16="http://schemas.microsoft.com/office/drawing/2014/main" id="{571BA543-3A3F-43F0-957D-37B7A83B0853}"/>
               </a:ext>
             </a:extLst>
           </p:cNvPr>
@@ -6292,15 +6297,237 @@
             <p:ph idx="1"/>
           </p:nvPr>
         </p:nvSpPr>
-        <p:spPr/>
-        <p:txBody>
-          <a:bodyPr/>
+        <p:spPr>
+          <a:xfrm>
+            <a:off x="685800" y="2211947"/>
+            <a:ext cx="10820400" cy="4446429"/>
+          </a:xfrm>
+        </p:spPr>
+        <p:txBody>
+          <a:bodyPr>
+            <a:normAutofit fontScale="92500" lnSpcReduction="20000"/>
+          </a:bodyPr>
           <a:lstStyle/>
           <a:p>
             <a:r>
-              <a:rPr lang="en-US" dirty="0" err="1" smtClean="0"/>
-              <a:t>gsdgdsgssdgds</a:t>
-            </a:r>
+              <a:rPr lang="en-US" sz="2400" dirty="0" smtClean="0"/>
+              <a:t>Fastest </a:t>
+            </a:r>
+            <a:r>
+              <a:rPr lang="en-US" sz="2400" dirty="0"/>
+              <a:t>YOY growth for 2017 vs </a:t>
+            </a:r>
+            <a:r>
+              <a:rPr lang="en-US" sz="2400" dirty="0" smtClean="0"/>
+              <a:t>2016: </a:t>
+            </a:r>
+            <a:r>
+              <a:rPr lang="en-US" sz="2400" b="1" dirty="0" smtClean="0"/>
+              <a:t>Guam</a:t>
+            </a:r>
+          </a:p>
+          <a:p>
+            <a:r>
+              <a:rPr lang="en-US" sz="2400" dirty="0" smtClean="0"/>
+              <a:t>Slowest </a:t>
+            </a:r>
+            <a:r>
+              <a:rPr lang="en-US" sz="2400" dirty="0"/>
+              <a:t>YOY growth for 2017 vs </a:t>
+            </a:r>
+            <a:r>
+              <a:rPr lang="en-US" sz="2400" dirty="0" smtClean="0"/>
+              <a:t>2016: </a:t>
+            </a:r>
+            <a:r>
+              <a:rPr lang="en-US" sz="2400" b="1" dirty="0" smtClean="0"/>
+              <a:t>Louisiana</a:t>
+            </a:r>
+          </a:p>
+          <a:p>
+            <a:r>
+              <a:rPr lang="en-US" sz="2400" dirty="0" smtClean="0"/>
+              <a:t>Larger </a:t>
+            </a:r>
+            <a:r>
+              <a:rPr lang="en-US" sz="2400" dirty="0"/>
+              <a:t>population did </a:t>
+            </a:r>
+            <a:r>
+              <a:rPr lang="en-US" sz="2400" dirty="0" smtClean="0"/>
+              <a:t>not mean higher </a:t>
+            </a:r>
+            <a:r>
+              <a:rPr lang="en-US" sz="2400" dirty="0"/>
+              <a:t>job </a:t>
+            </a:r>
+            <a:r>
+              <a:rPr lang="en-US" sz="2400" dirty="0" smtClean="0"/>
+              <a:t>growth</a:t>
+            </a:r>
+          </a:p>
+          <a:p>
+            <a:r>
+              <a:rPr lang="en-US" sz="2400" dirty="0" smtClean="0"/>
+              <a:t>Occupation </a:t>
+            </a:r>
+            <a:r>
+              <a:rPr lang="en-US" sz="2400" dirty="0"/>
+              <a:t>with </a:t>
+            </a:r>
+            <a:r>
+              <a:rPr lang="en-US" sz="2400" dirty="0" smtClean="0"/>
+              <a:t>fastest </a:t>
+            </a:r>
+            <a:r>
+              <a:rPr lang="en-US" sz="2400" dirty="0"/>
+              <a:t>YOY growth for 2017 vs 2016 </a:t>
+            </a:r>
+            <a:r>
+              <a:rPr lang="en-US" sz="2400" dirty="0" smtClean="0"/>
+              <a:t>: </a:t>
+            </a:r>
+            <a:r>
+              <a:rPr lang="en-US" sz="2400" b="1" dirty="0"/>
+              <a:t>Computer Occupations, All </a:t>
+            </a:r>
+            <a:r>
+              <a:rPr lang="en-US" sz="2400" b="1" dirty="0" smtClean="0"/>
+              <a:t>Other</a:t>
+            </a:r>
+          </a:p>
+          <a:p>
+            <a:r>
+              <a:rPr lang="en-US" sz="2400" dirty="0"/>
+              <a:t>Occupation with </a:t>
+            </a:r>
+            <a:r>
+              <a:rPr lang="en-US" sz="2400" dirty="0" smtClean="0"/>
+              <a:t>slowest </a:t>
+            </a:r>
+            <a:r>
+              <a:rPr lang="en-US" sz="2400" dirty="0"/>
+              <a:t>YOY growth for 2017 vs 2016 </a:t>
+            </a:r>
+            <a:r>
+              <a:rPr lang="en-US" sz="2400" dirty="0" smtClean="0"/>
+              <a:t>: </a:t>
+            </a:r>
+            <a:r>
+              <a:rPr lang="en-US" sz="2400" b="1" dirty="0"/>
+              <a:t>Computer </a:t>
+            </a:r>
+            <a:r>
+              <a:rPr lang="en-US" sz="2400" b="1" dirty="0" smtClean="0"/>
+              <a:t>Programmers</a:t>
+            </a:r>
+          </a:p>
+          <a:p>
+            <a:r>
+              <a:rPr lang="en-US" sz="2400" dirty="0" smtClean="0"/>
+              <a:t>Computer and Mathematical Occupations is </a:t>
+            </a:r>
+            <a:r>
+              <a:rPr lang="en-US" sz="2400" b="1" dirty="0" smtClean="0"/>
+              <a:t>14</a:t>
+            </a:r>
+            <a:r>
+              <a:rPr lang="en-US" sz="2400" b="1" baseline="30000" dirty="0" smtClean="0"/>
+              <a:t>th</a:t>
+            </a:r>
+            <a:r>
+              <a:rPr lang="en-US" sz="2400" dirty="0" smtClean="0"/>
+              <a:t> out of 22 occupation types </a:t>
+            </a:r>
+            <a:r>
+              <a:rPr lang="en-US" sz="2400" dirty="0"/>
+              <a:t>in </a:t>
+            </a:r>
+            <a:r>
+              <a:rPr lang="en-US" sz="2400" dirty="0" smtClean="0"/>
+              <a:t>the US </a:t>
+            </a:r>
+          </a:p>
+          <a:p>
+            <a:r>
+              <a:rPr lang="en-US" sz="2400" dirty="0" smtClean="0"/>
+              <a:t>Within </a:t>
+            </a:r>
+            <a:r>
+              <a:rPr lang="en-US" sz="2400" dirty="0"/>
+              <a:t>Computer and Mathematical </a:t>
+            </a:r>
+            <a:r>
+              <a:rPr lang="en-US" sz="2400" dirty="0" smtClean="0"/>
+              <a:t>Occupations, </a:t>
+            </a:r>
+            <a:r>
+              <a:rPr lang="en-US" sz="2400" b="1" dirty="0">
+                <a:solidFill>
+                  <a:schemeClr val="tx1">
+                    <a:lumMod val="95000"/>
+                  </a:schemeClr>
+                </a:solidFill>
+              </a:rPr>
+              <a:t>Software Developers (</a:t>
+            </a:r>
+            <a:r>
+              <a:rPr lang="en-US" sz="2400" b="1" dirty="0" smtClean="0">
+                <a:solidFill>
+                  <a:schemeClr val="tx1">
+                    <a:lumMod val="95000"/>
+                  </a:schemeClr>
+                </a:solidFill>
+              </a:rPr>
+              <a:t>Applications) </a:t>
+            </a:r>
+            <a:r>
+              <a:rPr lang="en-US" sz="2400" dirty="0" smtClean="0"/>
+              <a:t>had </a:t>
+            </a:r>
+            <a:r>
+              <a:rPr lang="en-US" sz="2400" dirty="0"/>
+              <a:t>the highest number of employees in </a:t>
+            </a:r>
+            <a:r>
+              <a:rPr lang="en-US" sz="2400" dirty="0" smtClean="0"/>
+              <a:t>2017</a:t>
+            </a:r>
+          </a:p>
+          <a:p>
+            <a:r>
+              <a:rPr lang="en-US" sz="2400" b="1" dirty="0" smtClean="0"/>
+              <a:t>California</a:t>
+            </a:r>
+            <a:r>
+              <a:rPr lang="en-US" sz="2400" dirty="0" smtClean="0"/>
+              <a:t> had </a:t>
+            </a:r>
+            <a:r>
+              <a:rPr lang="en-US" sz="2400" dirty="0"/>
+              <a:t>the most people working in computer and mathematical related occupations in </a:t>
+            </a:r>
+            <a:r>
+              <a:rPr lang="en-US" sz="2400" dirty="0" smtClean="0"/>
+              <a:t>2017</a:t>
+            </a:r>
+            <a:endParaRPr lang="en-US" sz="2400" b="1" dirty="0">
+              <a:latin typeface="Calibri" panose="020F0502020204030204" pitchFamily="34" charset="0"/>
+            </a:endParaRPr>
+          </a:p>
+          <a:p>
+            <a:endParaRPr lang="en-US" sz="2400" dirty="0"/>
+          </a:p>
+          <a:p>
+            <a:endParaRPr lang="en-US" sz="2400" b="1" dirty="0"/>
+          </a:p>
+          <a:p>
+            <a:endParaRPr lang="en-US" sz="2800" dirty="0" smtClean="0"/>
+          </a:p>
+          <a:p>
+            <a:endParaRPr lang="en-US" sz="2800" dirty="0" smtClean="0"/>
+          </a:p>
+          <a:p>
             <a:endParaRPr lang="en-US" dirty="0"/>
           </a:p>
         </p:txBody>
@@ -6340,7 +6567,7 @@
           <p:cNvPr id="2" name="Title 1">
             <a:extLst>
               <a:ext uri="{FF2B5EF4-FFF2-40B4-BE49-F238E27FC236}">
-                <a16:creationId xmlns:a16="http://schemas.microsoft.com/office/drawing/2014/main" xmlns="" id="{D8975F0A-4727-47D2-96A8-DFAC0FBD6C91}"/>
+                <a16:creationId xmlns="" xmlns:a16="http://schemas.microsoft.com/office/drawing/2014/main" id="{D8975F0A-4727-47D2-96A8-DFAC0FBD6C91}"/>
               </a:ext>
             </a:extLst>
           </p:cNvPr>
@@ -6368,7 +6595,7 @@
           <p:cNvPr id="3" name="Content Placeholder 2">
             <a:extLst>
               <a:ext uri="{FF2B5EF4-FFF2-40B4-BE49-F238E27FC236}">
-                <a16:creationId xmlns:a16="http://schemas.microsoft.com/office/drawing/2014/main" xmlns="" id="{C69386F3-A2F7-4C59-B5D1-F22F1E51F196}"/>
+                <a16:creationId xmlns="" xmlns:a16="http://schemas.microsoft.com/office/drawing/2014/main" id="{C69386F3-A2F7-4C59-B5D1-F22F1E51F196}"/>
               </a:ext>
             </a:extLst>
           </p:cNvPr>
@@ -6452,7 +6679,7 @@
           <p:cNvPr id="2" name="Title 1">
             <a:extLst>
               <a:ext uri="{FF2B5EF4-FFF2-40B4-BE49-F238E27FC236}">
-                <a16:creationId xmlns:a16="http://schemas.microsoft.com/office/drawing/2014/main" xmlns="" id="{E1C9EF35-DC7C-428F-A8C6-930DEFB1E1DB}"/>
+                <a16:creationId xmlns="" xmlns:a16="http://schemas.microsoft.com/office/drawing/2014/main" id="{E1C9EF35-DC7C-428F-A8C6-930DEFB1E1DB}"/>
               </a:ext>
             </a:extLst>
           </p:cNvPr>
@@ -6480,7 +6707,7 @@
           <p:cNvPr id="3" name="Content Placeholder 2">
             <a:extLst>
               <a:ext uri="{FF2B5EF4-FFF2-40B4-BE49-F238E27FC236}">
-                <a16:creationId xmlns:a16="http://schemas.microsoft.com/office/drawing/2014/main" xmlns="" id="{1B82C285-6A5A-45FC-B1D5-1D0786CBCFB5}"/>
+                <a16:creationId xmlns="" xmlns:a16="http://schemas.microsoft.com/office/drawing/2014/main" id="{1B82C285-6A5A-45FC-B1D5-1D0786CBCFB5}"/>
               </a:ext>
             </a:extLst>
           </p:cNvPr>
@@ -6559,7 +6786,7 @@
           <p:cNvPr id="2" name="Title 1">
             <a:extLst>
               <a:ext uri="{FF2B5EF4-FFF2-40B4-BE49-F238E27FC236}">
-                <a16:creationId xmlns:a16="http://schemas.microsoft.com/office/drawing/2014/main" xmlns="" id="{55A6334A-68E7-42D4-919A-0C62BE53DBB2}"/>
+                <a16:creationId xmlns="" xmlns:a16="http://schemas.microsoft.com/office/drawing/2014/main" id="{55A6334A-68E7-42D4-919A-0C62BE53DBB2}"/>
               </a:ext>
             </a:extLst>
           </p:cNvPr>
@@ -6585,7 +6812,11 @@
             <a:pPr algn="ctr"/>
             <a:r>
               <a:rPr lang="en-US" sz="6700" dirty="0"/>
-              <a:t>Thank you</a:t>
+              <a:t>Thank </a:t>
+            </a:r>
+            <a:r>
+              <a:rPr lang="en-US" sz="6700" dirty="0" smtClean="0"/>
+              <a:t>you!</a:t>
             </a:r>
             <a:r>
               <a:rPr lang="en-US" dirty="0"/>
@@ -6603,7 +6834,7 @@
           <p:cNvPr id="3" name="Content Placeholder 2">
             <a:extLst>
               <a:ext uri="{FF2B5EF4-FFF2-40B4-BE49-F238E27FC236}">
-                <a16:creationId xmlns:a16="http://schemas.microsoft.com/office/drawing/2014/main" xmlns="" id="{1C25BB28-A4EC-414D-859C-C7A0FCD1F980}"/>
+                <a16:creationId xmlns="" xmlns:a16="http://schemas.microsoft.com/office/drawing/2014/main" id="{1C25BB28-A4EC-414D-859C-C7A0FCD1F980}"/>
               </a:ext>
             </a:extLst>
           </p:cNvPr>
@@ -6630,11 +6861,11 @@
               <a:buNone/>
             </a:pPr>
             <a:r>
-              <a:rPr lang="en-US" sz="4400" dirty="0" smtClean="0"/>
+              <a:rPr lang="en-US" sz="4800" dirty="0" smtClean="0"/>
               <a:t>Questions</a:t>
             </a:r>
             <a:r>
-              <a:rPr lang="en-US" sz="4400" dirty="0"/>
+              <a:rPr lang="en-US" sz="4800" dirty="0"/>
               <a:t>?</a:t>
             </a:r>
           </a:p>
@@ -6675,7 +6906,7 @@
           <p:cNvPr id="2" name="Title 1">
             <a:extLst>
               <a:ext uri="{FF2B5EF4-FFF2-40B4-BE49-F238E27FC236}">
-                <a16:creationId xmlns:a16="http://schemas.microsoft.com/office/drawing/2014/main" xmlns="" id="{41B5C587-4962-4E00-A54B-F8B9FE251918}"/>
+                <a16:creationId xmlns="" xmlns:a16="http://schemas.microsoft.com/office/drawing/2014/main" id="{41B5C587-4962-4E00-A54B-F8B9FE251918}"/>
               </a:ext>
             </a:extLst>
           </p:cNvPr>
@@ -6703,7 +6934,7 @@
           <p:cNvPr id="3" name="Content Placeholder 2">
             <a:extLst>
               <a:ext uri="{FF2B5EF4-FFF2-40B4-BE49-F238E27FC236}">
-                <a16:creationId xmlns:a16="http://schemas.microsoft.com/office/drawing/2014/main" xmlns="" id="{129B7FB5-54B8-4545-A8C7-1D4B4C033F1E}"/>
+                <a16:creationId xmlns="" xmlns:a16="http://schemas.microsoft.com/office/drawing/2014/main" id="{129B7FB5-54B8-4545-A8C7-1D4B4C033F1E}"/>
               </a:ext>
             </a:extLst>
           </p:cNvPr>
@@ -6842,7 +7073,7 @@
           <p:cNvPr id="2" name="Title 1">
             <a:extLst>
               <a:ext uri="{FF2B5EF4-FFF2-40B4-BE49-F238E27FC236}">
-                <a16:creationId xmlns:a16="http://schemas.microsoft.com/office/drawing/2014/main" xmlns="" id="{B01FBC95-86CC-4C5D-80F0-CF41A33B1E9F}"/>
+                <a16:creationId xmlns="" xmlns:a16="http://schemas.microsoft.com/office/drawing/2014/main" id="{B01FBC95-86CC-4C5D-80F0-CF41A33B1E9F}"/>
               </a:ext>
             </a:extLst>
           </p:cNvPr>
@@ -6870,7 +7101,7 @@
           <p:cNvPr id="3" name="Content Placeholder 2">
             <a:extLst>
               <a:ext uri="{FF2B5EF4-FFF2-40B4-BE49-F238E27FC236}">
-                <a16:creationId xmlns:a16="http://schemas.microsoft.com/office/drawing/2014/main" xmlns="" id="{CACC8578-D28C-470E-8EBE-3E9A3C6434E3}"/>
+                <a16:creationId xmlns="" xmlns:a16="http://schemas.microsoft.com/office/drawing/2014/main" id="{CACC8578-D28C-470E-8EBE-3E9A3C6434E3}"/>
               </a:ext>
             </a:extLst>
           </p:cNvPr>
@@ -6908,7 +7139,7 @@
                 <a:hlinkClick r:id="rId2">
                   <a:extLst>
                     <a:ext uri="{A12FA001-AC4F-418D-AE19-62706E023703}">
-                      <ahyp:hlinkClr xmlns:ahyp="http://schemas.microsoft.com/office/drawing/2018/hyperlinkcolor" xmlns="" val="tx"/>
+                      <ahyp:hlinkClr xmlns="" xmlns:ahyp="http://schemas.microsoft.com/office/drawing/2018/hyperlinkcolor" val="tx"/>
                     </a:ext>
                   </a:extLst>
                 </a:hlinkClick>
@@ -6951,7 +7182,7 @@
                 <a:hlinkClick r:id="rId3">
                   <a:extLst>
                     <a:ext uri="{A12FA001-AC4F-418D-AE19-62706E023703}">
-                      <ahyp:hlinkClr xmlns:ahyp="http://schemas.microsoft.com/office/drawing/2018/hyperlinkcolor" xmlns="" val="tx"/>
+                      <ahyp:hlinkClr xmlns="" xmlns:ahyp="http://schemas.microsoft.com/office/drawing/2018/hyperlinkcolor" val="tx"/>
                     </a:ext>
                   </a:extLst>
                 </a:hlinkClick>
@@ -6974,11 +7205,7 @@
             </a:r>
             <a:r>
               <a:rPr lang="en-US" dirty="0" smtClean="0"/>
-              <a:t>7/</a:t>
-            </a:r>
-            <a:r>
-              <a:rPr lang="en-US" dirty="0" smtClean="0"/>
-              <a:t>1</a:t>
+              <a:t>7/1</a:t>
             </a:r>
             <a:r>
               <a:rPr lang="en-US" dirty="0"/>
@@ -6996,7 +7223,7 @@
           <p:cNvPr id="4" name="Picture 3">
             <a:extLst>
               <a:ext uri="{FF2B5EF4-FFF2-40B4-BE49-F238E27FC236}">
-                <a16:creationId xmlns:a16="http://schemas.microsoft.com/office/drawing/2014/main" xmlns="" id="{E7D53E29-B383-4B9D-A554-11B128DFEE9B}"/>
+                <a16:creationId xmlns="" xmlns:a16="http://schemas.microsoft.com/office/drawing/2014/main" id="{E7D53E29-B383-4B9D-A554-11B128DFEE9B}"/>
               </a:ext>
             </a:extLst>
           </p:cNvPr>
@@ -7026,7 +7253,7 @@
           <p:cNvPr id="6" name="Picture 5">
             <a:extLst>
               <a:ext uri="{FF2B5EF4-FFF2-40B4-BE49-F238E27FC236}">
-                <a16:creationId xmlns:a16="http://schemas.microsoft.com/office/drawing/2014/main" xmlns="" id="{064340ED-E940-4A96-89BA-D2EE55992785}"/>
+                <a16:creationId xmlns="" xmlns:a16="http://schemas.microsoft.com/office/drawing/2014/main" id="{064340ED-E940-4A96-89BA-D2EE55992785}"/>
               </a:ext>
             </a:extLst>
           </p:cNvPr>
@@ -7092,7 +7319,7 @@
           <p:cNvPr id="3" name="Content Placeholder 2">
             <a:extLst>
               <a:ext uri="{FF2B5EF4-FFF2-40B4-BE49-F238E27FC236}">
-                <a16:creationId xmlns="" xmlns:a16="http://schemas.microsoft.com/office/drawing/2014/main" id="{75897B1C-3F8F-4B5D-8723-E5115AF5882A}"/>
+                <a16:creationId xmlns:a16="http://schemas.microsoft.com/office/drawing/2014/main" xmlns="" id="{75897B1C-3F8F-4B5D-8723-E5115AF5882A}"/>
               </a:ext>
             </a:extLst>
           </p:cNvPr>
@@ -7124,11 +7351,7 @@
             </a:r>
             <a:r>
               <a:rPr lang="en-US" sz="2500" dirty="0" smtClean="0"/>
-              <a:t>tates </a:t>
-            </a:r>
-            <a:r>
-              <a:rPr lang="en-US" sz="2500" dirty="0" smtClean="0"/>
-              <a:t>chosen based on fastest YOY </a:t>
+              <a:t>tates chosen based on fastest YOY </a:t>
             </a:r>
             <a:r>
               <a:rPr lang="en-US" sz="2500" dirty="0"/>
@@ -7153,13 +7376,34 @@
           <a:p>
             <a:r>
               <a:rPr lang="en-US" dirty="0" smtClean="0"/>
-              <a:t>Top 3 fastest states/territories are Guam, Montana, and Utah, with Guam growing almost 14% in one year.  Both Guam and Montana show a volatile job market</a:t>
-            </a:r>
-          </a:p>
-          <a:p>
+              <a:t>Top 3 fastest states/territories are Guam, Montana, and </a:t>
+            </a:r>
             <a:r>
               <a:rPr lang="en-US" dirty="0" smtClean="0"/>
-              <a:t>Utah also did not grow as much as it did in 2016, but continued to experience a strong job market</a:t>
+              <a:t>Utah.  Both </a:t>
+            </a:r>
+            <a:r>
+              <a:rPr lang="en-US" dirty="0" smtClean="0"/>
+              <a:t>Guam and Montana show a volatile job </a:t>
+            </a:r>
+            <a:r>
+              <a:rPr lang="en-US" dirty="0" smtClean="0"/>
+              <a:t>market from 2014-2017</a:t>
+            </a:r>
+            <a:endParaRPr lang="en-US" dirty="0" smtClean="0"/>
+          </a:p>
+          <a:p>
+            <a:r>
+              <a:rPr lang="en-US" dirty="0" smtClean="0"/>
+              <a:t>Utah also did not grow as much as it did in 2016, </a:t>
+            </a:r>
+            <a:r>
+              <a:rPr lang="en-US" dirty="0" smtClean="0"/>
+              <a:t>like the overall US, but </a:t>
+            </a:r>
+            <a:r>
+              <a:rPr lang="en-US" dirty="0" smtClean="0"/>
+              <a:t>continued to experience a strong job market</a:t>
             </a:r>
           </a:p>
           <a:p>
@@ -7186,7 +7430,7 @@
         </p:blipFill>
         <p:spPr>
           <a:xfrm>
-            <a:off x="115909" y="2859430"/>
+            <a:off x="115909" y="2704882"/>
             <a:ext cx="3493583" cy="1120141"/>
           </a:xfrm>
           <a:prstGeom prst="rect">
@@ -7199,7 +7443,7 @@
           <p:cNvPr id="5" name="Picture 12">
             <a:extLst>
               <a:ext uri="{FF2B5EF4-FFF2-40B4-BE49-F238E27FC236}">
-                <a16:creationId xmlns:a16="http://schemas.microsoft.com/office/drawing/2014/main" xmlns="" id="{6F0AC7CD-13B1-49CA-A210-0FEA7F648B7C}"/>
+                <a16:creationId xmlns="" xmlns:a16="http://schemas.microsoft.com/office/drawing/2014/main" id="{6F0AC7CD-13B1-49CA-A210-0FEA7F648B7C}"/>
               </a:ext>
             </a:extLst>
           </p:cNvPr>
@@ -7249,7 +7493,7 @@
         </p:nvSpPr>
         <p:spPr>
           <a:xfrm>
-            <a:off x="0" y="795503"/>
+            <a:off x="0" y="473532"/>
             <a:ext cx="4043966" cy="1785104"/>
           </a:xfrm>
           <a:prstGeom prst="rect">
@@ -7340,7 +7584,7 @@
           <p:cNvPr id="5" name="Content Placeholder 2">
             <a:extLst>
               <a:ext uri="{FF2B5EF4-FFF2-40B4-BE49-F238E27FC236}">
-                <a16:creationId xmlns="" xmlns:a16="http://schemas.microsoft.com/office/drawing/2014/main" id="{75897B1C-3F8F-4B5D-8723-E5115AF5882A}"/>
+                <a16:creationId xmlns:a16="http://schemas.microsoft.com/office/drawing/2014/main" xmlns="" id="{75897B1C-3F8F-4B5D-8723-E5115AF5882A}"/>
               </a:ext>
             </a:extLst>
           </p:cNvPr>
@@ -7539,7 +7783,11 @@
           <a:p>
             <a:r>
               <a:rPr lang="en-US" sz="2400" dirty="0" smtClean="0"/>
-              <a:t>Three bottom states are Louisiana, New Mexico, </a:t>
+              <a:t>The three </a:t>
+            </a:r>
+            <a:r>
+              <a:rPr lang="en-US" sz="2400" dirty="0" smtClean="0"/>
+              <a:t>bottom states are Louisiana, New Mexico, </a:t>
             </a:r>
             <a:r>
               <a:rPr lang="en-US" sz="2400" dirty="0"/>
@@ -7553,7 +7801,19 @@
           <a:p>
             <a:r>
               <a:rPr lang="en-US" sz="2400" dirty="0" smtClean="0"/>
-              <a:t>All three of these state outgrew the US in 2014, but did not exceed overall US growth in 2015, 2016, or 2017</a:t>
+              <a:t>All three of these state outgrew </a:t>
+            </a:r>
+            <a:r>
+              <a:rPr lang="en-US" sz="2400" dirty="0" smtClean="0"/>
+              <a:t>total</a:t>
+            </a:r>
+            <a:r>
+              <a:rPr lang="en-US" sz="2400" dirty="0" smtClean="0"/>
+              <a:t> </a:t>
+            </a:r>
+            <a:r>
+              <a:rPr lang="en-US" sz="2400" dirty="0" smtClean="0"/>
+              <a:t>US in 2014, but did not exceed overall US growth in 2015, 2016, or 2017</a:t>
             </a:r>
             <a:endParaRPr lang="en-US" dirty="0" smtClean="0"/>
           </a:p>
@@ -7578,7 +7838,7 @@
         </p:blipFill>
         <p:spPr>
           <a:xfrm>
-            <a:off x="115909" y="2870298"/>
+            <a:off x="115909" y="2702871"/>
             <a:ext cx="3451538" cy="1070721"/>
           </a:xfrm>
           <a:prstGeom prst="rect">
@@ -7591,7 +7851,7 @@
           <p:cNvPr id="6" name="Picture 10">
             <a:extLst>
               <a:ext uri="{FF2B5EF4-FFF2-40B4-BE49-F238E27FC236}">
-                <a16:creationId xmlns:a16="http://schemas.microsoft.com/office/drawing/2014/main" xmlns="" id="{C7E7A439-E819-4DB7-B4F7-A25B98A49CCC}"/>
+                <a16:creationId xmlns="" xmlns:a16="http://schemas.microsoft.com/office/drawing/2014/main" id="{C7E7A439-E819-4DB7-B4F7-A25B98A49CCC}"/>
               </a:ext>
             </a:extLst>
           </p:cNvPr>
@@ -7641,7 +7901,7 @@
         </p:nvSpPr>
         <p:spPr>
           <a:xfrm>
-            <a:off x="0" y="795503"/>
+            <a:off x="0" y="473529"/>
             <a:ext cx="4043966" cy="1785104"/>
           </a:xfrm>
           <a:prstGeom prst="rect">
@@ -7732,7 +7992,7 @@
           <p:cNvPr id="3" name="Content Placeholder 2">
             <a:extLst>
               <a:ext uri="{FF2B5EF4-FFF2-40B4-BE49-F238E27FC236}">
-                <a16:creationId xmlns:a16="http://schemas.microsoft.com/office/drawing/2014/main" xmlns="" id="{A1BF3F66-EBAC-4059-95DC-84F0A2D0D9F8}"/>
+                <a16:creationId xmlns="" xmlns:a16="http://schemas.microsoft.com/office/drawing/2014/main" id="{A1BF3F66-EBAC-4059-95DC-84F0A2D0D9F8}"/>
               </a:ext>
             </a:extLst>
           </p:cNvPr>
@@ -7751,7 +8011,7 @@
         </p:spPr>
         <p:txBody>
           <a:bodyPr>
-            <a:normAutofit fontScale="85000" lnSpcReduction="10000"/>
+            <a:normAutofit/>
           </a:bodyPr>
           <a:lstStyle/>
           <a:p>
@@ -7775,20 +8035,9 @@
             <a:pPr lvl="1"/>
             <a:r>
               <a:rPr lang="en-US" dirty="0" smtClean="0"/>
-              <a:t>The highest and lowest growth rates tende</a:t>
-            </a:r>
-            <a:r>
-              <a:rPr lang="en-US" dirty="0" smtClean="0"/>
-              <a:t>d to be for states with a population of around 5MM or fewer</a:t>
-            </a:r>
-          </a:p>
-          <a:p>
-            <a:pPr lvl="1"/>
-            <a:r>
-              <a:rPr lang="en-US" dirty="0" smtClean="0"/>
-              <a:t>California and New Year, the two most populous states, had fairly average growth rates</a:t>
-            </a:r>
-            <a:endParaRPr lang="en-US" dirty="0"/>
+              <a:t>Highest growth rates seen for states with less than 5MM people</a:t>
+            </a:r>
+            <a:endParaRPr lang="en-US" dirty="0" smtClean="0"/>
           </a:p>
         </p:txBody>
       </p:sp>
@@ -7797,7 +8046,7 @@
           <p:cNvPr id="1028" name="Picture 4">
             <a:extLst>
               <a:ext uri="{FF2B5EF4-FFF2-40B4-BE49-F238E27FC236}">
-                <a16:creationId xmlns:a16="http://schemas.microsoft.com/office/drawing/2014/main" xmlns="" id="{642F8360-CC0D-4DD9-9C82-369B6108FA21}"/>
+                <a16:creationId xmlns="" xmlns:a16="http://schemas.microsoft.com/office/drawing/2014/main" id="{642F8360-CC0D-4DD9-9C82-369B6108FA21}"/>
               </a:ext>
             </a:extLst>
           </p:cNvPr>
@@ -7821,8 +8070,8 @@
         </p:blipFill>
         <p:spPr bwMode="auto">
           <a:xfrm>
-            <a:off x="230332" y="2455053"/>
-            <a:ext cx="11532976" cy="4267201"/>
+            <a:off x="368590" y="2575774"/>
+            <a:ext cx="7732221" cy="3876023"/>
           </a:xfrm>
           <a:prstGeom prst="rect">
             <a:avLst/>
@@ -7837,6 +8086,54 @@
               </a14:hiddenFill>
             </a:ext>
           </a:extLst>
+        </p:spPr>
+      </p:pic>
+      <p:pic>
+        <p:nvPicPr>
+          <p:cNvPr id="2" name="Picture 1"/>
+          <p:cNvPicPr>
+            <a:picLocks noChangeAspect="1"/>
+          </p:cNvPicPr>
+          <p:nvPr/>
+        </p:nvPicPr>
+        <p:blipFill>
+          <a:blip r:embed="rId3"/>
+          <a:stretch>
+            <a:fillRect/>
+          </a:stretch>
+        </p:blipFill>
+        <p:spPr>
+          <a:xfrm>
+            <a:off x="8316442" y="2697735"/>
+            <a:ext cx="3519243" cy="1662282"/>
+          </a:xfrm>
+          <a:prstGeom prst="rect">
+            <a:avLst/>
+          </a:prstGeom>
+        </p:spPr>
+      </p:pic>
+      <p:pic>
+        <p:nvPicPr>
+          <p:cNvPr id="6" name="Picture 5"/>
+          <p:cNvPicPr>
+            <a:picLocks noChangeAspect="1"/>
+          </p:cNvPicPr>
+          <p:nvPr/>
+        </p:nvPicPr>
+        <p:blipFill>
+          <a:blip r:embed="rId4"/>
+          <a:stretch>
+            <a:fillRect/>
+          </a:stretch>
+        </p:blipFill>
+        <p:spPr>
+          <a:xfrm>
+            <a:off x="8316442" y="4539543"/>
+            <a:ext cx="3475723" cy="1410497"/>
+          </a:xfrm>
+          <a:prstGeom prst="rect">
+            <a:avLst/>
+          </a:prstGeom>
         </p:spPr>
       </p:pic>
     </p:spTree>
@@ -7874,7 +8171,7 @@
           <p:cNvPr id="2" name="Title 1">
             <a:extLst>
               <a:ext uri="{FF2B5EF4-FFF2-40B4-BE49-F238E27FC236}">
-                <a16:creationId xmlns:a16="http://schemas.microsoft.com/office/drawing/2014/main" xmlns="" id="{AB68570A-62BD-4471-B097-C694410375A6}"/>
+                <a16:creationId xmlns="" xmlns:a16="http://schemas.microsoft.com/office/drawing/2014/main" id="{AB68570A-62BD-4471-B097-C694410375A6}"/>
               </a:ext>
             </a:extLst>
           </p:cNvPr>
@@ -7902,7 +8199,7 @@
           <p:cNvPr id="5" name="Content Placeholder 4">
             <a:extLst>
               <a:ext uri="{FF2B5EF4-FFF2-40B4-BE49-F238E27FC236}">
-                <a16:creationId xmlns:a16="http://schemas.microsoft.com/office/drawing/2014/main" xmlns="" id="{EEB80261-BFDA-43BA-9A2B-7566F24FD572}"/>
+                <a16:creationId xmlns="" xmlns:a16="http://schemas.microsoft.com/office/drawing/2014/main" id="{EEB80261-BFDA-43BA-9A2B-7566F24FD572}"/>
               </a:ext>
             </a:extLst>
           </p:cNvPr>
@@ -7937,7 +8234,7 @@
           <p:cNvPr id="7" name="Picture 6">
             <a:extLst>
               <a:ext uri="{FF2B5EF4-FFF2-40B4-BE49-F238E27FC236}">
-                <a16:creationId xmlns:a16="http://schemas.microsoft.com/office/drawing/2014/main" xmlns="" id="{AD43CADE-D702-44C9-9494-04A14FD16E34}"/>
+                <a16:creationId xmlns="" xmlns:a16="http://schemas.microsoft.com/office/drawing/2014/main" id="{AD43CADE-D702-44C9-9494-04A14FD16E34}"/>
               </a:ext>
             </a:extLst>
           </p:cNvPr>
@@ -8003,7 +8300,7 @@
           <p:cNvPr id="2" name="Title 1">
             <a:extLst>
               <a:ext uri="{FF2B5EF4-FFF2-40B4-BE49-F238E27FC236}">
-                <a16:creationId xmlns:a16="http://schemas.microsoft.com/office/drawing/2014/main" xmlns="" id="{A596BA33-7754-4852-A943-2BF56BC5ACEE}"/>
+                <a16:creationId xmlns="" xmlns:a16="http://schemas.microsoft.com/office/drawing/2014/main" id="{A596BA33-7754-4852-A943-2BF56BC5ACEE}"/>
               </a:ext>
             </a:extLst>
           </p:cNvPr>
@@ -8036,7 +8333,7 @@
           <p:cNvPr id="4" name="Content Placeholder 3">
             <a:extLst>
               <a:ext uri="{FF2B5EF4-FFF2-40B4-BE49-F238E27FC236}">
-                <a16:creationId xmlns:a16="http://schemas.microsoft.com/office/drawing/2014/main" xmlns="" id="{491C927E-30F3-4185-BE20-0B6D3C5A74A6}"/>
+                <a16:creationId xmlns="" xmlns:a16="http://schemas.microsoft.com/office/drawing/2014/main" id="{491C927E-30F3-4185-BE20-0B6D3C5A74A6}"/>
               </a:ext>
             </a:extLst>
           </p:cNvPr>
@@ -8066,21 +8363,21 @@
                 <a:gridCol w="1647559">
                   <a:extLst>
                     <a:ext uri="{9D8B030D-6E8A-4147-A177-3AD203B41FA5}">
-                      <a16:colId xmlns:a16="http://schemas.microsoft.com/office/drawing/2014/main" xmlns="" val="957085690"/>
+                      <a16:colId xmlns="" xmlns:a16="http://schemas.microsoft.com/office/drawing/2014/main" val="957085690"/>
                     </a:ext>
                   </a:extLst>
                 </a:gridCol>
                 <a:gridCol w="1647559">
                   <a:extLst>
                     <a:ext uri="{9D8B030D-6E8A-4147-A177-3AD203B41FA5}">
-                      <a16:colId xmlns:a16="http://schemas.microsoft.com/office/drawing/2014/main" xmlns="" val="3984160696"/>
+                      <a16:colId xmlns="" xmlns:a16="http://schemas.microsoft.com/office/drawing/2014/main" val="3984160696"/>
                     </a:ext>
                   </a:extLst>
                 </a:gridCol>
                 <a:gridCol w="1924582">
                   <a:extLst>
                     <a:ext uri="{9D8B030D-6E8A-4147-A177-3AD203B41FA5}">
-                      <a16:colId xmlns:a16="http://schemas.microsoft.com/office/drawing/2014/main" xmlns="" val="3944266915"/>
+                      <a16:colId xmlns="" xmlns:a16="http://schemas.microsoft.com/office/drawing/2014/main" val="3944266915"/>
                     </a:ext>
                   </a:extLst>
                 </a:gridCol>
@@ -8178,7 +8475,7 @@
                 </a:tc>
                 <a:extLst>
                   <a:ext uri="{0D108BD9-81ED-4DB2-BD59-A6C34878D82A}">
-                    <a16:rowId xmlns:a16="http://schemas.microsoft.com/office/drawing/2014/main" xmlns="" val="3101018803"/>
+                    <a16:rowId xmlns="" xmlns:a16="http://schemas.microsoft.com/office/drawing/2014/main" val="3101018803"/>
                   </a:ext>
                 </a:extLst>
               </a:tr>
@@ -8263,7 +8560,7 @@
                 </a:tc>
                 <a:extLst>
                   <a:ext uri="{0D108BD9-81ED-4DB2-BD59-A6C34878D82A}">
-                    <a16:rowId xmlns:a16="http://schemas.microsoft.com/office/drawing/2014/main" xmlns="" val="3649961185"/>
+                    <a16:rowId xmlns="" xmlns:a16="http://schemas.microsoft.com/office/drawing/2014/main" val="3649961185"/>
                   </a:ext>
                 </a:extLst>
               </a:tr>
@@ -8348,7 +8645,7 @@
                 </a:tc>
                 <a:extLst>
                   <a:ext uri="{0D108BD9-81ED-4DB2-BD59-A6C34878D82A}">
-                    <a16:rowId xmlns:a16="http://schemas.microsoft.com/office/drawing/2014/main" xmlns="" val="3566758617"/>
+                    <a16:rowId xmlns="" xmlns:a16="http://schemas.microsoft.com/office/drawing/2014/main" val="3566758617"/>
                   </a:ext>
                 </a:extLst>
               </a:tr>
@@ -8433,7 +8730,7 @@
                 </a:tc>
                 <a:extLst>
                   <a:ext uri="{0D108BD9-81ED-4DB2-BD59-A6C34878D82A}">
-                    <a16:rowId xmlns:a16="http://schemas.microsoft.com/office/drawing/2014/main" xmlns="" val="2431465096"/>
+                    <a16:rowId xmlns="" xmlns:a16="http://schemas.microsoft.com/office/drawing/2014/main" val="2431465096"/>
                   </a:ext>
                 </a:extLst>
               </a:tr>
@@ -8518,7 +8815,7 @@
                 </a:tc>
                 <a:extLst>
                   <a:ext uri="{0D108BD9-81ED-4DB2-BD59-A6C34878D82A}">
-                    <a16:rowId xmlns:a16="http://schemas.microsoft.com/office/drawing/2014/main" xmlns="" val="1755834529"/>
+                    <a16:rowId xmlns="" xmlns:a16="http://schemas.microsoft.com/office/drawing/2014/main" val="1755834529"/>
                   </a:ext>
                 </a:extLst>
               </a:tr>
@@ -8603,7 +8900,7 @@
                 </a:tc>
                 <a:extLst>
                   <a:ext uri="{0D108BD9-81ED-4DB2-BD59-A6C34878D82A}">
-                    <a16:rowId xmlns:a16="http://schemas.microsoft.com/office/drawing/2014/main" xmlns="" val="4151097572"/>
+                    <a16:rowId xmlns="" xmlns:a16="http://schemas.microsoft.com/office/drawing/2014/main" val="4151097572"/>
                   </a:ext>
                 </a:extLst>
               </a:tr>
@@ -8615,7 +8912,7 @@
                     <a:p>
                       <a:pPr algn="l" fontAlgn="b"/>
                       <a:r>
-                        <a:rPr lang="en-US" sz="1100" b="1" u="none" strike="noStrike">
+                        <a:rPr lang="en-US" sz="1100" b="1" u="none" strike="noStrike" dirty="0">
                           <a:solidFill>
                             <a:schemeClr val="tx1"/>
                           </a:solidFill>
@@ -8623,7 +8920,7 @@
                         </a:rPr>
                         <a:t>Computer Programmers</a:t>
                       </a:r>
-                      <a:endParaRPr lang="en-US" sz="1100" b="1" i="0" u="none" strike="noStrike">
+                      <a:endParaRPr lang="en-US" sz="1100" b="1" i="0" u="none" strike="noStrike" dirty="0">
                         <a:solidFill>
                           <a:schemeClr val="tx1"/>
                         </a:solidFill>
@@ -8645,7 +8942,7 @@
                     <a:p>
                       <a:pPr algn="r" fontAlgn="b"/>
                       <a:r>
-                        <a:rPr lang="en-US" sz="1110" b="1" i="0" u="none" strike="noStrike" baseline="0">
+                        <a:rPr lang="en-US" sz="1110" b="1" i="0" u="none" strike="noStrike" baseline="0" dirty="0">
                           <a:solidFill>
                             <a:schemeClr val="tx1"/>
                           </a:solidFill>
@@ -8688,7 +8985,7 @@
                 </a:tc>
                 <a:extLst>
                   <a:ext uri="{0D108BD9-81ED-4DB2-BD59-A6C34878D82A}">
-                    <a16:rowId xmlns:a16="http://schemas.microsoft.com/office/drawing/2014/main" xmlns="" val="1023807493"/>
+                    <a16:rowId xmlns="" xmlns:a16="http://schemas.microsoft.com/office/drawing/2014/main" val="1023807493"/>
                   </a:ext>
                 </a:extLst>
               </a:tr>
@@ -8779,7 +9076,7 @@
                 </a:tc>
                 <a:extLst>
                   <a:ext uri="{0D108BD9-81ED-4DB2-BD59-A6C34878D82A}">
-                    <a16:rowId xmlns:a16="http://schemas.microsoft.com/office/drawing/2014/main" xmlns="" val="1166867636"/>
+                    <a16:rowId xmlns="" xmlns:a16="http://schemas.microsoft.com/office/drawing/2014/main" val="1166867636"/>
                   </a:ext>
                 </a:extLst>
               </a:tr>
@@ -8870,7 +9167,7 @@
                 </a:tc>
                 <a:extLst>
                   <a:ext uri="{0D108BD9-81ED-4DB2-BD59-A6C34878D82A}">
-                    <a16:rowId xmlns:a16="http://schemas.microsoft.com/office/drawing/2014/main" xmlns="" val="4172888325"/>
+                    <a16:rowId xmlns="" xmlns:a16="http://schemas.microsoft.com/office/drawing/2014/main" val="4172888325"/>
                   </a:ext>
                 </a:extLst>
               </a:tr>
@@ -8883,7 +9180,7 @@
           <p:cNvPr id="5" name="TextBox 4">
             <a:extLst>
               <a:ext uri="{FF2B5EF4-FFF2-40B4-BE49-F238E27FC236}">
-                <a16:creationId xmlns:a16="http://schemas.microsoft.com/office/drawing/2014/main" xmlns="" id="{4E286D4F-4DA4-47A6-B4A1-69C59C04C373}"/>
+                <a16:creationId xmlns="" xmlns:a16="http://schemas.microsoft.com/office/drawing/2014/main" id="{4E286D4F-4DA4-47A6-B4A1-69C59C04C373}"/>
               </a:ext>
             </a:extLst>
           </p:cNvPr>
@@ -9010,7 +9307,7 @@
           <p:cNvPr id="2" name="Title 1">
             <a:extLst>
               <a:ext uri="{FF2B5EF4-FFF2-40B4-BE49-F238E27FC236}">
-                <a16:creationId xmlns:a16="http://schemas.microsoft.com/office/drawing/2014/main" xmlns="" id="{1B85EE37-585C-E64B-A7B4-E9E8C734F5D4}"/>
+                <a16:creationId xmlns="" xmlns:a16="http://schemas.microsoft.com/office/drawing/2014/main" id="{1B85EE37-585C-E64B-A7B4-E9E8C734F5D4}"/>
               </a:ext>
             </a:extLst>
           </p:cNvPr>
@@ -9035,7 +9332,11 @@
           <a:p>
             <a:r>
               <a:rPr lang="en-US" sz="3400" dirty="0"/>
-              <a:t>The overall employment status by occupations in US</a:t>
+              <a:t>The overall employment status by occupations in </a:t>
+            </a:r>
+            <a:r>
+              <a:rPr lang="en-US" sz="3400" dirty="0" smtClean="0"/>
+              <a:t>US: 2017</a:t>
             </a:r>
             <a:r>
               <a:rPr lang="en-US" dirty="0"/>
@@ -9053,7 +9354,7 @@
           <p:cNvPr id="3074" name="Picture 2">
             <a:extLst>
               <a:ext uri="{FF2B5EF4-FFF2-40B4-BE49-F238E27FC236}">
-                <a16:creationId xmlns:a16="http://schemas.microsoft.com/office/drawing/2014/main" xmlns="" id="{F41EE0FD-2018-46CC-8500-10BF0C3A1649}"/>
+                <a16:creationId xmlns="" xmlns:a16="http://schemas.microsoft.com/office/drawing/2014/main" id="{F41EE0FD-2018-46CC-8500-10BF0C3A1649}"/>
               </a:ext>
             </a:extLst>
           </p:cNvPr>

--- a/Group_5_Presentation.pptx
+++ b/Group_5_Presentation.pptx
@@ -127,6 +127,32 @@
 </p:presentation>
 </file>
 
+<file path=ppt/commentAuthors.xml><?xml version="1.0" encoding="utf-8"?>
+<p:cmAuthorLst xmlns:a="http://schemas.openxmlformats.org/drawingml/2006/main" xmlns:r="http://schemas.openxmlformats.org/officeDocument/2006/relationships" xmlns:p="http://schemas.openxmlformats.org/presentationml/2006/main">
+  <p:cmAuthor id="1" name="Lei Qin" initials="LQ" lastIdx="1" clrIdx="0">
+    <p:extLst>
+      <p:ext uri="{19B8F6BF-5375-455C-9EA6-DF929625EA0E}">
+        <p15:presenceInfo xmlns:p15="http://schemas.microsoft.com/office/powerpoint/2012/main" userId="S::lqb975@ads.northwestern.edu::ce3c0625-0c65-4a1b-a4c9-5f50b0d6be35" providerId="AD"/>
+      </p:ext>
+    </p:extLst>
+  </p:cmAuthor>
+</p:cmAuthorLst>
+</file>
+
+<file path=ppt/comments/comment1.xml><?xml version="1.0" encoding="utf-8"?>
+<p:cmLst xmlns:a="http://schemas.openxmlformats.org/drawingml/2006/main" xmlns:r="http://schemas.openxmlformats.org/officeDocument/2006/relationships" xmlns:p="http://schemas.openxmlformats.org/presentationml/2006/main">
+  <p:cm authorId="1" dt="2019-03-31T23:41:48.002" idx="1">
+    <p:pos x="10" y="10"/>
+    <p:text>Hi Winnie, I like the table, it gave clear read out. How do you think about making the line thicker? and about not showing the grid? I feel the lines might come out more outstanding that way.</p:text>
+    <p:extLst>
+      <p:ext uri="{C676402C-5697-4E1C-873F-D02D1690AC5C}">
+        <p15:threadingInfo xmlns:p15="http://schemas.microsoft.com/office/powerpoint/2012/main" timeZoneBias="300"/>
+      </p:ext>
+    </p:extLst>
+  </p:cm>
+</p:cmLst>
+</file>
+
 <file path=ppt/slideLayouts/slideLayout1.xml><?xml version="1.0" encoding="utf-8"?>
 <p:sldLayout xmlns:a="http://schemas.openxmlformats.org/drawingml/2006/main" xmlns:r="http://schemas.openxmlformats.org/officeDocument/2006/relationships" xmlns:p="http://schemas.openxmlformats.org/presentationml/2006/main" type="title" preserve="1">
   <p:cSld name="Title Slide">
@@ -297,7 +323,7 @@
           <a:p>
             <a:fld id="{5DEA3F82-8CB4-4B0C-B6BE-1390C73654E0}" type="datetimeFigureOut">
               <a:rPr lang="en-US" smtClean="0"/>
-              <a:t>3/31/2019</a:t>
+              <a:t>3/31/19</a:t>
             </a:fld>
             <a:endParaRPr lang="en-US"/>
           </a:p>
@@ -564,7 +590,7 @@
           <a:p>
             <a:fld id="{5DEA3F82-8CB4-4B0C-B6BE-1390C73654E0}" type="datetimeFigureOut">
               <a:rPr lang="en-US" smtClean="0"/>
-              <a:t>3/31/2019</a:t>
+              <a:t>3/31/19</a:t>
             </a:fld>
             <a:endParaRPr lang="en-US"/>
           </a:p>
@@ -795,7 +821,7 @@
           <a:p>
             <a:fld id="{5DEA3F82-8CB4-4B0C-B6BE-1390C73654E0}" type="datetimeFigureOut">
               <a:rPr lang="en-US" smtClean="0"/>
-              <a:t>3/31/2019</a:t>
+              <a:t>3/31/19</a:t>
             </a:fld>
             <a:endParaRPr lang="en-US"/>
           </a:p>
@@ -1105,7 +1131,7 @@
           <a:p>
             <a:fld id="{5DEA3F82-8CB4-4B0C-B6BE-1390C73654E0}" type="datetimeFigureOut">
               <a:rPr lang="en-US" smtClean="0"/>
-              <a:t>3/31/2019</a:t>
+              <a:t>3/31/19</a:t>
             </a:fld>
             <a:endParaRPr lang="en-US"/>
           </a:p>
@@ -1578,7 +1604,7 @@
           <a:p>
             <a:fld id="{5DEA3F82-8CB4-4B0C-B6BE-1390C73654E0}" type="datetimeFigureOut">
               <a:rPr lang="en-US" smtClean="0"/>
-              <a:t>3/31/2019</a:t>
+              <a:t>3/31/19</a:t>
             </a:fld>
             <a:endParaRPr lang="en-US"/>
           </a:p>
@@ -2125,7 +2151,7 @@
           <a:p>
             <a:fld id="{5DEA3F82-8CB4-4B0C-B6BE-1390C73654E0}" type="datetimeFigureOut">
               <a:rPr lang="en-US" smtClean="0"/>
-              <a:t>3/31/2019</a:t>
+              <a:t>3/31/19</a:t>
             </a:fld>
             <a:endParaRPr lang="en-US"/>
           </a:p>
@@ -2899,7 +2925,7 @@
           <a:p>
             <a:fld id="{5DEA3F82-8CB4-4B0C-B6BE-1390C73654E0}" type="datetimeFigureOut">
               <a:rPr lang="en-US" smtClean="0"/>
-              <a:t>3/31/2019</a:t>
+              <a:t>3/31/19</a:t>
             </a:fld>
             <a:endParaRPr lang="en-US"/>
           </a:p>
@@ -3074,7 +3100,7 @@
           <a:p>
             <a:fld id="{5DEA3F82-8CB4-4B0C-B6BE-1390C73654E0}" type="datetimeFigureOut">
               <a:rPr lang="en-US" smtClean="0"/>
-              <a:t>3/31/2019</a:t>
+              <a:t>3/31/19</a:t>
             </a:fld>
             <a:endParaRPr lang="en-US"/>
           </a:p>
@@ -3297,7 +3323,7 @@
           <a:p>
             <a:fld id="{5DEA3F82-8CB4-4B0C-B6BE-1390C73654E0}" type="datetimeFigureOut">
               <a:rPr lang="en-US" smtClean="0"/>
-              <a:t>3/31/2019</a:t>
+              <a:t>3/31/19</a:t>
             </a:fld>
             <a:endParaRPr lang="en-US"/>
           </a:p>
@@ -3477,7 +3503,7 @@
           <a:p>
             <a:fld id="{5DEA3F82-8CB4-4B0C-B6BE-1390C73654E0}" type="datetimeFigureOut">
               <a:rPr lang="en-US" smtClean="0"/>
-              <a:t>3/31/2019</a:t>
+              <a:t>3/31/19</a:t>
             </a:fld>
             <a:endParaRPr lang="en-US"/>
           </a:p>
@@ -3766,7 +3792,7 @@
           <a:p>
             <a:fld id="{5DEA3F82-8CB4-4B0C-B6BE-1390C73654E0}" type="datetimeFigureOut">
               <a:rPr lang="en-US" smtClean="0"/>
-              <a:t>3/31/2019</a:t>
+              <a:t>3/31/19</a:t>
             </a:fld>
             <a:endParaRPr lang="en-US"/>
           </a:p>
@@ -4008,7 +4034,7 @@
           <a:p>
             <a:fld id="{5DEA3F82-8CB4-4B0C-B6BE-1390C73654E0}" type="datetimeFigureOut">
               <a:rPr lang="en-US" smtClean="0"/>
-              <a:t>3/31/2019</a:t>
+              <a:t>3/31/19</a:t>
             </a:fld>
             <a:endParaRPr lang="en-US"/>
           </a:p>
@@ -4387,7 +4413,7 @@
           <a:p>
             <a:fld id="{5DEA3F82-8CB4-4B0C-B6BE-1390C73654E0}" type="datetimeFigureOut">
               <a:rPr lang="en-US" smtClean="0"/>
-              <a:t>3/31/2019</a:t>
+              <a:t>3/31/19</a:t>
             </a:fld>
             <a:endParaRPr lang="en-US"/>
           </a:p>
@@ -4505,7 +4531,7 @@
           <a:p>
             <a:fld id="{5DEA3F82-8CB4-4B0C-B6BE-1390C73654E0}" type="datetimeFigureOut">
               <a:rPr lang="en-US" smtClean="0"/>
-              <a:t>3/31/2019</a:t>
+              <a:t>3/31/19</a:t>
             </a:fld>
             <a:endParaRPr lang="en-US"/>
           </a:p>
@@ -4600,7 +4626,7 @@
           <a:p>
             <a:fld id="{5DEA3F82-8CB4-4B0C-B6BE-1390C73654E0}" type="datetimeFigureOut">
               <a:rPr lang="en-US" smtClean="0"/>
-              <a:t>3/31/2019</a:t>
+              <a:t>3/31/19</a:t>
             </a:fld>
             <a:endParaRPr lang="en-US"/>
           </a:p>
@@ -4849,7 +4875,7 @@
           <a:p>
             <a:fld id="{5DEA3F82-8CB4-4B0C-B6BE-1390C73654E0}" type="datetimeFigureOut">
               <a:rPr lang="en-US" smtClean="0"/>
-              <a:t>3/31/2019</a:t>
+              <a:t>3/31/19</a:t>
             </a:fld>
             <a:endParaRPr lang="en-US"/>
           </a:p>
@@ -5106,7 +5132,7 @@
           <a:p>
             <a:fld id="{5DEA3F82-8CB4-4B0C-B6BE-1390C73654E0}" type="datetimeFigureOut">
               <a:rPr lang="en-US" smtClean="0"/>
-              <a:t>3/31/2019</a:t>
+              <a:t>3/31/19</a:t>
             </a:fld>
             <a:endParaRPr lang="en-US"/>
           </a:p>
@@ -5349,7 +5375,7 @@
           <a:p>
             <a:fld id="{5DEA3F82-8CB4-4B0C-B6BE-1390C73654E0}" type="datetimeFigureOut">
               <a:rPr lang="en-US" smtClean="0"/>
-              <a:t>3/31/2019</a:t>
+              <a:t>3/31/19</a:t>
             </a:fld>
             <a:endParaRPr lang="en-US"/>
           </a:p>
@@ -5819,7 +5845,7 @@
           <p:cNvPr id="4" name="TextBox 3">
             <a:extLst>
               <a:ext uri="{FF2B5EF4-FFF2-40B4-BE49-F238E27FC236}">
-                <a16:creationId xmlns="" xmlns:a16="http://schemas.microsoft.com/office/drawing/2014/main" id="{FCF9FFDB-DB25-4AFA-B506-312075D34380}"/>
+                <a16:creationId xmlns:a16="http://schemas.microsoft.com/office/drawing/2014/main" id="{FCF9FFDB-DB25-4AFA-B506-312075D34380}"/>
               </a:ext>
             </a:extLst>
           </p:cNvPr>
@@ -5904,7 +5930,7 @@
           <p:cNvPr id="2" name="Title 1">
             <a:extLst>
               <a:ext uri="{FF2B5EF4-FFF2-40B4-BE49-F238E27FC236}">
-                <a16:creationId xmlns="" xmlns:a16="http://schemas.microsoft.com/office/drawing/2014/main" id="{EC0D6666-CF76-4F9D-B356-8C4E5E1D8BE9}"/>
+                <a16:creationId xmlns:a16="http://schemas.microsoft.com/office/drawing/2014/main" id="{EC0D6666-CF76-4F9D-B356-8C4E5E1D8BE9}"/>
               </a:ext>
             </a:extLst>
           </p:cNvPr>
@@ -5929,27 +5955,22 @@
           <a:p>
             <a:r>
               <a:rPr lang="en-US" sz="3400" dirty="0"/>
-              <a:t>The employment status in Computer and Mathematical Occupation in </a:t>
-            </a:r>
-            <a:r>
-              <a:rPr lang="en-US" sz="3400" dirty="0" smtClean="0"/>
-              <a:t>US: 2017</a:t>
-            </a:r>
-            <a:endParaRPr lang="en-US" sz="3400" dirty="0"/>
+              <a:t>The employment status in Computer and Mathematical Occupation in US: 2017</a:t>
+            </a:r>
           </a:p>
         </p:txBody>
       </p:sp>
       <p:pic>
         <p:nvPicPr>
-          <p:cNvPr id="4098" name="Picture 2">
+          <p:cNvPr id="4" name="Picture 3" descr="A screenshot of a cell phone&#10;&#10;Description automatically generated">
             <a:extLst>
               <a:ext uri="{FF2B5EF4-FFF2-40B4-BE49-F238E27FC236}">
-                <a16:creationId xmlns="" xmlns:a16="http://schemas.microsoft.com/office/drawing/2014/main" id="{B9FF63C9-ACF4-465C-BC1B-055E493546A8}"/>
+                <a16:creationId xmlns:a16="http://schemas.microsoft.com/office/drawing/2014/main" id="{86BFFD9D-DAAD-1B49-B1E8-4F81EF330F24}"/>
               </a:ext>
             </a:extLst>
           </p:cNvPr>
           <p:cNvPicPr>
-            <a:picLocks noChangeAspect="1" noChangeArrowheads="1"/>
+            <a:picLocks noChangeAspect="1"/>
           </p:cNvPicPr>
           <p:nvPr/>
         </p:nvPicPr>
@@ -5961,29 +5982,18 @@
               </a:ext>
             </a:extLst>
           </a:blip>
-          <a:srcRect/>
           <a:stretch>
             <a:fillRect/>
           </a:stretch>
         </p:blipFill>
-        <p:spPr bwMode="auto">
-          <a:xfrm>
-            <a:off x="4051300" y="764373"/>
-            <a:ext cx="7543800" cy="5943600"/>
+        <p:spPr>
+          <a:xfrm>
+            <a:off x="3998272" y="402336"/>
+            <a:ext cx="8193728" cy="6455664"/>
           </a:xfrm>
           <a:prstGeom prst="rect">
             <a:avLst/>
           </a:prstGeom>
-          <a:noFill/>
-          <a:extLst>
-            <a:ext uri="{909E8E84-426E-40DD-AFC4-6F175D3DCCD1}">
-              <a14:hiddenFill xmlns:a14="http://schemas.microsoft.com/office/drawing/2010/main">
-                <a:solidFill>
-                  <a:srgbClr val="FFFFFF"/>
-                </a:solidFill>
-              </a14:hiddenFill>
-            </a:ext>
-          </a:extLst>
         </p:spPr>
       </p:pic>
     </p:spTree>
@@ -6021,7 +6031,7 @@
           <p:cNvPr id="2" name="Title 1">
             <a:extLst>
               <a:ext uri="{FF2B5EF4-FFF2-40B4-BE49-F238E27FC236}">
-                <a16:creationId xmlns="" xmlns:a16="http://schemas.microsoft.com/office/drawing/2014/main" id="{1CFEA6E0-9345-1C43-9594-047B355EECDF}"/>
+                <a16:creationId xmlns:a16="http://schemas.microsoft.com/office/drawing/2014/main" id="{1CFEA6E0-9345-1C43-9594-047B355EECDF}"/>
               </a:ext>
             </a:extLst>
           </p:cNvPr>
@@ -6039,10 +6049,6 @@
           </a:bodyPr>
           <a:lstStyle/>
           <a:p>
-            <a:r>
-              <a:rPr lang="en-US" dirty="0"/>
-              <a:t/>
-            </a:r>
             <a:br>
               <a:rPr lang="en-US" dirty="0"/>
             </a:br>
@@ -6088,7 +6094,7 @@
 </file>
 
 <file path=ppt/slides/slide12.xml><?xml version="1.0" encoding="utf-8"?>
-<p:sld xmlns:a="http://schemas.openxmlformats.org/drawingml/2006/main" xmlns:r="http://schemas.openxmlformats.org/officeDocument/2006/relationships" xmlns:p="http://schemas.openxmlformats.org/presentationml/2006/main">
+<p:sld xmlns:a="http://schemas.openxmlformats.org/drawingml/2006/main" xmlns:r="http://schemas.openxmlformats.org/officeDocument/2006/relationships" xmlns:p="http://schemas.openxmlformats.org/presentationml/2006/main" show="0">
   <p:cSld>
     <p:spTree>
       <p:nvGrpSpPr>
@@ -6109,7 +6115,7 @@
           <p:cNvPr id="2" name="Title 1">
             <a:extLst>
               <a:ext uri="{FF2B5EF4-FFF2-40B4-BE49-F238E27FC236}">
-                <a16:creationId xmlns="" xmlns:a16="http://schemas.microsoft.com/office/drawing/2014/main" id="{27E5E4B7-0D24-1246-B992-4E761C8D9010}"/>
+                <a16:creationId xmlns:a16="http://schemas.microsoft.com/office/drawing/2014/main" id="{27E5E4B7-0D24-1246-B992-4E761C8D9010}"/>
               </a:ext>
             </a:extLst>
           </p:cNvPr>
@@ -6137,7 +6143,7 @@
           <p:cNvPr id="3" name="Content Placeholder 2">
             <a:extLst>
               <a:ext uri="{FF2B5EF4-FFF2-40B4-BE49-F238E27FC236}">
-                <a16:creationId xmlns="" xmlns:a16="http://schemas.microsoft.com/office/drawing/2014/main" id="{F68D2FE6-AC37-FA4F-B071-B1D2CB6CF5FE}"/>
+                <a16:creationId xmlns:a16="http://schemas.microsoft.com/office/drawing/2014/main" id="{F68D2FE6-AC37-FA4F-B071-B1D2CB6CF5FE}"/>
               </a:ext>
             </a:extLst>
           </p:cNvPr>
@@ -6169,14 +6175,14 @@
             <a:pPr lvl="1"/>
             <a:r>
               <a:rPr lang="en-US" dirty="0"/>
-              <a:t>Nation level top 3: administrative Support, sales and food preparation and serving</a:t>
+              <a:t>Nation level top 3: administrative support, sales and food preparation and serving</a:t>
             </a:r>
           </a:p>
           <a:p>
             <a:pPr lvl="1"/>
             <a:r>
               <a:rPr lang="en-US" dirty="0"/>
-              <a:t>Computer and Mathematical occupations rank No. 14 among 22 major occupation categories </a:t>
+              <a:t>Computer and Mathematical occupations ranks No. 14 among 22 major occupation categories </a:t>
             </a:r>
           </a:p>
           <a:p>
@@ -6257,7 +6263,7 @@
           <p:cNvPr id="2" name="Title 1">
             <a:extLst>
               <a:ext uri="{FF2B5EF4-FFF2-40B4-BE49-F238E27FC236}">
-                <a16:creationId xmlns="" xmlns:a16="http://schemas.microsoft.com/office/drawing/2014/main" id="{21D3167F-30A9-4F8D-99EE-386A1F094613}"/>
+                <a16:creationId xmlns:a16="http://schemas.microsoft.com/office/drawing/2014/main" id="{21D3167F-30A9-4F8D-99EE-386A1F094613}"/>
               </a:ext>
             </a:extLst>
           </p:cNvPr>
@@ -6274,10 +6280,9 @@
           <a:lstStyle/>
           <a:p>
             <a:r>
-              <a:rPr lang="en-US" dirty="0" smtClean="0"/>
+              <a:rPr lang="en-US" dirty="0"/>
               <a:t>TAKE-AWAYS</a:t>
             </a:r>
-            <a:endParaRPr lang="en-US" dirty="0"/>
           </a:p>
         </p:txBody>
       </p:sp>
@@ -6286,7 +6291,7 @@
           <p:cNvPr id="3" name="Content Placeholder 2">
             <a:extLst>
               <a:ext uri="{FF2B5EF4-FFF2-40B4-BE49-F238E27FC236}">
-                <a16:creationId xmlns="" xmlns:a16="http://schemas.microsoft.com/office/drawing/2014/main" id="{571BA543-3A3F-43F0-957D-37B7A83B0853}"/>
+                <a16:creationId xmlns:a16="http://schemas.microsoft.com/office/drawing/2014/main" id="{571BA543-3A3F-43F0-957D-37B7A83B0853}"/>
               </a:ext>
             </a:extLst>
           </p:cNvPr>
@@ -6310,156 +6315,72 @@
           <a:lstStyle/>
           <a:p>
             <a:r>
-              <a:rPr lang="en-US" sz="2400" dirty="0" smtClean="0"/>
-              <a:t>Fastest </a:t>
-            </a:r>
-            <a:r>
               <a:rPr lang="en-US" sz="2400" dirty="0"/>
-              <a:t>YOY growth for 2017 vs </a:t>
-            </a:r>
-            <a:r>
-              <a:rPr lang="en-US" sz="2400" dirty="0" smtClean="0"/>
-              <a:t>2016: </a:t>
-            </a:r>
-            <a:r>
-              <a:rPr lang="en-US" sz="2400" b="1" dirty="0" smtClean="0"/>
+              <a:t>Fastest YOY growth for 2017 vs 2016: </a:t>
+            </a:r>
+            <a:r>
+              <a:rPr lang="en-US" sz="2400" b="1" dirty="0"/>
               <a:t>Guam</a:t>
             </a:r>
           </a:p>
           <a:p>
             <a:r>
-              <a:rPr lang="en-US" sz="2400" dirty="0" smtClean="0"/>
-              <a:t>Slowest </a:t>
-            </a:r>
-            <a:r>
               <a:rPr lang="en-US" sz="2400" dirty="0"/>
-              <a:t>YOY growth for 2017 vs </a:t>
-            </a:r>
-            <a:r>
-              <a:rPr lang="en-US" sz="2400" dirty="0" smtClean="0"/>
-              <a:t>2016: </a:t>
-            </a:r>
-            <a:r>
-              <a:rPr lang="en-US" sz="2400" b="1" dirty="0" smtClean="0"/>
+              <a:t>Slowest YOY growth for 2017 vs 2016: </a:t>
+            </a:r>
+            <a:r>
+              <a:rPr lang="en-US" sz="2400" b="1" dirty="0"/>
               <a:t>Louisiana</a:t>
             </a:r>
           </a:p>
           <a:p>
             <a:r>
-              <a:rPr lang="en-US" sz="2400" dirty="0" smtClean="0"/>
-              <a:t>Larger </a:t>
-            </a:r>
-            <a:r>
               <a:rPr lang="en-US" sz="2400" dirty="0"/>
-              <a:t>population did </a:t>
-            </a:r>
-            <a:r>
-              <a:rPr lang="en-US" sz="2400" dirty="0" smtClean="0"/>
-              <a:t>not mean higher </a:t>
-            </a:r>
+              <a:t>Larger population did not mean higher job growth</a:t>
+            </a:r>
+          </a:p>
+          <a:p>
             <a:r>
               <a:rPr lang="en-US" sz="2400" dirty="0"/>
-              <a:t>job </a:t>
-            </a:r>
-            <a:r>
-              <a:rPr lang="en-US" sz="2400" dirty="0" smtClean="0"/>
-              <a:t>growth</a:t>
-            </a:r>
-          </a:p>
-          <a:p>
-            <a:r>
-              <a:rPr lang="en-US" sz="2400" dirty="0" smtClean="0"/>
-              <a:t>Occupation </a:t>
-            </a:r>
+              <a:t>Occupation with fastest YOY growth for 2017 vs 2016 : </a:t>
+            </a:r>
+            <a:r>
+              <a:rPr lang="en-US" sz="2400" b="1" dirty="0"/>
+              <a:t>Computer Occupations, All Other</a:t>
+            </a:r>
+          </a:p>
+          <a:p>
             <a:r>
               <a:rPr lang="en-US" sz="2400" dirty="0"/>
-              <a:t>with </a:t>
-            </a:r>
-            <a:r>
-              <a:rPr lang="en-US" sz="2400" dirty="0" smtClean="0"/>
-              <a:t>fastest </a:t>
-            </a:r>
+              <a:t>Occupation with slowest YOY growth for 2017 vs 2016 : </a:t>
+            </a:r>
+            <a:r>
+              <a:rPr lang="en-US" sz="2400" b="1" dirty="0"/>
+              <a:t>Computer Programmers</a:t>
+            </a:r>
+          </a:p>
+          <a:p>
             <a:r>
               <a:rPr lang="en-US" sz="2400" dirty="0"/>
-              <a:t>YOY growth for 2017 vs 2016 </a:t>
-            </a:r>
-            <a:r>
-              <a:rPr lang="en-US" sz="2400" dirty="0" smtClean="0"/>
-              <a:t>: </a:t>
+              <a:t>Computer and Mathematical Occupations is </a:t>
             </a:r>
             <a:r>
               <a:rPr lang="en-US" sz="2400" b="1" dirty="0"/>
-              <a:t>Computer Occupations, All </a:t>
-            </a:r>
-            <a:r>
-              <a:rPr lang="en-US" sz="2400" b="1" dirty="0" smtClean="0"/>
-              <a:t>Other</a:t>
-            </a:r>
-          </a:p>
-          <a:p>
+              <a:t>14</a:t>
+            </a:r>
+            <a:r>
+              <a:rPr lang="en-US" sz="2400" b="1" baseline="30000" dirty="0"/>
+              <a:t>th</a:t>
+            </a:r>
             <a:r>
               <a:rPr lang="en-US" sz="2400" dirty="0"/>
-              <a:t>Occupation with </a:t>
-            </a:r>
-            <a:r>
-              <a:rPr lang="en-US" sz="2400" dirty="0" smtClean="0"/>
-              <a:t>slowest </a:t>
-            </a:r>
+              <a:t> out of 22 occupation types in the US </a:t>
+            </a:r>
+          </a:p>
+          <a:p>
             <a:r>
               <a:rPr lang="en-US" sz="2400" dirty="0"/>
-              <a:t>YOY growth for 2017 vs 2016 </a:t>
-            </a:r>
-            <a:r>
-              <a:rPr lang="en-US" sz="2400" dirty="0" smtClean="0"/>
-              <a:t>: </a:t>
-            </a:r>
-            <a:r>
-              <a:rPr lang="en-US" sz="2400" b="1" dirty="0"/>
-              <a:t>Computer </a:t>
-            </a:r>
-            <a:r>
-              <a:rPr lang="en-US" sz="2400" b="1" dirty="0" smtClean="0"/>
-              <a:t>Programmers</a:t>
-            </a:r>
-          </a:p>
-          <a:p>
-            <a:r>
-              <a:rPr lang="en-US" sz="2400" dirty="0" smtClean="0"/>
-              <a:t>Computer and Mathematical Occupations is </a:t>
-            </a:r>
-            <a:r>
-              <a:rPr lang="en-US" sz="2400" b="1" dirty="0" smtClean="0"/>
-              <a:t>14</a:t>
-            </a:r>
-            <a:r>
-              <a:rPr lang="en-US" sz="2400" b="1" baseline="30000" dirty="0" smtClean="0"/>
-              <a:t>th</a:t>
-            </a:r>
-            <a:r>
-              <a:rPr lang="en-US" sz="2400" dirty="0" smtClean="0"/>
-              <a:t> out of 22 occupation types </a:t>
-            </a:r>
-            <a:r>
-              <a:rPr lang="en-US" sz="2400" dirty="0"/>
-              <a:t>in </a:t>
-            </a:r>
-            <a:r>
-              <a:rPr lang="en-US" sz="2400" dirty="0" smtClean="0"/>
-              <a:t>the US </a:t>
-            </a:r>
-          </a:p>
-          <a:p>
-            <a:r>
-              <a:rPr lang="en-US" sz="2400" dirty="0" smtClean="0"/>
-              <a:t>Within </a:t>
-            </a:r>
-            <a:r>
-              <a:rPr lang="en-US" sz="2400" dirty="0"/>
-              <a:t>Computer and Mathematical </a:t>
-            </a:r>
-            <a:r>
-              <a:rPr lang="en-US" sz="2400" dirty="0" smtClean="0"/>
-              <a:t>Occupations, </a:t>
+              <a:t>Within Computer and Mathematical Occupations, </a:t>
             </a:r>
             <a:r>
               <a:rPr lang="en-US" sz="2400" b="1" dirty="0">
@@ -6469,47 +6390,21 @@
                   </a:schemeClr>
                 </a:solidFill>
               </a:rPr>
-              <a:t>Software Developers (</a:t>
-            </a:r>
-            <a:r>
-              <a:rPr lang="en-US" sz="2400" b="1" dirty="0" smtClean="0">
-                <a:solidFill>
-                  <a:schemeClr val="tx1">
-                    <a:lumMod val="95000"/>
-                  </a:schemeClr>
-                </a:solidFill>
-              </a:rPr>
-              <a:t>Applications) </a:t>
-            </a:r>
-            <a:r>
-              <a:rPr lang="en-US" sz="2400" dirty="0" smtClean="0"/>
-              <a:t>had </a:t>
+              <a:t>Software Developers (Applications) </a:t>
             </a:r>
             <a:r>
               <a:rPr lang="en-US" sz="2400" dirty="0"/>
-              <a:t>the highest number of employees in </a:t>
-            </a:r>
-            <a:r>
-              <a:rPr lang="en-US" sz="2400" dirty="0" smtClean="0"/>
-              <a:t>2017</a:t>
-            </a:r>
-          </a:p>
-          <a:p>
-            <a:r>
-              <a:rPr lang="en-US" sz="2400" b="1" dirty="0" smtClean="0"/>
+              <a:t>had the highest number of employees in 2017</a:t>
+            </a:r>
+          </a:p>
+          <a:p>
+            <a:r>
+              <a:rPr lang="en-US" sz="2400" b="1" dirty="0"/>
               <a:t>California</a:t>
             </a:r>
             <a:r>
-              <a:rPr lang="en-US" sz="2400" dirty="0" smtClean="0"/>
-              <a:t> had </a:t>
-            </a:r>
-            <a:r>
               <a:rPr lang="en-US" sz="2400" dirty="0"/>
-              <a:t>the most people working in computer and mathematical related occupations in </a:t>
-            </a:r>
-            <a:r>
-              <a:rPr lang="en-US" sz="2400" dirty="0" smtClean="0"/>
-              <a:t>2017</a:t>
+              <a:t> had the most people working in computer and mathematical related occupations in 2017</a:t>
             </a:r>
             <a:endParaRPr lang="en-US" sz="2400" b="1" dirty="0">
               <a:latin typeface="Calibri" panose="020F0502020204030204" pitchFamily="34" charset="0"/>
@@ -6522,10 +6417,10 @@
             <a:endParaRPr lang="en-US" sz="2400" b="1" dirty="0"/>
           </a:p>
           <a:p>
-            <a:endParaRPr lang="en-US" sz="2800" dirty="0" smtClean="0"/>
-          </a:p>
-          <a:p>
-            <a:endParaRPr lang="en-US" sz="2800" dirty="0" smtClean="0"/>
+            <a:endParaRPr lang="en-US" sz="2800" dirty="0"/>
+          </a:p>
+          <a:p>
+            <a:endParaRPr lang="en-US" sz="2800" dirty="0"/>
           </a:p>
           <a:p>
             <a:endParaRPr lang="en-US" dirty="0"/>
@@ -6567,7 +6462,7 @@
           <p:cNvPr id="2" name="Title 1">
             <a:extLst>
               <a:ext uri="{FF2B5EF4-FFF2-40B4-BE49-F238E27FC236}">
-                <a16:creationId xmlns="" xmlns:a16="http://schemas.microsoft.com/office/drawing/2014/main" id="{D8975F0A-4727-47D2-96A8-DFAC0FBD6C91}"/>
+                <a16:creationId xmlns:a16="http://schemas.microsoft.com/office/drawing/2014/main" id="{D8975F0A-4727-47D2-96A8-DFAC0FBD6C91}"/>
               </a:ext>
             </a:extLst>
           </p:cNvPr>
@@ -6595,7 +6490,7 @@
           <p:cNvPr id="3" name="Content Placeholder 2">
             <a:extLst>
               <a:ext uri="{FF2B5EF4-FFF2-40B4-BE49-F238E27FC236}">
-                <a16:creationId xmlns="" xmlns:a16="http://schemas.microsoft.com/office/drawing/2014/main" id="{C69386F3-A2F7-4C59-B5D1-F22F1E51F196}"/>
+                <a16:creationId xmlns:a16="http://schemas.microsoft.com/office/drawing/2014/main" id="{C69386F3-A2F7-4C59-B5D1-F22F1E51F196}"/>
               </a:ext>
             </a:extLst>
           </p:cNvPr>
@@ -6679,7 +6574,7 @@
           <p:cNvPr id="2" name="Title 1">
             <a:extLst>
               <a:ext uri="{FF2B5EF4-FFF2-40B4-BE49-F238E27FC236}">
-                <a16:creationId xmlns="" xmlns:a16="http://schemas.microsoft.com/office/drawing/2014/main" id="{E1C9EF35-DC7C-428F-A8C6-930DEFB1E1DB}"/>
+                <a16:creationId xmlns:a16="http://schemas.microsoft.com/office/drawing/2014/main" id="{E1C9EF35-DC7C-428F-A8C6-930DEFB1E1DB}"/>
               </a:ext>
             </a:extLst>
           </p:cNvPr>
@@ -6707,7 +6602,7 @@
           <p:cNvPr id="3" name="Content Placeholder 2">
             <a:extLst>
               <a:ext uri="{FF2B5EF4-FFF2-40B4-BE49-F238E27FC236}">
-                <a16:creationId xmlns="" xmlns:a16="http://schemas.microsoft.com/office/drawing/2014/main" id="{1B82C285-6A5A-45FC-B1D5-1D0786CBCFB5}"/>
+                <a16:creationId xmlns:a16="http://schemas.microsoft.com/office/drawing/2014/main" id="{1B82C285-6A5A-45FC-B1D5-1D0786CBCFB5}"/>
               </a:ext>
             </a:extLst>
           </p:cNvPr>
@@ -6786,7 +6681,7 @@
           <p:cNvPr id="2" name="Title 1">
             <a:extLst>
               <a:ext uri="{FF2B5EF4-FFF2-40B4-BE49-F238E27FC236}">
-                <a16:creationId xmlns="" xmlns:a16="http://schemas.microsoft.com/office/drawing/2014/main" id="{55A6334A-68E7-42D4-919A-0C62BE53DBB2}"/>
+                <a16:creationId xmlns:a16="http://schemas.microsoft.com/office/drawing/2014/main" id="{55A6334A-68E7-42D4-919A-0C62BE53DBB2}"/>
               </a:ext>
             </a:extLst>
           </p:cNvPr>
@@ -6812,15 +6707,7 @@
             <a:pPr algn="ctr"/>
             <a:r>
               <a:rPr lang="en-US" sz="6700" dirty="0"/>
-              <a:t>Thank </a:t>
-            </a:r>
-            <a:r>
-              <a:rPr lang="en-US" sz="6700" dirty="0" smtClean="0"/>
-              <a:t>you!</a:t>
-            </a:r>
-            <a:r>
-              <a:rPr lang="en-US" dirty="0"/>
-              <a:t/>
+              <a:t>Thank you!</a:t>
             </a:r>
             <a:br>
               <a:rPr lang="en-US" dirty="0"/>
@@ -6834,7 +6721,7 @@
           <p:cNvPr id="3" name="Content Placeholder 2">
             <a:extLst>
               <a:ext uri="{FF2B5EF4-FFF2-40B4-BE49-F238E27FC236}">
-                <a16:creationId xmlns="" xmlns:a16="http://schemas.microsoft.com/office/drawing/2014/main" id="{1C25BB28-A4EC-414D-859C-C7A0FCD1F980}"/>
+                <a16:creationId xmlns:a16="http://schemas.microsoft.com/office/drawing/2014/main" id="{1C25BB28-A4EC-414D-859C-C7A0FCD1F980}"/>
               </a:ext>
             </a:extLst>
           </p:cNvPr>
@@ -6861,12 +6748,8 @@
               <a:buNone/>
             </a:pPr>
             <a:r>
-              <a:rPr lang="en-US" sz="4800" dirty="0" smtClean="0"/>
-              <a:t>Questions</a:t>
-            </a:r>
-            <a:r>
               <a:rPr lang="en-US" sz="4800" dirty="0"/>
-              <a:t>?</a:t>
+              <a:t>Questions?</a:t>
             </a:r>
           </a:p>
         </p:txBody>
@@ -6906,7 +6789,7 @@
           <p:cNvPr id="2" name="Title 1">
             <a:extLst>
               <a:ext uri="{FF2B5EF4-FFF2-40B4-BE49-F238E27FC236}">
-                <a16:creationId xmlns="" xmlns:a16="http://schemas.microsoft.com/office/drawing/2014/main" id="{41B5C587-4962-4E00-A54B-F8B9FE251918}"/>
+                <a16:creationId xmlns:a16="http://schemas.microsoft.com/office/drawing/2014/main" id="{41B5C587-4962-4E00-A54B-F8B9FE251918}"/>
               </a:ext>
             </a:extLst>
           </p:cNvPr>
@@ -6934,7 +6817,7 @@
           <p:cNvPr id="3" name="Content Placeholder 2">
             <a:extLst>
               <a:ext uri="{FF2B5EF4-FFF2-40B4-BE49-F238E27FC236}">
-                <a16:creationId xmlns="" xmlns:a16="http://schemas.microsoft.com/office/drawing/2014/main" id="{129B7FB5-54B8-4545-A8C7-1D4B4C033F1E}"/>
+                <a16:creationId xmlns:a16="http://schemas.microsoft.com/office/drawing/2014/main" id="{129B7FB5-54B8-4545-A8C7-1D4B4C033F1E}"/>
               </a:ext>
             </a:extLst>
           </p:cNvPr>
@@ -6962,13 +6845,8 @@
             </a:pPr>
             <a:r>
               <a:rPr lang="en-US" sz="2400" dirty="0"/>
-              <a:t>The purpose of this project is to analyze US employment data to observe trends in computer and mathematical occupations based on location and job </a:t>
-            </a:r>
-            <a:r>
-              <a:rPr lang="en-US" sz="2400" dirty="0" smtClean="0"/>
-              <a:t>title </a:t>
-            </a:r>
-            <a:endParaRPr lang="en-US" sz="2400" dirty="0"/>
+              <a:t>The purpose of this project is to analyze US employment data to observe trends in computer and mathematical occupations based on location and job title </a:t>
+            </a:r>
           </a:p>
           <a:p>
             <a:endParaRPr lang="en-US" dirty="0"/>
@@ -7073,7 +6951,7 @@
           <p:cNvPr id="2" name="Title 1">
             <a:extLst>
               <a:ext uri="{FF2B5EF4-FFF2-40B4-BE49-F238E27FC236}">
-                <a16:creationId xmlns="" xmlns:a16="http://schemas.microsoft.com/office/drawing/2014/main" id="{B01FBC95-86CC-4C5D-80F0-CF41A33B1E9F}"/>
+                <a16:creationId xmlns:a16="http://schemas.microsoft.com/office/drawing/2014/main" id="{B01FBC95-86CC-4C5D-80F0-CF41A33B1E9F}"/>
               </a:ext>
             </a:extLst>
           </p:cNvPr>
@@ -7101,7 +6979,7 @@
           <p:cNvPr id="3" name="Content Placeholder 2">
             <a:extLst>
               <a:ext uri="{FF2B5EF4-FFF2-40B4-BE49-F238E27FC236}">
-                <a16:creationId xmlns="" xmlns:a16="http://schemas.microsoft.com/office/drawing/2014/main" id="{CACC8578-D28C-470E-8EBE-3E9A3C6434E3}"/>
+                <a16:creationId xmlns:a16="http://schemas.microsoft.com/office/drawing/2014/main" id="{CACC8578-D28C-470E-8EBE-3E9A3C6434E3}"/>
               </a:ext>
             </a:extLst>
           </p:cNvPr>
@@ -7139,7 +7017,7 @@
                 <a:hlinkClick r:id="rId2">
                   <a:extLst>
                     <a:ext uri="{A12FA001-AC4F-418D-AE19-62706E023703}">
-                      <ahyp:hlinkClr xmlns="" xmlns:ahyp="http://schemas.microsoft.com/office/drawing/2018/hyperlinkcolor" val="tx"/>
+                      <ahyp:hlinkClr xmlns:ahyp="http://schemas.microsoft.com/office/drawing/2018/hyperlinkcolor" val="tx"/>
                     </a:ext>
                   </a:extLst>
                 </a:hlinkClick>
@@ -7182,7 +7060,7 @@
                 <a:hlinkClick r:id="rId3">
                   <a:extLst>
                     <a:ext uri="{A12FA001-AC4F-418D-AE19-62706E023703}">
-                      <ahyp:hlinkClr xmlns="" xmlns:ahyp="http://schemas.microsoft.com/office/drawing/2018/hyperlinkcolor" val="tx"/>
+                      <ahyp:hlinkClr xmlns:ahyp="http://schemas.microsoft.com/office/drawing/2018/hyperlinkcolor" val="tx"/>
                     </a:ext>
                   </a:extLst>
                 </a:hlinkClick>
@@ -7201,15 +7079,7 @@
             </a:r>
             <a:r>
               <a:rPr lang="en-US" dirty="0"/>
-              <a:t>Used for state population estimates (as of </a:t>
-            </a:r>
-            <a:r>
-              <a:rPr lang="en-US" dirty="0" smtClean="0"/>
-              <a:t>7/1</a:t>
-            </a:r>
-            <a:r>
-              <a:rPr lang="en-US" dirty="0"/>
-              <a:t>) from 2013 through 2017</a:t>
+              <a:t>Used for state population estimates (as of 7/1) from 2013 through 2017</a:t>
             </a:r>
           </a:p>
           <a:p>
@@ -7223,7 +7093,7 @@
           <p:cNvPr id="4" name="Picture 3">
             <a:extLst>
               <a:ext uri="{FF2B5EF4-FFF2-40B4-BE49-F238E27FC236}">
-                <a16:creationId xmlns="" xmlns:a16="http://schemas.microsoft.com/office/drawing/2014/main" id="{E7D53E29-B383-4B9D-A554-11B128DFEE9B}"/>
+                <a16:creationId xmlns:a16="http://schemas.microsoft.com/office/drawing/2014/main" id="{E7D53E29-B383-4B9D-A554-11B128DFEE9B}"/>
               </a:ext>
             </a:extLst>
           </p:cNvPr>
@@ -7253,7 +7123,7 @@
           <p:cNvPr id="6" name="Picture 5">
             <a:extLst>
               <a:ext uri="{FF2B5EF4-FFF2-40B4-BE49-F238E27FC236}">
-                <a16:creationId xmlns="" xmlns:a16="http://schemas.microsoft.com/office/drawing/2014/main" id="{064340ED-E940-4A96-89BA-D2EE55992785}"/>
+                <a16:creationId xmlns:a16="http://schemas.microsoft.com/office/drawing/2014/main" id="{064340ED-E940-4A96-89BA-D2EE55992785}"/>
               </a:ext>
             </a:extLst>
           </p:cNvPr>
@@ -7319,7 +7189,7 @@
           <p:cNvPr id="3" name="Content Placeholder 2">
             <a:extLst>
               <a:ext uri="{FF2B5EF4-FFF2-40B4-BE49-F238E27FC236}">
-                <a16:creationId xmlns:a16="http://schemas.microsoft.com/office/drawing/2014/main" xmlns="" id="{75897B1C-3F8F-4B5D-8723-E5115AF5882A}"/>
+                <a16:creationId xmlns:a16="http://schemas.microsoft.com/office/drawing/2014/main" id="{75897B1C-3F8F-4B5D-8723-E5115AF5882A}"/>
               </a:ext>
             </a:extLst>
           </p:cNvPr>
@@ -7347,63 +7217,26 @@
             </a:pPr>
             <a:r>
               <a:rPr lang="en-US" sz="2500" dirty="0"/>
-              <a:t>S</a:t>
-            </a:r>
-            <a:r>
-              <a:rPr lang="en-US" sz="2500" dirty="0" smtClean="0"/>
-              <a:t>tates chosen based on fastest YOY </a:t>
-            </a:r>
-            <a:r>
-              <a:rPr lang="en-US" sz="2500" dirty="0"/>
-              <a:t>growth </a:t>
-            </a:r>
-            <a:r>
-              <a:rPr lang="en-US" sz="2500" dirty="0" smtClean="0"/>
-              <a:t>for 2017 vs 2016.  Included US as a comparison point</a:t>
+              <a:t>States chosen based on fastest YOY growth for 2017 vs 2016.  Included US as a comparison point</a:t>
             </a:r>
             <a:endParaRPr lang="en-US" sz="100" dirty="0"/>
           </a:p>
           <a:p>
             <a:r>
               <a:rPr lang="en-US" dirty="0"/>
-              <a:t>O</a:t>
-            </a:r>
-            <a:r>
-              <a:rPr lang="en-US" dirty="0" smtClean="0"/>
-              <a:t>verall US grew in 2017, but not as fast as it did in 2016 and 2015</a:t>
-            </a:r>
-          </a:p>
-          <a:p>
-            <a:r>
-              <a:rPr lang="en-US" dirty="0" smtClean="0"/>
-              <a:t>Top 3 fastest states/territories are Guam, Montana, and </a:t>
-            </a:r>
-            <a:r>
-              <a:rPr lang="en-US" dirty="0" smtClean="0"/>
-              <a:t>Utah.  Both </a:t>
-            </a:r>
-            <a:r>
-              <a:rPr lang="en-US" dirty="0" smtClean="0"/>
-              <a:t>Guam and Montana show a volatile job </a:t>
-            </a:r>
-            <a:r>
-              <a:rPr lang="en-US" dirty="0" smtClean="0"/>
-              <a:t>market from 2014-2017</a:t>
-            </a:r>
-            <a:endParaRPr lang="en-US" dirty="0" smtClean="0"/>
-          </a:p>
-          <a:p>
-            <a:r>
-              <a:rPr lang="en-US" dirty="0" smtClean="0"/>
-              <a:t>Utah also did not grow as much as it did in 2016, </a:t>
-            </a:r>
-            <a:r>
-              <a:rPr lang="en-US" dirty="0" smtClean="0"/>
-              <a:t>like the overall US, but </a:t>
-            </a:r>
-            <a:r>
-              <a:rPr lang="en-US" dirty="0" smtClean="0"/>
-              <a:t>continued to experience a strong job market</a:t>
+              <a:t>Overall US grew in 2017, but not as fast as it did in 2016 and 2015</a:t>
+            </a:r>
+          </a:p>
+          <a:p>
+            <a:r>
+              <a:rPr lang="en-US" dirty="0"/>
+              <a:t>Top 3 fastest states/territories are Guam, Montana, and Utah.  Both Guam and Montana show a volatile job market from 2014-2017</a:t>
+            </a:r>
+          </a:p>
+          <a:p>
+            <a:r>
+              <a:rPr lang="en-US" dirty="0"/>
+              <a:t>Utah also did not grow as much as it did in 2016, like the overall US, but continued to experience a strong job market</a:t>
             </a:r>
           </a:p>
           <a:p>
@@ -7443,7 +7276,7 @@
           <p:cNvPr id="5" name="Picture 12">
             <a:extLst>
               <a:ext uri="{FF2B5EF4-FFF2-40B4-BE49-F238E27FC236}">
-                <a16:creationId xmlns="" xmlns:a16="http://schemas.microsoft.com/office/drawing/2014/main" id="{6F0AC7CD-13B1-49CA-A210-0FEA7F648B7C}"/>
+                <a16:creationId xmlns:a16="http://schemas.microsoft.com/office/drawing/2014/main" id="{6F0AC7CD-13B1-49CA-A210-0FEA7F648B7C}"/>
               </a:ext>
             </a:extLst>
           </p:cNvPr>
@@ -7527,25 +7360,8 @@
                   </a:schemeClr>
                 </a:solidFill>
               </a:rPr>
-              <a:t>Computer and Mathematical Occupations, Computer and Information Research Scientists, Computer Systems Analysts, Information Security Analysts, Computer Programmers, Software Developers (Applications), Software Developers (Systems Software), Web Developers, Database Administrators, Network and Computer Systems Administrators, Computer Network Architects, Computer User Support Specialists, Computer Network Support Specialists, Computer Occupations - All Other, Actuaries, Mathematicians, Operations Research Analysts, &amp; </a:t>
-            </a:r>
-            <a:r>
-              <a:rPr lang="en-US" sz="1000" dirty="0" smtClean="0">
-                <a:solidFill>
-                  <a:schemeClr val="tx1">
-                    <a:lumMod val="95000"/>
-                  </a:schemeClr>
-                </a:solidFill>
-              </a:rPr>
-              <a:t>Statisticians</a:t>
-            </a:r>
-            <a:endParaRPr lang="en-US" sz="1000" dirty="0">
-              <a:solidFill>
-                <a:schemeClr val="tx1">
-                  <a:lumMod val="95000"/>
-                </a:schemeClr>
-              </a:solidFill>
-            </a:endParaRPr>
+              <a:t>Computer and Mathematical Occupations, Computer and Information Research Scientists, Computer Systems Analysts, Information Security Analysts, Computer Programmers, Software Developers (Applications), Software Developers (Systems Software), Web Developers, Database Administrators, Network and Computer Systems Administrators, Computer Network Architects, Computer User Support Specialists, Computer Network Support Specialists, Computer Occupations - All Other, Actuaries, Mathematicians, Operations Research Analysts, &amp; Statisticians</a:t>
+            </a:r>
           </a:p>
         </p:txBody>
       </p:sp>
@@ -7584,7 +7400,7 @@
           <p:cNvPr id="5" name="Content Placeholder 2">
             <a:extLst>
               <a:ext uri="{FF2B5EF4-FFF2-40B4-BE49-F238E27FC236}">
-                <a16:creationId xmlns:a16="http://schemas.microsoft.com/office/drawing/2014/main" xmlns="" id="{75897B1C-3F8F-4B5D-8723-E5115AF5882A}"/>
+                <a16:creationId xmlns:a16="http://schemas.microsoft.com/office/drawing/2014/main" id="{75897B1C-3F8F-4B5D-8723-E5115AF5882A}"/>
               </a:ext>
             </a:extLst>
           </p:cNvPr>
@@ -7776,46 +7592,22 @@
               <a:buNone/>
             </a:pPr>
             <a:r>
-              <a:rPr lang="en-US" sz="2700" dirty="0" smtClean="0"/>
+              <a:rPr lang="en-US" sz="2700" dirty="0"/>
               <a:t>Bottom three states chosen based on slowest YOY growth for 2017 vs 2016.  Included US as a comparison point</a:t>
             </a:r>
           </a:p>
           <a:p>
             <a:r>
-              <a:rPr lang="en-US" sz="2400" dirty="0" smtClean="0"/>
-              <a:t>The three </a:t>
-            </a:r>
-            <a:r>
-              <a:rPr lang="en-US" sz="2400" dirty="0" smtClean="0"/>
-              <a:t>bottom states are Louisiana, New Mexico, </a:t>
-            </a:r>
-            <a:r>
               <a:rPr lang="en-US" sz="2400" dirty="0"/>
-              <a:t>and </a:t>
-            </a:r>
-            <a:r>
-              <a:rPr lang="en-US" sz="2400" dirty="0" smtClean="0"/>
-              <a:t>Minnesota.  All three of these states experienced growth in 2016.  Out of the three, New Mexico experienced the largest % decline</a:t>
-            </a:r>
-          </a:p>
-          <a:p>
-            <a:r>
-              <a:rPr lang="en-US" sz="2400" dirty="0" smtClean="0"/>
-              <a:t>All three of these state outgrew </a:t>
-            </a:r>
-            <a:r>
-              <a:rPr lang="en-US" sz="2400" dirty="0" smtClean="0"/>
-              <a:t>total</a:t>
-            </a:r>
-            <a:r>
-              <a:rPr lang="en-US" sz="2400" dirty="0" smtClean="0"/>
-              <a:t> </a:t>
-            </a:r>
-            <a:r>
-              <a:rPr lang="en-US" sz="2400" dirty="0" smtClean="0"/>
-              <a:t>US in 2014, but did not exceed overall US growth in 2015, 2016, or 2017</a:t>
-            </a:r>
-            <a:endParaRPr lang="en-US" dirty="0" smtClean="0"/>
+              <a:t>The three bottom states are Louisiana, New Mexico, and Minnesota.  All three of these states experienced growth in 2016.  Out of the three, New Mexico experienced the largest % decline</a:t>
+            </a:r>
+          </a:p>
+          <a:p>
+            <a:r>
+              <a:rPr lang="en-US" sz="2400" dirty="0"/>
+              <a:t>All three of these state outgrew total US in 2014, but did not exceed overall US growth in 2015, 2016, or 2017</a:t>
+            </a:r>
+            <a:endParaRPr lang="en-US" dirty="0"/>
           </a:p>
           <a:p>
             <a:endParaRPr lang="en-US" dirty="0"/>
@@ -7851,7 +7643,7 @@
           <p:cNvPr id="6" name="Picture 10">
             <a:extLst>
               <a:ext uri="{FF2B5EF4-FFF2-40B4-BE49-F238E27FC236}">
-                <a16:creationId xmlns="" xmlns:a16="http://schemas.microsoft.com/office/drawing/2014/main" id="{C7E7A439-E819-4DB7-B4F7-A25B98A49CCC}"/>
+                <a16:creationId xmlns:a16="http://schemas.microsoft.com/office/drawing/2014/main" id="{C7E7A439-E819-4DB7-B4F7-A25B98A49CCC}"/>
               </a:ext>
             </a:extLst>
           </p:cNvPr>
@@ -7935,25 +7727,8 @@
                   </a:schemeClr>
                 </a:solidFill>
               </a:rPr>
-              <a:t>Computer and Mathematical Occupations, Computer and Information Research Scientists, Computer Systems Analysts, Information Security Analysts, Computer Programmers, Software Developers (Applications), Software Developers (Systems Software), Web Developers, Database Administrators, Network and Computer Systems Administrators, Computer Network Architects, Computer User Support Specialists, Computer Network Support Specialists, Computer Occupations - All Other, Actuaries, Mathematicians, Operations Research Analysts, &amp; </a:t>
-            </a:r>
-            <a:r>
-              <a:rPr lang="en-US" sz="1000" dirty="0" smtClean="0">
-                <a:solidFill>
-                  <a:schemeClr val="tx1">
-                    <a:lumMod val="95000"/>
-                  </a:schemeClr>
-                </a:solidFill>
-              </a:rPr>
-              <a:t>Statisticians</a:t>
-            </a:r>
-            <a:endParaRPr lang="en-US" sz="1000" dirty="0">
-              <a:solidFill>
-                <a:schemeClr val="tx1">
-                  <a:lumMod val="95000"/>
-                </a:schemeClr>
-              </a:solidFill>
-            </a:endParaRPr>
+              <a:t>Computer and Mathematical Occupations, Computer and Information Research Scientists, Computer Systems Analysts, Information Security Analysts, Computer Programmers, Software Developers (Applications), Software Developers (Systems Software), Web Developers, Database Administrators, Network and Computer Systems Administrators, Computer Network Architects, Computer User Support Specialists, Computer Network Support Specialists, Computer Occupations - All Other, Actuaries, Mathematicians, Operations Research Analysts, &amp; Statisticians</a:t>
+            </a:r>
           </a:p>
         </p:txBody>
       </p:sp>
@@ -7992,7 +7767,7 @@
           <p:cNvPr id="3" name="Content Placeholder 2">
             <a:extLst>
               <a:ext uri="{FF2B5EF4-FFF2-40B4-BE49-F238E27FC236}">
-                <a16:creationId xmlns="" xmlns:a16="http://schemas.microsoft.com/office/drawing/2014/main" id="{A1BF3F66-EBAC-4059-95DC-84F0A2D0D9F8}"/>
+                <a16:creationId xmlns:a16="http://schemas.microsoft.com/office/drawing/2014/main" id="{A1BF3F66-EBAC-4059-95DC-84F0A2D0D9F8}"/>
               </a:ext>
             </a:extLst>
           </p:cNvPr>
@@ -8024,20 +7799,15 @@
             <a:pPr lvl="1"/>
             <a:r>
               <a:rPr lang="en-US" dirty="0"/>
-              <a:t>Surprisingly, a larger population did not necessarily translate to higher job growth in this </a:t>
-            </a:r>
-            <a:r>
-              <a:rPr lang="en-US" dirty="0" smtClean="0"/>
-              <a:t>case</a:t>
+              <a:t>Surprisingly, a larger population did not necessarily translate to higher job growth in this case</a:t>
             </a:r>
           </a:p>
           <a:p>
             <a:pPr lvl="1"/>
             <a:r>
-              <a:rPr lang="en-US" dirty="0" smtClean="0"/>
+              <a:rPr lang="en-US" dirty="0"/>
               <a:t>Highest growth rates seen for states with less than 5MM people</a:t>
             </a:r>
-            <a:endParaRPr lang="en-US" dirty="0" smtClean="0"/>
           </a:p>
         </p:txBody>
       </p:sp>
@@ -8046,7 +7816,7 @@
           <p:cNvPr id="1028" name="Picture 4">
             <a:extLst>
               <a:ext uri="{FF2B5EF4-FFF2-40B4-BE49-F238E27FC236}">
-                <a16:creationId xmlns="" xmlns:a16="http://schemas.microsoft.com/office/drawing/2014/main" id="{642F8360-CC0D-4DD9-9C82-369B6108FA21}"/>
+                <a16:creationId xmlns:a16="http://schemas.microsoft.com/office/drawing/2014/main" id="{642F8360-CC0D-4DD9-9C82-369B6108FA21}"/>
               </a:ext>
             </a:extLst>
           </p:cNvPr>
@@ -8171,7 +7941,7 @@
           <p:cNvPr id="2" name="Title 1">
             <a:extLst>
               <a:ext uri="{FF2B5EF4-FFF2-40B4-BE49-F238E27FC236}">
-                <a16:creationId xmlns="" xmlns:a16="http://schemas.microsoft.com/office/drawing/2014/main" id="{AB68570A-62BD-4471-B097-C694410375A6}"/>
+                <a16:creationId xmlns:a16="http://schemas.microsoft.com/office/drawing/2014/main" id="{AB68570A-62BD-4471-B097-C694410375A6}"/>
               </a:ext>
             </a:extLst>
           </p:cNvPr>
@@ -8199,7 +7969,7 @@
           <p:cNvPr id="5" name="Content Placeholder 4">
             <a:extLst>
               <a:ext uri="{FF2B5EF4-FFF2-40B4-BE49-F238E27FC236}">
-                <a16:creationId xmlns="" xmlns:a16="http://schemas.microsoft.com/office/drawing/2014/main" id="{EEB80261-BFDA-43BA-9A2B-7566F24FD572}"/>
+                <a16:creationId xmlns:a16="http://schemas.microsoft.com/office/drawing/2014/main" id="{EEB80261-BFDA-43BA-9A2B-7566F24FD572}"/>
               </a:ext>
             </a:extLst>
           </p:cNvPr>
@@ -8234,7 +8004,7 @@
           <p:cNvPr id="7" name="Picture 6">
             <a:extLst>
               <a:ext uri="{FF2B5EF4-FFF2-40B4-BE49-F238E27FC236}">
-                <a16:creationId xmlns="" xmlns:a16="http://schemas.microsoft.com/office/drawing/2014/main" id="{AD43CADE-D702-44C9-9494-04A14FD16E34}"/>
+                <a16:creationId xmlns:a16="http://schemas.microsoft.com/office/drawing/2014/main" id="{AD43CADE-D702-44C9-9494-04A14FD16E34}"/>
               </a:ext>
             </a:extLst>
           </p:cNvPr>
@@ -8300,7 +8070,7 @@
           <p:cNvPr id="2" name="Title 1">
             <a:extLst>
               <a:ext uri="{FF2B5EF4-FFF2-40B4-BE49-F238E27FC236}">
-                <a16:creationId xmlns="" xmlns:a16="http://schemas.microsoft.com/office/drawing/2014/main" id="{A596BA33-7754-4852-A943-2BF56BC5ACEE}"/>
+                <a16:creationId xmlns:a16="http://schemas.microsoft.com/office/drawing/2014/main" id="{A596BA33-7754-4852-A943-2BF56BC5ACEE}"/>
               </a:ext>
             </a:extLst>
           </p:cNvPr>
@@ -8333,7 +8103,7 @@
           <p:cNvPr id="4" name="Content Placeholder 3">
             <a:extLst>
               <a:ext uri="{FF2B5EF4-FFF2-40B4-BE49-F238E27FC236}">
-                <a16:creationId xmlns="" xmlns:a16="http://schemas.microsoft.com/office/drawing/2014/main" id="{491C927E-30F3-4185-BE20-0B6D3C5A74A6}"/>
+                <a16:creationId xmlns:a16="http://schemas.microsoft.com/office/drawing/2014/main" id="{491C927E-30F3-4185-BE20-0B6D3C5A74A6}"/>
               </a:ext>
             </a:extLst>
           </p:cNvPr>
@@ -8363,21 +8133,21 @@
                 <a:gridCol w="1647559">
                   <a:extLst>
                     <a:ext uri="{9D8B030D-6E8A-4147-A177-3AD203B41FA5}">
-                      <a16:colId xmlns="" xmlns:a16="http://schemas.microsoft.com/office/drawing/2014/main" val="957085690"/>
+                      <a16:colId xmlns:a16="http://schemas.microsoft.com/office/drawing/2014/main" val="957085690"/>
                     </a:ext>
                   </a:extLst>
                 </a:gridCol>
                 <a:gridCol w="1647559">
                   <a:extLst>
                     <a:ext uri="{9D8B030D-6E8A-4147-A177-3AD203B41FA5}">
-                      <a16:colId xmlns="" xmlns:a16="http://schemas.microsoft.com/office/drawing/2014/main" val="3984160696"/>
+                      <a16:colId xmlns:a16="http://schemas.microsoft.com/office/drawing/2014/main" val="3984160696"/>
                     </a:ext>
                   </a:extLst>
                 </a:gridCol>
                 <a:gridCol w="1924582">
                   <a:extLst>
                     <a:ext uri="{9D8B030D-6E8A-4147-A177-3AD203B41FA5}">
-                      <a16:colId xmlns="" xmlns:a16="http://schemas.microsoft.com/office/drawing/2014/main" val="3944266915"/>
+                      <a16:colId xmlns:a16="http://schemas.microsoft.com/office/drawing/2014/main" val="3944266915"/>
                     </a:ext>
                   </a:extLst>
                 </a:gridCol>
@@ -8475,7 +8245,7 @@
                 </a:tc>
                 <a:extLst>
                   <a:ext uri="{0D108BD9-81ED-4DB2-BD59-A6C34878D82A}">
-                    <a16:rowId xmlns="" xmlns:a16="http://schemas.microsoft.com/office/drawing/2014/main" val="3101018803"/>
+                    <a16:rowId xmlns:a16="http://schemas.microsoft.com/office/drawing/2014/main" val="3101018803"/>
                   </a:ext>
                 </a:extLst>
               </a:tr>
@@ -8560,7 +8330,7 @@
                 </a:tc>
                 <a:extLst>
                   <a:ext uri="{0D108BD9-81ED-4DB2-BD59-A6C34878D82A}">
-                    <a16:rowId xmlns="" xmlns:a16="http://schemas.microsoft.com/office/drawing/2014/main" val="3649961185"/>
+                    <a16:rowId xmlns:a16="http://schemas.microsoft.com/office/drawing/2014/main" val="3649961185"/>
                   </a:ext>
                 </a:extLst>
               </a:tr>
@@ -8645,7 +8415,7 @@
                 </a:tc>
                 <a:extLst>
                   <a:ext uri="{0D108BD9-81ED-4DB2-BD59-A6C34878D82A}">
-                    <a16:rowId xmlns="" xmlns:a16="http://schemas.microsoft.com/office/drawing/2014/main" val="3566758617"/>
+                    <a16:rowId xmlns:a16="http://schemas.microsoft.com/office/drawing/2014/main" val="3566758617"/>
                   </a:ext>
                 </a:extLst>
               </a:tr>
@@ -8730,7 +8500,7 @@
                 </a:tc>
                 <a:extLst>
                   <a:ext uri="{0D108BD9-81ED-4DB2-BD59-A6C34878D82A}">
-                    <a16:rowId xmlns="" xmlns:a16="http://schemas.microsoft.com/office/drawing/2014/main" val="2431465096"/>
+                    <a16:rowId xmlns:a16="http://schemas.microsoft.com/office/drawing/2014/main" val="2431465096"/>
                   </a:ext>
                 </a:extLst>
               </a:tr>
@@ -8815,7 +8585,7 @@
                 </a:tc>
                 <a:extLst>
                   <a:ext uri="{0D108BD9-81ED-4DB2-BD59-A6C34878D82A}">
-                    <a16:rowId xmlns="" xmlns:a16="http://schemas.microsoft.com/office/drawing/2014/main" val="1755834529"/>
+                    <a16:rowId xmlns:a16="http://schemas.microsoft.com/office/drawing/2014/main" val="1755834529"/>
                   </a:ext>
                 </a:extLst>
               </a:tr>
@@ -8900,7 +8670,7 @@
                 </a:tc>
                 <a:extLst>
                   <a:ext uri="{0D108BD9-81ED-4DB2-BD59-A6C34878D82A}">
-                    <a16:rowId xmlns="" xmlns:a16="http://schemas.microsoft.com/office/drawing/2014/main" val="4151097572"/>
+                    <a16:rowId xmlns:a16="http://schemas.microsoft.com/office/drawing/2014/main" val="4151097572"/>
                   </a:ext>
                 </a:extLst>
               </a:tr>
@@ -8985,7 +8755,7 @@
                 </a:tc>
                 <a:extLst>
                   <a:ext uri="{0D108BD9-81ED-4DB2-BD59-A6C34878D82A}">
-                    <a16:rowId xmlns="" xmlns:a16="http://schemas.microsoft.com/office/drawing/2014/main" val="1023807493"/>
+                    <a16:rowId xmlns:a16="http://schemas.microsoft.com/office/drawing/2014/main" val="1023807493"/>
                   </a:ext>
                 </a:extLst>
               </a:tr>
@@ -9076,7 +8846,7 @@
                 </a:tc>
                 <a:extLst>
                   <a:ext uri="{0D108BD9-81ED-4DB2-BD59-A6C34878D82A}">
-                    <a16:rowId xmlns="" xmlns:a16="http://schemas.microsoft.com/office/drawing/2014/main" val="1166867636"/>
+                    <a16:rowId xmlns:a16="http://schemas.microsoft.com/office/drawing/2014/main" val="1166867636"/>
                   </a:ext>
                 </a:extLst>
               </a:tr>
@@ -9167,7 +8937,7 @@
                 </a:tc>
                 <a:extLst>
                   <a:ext uri="{0D108BD9-81ED-4DB2-BD59-A6C34878D82A}">
-                    <a16:rowId xmlns="" xmlns:a16="http://schemas.microsoft.com/office/drawing/2014/main" val="4172888325"/>
+                    <a16:rowId xmlns:a16="http://schemas.microsoft.com/office/drawing/2014/main" val="4172888325"/>
                   </a:ext>
                 </a:extLst>
               </a:tr>
@@ -9180,7 +8950,7 @@
           <p:cNvPr id="5" name="TextBox 4">
             <a:extLst>
               <a:ext uri="{FF2B5EF4-FFF2-40B4-BE49-F238E27FC236}">
-                <a16:creationId xmlns="" xmlns:a16="http://schemas.microsoft.com/office/drawing/2014/main" id="{4E286D4F-4DA4-47A6-B4A1-69C59C04C373}"/>
+                <a16:creationId xmlns:a16="http://schemas.microsoft.com/office/drawing/2014/main" id="{4E286D4F-4DA4-47A6-B4A1-69C59C04C373}"/>
               </a:ext>
             </a:extLst>
           </p:cNvPr>
@@ -9302,64 +9072,17 @@
           <a:chExt cx="0" cy="0"/>
         </a:xfrm>
       </p:grpSpPr>
-      <p:sp>
-        <p:nvSpPr>
-          <p:cNvPr id="2" name="Title 1">
+      <p:pic>
+        <p:nvPicPr>
+          <p:cNvPr id="5" name="Picture 4" descr="A screenshot of a cell phone&#10;&#10;Description automatically generated">
             <a:extLst>
               <a:ext uri="{FF2B5EF4-FFF2-40B4-BE49-F238E27FC236}">
-                <a16:creationId xmlns="" xmlns:a16="http://schemas.microsoft.com/office/drawing/2014/main" id="{1B85EE37-585C-E64B-A7B4-E9E8C734F5D4}"/>
-              </a:ext>
-            </a:extLst>
-          </p:cNvPr>
-          <p:cNvSpPr>
-            <a:spLocks noGrp="1"/>
-          </p:cNvSpPr>
-          <p:nvPr>
-            <p:ph type="title"/>
-          </p:nvPr>
-        </p:nvSpPr>
-        <p:spPr>
-          <a:xfrm>
-            <a:off x="192603" y="1195618"/>
-            <a:ext cx="3580327" cy="5394036"/>
-          </a:xfrm>
-        </p:spPr>
-        <p:txBody>
-          <a:bodyPr>
-            <a:normAutofit/>
-          </a:bodyPr>
-          <a:lstStyle/>
-          <a:p>
-            <a:r>
-              <a:rPr lang="en-US" sz="3400" dirty="0"/>
-              <a:t>The overall employment status by occupations in </a:t>
-            </a:r>
-            <a:r>
-              <a:rPr lang="en-US" sz="3400" dirty="0" smtClean="0"/>
-              <a:t>US: 2017</a:t>
-            </a:r>
-            <a:r>
-              <a:rPr lang="en-US" dirty="0"/>
-              <a:t/>
-            </a:r>
-            <a:br>
-              <a:rPr lang="en-US" dirty="0"/>
-            </a:br>
-            <a:endParaRPr lang="en-US" dirty="0"/>
-          </a:p>
-        </p:txBody>
-      </p:sp>
-      <p:pic>
-        <p:nvPicPr>
-          <p:cNvPr id="3074" name="Picture 2">
-            <a:extLst>
-              <a:ext uri="{FF2B5EF4-FFF2-40B4-BE49-F238E27FC236}">
-                <a16:creationId xmlns="" xmlns:a16="http://schemas.microsoft.com/office/drawing/2014/main" id="{F41EE0FD-2018-46CC-8500-10BF0C3A1649}"/>
+                <a16:creationId xmlns:a16="http://schemas.microsoft.com/office/drawing/2014/main" id="{5DF69AB2-A8CD-0444-9BE9-B09AE4043E5C}"/>
               </a:ext>
             </a:extLst>
           </p:cNvPr>
           <p:cNvPicPr>
-            <a:picLocks noChangeAspect="1" noChangeArrowheads="1"/>
+            <a:picLocks noChangeAspect="1"/>
           </p:cNvPicPr>
           <p:nvPr/>
         </p:nvPicPr>
@@ -9371,31 +9094,59 @@
               </a:ext>
             </a:extLst>
           </a:blip>
-          <a:srcRect/>
           <a:stretch>
             <a:fillRect/>
           </a:stretch>
         </p:blipFill>
-        <p:spPr bwMode="auto">
-          <a:xfrm>
-            <a:off x="4149725" y="729799"/>
-            <a:ext cx="7894922" cy="6052127"/>
+        <p:spPr>
+          <a:xfrm>
+            <a:off x="3995299" y="694758"/>
+            <a:ext cx="8197902" cy="6163242"/>
           </a:xfrm>
           <a:prstGeom prst="rect">
             <a:avLst/>
           </a:prstGeom>
-          <a:noFill/>
-          <a:extLst>
-            <a:ext uri="{909E8E84-426E-40DD-AFC4-6F175D3DCCD1}">
-              <a14:hiddenFill xmlns:a14="http://schemas.microsoft.com/office/drawing/2010/main">
-                <a:solidFill>
-                  <a:srgbClr val="FFFFFF"/>
-                </a:solidFill>
-              </a14:hiddenFill>
-            </a:ext>
-          </a:extLst>
         </p:spPr>
       </p:pic>
+      <p:sp>
+        <p:nvSpPr>
+          <p:cNvPr id="2" name="Title 1">
+            <a:extLst>
+              <a:ext uri="{FF2B5EF4-FFF2-40B4-BE49-F238E27FC236}">
+                <a16:creationId xmlns:a16="http://schemas.microsoft.com/office/drawing/2014/main" id="{1B85EE37-585C-E64B-A7B4-E9E8C734F5D4}"/>
+              </a:ext>
+            </a:extLst>
+          </p:cNvPr>
+          <p:cNvSpPr>
+            <a:spLocks noGrp="1"/>
+          </p:cNvSpPr>
+          <p:nvPr>
+            <p:ph type="title"/>
+          </p:nvPr>
+        </p:nvSpPr>
+        <p:spPr>
+          <a:xfrm>
+            <a:off x="192603" y="1195618"/>
+            <a:ext cx="3580327" cy="5394036"/>
+          </a:xfrm>
+        </p:spPr>
+        <p:txBody>
+          <a:bodyPr>
+            <a:normAutofit/>
+          </a:bodyPr>
+          <a:lstStyle/>
+          <a:p>
+            <a:r>
+              <a:rPr lang="en-US" sz="3400" dirty="0"/>
+              <a:t>The overall employment status by occupations in US: 2017</a:t>
+            </a:r>
+            <a:br>
+              <a:rPr lang="en-US" dirty="0"/>
+            </a:br>
+            <a:endParaRPr lang="en-US" dirty="0"/>
+          </a:p>
+        </p:txBody>
+      </p:sp>
       <p:sp>
         <p:nvSpPr>
           <p:cNvPr id="3" name="Left Arrow 2"/>
@@ -9404,7 +9155,7 @@
         </p:nvSpPr>
         <p:spPr>
           <a:xfrm>
-            <a:off x="8483642" y="4020943"/>
+            <a:off x="9227354" y="4045327"/>
             <a:ext cx="1249251" cy="296214"/>
           </a:xfrm>
           <a:prstGeom prst="leftArrow">

--- a/Group_5_Presentation.pptx
+++ b/Group_5_Presentation.pptx
@@ -323,7 +323,7 @@
           <a:p>
             <a:fld id="{5DEA3F82-8CB4-4B0C-B6BE-1390C73654E0}" type="datetimeFigureOut">
               <a:rPr lang="en-US" smtClean="0"/>
-              <a:t>3/31/19</a:t>
+              <a:t>3/31/2019</a:t>
             </a:fld>
             <a:endParaRPr lang="en-US"/>
           </a:p>
@@ -590,7 +590,7 @@
           <a:p>
             <a:fld id="{5DEA3F82-8CB4-4B0C-B6BE-1390C73654E0}" type="datetimeFigureOut">
               <a:rPr lang="en-US" smtClean="0"/>
-              <a:t>3/31/19</a:t>
+              <a:t>3/31/2019</a:t>
             </a:fld>
             <a:endParaRPr lang="en-US"/>
           </a:p>
@@ -821,7 +821,7 @@
           <a:p>
             <a:fld id="{5DEA3F82-8CB4-4B0C-B6BE-1390C73654E0}" type="datetimeFigureOut">
               <a:rPr lang="en-US" smtClean="0"/>
-              <a:t>3/31/19</a:t>
+              <a:t>3/31/2019</a:t>
             </a:fld>
             <a:endParaRPr lang="en-US"/>
           </a:p>
@@ -1131,7 +1131,7 @@
           <a:p>
             <a:fld id="{5DEA3F82-8CB4-4B0C-B6BE-1390C73654E0}" type="datetimeFigureOut">
               <a:rPr lang="en-US" smtClean="0"/>
-              <a:t>3/31/19</a:t>
+              <a:t>3/31/2019</a:t>
             </a:fld>
             <a:endParaRPr lang="en-US"/>
           </a:p>
@@ -1604,7 +1604,7 @@
           <a:p>
             <a:fld id="{5DEA3F82-8CB4-4B0C-B6BE-1390C73654E0}" type="datetimeFigureOut">
               <a:rPr lang="en-US" smtClean="0"/>
-              <a:t>3/31/19</a:t>
+              <a:t>3/31/2019</a:t>
             </a:fld>
             <a:endParaRPr lang="en-US"/>
           </a:p>
@@ -2151,7 +2151,7 @@
           <a:p>
             <a:fld id="{5DEA3F82-8CB4-4B0C-B6BE-1390C73654E0}" type="datetimeFigureOut">
               <a:rPr lang="en-US" smtClean="0"/>
-              <a:t>3/31/19</a:t>
+              <a:t>3/31/2019</a:t>
             </a:fld>
             <a:endParaRPr lang="en-US"/>
           </a:p>
@@ -2925,7 +2925,7 @@
           <a:p>
             <a:fld id="{5DEA3F82-8CB4-4B0C-B6BE-1390C73654E0}" type="datetimeFigureOut">
               <a:rPr lang="en-US" smtClean="0"/>
-              <a:t>3/31/19</a:t>
+              <a:t>3/31/2019</a:t>
             </a:fld>
             <a:endParaRPr lang="en-US"/>
           </a:p>
@@ -3100,7 +3100,7 @@
           <a:p>
             <a:fld id="{5DEA3F82-8CB4-4B0C-B6BE-1390C73654E0}" type="datetimeFigureOut">
               <a:rPr lang="en-US" smtClean="0"/>
-              <a:t>3/31/19</a:t>
+              <a:t>3/31/2019</a:t>
             </a:fld>
             <a:endParaRPr lang="en-US"/>
           </a:p>
@@ -3323,7 +3323,7 @@
           <a:p>
             <a:fld id="{5DEA3F82-8CB4-4B0C-B6BE-1390C73654E0}" type="datetimeFigureOut">
               <a:rPr lang="en-US" smtClean="0"/>
-              <a:t>3/31/19</a:t>
+              <a:t>3/31/2019</a:t>
             </a:fld>
             <a:endParaRPr lang="en-US"/>
           </a:p>
@@ -3503,7 +3503,7 @@
           <a:p>
             <a:fld id="{5DEA3F82-8CB4-4B0C-B6BE-1390C73654E0}" type="datetimeFigureOut">
               <a:rPr lang="en-US" smtClean="0"/>
-              <a:t>3/31/19</a:t>
+              <a:t>3/31/2019</a:t>
             </a:fld>
             <a:endParaRPr lang="en-US"/>
           </a:p>
@@ -3792,7 +3792,7 @@
           <a:p>
             <a:fld id="{5DEA3F82-8CB4-4B0C-B6BE-1390C73654E0}" type="datetimeFigureOut">
               <a:rPr lang="en-US" smtClean="0"/>
-              <a:t>3/31/19</a:t>
+              <a:t>3/31/2019</a:t>
             </a:fld>
             <a:endParaRPr lang="en-US"/>
           </a:p>
@@ -4034,7 +4034,7 @@
           <a:p>
             <a:fld id="{5DEA3F82-8CB4-4B0C-B6BE-1390C73654E0}" type="datetimeFigureOut">
               <a:rPr lang="en-US" smtClean="0"/>
-              <a:t>3/31/19</a:t>
+              <a:t>3/31/2019</a:t>
             </a:fld>
             <a:endParaRPr lang="en-US"/>
           </a:p>
@@ -4413,7 +4413,7 @@
           <a:p>
             <a:fld id="{5DEA3F82-8CB4-4B0C-B6BE-1390C73654E0}" type="datetimeFigureOut">
               <a:rPr lang="en-US" smtClean="0"/>
-              <a:t>3/31/19</a:t>
+              <a:t>3/31/2019</a:t>
             </a:fld>
             <a:endParaRPr lang="en-US"/>
           </a:p>
@@ -4531,7 +4531,7 @@
           <a:p>
             <a:fld id="{5DEA3F82-8CB4-4B0C-B6BE-1390C73654E0}" type="datetimeFigureOut">
               <a:rPr lang="en-US" smtClean="0"/>
-              <a:t>3/31/19</a:t>
+              <a:t>3/31/2019</a:t>
             </a:fld>
             <a:endParaRPr lang="en-US"/>
           </a:p>
@@ -4626,7 +4626,7 @@
           <a:p>
             <a:fld id="{5DEA3F82-8CB4-4B0C-B6BE-1390C73654E0}" type="datetimeFigureOut">
               <a:rPr lang="en-US" smtClean="0"/>
-              <a:t>3/31/19</a:t>
+              <a:t>3/31/2019</a:t>
             </a:fld>
             <a:endParaRPr lang="en-US"/>
           </a:p>
@@ -4875,7 +4875,7 @@
           <a:p>
             <a:fld id="{5DEA3F82-8CB4-4B0C-B6BE-1390C73654E0}" type="datetimeFigureOut">
               <a:rPr lang="en-US" smtClean="0"/>
-              <a:t>3/31/19</a:t>
+              <a:t>3/31/2019</a:t>
             </a:fld>
             <a:endParaRPr lang="en-US"/>
           </a:p>
@@ -5132,7 +5132,7 @@
           <a:p>
             <a:fld id="{5DEA3F82-8CB4-4B0C-B6BE-1390C73654E0}" type="datetimeFigureOut">
               <a:rPr lang="en-US" smtClean="0"/>
-              <a:t>3/31/19</a:t>
+              <a:t>3/31/2019</a:t>
             </a:fld>
             <a:endParaRPr lang="en-US"/>
           </a:p>
@@ -5375,7 +5375,7 @@
           <a:p>
             <a:fld id="{5DEA3F82-8CB4-4B0C-B6BE-1390C73654E0}" type="datetimeFigureOut">
               <a:rPr lang="en-US" smtClean="0"/>
-              <a:t>3/31/19</a:t>
+              <a:t>3/31/2019</a:t>
             </a:fld>
             <a:endParaRPr lang="en-US"/>
           </a:p>
@@ -5845,7 +5845,7 @@
           <p:cNvPr id="4" name="TextBox 3">
             <a:extLst>
               <a:ext uri="{FF2B5EF4-FFF2-40B4-BE49-F238E27FC236}">
-                <a16:creationId xmlns:a16="http://schemas.microsoft.com/office/drawing/2014/main" id="{FCF9FFDB-DB25-4AFA-B506-312075D34380}"/>
+                <a16:creationId xmlns:a16="http://schemas.microsoft.com/office/drawing/2014/main" xmlns="" id="{FCF9FFDB-DB25-4AFA-B506-312075D34380}"/>
               </a:ext>
             </a:extLst>
           </p:cNvPr>
@@ -5930,7 +5930,7 @@
           <p:cNvPr id="2" name="Title 1">
             <a:extLst>
               <a:ext uri="{FF2B5EF4-FFF2-40B4-BE49-F238E27FC236}">
-                <a16:creationId xmlns:a16="http://schemas.microsoft.com/office/drawing/2014/main" id="{EC0D6666-CF76-4F9D-B356-8C4E5E1D8BE9}"/>
+                <a16:creationId xmlns:a16="http://schemas.microsoft.com/office/drawing/2014/main" xmlns="" id="{EC0D6666-CF76-4F9D-B356-8C4E5E1D8BE9}"/>
               </a:ext>
             </a:extLst>
           </p:cNvPr>
@@ -5965,7 +5965,7 @@
           <p:cNvPr id="4" name="Picture 3" descr="A screenshot of a cell phone&#10;&#10;Description automatically generated">
             <a:extLst>
               <a:ext uri="{FF2B5EF4-FFF2-40B4-BE49-F238E27FC236}">
-                <a16:creationId xmlns:a16="http://schemas.microsoft.com/office/drawing/2014/main" id="{86BFFD9D-DAAD-1B49-B1E8-4F81EF330F24}"/>
+                <a16:creationId xmlns:a16="http://schemas.microsoft.com/office/drawing/2014/main" xmlns="" id="{86BFFD9D-DAAD-1B49-B1E8-4F81EF330F24}"/>
               </a:ext>
             </a:extLst>
           </p:cNvPr>
@@ -6031,7 +6031,7 @@
           <p:cNvPr id="2" name="Title 1">
             <a:extLst>
               <a:ext uri="{FF2B5EF4-FFF2-40B4-BE49-F238E27FC236}">
-                <a16:creationId xmlns:a16="http://schemas.microsoft.com/office/drawing/2014/main" id="{1CFEA6E0-9345-1C43-9594-047B355EECDF}"/>
+                <a16:creationId xmlns:a16="http://schemas.microsoft.com/office/drawing/2014/main" xmlns="" id="{1CFEA6E0-9345-1C43-9594-047B355EECDF}"/>
               </a:ext>
             </a:extLst>
           </p:cNvPr>
@@ -6049,6 +6049,10 @@
           </a:bodyPr>
           <a:lstStyle/>
           <a:p>
+            <a:r>
+              <a:rPr lang="en-US" dirty="0"/>
+              <a:t/>
+            </a:r>
             <a:br>
               <a:rPr lang="en-US" dirty="0"/>
             </a:br>
@@ -6115,7 +6119,7 @@
           <p:cNvPr id="2" name="Title 1">
             <a:extLst>
               <a:ext uri="{FF2B5EF4-FFF2-40B4-BE49-F238E27FC236}">
-                <a16:creationId xmlns:a16="http://schemas.microsoft.com/office/drawing/2014/main" id="{27E5E4B7-0D24-1246-B992-4E761C8D9010}"/>
+                <a16:creationId xmlns:a16="http://schemas.microsoft.com/office/drawing/2014/main" xmlns="" id="{27E5E4B7-0D24-1246-B992-4E761C8D9010}"/>
               </a:ext>
             </a:extLst>
           </p:cNvPr>
@@ -6143,7 +6147,7 @@
           <p:cNvPr id="3" name="Content Placeholder 2">
             <a:extLst>
               <a:ext uri="{FF2B5EF4-FFF2-40B4-BE49-F238E27FC236}">
-                <a16:creationId xmlns:a16="http://schemas.microsoft.com/office/drawing/2014/main" id="{F68D2FE6-AC37-FA4F-B071-B1D2CB6CF5FE}"/>
+                <a16:creationId xmlns:a16="http://schemas.microsoft.com/office/drawing/2014/main" xmlns="" id="{F68D2FE6-AC37-FA4F-B071-B1D2CB6CF5FE}"/>
               </a:ext>
             </a:extLst>
           </p:cNvPr>
@@ -6238,6 +6242,14 @@
   <p:clrMapOvr>
     <a:masterClrMapping/>
   </p:clrMapOvr>
+  <mc:AlternateContent xmlns:mc="http://schemas.openxmlformats.org/markup-compatibility/2006">
+    <mc:Choice xmlns:p14="http://schemas.microsoft.com/office/powerpoint/2010/main" Requires="p14">
+      <p:transition spd="slow" p14:dur="2000"/>
+    </mc:Choice>
+    <mc:Fallback>
+      <p:transition spd="slow"/>
+    </mc:Fallback>
+  </mc:AlternateContent>
 </p:sld>
 </file>
 
@@ -6263,7 +6275,7 @@
           <p:cNvPr id="2" name="Title 1">
             <a:extLst>
               <a:ext uri="{FF2B5EF4-FFF2-40B4-BE49-F238E27FC236}">
-                <a16:creationId xmlns:a16="http://schemas.microsoft.com/office/drawing/2014/main" id="{21D3167F-30A9-4F8D-99EE-386A1F094613}"/>
+                <a16:creationId xmlns:a16="http://schemas.microsoft.com/office/drawing/2014/main" xmlns="" id="{21D3167F-30A9-4F8D-99EE-386A1F094613}"/>
               </a:ext>
             </a:extLst>
           </p:cNvPr>
@@ -6291,7 +6303,7 @@
           <p:cNvPr id="3" name="Content Placeholder 2">
             <a:extLst>
               <a:ext uri="{FF2B5EF4-FFF2-40B4-BE49-F238E27FC236}">
-                <a16:creationId xmlns:a16="http://schemas.microsoft.com/office/drawing/2014/main" id="{571BA543-3A3F-43F0-957D-37B7A83B0853}"/>
+                <a16:creationId xmlns:a16="http://schemas.microsoft.com/office/drawing/2014/main" xmlns="" id="{571BA543-3A3F-43F0-957D-37B7A83B0853}"/>
               </a:ext>
             </a:extLst>
           </p:cNvPr>
@@ -6462,7 +6474,7 @@
           <p:cNvPr id="2" name="Title 1">
             <a:extLst>
               <a:ext uri="{FF2B5EF4-FFF2-40B4-BE49-F238E27FC236}">
-                <a16:creationId xmlns:a16="http://schemas.microsoft.com/office/drawing/2014/main" id="{D8975F0A-4727-47D2-96A8-DFAC0FBD6C91}"/>
+                <a16:creationId xmlns:a16="http://schemas.microsoft.com/office/drawing/2014/main" xmlns="" id="{D8975F0A-4727-47D2-96A8-DFAC0FBD6C91}"/>
               </a:ext>
             </a:extLst>
           </p:cNvPr>
@@ -6490,7 +6502,7 @@
           <p:cNvPr id="3" name="Content Placeholder 2">
             <a:extLst>
               <a:ext uri="{FF2B5EF4-FFF2-40B4-BE49-F238E27FC236}">
-                <a16:creationId xmlns:a16="http://schemas.microsoft.com/office/drawing/2014/main" id="{C69386F3-A2F7-4C59-B5D1-F22F1E51F196}"/>
+                <a16:creationId xmlns:a16="http://schemas.microsoft.com/office/drawing/2014/main" xmlns="" id="{C69386F3-A2F7-4C59-B5D1-F22F1E51F196}"/>
               </a:ext>
             </a:extLst>
           </p:cNvPr>
@@ -6574,7 +6586,7 @@
           <p:cNvPr id="2" name="Title 1">
             <a:extLst>
               <a:ext uri="{FF2B5EF4-FFF2-40B4-BE49-F238E27FC236}">
-                <a16:creationId xmlns:a16="http://schemas.microsoft.com/office/drawing/2014/main" id="{E1C9EF35-DC7C-428F-A8C6-930DEFB1E1DB}"/>
+                <a16:creationId xmlns:a16="http://schemas.microsoft.com/office/drawing/2014/main" xmlns="" id="{E1C9EF35-DC7C-428F-A8C6-930DEFB1E1DB}"/>
               </a:ext>
             </a:extLst>
           </p:cNvPr>
@@ -6602,7 +6614,7 @@
           <p:cNvPr id="3" name="Content Placeholder 2">
             <a:extLst>
               <a:ext uri="{FF2B5EF4-FFF2-40B4-BE49-F238E27FC236}">
-                <a16:creationId xmlns:a16="http://schemas.microsoft.com/office/drawing/2014/main" id="{1B82C285-6A5A-45FC-B1D5-1D0786CBCFB5}"/>
+                <a16:creationId xmlns:a16="http://schemas.microsoft.com/office/drawing/2014/main" xmlns="" id="{1B82C285-6A5A-45FC-B1D5-1D0786CBCFB5}"/>
               </a:ext>
             </a:extLst>
           </p:cNvPr>
@@ -6681,7 +6693,7 @@
           <p:cNvPr id="2" name="Title 1">
             <a:extLst>
               <a:ext uri="{FF2B5EF4-FFF2-40B4-BE49-F238E27FC236}">
-                <a16:creationId xmlns:a16="http://schemas.microsoft.com/office/drawing/2014/main" id="{55A6334A-68E7-42D4-919A-0C62BE53DBB2}"/>
+                <a16:creationId xmlns:a16="http://schemas.microsoft.com/office/drawing/2014/main" xmlns="" id="{55A6334A-68E7-42D4-919A-0C62BE53DBB2}"/>
               </a:ext>
             </a:extLst>
           </p:cNvPr>
@@ -6709,6 +6721,10 @@
               <a:rPr lang="en-US" sz="6700" dirty="0"/>
               <a:t>Thank you!</a:t>
             </a:r>
+            <a:r>
+              <a:rPr lang="en-US" dirty="0"/>
+              <a:t/>
+            </a:r>
             <a:br>
               <a:rPr lang="en-US" dirty="0"/>
             </a:br>
@@ -6721,7 +6737,7 @@
           <p:cNvPr id="3" name="Content Placeholder 2">
             <a:extLst>
               <a:ext uri="{FF2B5EF4-FFF2-40B4-BE49-F238E27FC236}">
-                <a16:creationId xmlns:a16="http://schemas.microsoft.com/office/drawing/2014/main" id="{1C25BB28-A4EC-414D-859C-C7A0FCD1F980}"/>
+                <a16:creationId xmlns:a16="http://schemas.microsoft.com/office/drawing/2014/main" xmlns="" id="{1C25BB28-A4EC-414D-859C-C7A0FCD1F980}"/>
               </a:ext>
             </a:extLst>
           </p:cNvPr>
@@ -6789,7 +6805,7 @@
           <p:cNvPr id="2" name="Title 1">
             <a:extLst>
               <a:ext uri="{FF2B5EF4-FFF2-40B4-BE49-F238E27FC236}">
-                <a16:creationId xmlns:a16="http://schemas.microsoft.com/office/drawing/2014/main" id="{41B5C587-4962-4E00-A54B-F8B9FE251918}"/>
+                <a16:creationId xmlns:a16="http://schemas.microsoft.com/office/drawing/2014/main" xmlns="" id="{41B5C587-4962-4E00-A54B-F8B9FE251918}"/>
               </a:ext>
             </a:extLst>
           </p:cNvPr>
@@ -6817,7 +6833,7 @@
           <p:cNvPr id="3" name="Content Placeholder 2">
             <a:extLst>
               <a:ext uri="{FF2B5EF4-FFF2-40B4-BE49-F238E27FC236}">
-                <a16:creationId xmlns:a16="http://schemas.microsoft.com/office/drawing/2014/main" id="{129B7FB5-54B8-4545-A8C7-1D4B4C033F1E}"/>
+                <a16:creationId xmlns:a16="http://schemas.microsoft.com/office/drawing/2014/main" xmlns="" id="{129B7FB5-54B8-4545-A8C7-1D4B4C033F1E}"/>
               </a:ext>
             </a:extLst>
           </p:cNvPr>
@@ -6857,8 +6873,13 @@
             </a:pPr>
             <a:r>
               <a:rPr lang="en-US" dirty="0"/>
-              <a:t>	1. Which states have the fastest growing job market for computer and mathematical occupations ?</a:t>
-            </a:r>
+              <a:t>	1. Which states have the fastest growing job market for computer and mathematical </a:t>
+            </a:r>
+            <a:r>
+              <a:rPr lang="en-US" dirty="0" smtClean="0"/>
+              <a:t>occupations?</a:t>
+            </a:r>
+            <a:endParaRPr lang="en-US" dirty="0"/>
           </a:p>
           <a:p>
             <a:pPr marL="0" indent="0" algn="r">
@@ -6884,7 +6905,15 @@
             </a:pPr>
             <a:r>
               <a:rPr lang="en-US" dirty="0"/>
-              <a:t>	4. How do computer and mathematical  occupations stack up against other occupation types? </a:t>
+              <a:t>	4. How do computer and mathematical </a:t>
+            </a:r>
+            <a:r>
+              <a:rPr lang="en-US" dirty="0" smtClean="0"/>
+              <a:t>occupations </a:t>
+            </a:r>
+            <a:r>
+              <a:rPr lang="en-US" dirty="0"/>
+              <a:t>stack up against other occupation types? </a:t>
             </a:r>
           </a:p>
           <a:p>
@@ -6951,7 +6980,7 @@
           <p:cNvPr id="2" name="Title 1">
             <a:extLst>
               <a:ext uri="{FF2B5EF4-FFF2-40B4-BE49-F238E27FC236}">
-                <a16:creationId xmlns:a16="http://schemas.microsoft.com/office/drawing/2014/main" id="{B01FBC95-86CC-4C5D-80F0-CF41A33B1E9F}"/>
+                <a16:creationId xmlns:a16="http://schemas.microsoft.com/office/drawing/2014/main" xmlns="" id="{B01FBC95-86CC-4C5D-80F0-CF41A33B1E9F}"/>
               </a:ext>
             </a:extLst>
           </p:cNvPr>
@@ -6979,7 +7008,7 @@
           <p:cNvPr id="3" name="Content Placeholder 2">
             <a:extLst>
               <a:ext uri="{FF2B5EF4-FFF2-40B4-BE49-F238E27FC236}">
-                <a16:creationId xmlns:a16="http://schemas.microsoft.com/office/drawing/2014/main" id="{CACC8578-D28C-470E-8EBE-3E9A3C6434E3}"/>
+                <a16:creationId xmlns:a16="http://schemas.microsoft.com/office/drawing/2014/main" xmlns="" id="{CACC8578-D28C-470E-8EBE-3E9A3C6434E3}"/>
               </a:ext>
             </a:extLst>
           </p:cNvPr>
@@ -7017,7 +7046,7 @@
                 <a:hlinkClick r:id="rId2">
                   <a:extLst>
                     <a:ext uri="{A12FA001-AC4F-418D-AE19-62706E023703}">
-                      <ahyp:hlinkClr xmlns:ahyp="http://schemas.microsoft.com/office/drawing/2018/hyperlinkcolor" val="tx"/>
+                      <ahyp:hlinkClr xmlns:ahyp="http://schemas.microsoft.com/office/drawing/2018/hyperlinkcolor" xmlns="" val="tx"/>
                     </a:ext>
                   </a:extLst>
                 </a:hlinkClick>
@@ -7060,7 +7089,7 @@
                 <a:hlinkClick r:id="rId3">
                   <a:extLst>
                     <a:ext uri="{A12FA001-AC4F-418D-AE19-62706E023703}">
-                      <ahyp:hlinkClr xmlns:ahyp="http://schemas.microsoft.com/office/drawing/2018/hyperlinkcolor" val="tx"/>
+                      <ahyp:hlinkClr xmlns:ahyp="http://schemas.microsoft.com/office/drawing/2018/hyperlinkcolor" xmlns="" val="tx"/>
                     </a:ext>
                   </a:extLst>
                 </a:hlinkClick>
@@ -7093,7 +7122,7 @@
           <p:cNvPr id="4" name="Picture 3">
             <a:extLst>
               <a:ext uri="{FF2B5EF4-FFF2-40B4-BE49-F238E27FC236}">
-                <a16:creationId xmlns:a16="http://schemas.microsoft.com/office/drawing/2014/main" id="{E7D53E29-B383-4B9D-A554-11B128DFEE9B}"/>
+                <a16:creationId xmlns:a16="http://schemas.microsoft.com/office/drawing/2014/main" xmlns="" id="{E7D53E29-B383-4B9D-A554-11B128DFEE9B}"/>
               </a:ext>
             </a:extLst>
           </p:cNvPr>
@@ -7123,7 +7152,7 @@
           <p:cNvPr id="6" name="Picture 5">
             <a:extLst>
               <a:ext uri="{FF2B5EF4-FFF2-40B4-BE49-F238E27FC236}">
-                <a16:creationId xmlns:a16="http://schemas.microsoft.com/office/drawing/2014/main" id="{064340ED-E940-4A96-89BA-D2EE55992785}"/>
+                <a16:creationId xmlns:a16="http://schemas.microsoft.com/office/drawing/2014/main" xmlns="" id="{064340ED-E940-4A96-89BA-D2EE55992785}"/>
               </a:ext>
             </a:extLst>
           </p:cNvPr>
@@ -7189,7 +7218,7 @@
           <p:cNvPr id="3" name="Content Placeholder 2">
             <a:extLst>
               <a:ext uri="{FF2B5EF4-FFF2-40B4-BE49-F238E27FC236}">
-                <a16:creationId xmlns:a16="http://schemas.microsoft.com/office/drawing/2014/main" id="{75897B1C-3F8F-4B5D-8723-E5115AF5882A}"/>
+                <a16:creationId xmlns:a16="http://schemas.microsoft.com/office/drawing/2014/main" xmlns="" id="{75897B1C-3F8F-4B5D-8723-E5115AF5882A}"/>
               </a:ext>
             </a:extLst>
           </p:cNvPr>
@@ -7276,7 +7305,7 @@
           <p:cNvPr id="5" name="Picture 12">
             <a:extLst>
               <a:ext uri="{FF2B5EF4-FFF2-40B4-BE49-F238E27FC236}">
-                <a16:creationId xmlns:a16="http://schemas.microsoft.com/office/drawing/2014/main" id="{6F0AC7CD-13B1-49CA-A210-0FEA7F648B7C}"/>
+                <a16:creationId xmlns:a16="http://schemas.microsoft.com/office/drawing/2014/main" xmlns="" id="{6F0AC7CD-13B1-49CA-A210-0FEA7F648B7C}"/>
               </a:ext>
             </a:extLst>
           </p:cNvPr>
@@ -7400,7 +7429,7 @@
           <p:cNvPr id="5" name="Content Placeholder 2">
             <a:extLst>
               <a:ext uri="{FF2B5EF4-FFF2-40B4-BE49-F238E27FC236}">
-                <a16:creationId xmlns:a16="http://schemas.microsoft.com/office/drawing/2014/main" id="{75897B1C-3F8F-4B5D-8723-E5115AF5882A}"/>
+                <a16:creationId xmlns:a16="http://schemas.microsoft.com/office/drawing/2014/main" xmlns="" id="{75897B1C-3F8F-4B5D-8723-E5115AF5882A}"/>
               </a:ext>
             </a:extLst>
           </p:cNvPr>
@@ -7643,7 +7672,7 @@
           <p:cNvPr id="6" name="Picture 10">
             <a:extLst>
               <a:ext uri="{FF2B5EF4-FFF2-40B4-BE49-F238E27FC236}">
-                <a16:creationId xmlns:a16="http://schemas.microsoft.com/office/drawing/2014/main" id="{C7E7A439-E819-4DB7-B4F7-A25B98A49CCC}"/>
+                <a16:creationId xmlns:a16="http://schemas.microsoft.com/office/drawing/2014/main" xmlns="" id="{C7E7A439-E819-4DB7-B4F7-A25B98A49CCC}"/>
               </a:ext>
             </a:extLst>
           </p:cNvPr>
@@ -7767,7 +7796,7 @@
           <p:cNvPr id="3" name="Content Placeholder 2">
             <a:extLst>
               <a:ext uri="{FF2B5EF4-FFF2-40B4-BE49-F238E27FC236}">
-                <a16:creationId xmlns:a16="http://schemas.microsoft.com/office/drawing/2014/main" id="{A1BF3F66-EBAC-4059-95DC-84F0A2D0D9F8}"/>
+                <a16:creationId xmlns:a16="http://schemas.microsoft.com/office/drawing/2014/main" xmlns="" id="{A1BF3F66-EBAC-4059-95DC-84F0A2D0D9F8}"/>
               </a:ext>
             </a:extLst>
           </p:cNvPr>
@@ -7816,7 +7845,7 @@
           <p:cNvPr id="1028" name="Picture 4">
             <a:extLst>
               <a:ext uri="{FF2B5EF4-FFF2-40B4-BE49-F238E27FC236}">
-                <a16:creationId xmlns:a16="http://schemas.microsoft.com/office/drawing/2014/main" id="{642F8360-CC0D-4DD9-9C82-369B6108FA21}"/>
+                <a16:creationId xmlns:a16="http://schemas.microsoft.com/office/drawing/2014/main" xmlns="" id="{642F8360-CC0D-4DD9-9C82-369B6108FA21}"/>
               </a:ext>
             </a:extLst>
           </p:cNvPr>
@@ -7941,7 +7970,7 @@
           <p:cNvPr id="2" name="Title 1">
             <a:extLst>
               <a:ext uri="{FF2B5EF4-FFF2-40B4-BE49-F238E27FC236}">
-                <a16:creationId xmlns:a16="http://schemas.microsoft.com/office/drawing/2014/main" id="{AB68570A-62BD-4471-B097-C694410375A6}"/>
+                <a16:creationId xmlns:a16="http://schemas.microsoft.com/office/drawing/2014/main" xmlns="" id="{AB68570A-62BD-4471-B097-C694410375A6}"/>
               </a:ext>
             </a:extLst>
           </p:cNvPr>
@@ -7969,7 +7998,7 @@
           <p:cNvPr id="5" name="Content Placeholder 4">
             <a:extLst>
               <a:ext uri="{FF2B5EF4-FFF2-40B4-BE49-F238E27FC236}">
-                <a16:creationId xmlns:a16="http://schemas.microsoft.com/office/drawing/2014/main" id="{EEB80261-BFDA-43BA-9A2B-7566F24FD572}"/>
+                <a16:creationId xmlns:a16="http://schemas.microsoft.com/office/drawing/2014/main" xmlns="" id="{EEB80261-BFDA-43BA-9A2B-7566F24FD572}"/>
               </a:ext>
             </a:extLst>
           </p:cNvPr>
@@ -8004,7 +8033,7 @@
           <p:cNvPr id="7" name="Picture 6">
             <a:extLst>
               <a:ext uri="{FF2B5EF4-FFF2-40B4-BE49-F238E27FC236}">
-                <a16:creationId xmlns:a16="http://schemas.microsoft.com/office/drawing/2014/main" id="{AD43CADE-D702-44C9-9494-04A14FD16E34}"/>
+                <a16:creationId xmlns:a16="http://schemas.microsoft.com/office/drawing/2014/main" xmlns="" id="{AD43CADE-D702-44C9-9494-04A14FD16E34}"/>
               </a:ext>
             </a:extLst>
           </p:cNvPr>
@@ -8070,7 +8099,7 @@
           <p:cNvPr id="2" name="Title 1">
             <a:extLst>
               <a:ext uri="{FF2B5EF4-FFF2-40B4-BE49-F238E27FC236}">
-                <a16:creationId xmlns:a16="http://schemas.microsoft.com/office/drawing/2014/main" id="{A596BA33-7754-4852-A943-2BF56BC5ACEE}"/>
+                <a16:creationId xmlns:a16="http://schemas.microsoft.com/office/drawing/2014/main" xmlns="" id="{A596BA33-7754-4852-A943-2BF56BC5ACEE}"/>
               </a:ext>
             </a:extLst>
           </p:cNvPr>
@@ -8103,7 +8132,7 @@
           <p:cNvPr id="4" name="Content Placeholder 3">
             <a:extLst>
               <a:ext uri="{FF2B5EF4-FFF2-40B4-BE49-F238E27FC236}">
-                <a16:creationId xmlns:a16="http://schemas.microsoft.com/office/drawing/2014/main" id="{491C927E-30F3-4185-BE20-0B6D3C5A74A6}"/>
+                <a16:creationId xmlns:a16="http://schemas.microsoft.com/office/drawing/2014/main" xmlns="" id="{491C927E-30F3-4185-BE20-0B6D3C5A74A6}"/>
               </a:ext>
             </a:extLst>
           </p:cNvPr>
@@ -8133,21 +8162,21 @@
                 <a:gridCol w="1647559">
                   <a:extLst>
                     <a:ext uri="{9D8B030D-6E8A-4147-A177-3AD203B41FA5}">
-                      <a16:colId xmlns:a16="http://schemas.microsoft.com/office/drawing/2014/main" val="957085690"/>
+                      <a16:colId xmlns:a16="http://schemas.microsoft.com/office/drawing/2014/main" xmlns="" val="957085690"/>
                     </a:ext>
                   </a:extLst>
                 </a:gridCol>
                 <a:gridCol w="1647559">
                   <a:extLst>
                     <a:ext uri="{9D8B030D-6E8A-4147-A177-3AD203B41FA5}">
-                      <a16:colId xmlns:a16="http://schemas.microsoft.com/office/drawing/2014/main" val="3984160696"/>
+                      <a16:colId xmlns:a16="http://schemas.microsoft.com/office/drawing/2014/main" xmlns="" val="3984160696"/>
                     </a:ext>
                   </a:extLst>
                 </a:gridCol>
                 <a:gridCol w="1924582">
                   <a:extLst>
                     <a:ext uri="{9D8B030D-6E8A-4147-A177-3AD203B41FA5}">
-                      <a16:colId xmlns:a16="http://schemas.microsoft.com/office/drawing/2014/main" val="3944266915"/>
+                      <a16:colId xmlns:a16="http://schemas.microsoft.com/office/drawing/2014/main" xmlns="" val="3944266915"/>
                     </a:ext>
                   </a:extLst>
                 </a:gridCol>
@@ -8245,7 +8274,7 @@
                 </a:tc>
                 <a:extLst>
                   <a:ext uri="{0D108BD9-81ED-4DB2-BD59-A6C34878D82A}">
-                    <a16:rowId xmlns:a16="http://schemas.microsoft.com/office/drawing/2014/main" val="3101018803"/>
+                    <a16:rowId xmlns:a16="http://schemas.microsoft.com/office/drawing/2014/main" xmlns="" val="3101018803"/>
                   </a:ext>
                 </a:extLst>
               </a:tr>
@@ -8330,7 +8359,7 @@
                 </a:tc>
                 <a:extLst>
                   <a:ext uri="{0D108BD9-81ED-4DB2-BD59-A6C34878D82A}">
-                    <a16:rowId xmlns:a16="http://schemas.microsoft.com/office/drawing/2014/main" val="3649961185"/>
+                    <a16:rowId xmlns:a16="http://schemas.microsoft.com/office/drawing/2014/main" xmlns="" val="3649961185"/>
                   </a:ext>
                 </a:extLst>
               </a:tr>
@@ -8415,7 +8444,7 @@
                 </a:tc>
                 <a:extLst>
                   <a:ext uri="{0D108BD9-81ED-4DB2-BD59-A6C34878D82A}">
-                    <a16:rowId xmlns:a16="http://schemas.microsoft.com/office/drawing/2014/main" val="3566758617"/>
+                    <a16:rowId xmlns:a16="http://schemas.microsoft.com/office/drawing/2014/main" xmlns="" val="3566758617"/>
                   </a:ext>
                 </a:extLst>
               </a:tr>
@@ -8500,7 +8529,7 @@
                 </a:tc>
                 <a:extLst>
                   <a:ext uri="{0D108BD9-81ED-4DB2-BD59-A6C34878D82A}">
-                    <a16:rowId xmlns:a16="http://schemas.microsoft.com/office/drawing/2014/main" val="2431465096"/>
+                    <a16:rowId xmlns:a16="http://schemas.microsoft.com/office/drawing/2014/main" xmlns="" val="2431465096"/>
                   </a:ext>
                 </a:extLst>
               </a:tr>
@@ -8585,7 +8614,7 @@
                 </a:tc>
                 <a:extLst>
                   <a:ext uri="{0D108BD9-81ED-4DB2-BD59-A6C34878D82A}">
-                    <a16:rowId xmlns:a16="http://schemas.microsoft.com/office/drawing/2014/main" val="1755834529"/>
+                    <a16:rowId xmlns:a16="http://schemas.microsoft.com/office/drawing/2014/main" xmlns="" val="1755834529"/>
                   </a:ext>
                 </a:extLst>
               </a:tr>
@@ -8670,7 +8699,7 @@
                 </a:tc>
                 <a:extLst>
                   <a:ext uri="{0D108BD9-81ED-4DB2-BD59-A6C34878D82A}">
-                    <a16:rowId xmlns:a16="http://schemas.microsoft.com/office/drawing/2014/main" val="4151097572"/>
+                    <a16:rowId xmlns:a16="http://schemas.microsoft.com/office/drawing/2014/main" xmlns="" val="4151097572"/>
                   </a:ext>
                 </a:extLst>
               </a:tr>
@@ -8755,7 +8784,7 @@
                 </a:tc>
                 <a:extLst>
                   <a:ext uri="{0D108BD9-81ED-4DB2-BD59-A6C34878D82A}">
-                    <a16:rowId xmlns:a16="http://schemas.microsoft.com/office/drawing/2014/main" val="1023807493"/>
+                    <a16:rowId xmlns:a16="http://schemas.microsoft.com/office/drawing/2014/main" xmlns="" val="1023807493"/>
                   </a:ext>
                 </a:extLst>
               </a:tr>
@@ -8846,7 +8875,7 @@
                 </a:tc>
                 <a:extLst>
                   <a:ext uri="{0D108BD9-81ED-4DB2-BD59-A6C34878D82A}">
-                    <a16:rowId xmlns:a16="http://schemas.microsoft.com/office/drawing/2014/main" val="1166867636"/>
+                    <a16:rowId xmlns:a16="http://schemas.microsoft.com/office/drawing/2014/main" xmlns="" val="1166867636"/>
                   </a:ext>
                 </a:extLst>
               </a:tr>
@@ -8937,7 +8966,7 @@
                 </a:tc>
                 <a:extLst>
                   <a:ext uri="{0D108BD9-81ED-4DB2-BD59-A6C34878D82A}">
-                    <a16:rowId xmlns:a16="http://schemas.microsoft.com/office/drawing/2014/main" val="4172888325"/>
+                    <a16:rowId xmlns:a16="http://schemas.microsoft.com/office/drawing/2014/main" xmlns="" val="4172888325"/>
                   </a:ext>
                 </a:extLst>
               </a:tr>
@@ -8950,7 +8979,7 @@
           <p:cNvPr id="5" name="TextBox 4">
             <a:extLst>
               <a:ext uri="{FF2B5EF4-FFF2-40B4-BE49-F238E27FC236}">
-                <a16:creationId xmlns:a16="http://schemas.microsoft.com/office/drawing/2014/main" id="{4E286D4F-4DA4-47A6-B4A1-69C59C04C373}"/>
+                <a16:creationId xmlns:a16="http://schemas.microsoft.com/office/drawing/2014/main" xmlns="" id="{4E286D4F-4DA4-47A6-B4A1-69C59C04C373}"/>
               </a:ext>
             </a:extLst>
           </p:cNvPr>
@@ -9077,7 +9106,7 @@
           <p:cNvPr id="5" name="Picture 4" descr="A screenshot of a cell phone&#10;&#10;Description automatically generated">
             <a:extLst>
               <a:ext uri="{FF2B5EF4-FFF2-40B4-BE49-F238E27FC236}">
-                <a16:creationId xmlns:a16="http://schemas.microsoft.com/office/drawing/2014/main" id="{5DF69AB2-A8CD-0444-9BE9-B09AE4043E5C}"/>
+                <a16:creationId xmlns:a16="http://schemas.microsoft.com/office/drawing/2014/main" xmlns="" id="{5DF69AB2-A8CD-0444-9BE9-B09AE4043E5C}"/>
               </a:ext>
             </a:extLst>
           </p:cNvPr>
@@ -9113,7 +9142,7 @@
           <p:cNvPr id="2" name="Title 1">
             <a:extLst>
               <a:ext uri="{FF2B5EF4-FFF2-40B4-BE49-F238E27FC236}">
-                <a16:creationId xmlns:a16="http://schemas.microsoft.com/office/drawing/2014/main" id="{1B85EE37-585C-E64B-A7B4-E9E8C734F5D4}"/>
+                <a16:creationId xmlns:a16="http://schemas.microsoft.com/office/drawing/2014/main" xmlns="" id="{1B85EE37-585C-E64B-A7B4-E9E8C734F5D4}"/>
               </a:ext>
             </a:extLst>
           </p:cNvPr>
@@ -9139,6 +9168,10 @@
             <a:r>
               <a:rPr lang="en-US" sz="3400" dirty="0"/>
               <a:t>The overall employment status by occupations in US: 2017</a:t>
+            </a:r>
+            <a:r>
+              <a:rPr lang="en-US" dirty="0"/>
+              <a:t/>
             </a:r>
             <a:br>
               <a:rPr lang="en-US" dirty="0"/>

--- a/Group_5_Presentation.pptx
+++ b/Group_5_Presentation.pptx
@@ -323,7 +323,7 @@
           <a:p>
             <a:fld id="{5DEA3F82-8CB4-4B0C-B6BE-1390C73654E0}" type="datetimeFigureOut">
               <a:rPr lang="en-US" smtClean="0"/>
-              <a:t>3/31/2019</a:t>
+              <a:t>4/1/2019</a:t>
             </a:fld>
             <a:endParaRPr lang="en-US"/>
           </a:p>
@@ -590,7 +590,7 @@
           <a:p>
             <a:fld id="{5DEA3F82-8CB4-4B0C-B6BE-1390C73654E0}" type="datetimeFigureOut">
               <a:rPr lang="en-US" smtClean="0"/>
-              <a:t>3/31/2019</a:t>
+              <a:t>4/1/2019</a:t>
             </a:fld>
             <a:endParaRPr lang="en-US"/>
           </a:p>
@@ -821,7 +821,7 @@
           <a:p>
             <a:fld id="{5DEA3F82-8CB4-4B0C-B6BE-1390C73654E0}" type="datetimeFigureOut">
               <a:rPr lang="en-US" smtClean="0"/>
-              <a:t>3/31/2019</a:t>
+              <a:t>4/1/2019</a:t>
             </a:fld>
             <a:endParaRPr lang="en-US"/>
           </a:p>
@@ -1131,7 +1131,7 @@
           <a:p>
             <a:fld id="{5DEA3F82-8CB4-4B0C-B6BE-1390C73654E0}" type="datetimeFigureOut">
               <a:rPr lang="en-US" smtClean="0"/>
-              <a:t>3/31/2019</a:t>
+              <a:t>4/1/2019</a:t>
             </a:fld>
             <a:endParaRPr lang="en-US"/>
           </a:p>
@@ -1604,7 +1604,7 @@
           <a:p>
             <a:fld id="{5DEA3F82-8CB4-4B0C-B6BE-1390C73654E0}" type="datetimeFigureOut">
               <a:rPr lang="en-US" smtClean="0"/>
-              <a:t>3/31/2019</a:t>
+              <a:t>4/1/2019</a:t>
             </a:fld>
             <a:endParaRPr lang="en-US"/>
           </a:p>
@@ -2151,7 +2151,7 @@
           <a:p>
             <a:fld id="{5DEA3F82-8CB4-4B0C-B6BE-1390C73654E0}" type="datetimeFigureOut">
               <a:rPr lang="en-US" smtClean="0"/>
-              <a:t>3/31/2019</a:t>
+              <a:t>4/1/2019</a:t>
             </a:fld>
             <a:endParaRPr lang="en-US"/>
           </a:p>
@@ -2925,7 +2925,7 @@
           <a:p>
             <a:fld id="{5DEA3F82-8CB4-4B0C-B6BE-1390C73654E0}" type="datetimeFigureOut">
               <a:rPr lang="en-US" smtClean="0"/>
-              <a:t>3/31/2019</a:t>
+              <a:t>4/1/2019</a:t>
             </a:fld>
             <a:endParaRPr lang="en-US"/>
           </a:p>
@@ -3100,7 +3100,7 @@
           <a:p>
             <a:fld id="{5DEA3F82-8CB4-4B0C-B6BE-1390C73654E0}" type="datetimeFigureOut">
               <a:rPr lang="en-US" smtClean="0"/>
-              <a:t>3/31/2019</a:t>
+              <a:t>4/1/2019</a:t>
             </a:fld>
             <a:endParaRPr lang="en-US"/>
           </a:p>
@@ -3323,7 +3323,7 @@
           <a:p>
             <a:fld id="{5DEA3F82-8CB4-4B0C-B6BE-1390C73654E0}" type="datetimeFigureOut">
               <a:rPr lang="en-US" smtClean="0"/>
-              <a:t>3/31/2019</a:t>
+              <a:t>4/1/2019</a:t>
             </a:fld>
             <a:endParaRPr lang="en-US"/>
           </a:p>
@@ -3503,7 +3503,7 @@
           <a:p>
             <a:fld id="{5DEA3F82-8CB4-4B0C-B6BE-1390C73654E0}" type="datetimeFigureOut">
               <a:rPr lang="en-US" smtClean="0"/>
-              <a:t>3/31/2019</a:t>
+              <a:t>4/1/2019</a:t>
             </a:fld>
             <a:endParaRPr lang="en-US"/>
           </a:p>
@@ -3792,7 +3792,7 @@
           <a:p>
             <a:fld id="{5DEA3F82-8CB4-4B0C-B6BE-1390C73654E0}" type="datetimeFigureOut">
               <a:rPr lang="en-US" smtClean="0"/>
-              <a:t>3/31/2019</a:t>
+              <a:t>4/1/2019</a:t>
             </a:fld>
             <a:endParaRPr lang="en-US"/>
           </a:p>
@@ -4034,7 +4034,7 @@
           <a:p>
             <a:fld id="{5DEA3F82-8CB4-4B0C-B6BE-1390C73654E0}" type="datetimeFigureOut">
               <a:rPr lang="en-US" smtClean="0"/>
-              <a:t>3/31/2019</a:t>
+              <a:t>4/1/2019</a:t>
             </a:fld>
             <a:endParaRPr lang="en-US"/>
           </a:p>
@@ -4413,7 +4413,7 @@
           <a:p>
             <a:fld id="{5DEA3F82-8CB4-4B0C-B6BE-1390C73654E0}" type="datetimeFigureOut">
               <a:rPr lang="en-US" smtClean="0"/>
-              <a:t>3/31/2019</a:t>
+              <a:t>4/1/2019</a:t>
             </a:fld>
             <a:endParaRPr lang="en-US"/>
           </a:p>
@@ -4531,7 +4531,7 @@
           <a:p>
             <a:fld id="{5DEA3F82-8CB4-4B0C-B6BE-1390C73654E0}" type="datetimeFigureOut">
               <a:rPr lang="en-US" smtClean="0"/>
-              <a:t>3/31/2019</a:t>
+              <a:t>4/1/2019</a:t>
             </a:fld>
             <a:endParaRPr lang="en-US"/>
           </a:p>
@@ -4626,7 +4626,7 @@
           <a:p>
             <a:fld id="{5DEA3F82-8CB4-4B0C-B6BE-1390C73654E0}" type="datetimeFigureOut">
               <a:rPr lang="en-US" smtClean="0"/>
-              <a:t>3/31/2019</a:t>
+              <a:t>4/1/2019</a:t>
             </a:fld>
             <a:endParaRPr lang="en-US"/>
           </a:p>
@@ -4875,7 +4875,7 @@
           <a:p>
             <a:fld id="{5DEA3F82-8CB4-4B0C-B6BE-1390C73654E0}" type="datetimeFigureOut">
               <a:rPr lang="en-US" smtClean="0"/>
-              <a:t>3/31/2019</a:t>
+              <a:t>4/1/2019</a:t>
             </a:fld>
             <a:endParaRPr lang="en-US"/>
           </a:p>
@@ -5132,7 +5132,7 @@
           <a:p>
             <a:fld id="{5DEA3F82-8CB4-4B0C-B6BE-1390C73654E0}" type="datetimeFigureOut">
               <a:rPr lang="en-US" smtClean="0"/>
-              <a:t>3/31/2019</a:t>
+              <a:t>4/1/2019</a:t>
             </a:fld>
             <a:endParaRPr lang="en-US"/>
           </a:p>
@@ -5375,7 +5375,7 @@
           <a:p>
             <a:fld id="{5DEA3F82-8CB4-4B0C-B6BE-1390C73654E0}" type="datetimeFigureOut">
               <a:rPr lang="en-US" smtClean="0"/>
-              <a:t>3/31/2019</a:t>
+              <a:t>4/1/2019</a:t>
             </a:fld>
             <a:endParaRPr lang="en-US"/>
           </a:p>
@@ -5845,7 +5845,7 @@
           <p:cNvPr id="4" name="TextBox 3">
             <a:extLst>
               <a:ext uri="{FF2B5EF4-FFF2-40B4-BE49-F238E27FC236}">
-                <a16:creationId xmlns:a16="http://schemas.microsoft.com/office/drawing/2014/main" xmlns="" id="{FCF9FFDB-DB25-4AFA-B506-312075D34380}"/>
+                <a16:creationId xmlns="" xmlns:a16="http://schemas.microsoft.com/office/drawing/2014/main" id="{FCF9FFDB-DB25-4AFA-B506-312075D34380}"/>
               </a:ext>
             </a:extLst>
           </p:cNvPr>
@@ -5855,7 +5855,7 @@
         <p:spPr>
           <a:xfrm>
             <a:off x="1371600" y="4781641"/>
-            <a:ext cx="3052261" cy="1661993"/>
+            <a:ext cx="3052261" cy="1384995"/>
           </a:xfrm>
           <a:prstGeom prst="rect">
             <a:avLst/>
@@ -5887,11 +5887,13 @@
           <a:p>
             <a:r>
               <a:rPr lang="en-US" sz="2800" b="1" dirty="0"/>
-              <a:t>&amp; Lei Qin</a:t>
-            </a:r>
-          </a:p>
-          <a:p>
-            <a:endParaRPr lang="en-US" dirty="0"/>
+              <a:t>&amp; Lei </a:t>
+            </a:r>
+            <a:r>
+              <a:rPr lang="en-US" sz="2800" b="1" dirty="0" smtClean="0"/>
+              <a:t>Qin</a:t>
+            </a:r>
+            <a:endParaRPr lang="en-US" sz="2800" b="1" dirty="0"/>
           </a:p>
         </p:txBody>
       </p:sp>
@@ -5930,7 +5932,7 @@
           <p:cNvPr id="2" name="Title 1">
             <a:extLst>
               <a:ext uri="{FF2B5EF4-FFF2-40B4-BE49-F238E27FC236}">
-                <a16:creationId xmlns:a16="http://schemas.microsoft.com/office/drawing/2014/main" xmlns="" id="{EC0D6666-CF76-4F9D-B356-8C4E5E1D8BE9}"/>
+                <a16:creationId xmlns="" xmlns:a16="http://schemas.microsoft.com/office/drawing/2014/main" id="{EC0D6666-CF76-4F9D-B356-8C4E5E1D8BE9}"/>
               </a:ext>
             </a:extLst>
           </p:cNvPr>
@@ -5955,7 +5957,15 @@
           <a:p>
             <a:r>
               <a:rPr lang="en-US" sz="3400" dirty="0"/>
-              <a:t>The employment status in Computer and Mathematical Occupation in US: 2017</a:t>
+              <a:t>The employment status in Computer and Mathematical </a:t>
+            </a:r>
+            <a:r>
+              <a:rPr lang="en-US" sz="3400" dirty="0"/>
+              <a:t>occupations </a:t>
+            </a:r>
+            <a:r>
+              <a:rPr lang="en-US" sz="3400" dirty="0"/>
+              <a:t>in US: 2017</a:t>
             </a:r>
           </a:p>
         </p:txBody>
@@ -5965,7 +5975,7 @@
           <p:cNvPr id="4" name="Picture 3" descr="A screenshot of a cell phone&#10;&#10;Description automatically generated">
             <a:extLst>
               <a:ext uri="{FF2B5EF4-FFF2-40B4-BE49-F238E27FC236}">
-                <a16:creationId xmlns:a16="http://schemas.microsoft.com/office/drawing/2014/main" xmlns="" id="{86BFFD9D-DAAD-1B49-B1E8-4F81EF330F24}"/>
+                <a16:creationId xmlns="" xmlns:a16="http://schemas.microsoft.com/office/drawing/2014/main" id="{86BFFD9D-DAAD-1B49-B1E8-4F81EF330F24}"/>
               </a:ext>
             </a:extLst>
           </p:cNvPr>
@@ -6031,7 +6041,7 @@
           <p:cNvPr id="2" name="Title 1">
             <a:extLst>
               <a:ext uri="{FF2B5EF4-FFF2-40B4-BE49-F238E27FC236}">
-                <a16:creationId xmlns:a16="http://schemas.microsoft.com/office/drawing/2014/main" xmlns="" id="{1CFEA6E0-9345-1C43-9594-047B355EECDF}"/>
+                <a16:creationId xmlns="" xmlns:a16="http://schemas.microsoft.com/office/drawing/2014/main" id="{1CFEA6E0-9345-1C43-9594-047B355EECDF}"/>
               </a:ext>
             </a:extLst>
           </p:cNvPr>
@@ -6119,7 +6129,7 @@
           <p:cNvPr id="2" name="Title 1">
             <a:extLst>
               <a:ext uri="{FF2B5EF4-FFF2-40B4-BE49-F238E27FC236}">
-                <a16:creationId xmlns:a16="http://schemas.microsoft.com/office/drawing/2014/main" xmlns="" id="{27E5E4B7-0D24-1246-B992-4E761C8D9010}"/>
+                <a16:creationId xmlns="" xmlns:a16="http://schemas.microsoft.com/office/drawing/2014/main" id="{27E5E4B7-0D24-1246-B992-4E761C8D9010}"/>
               </a:ext>
             </a:extLst>
           </p:cNvPr>
@@ -6147,7 +6157,7 @@
           <p:cNvPr id="3" name="Content Placeholder 2">
             <a:extLst>
               <a:ext uri="{FF2B5EF4-FFF2-40B4-BE49-F238E27FC236}">
-                <a16:creationId xmlns:a16="http://schemas.microsoft.com/office/drawing/2014/main" xmlns="" id="{F68D2FE6-AC37-FA4F-B071-B1D2CB6CF5FE}"/>
+                <a16:creationId xmlns="" xmlns:a16="http://schemas.microsoft.com/office/drawing/2014/main" id="{F68D2FE6-AC37-FA4F-B071-B1D2CB6CF5FE}"/>
               </a:ext>
             </a:extLst>
           </p:cNvPr>
@@ -6178,8 +6188,12 @@
           <a:p>
             <a:pPr lvl="1"/>
             <a:r>
+              <a:rPr lang="en-US" dirty="0" smtClean="0"/>
+              <a:t>National </a:t>
+            </a:r>
+            <a:r>
               <a:rPr lang="en-US" dirty="0"/>
-              <a:t>Nation level top 3: administrative support, sales and food preparation and serving</a:t>
+              <a:t>level top 3: administrative support, sales and food preparation and serving</a:t>
             </a:r>
           </a:p>
           <a:p>
@@ -6212,8 +6226,21 @@
             <a:pPr lvl="1"/>
             <a:r>
               <a:rPr lang="en-US" dirty="0"/>
-              <a:t>Top 3: software developers, computer user support specialists and computer analysts are the highest</a:t>
-            </a:r>
+              <a:t>Top </a:t>
+            </a:r>
+            <a:r>
+              <a:rPr lang="en-US" dirty="0" smtClean="0"/>
+              <a:t>3 job titles: </a:t>
+            </a:r>
+            <a:r>
+              <a:rPr lang="en-US" dirty="0"/>
+              <a:t>software developers, computer user support specialists and computer </a:t>
+            </a:r>
+            <a:r>
+              <a:rPr lang="en-US" dirty="0" smtClean="0"/>
+              <a:t>analysts</a:t>
+            </a:r>
+            <a:endParaRPr lang="en-US" dirty="0"/>
           </a:p>
           <a:p>
             <a:pPr marL="457200" lvl="1" indent="0">
@@ -6242,11 +6269,11 @@
   <p:clrMapOvr>
     <a:masterClrMapping/>
   </p:clrMapOvr>
-  <mc:AlternateContent xmlns:mc="http://schemas.openxmlformats.org/markup-compatibility/2006">
-    <mc:Choice xmlns:p14="http://schemas.microsoft.com/office/powerpoint/2010/main" Requires="p14">
+  <mc:AlternateContent xmlns:mc="http://schemas.openxmlformats.org/markup-compatibility/2006" xmlns:p14="http://schemas.microsoft.com/office/powerpoint/2010/main">
+    <mc:Choice Requires="p14">
       <p:transition spd="slow" p14:dur="2000"/>
     </mc:Choice>
-    <mc:Fallback>
+    <mc:Fallback xmlns="">
       <p:transition spd="slow"/>
     </mc:Fallback>
   </mc:AlternateContent>
@@ -6275,7 +6302,7 @@
           <p:cNvPr id="2" name="Title 1">
             <a:extLst>
               <a:ext uri="{FF2B5EF4-FFF2-40B4-BE49-F238E27FC236}">
-                <a16:creationId xmlns:a16="http://schemas.microsoft.com/office/drawing/2014/main" xmlns="" id="{21D3167F-30A9-4F8D-99EE-386A1F094613}"/>
+                <a16:creationId xmlns="" xmlns:a16="http://schemas.microsoft.com/office/drawing/2014/main" id="{21D3167F-30A9-4F8D-99EE-386A1F094613}"/>
               </a:ext>
             </a:extLst>
           </p:cNvPr>
@@ -6303,7 +6330,7 @@
           <p:cNvPr id="3" name="Content Placeholder 2">
             <a:extLst>
               <a:ext uri="{FF2B5EF4-FFF2-40B4-BE49-F238E27FC236}">
-                <a16:creationId xmlns:a16="http://schemas.microsoft.com/office/drawing/2014/main" xmlns="" id="{571BA543-3A3F-43F0-957D-37B7A83B0853}"/>
+                <a16:creationId xmlns="" xmlns:a16="http://schemas.microsoft.com/office/drawing/2014/main" id="{571BA543-3A3F-43F0-957D-37B7A83B0853}"/>
               </a:ext>
             </a:extLst>
           </p:cNvPr>
@@ -6328,7 +6355,27 @@
           <a:p>
             <a:r>
               <a:rPr lang="en-US" sz="2400" dirty="0"/>
-              <a:t>Fastest YOY growth for 2017 vs 2016: </a:t>
+              <a:t>Fastest YOY growth </a:t>
+            </a:r>
+            <a:r>
+              <a:rPr lang="en-US" sz="2400" dirty="0" smtClean="0"/>
+              <a:t>(‘</a:t>
+            </a:r>
+            <a:r>
+              <a:rPr lang="en-US" sz="2400" dirty="0" smtClean="0"/>
+              <a:t>17 </a:t>
+            </a:r>
+            <a:r>
+              <a:rPr lang="en-US" sz="2400" dirty="0"/>
+              <a:t>vs </a:t>
+            </a:r>
+            <a:r>
+              <a:rPr lang="en-US" sz="2400" dirty="0" smtClean="0"/>
+              <a:t>‘</a:t>
+            </a:r>
+            <a:r>
+              <a:rPr lang="en-US" sz="2400" dirty="0" smtClean="0"/>
+              <a:t>16) for Comp &amp; Math occupations: </a:t>
             </a:r>
             <a:r>
               <a:rPr lang="en-US" sz="2400" b="1" dirty="0"/>
@@ -6338,7 +6385,11 @@
           <a:p>
             <a:r>
               <a:rPr lang="en-US" sz="2400" dirty="0"/>
-              <a:t>Slowest YOY growth for 2017 vs 2016: </a:t>
+              <a:t>Slowest </a:t>
+            </a:r>
+            <a:r>
+              <a:rPr lang="en-US" sz="2400" dirty="0" smtClean="0"/>
+              <a:t>YOY growth (‘17 vs ‘16) for Comp &amp; Math occupations : </a:t>
             </a:r>
             <a:r>
               <a:rPr lang="en-US" sz="2400" b="1" dirty="0"/>
@@ -6348,13 +6399,30 @@
           <a:p>
             <a:r>
               <a:rPr lang="en-US" sz="2400" dirty="0"/>
-              <a:t>Larger population did not mean higher job growth</a:t>
-            </a:r>
-          </a:p>
-          <a:p>
+              <a:t>Larger population </a:t>
+            </a:r>
+            <a:r>
+              <a:rPr lang="en-US" sz="2400" dirty="0" smtClean="0"/>
+              <a:t>size does not necessarily </a:t>
+            </a:r>
             <a:r>
               <a:rPr lang="en-US" sz="2400" dirty="0"/>
-              <a:t>Occupation with fastest YOY growth for 2017 vs 2016 : </a:t>
+              <a:t>mean higher job </a:t>
+            </a:r>
+            <a:r>
+              <a:rPr lang="en-US" sz="2400" dirty="0"/>
+              <a:t>growth </a:t>
+            </a:r>
+            <a:endParaRPr lang="en-US" sz="2400" dirty="0" smtClean="0"/>
+          </a:p>
+          <a:p>
+            <a:r>
+              <a:rPr lang="en-US" sz="2400" dirty="0" smtClean="0"/>
+              <a:t>Occupation </a:t>
+            </a:r>
+            <a:r>
+              <a:rPr lang="en-US" sz="2400" dirty="0"/>
+              <a:t>with fastest YOY growth for 2017 vs 2016 : </a:t>
             </a:r>
             <a:r>
               <a:rPr lang="en-US" sz="2400" b="1" dirty="0"/>
@@ -6474,7 +6542,7 @@
           <p:cNvPr id="2" name="Title 1">
             <a:extLst>
               <a:ext uri="{FF2B5EF4-FFF2-40B4-BE49-F238E27FC236}">
-                <a16:creationId xmlns:a16="http://schemas.microsoft.com/office/drawing/2014/main" xmlns="" id="{D8975F0A-4727-47D2-96A8-DFAC0FBD6C91}"/>
+                <a16:creationId xmlns="" xmlns:a16="http://schemas.microsoft.com/office/drawing/2014/main" id="{D8975F0A-4727-47D2-96A8-DFAC0FBD6C91}"/>
               </a:ext>
             </a:extLst>
           </p:cNvPr>
@@ -6502,7 +6570,7 @@
           <p:cNvPr id="3" name="Content Placeholder 2">
             <a:extLst>
               <a:ext uri="{FF2B5EF4-FFF2-40B4-BE49-F238E27FC236}">
-                <a16:creationId xmlns:a16="http://schemas.microsoft.com/office/drawing/2014/main" xmlns="" id="{C69386F3-A2F7-4C59-B5D1-F22F1E51F196}"/>
+                <a16:creationId xmlns="" xmlns:a16="http://schemas.microsoft.com/office/drawing/2014/main" id="{C69386F3-A2F7-4C59-B5D1-F22F1E51F196}"/>
               </a:ext>
             </a:extLst>
           </p:cNvPr>
@@ -6586,7 +6654,7 @@
           <p:cNvPr id="2" name="Title 1">
             <a:extLst>
               <a:ext uri="{FF2B5EF4-FFF2-40B4-BE49-F238E27FC236}">
-                <a16:creationId xmlns:a16="http://schemas.microsoft.com/office/drawing/2014/main" xmlns="" id="{E1C9EF35-DC7C-428F-A8C6-930DEFB1E1DB}"/>
+                <a16:creationId xmlns="" xmlns:a16="http://schemas.microsoft.com/office/drawing/2014/main" id="{E1C9EF35-DC7C-428F-A8C6-930DEFB1E1DB}"/>
               </a:ext>
             </a:extLst>
           </p:cNvPr>
@@ -6614,7 +6682,7 @@
           <p:cNvPr id="3" name="Content Placeholder 2">
             <a:extLst>
               <a:ext uri="{FF2B5EF4-FFF2-40B4-BE49-F238E27FC236}">
-                <a16:creationId xmlns:a16="http://schemas.microsoft.com/office/drawing/2014/main" xmlns="" id="{1B82C285-6A5A-45FC-B1D5-1D0786CBCFB5}"/>
+                <a16:creationId xmlns="" xmlns:a16="http://schemas.microsoft.com/office/drawing/2014/main" id="{1B82C285-6A5A-45FC-B1D5-1D0786CBCFB5}"/>
               </a:ext>
             </a:extLst>
           </p:cNvPr>
@@ -6693,7 +6761,7 @@
           <p:cNvPr id="2" name="Title 1">
             <a:extLst>
               <a:ext uri="{FF2B5EF4-FFF2-40B4-BE49-F238E27FC236}">
-                <a16:creationId xmlns:a16="http://schemas.microsoft.com/office/drawing/2014/main" xmlns="" id="{55A6334A-68E7-42D4-919A-0C62BE53DBB2}"/>
+                <a16:creationId xmlns="" xmlns:a16="http://schemas.microsoft.com/office/drawing/2014/main" id="{55A6334A-68E7-42D4-919A-0C62BE53DBB2}"/>
               </a:ext>
             </a:extLst>
           </p:cNvPr>
@@ -6737,7 +6805,7 @@
           <p:cNvPr id="3" name="Content Placeholder 2">
             <a:extLst>
               <a:ext uri="{FF2B5EF4-FFF2-40B4-BE49-F238E27FC236}">
-                <a16:creationId xmlns:a16="http://schemas.microsoft.com/office/drawing/2014/main" xmlns="" id="{1C25BB28-A4EC-414D-859C-C7A0FCD1F980}"/>
+                <a16:creationId xmlns="" xmlns:a16="http://schemas.microsoft.com/office/drawing/2014/main" id="{1C25BB28-A4EC-414D-859C-C7A0FCD1F980}"/>
               </a:ext>
             </a:extLst>
           </p:cNvPr>
@@ -6805,7 +6873,7 @@
           <p:cNvPr id="2" name="Title 1">
             <a:extLst>
               <a:ext uri="{FF2B5EF4-FFF2-40B4-BE49-F238E27FC236}">
-                <a16:creationId xmlns:a16="http://schemas.microsoft.com/office/drawing/2014/main" xmlns="" id="{41B5C587-4962-4E00-A54B-F8B9FE251918}"/>
+                <a16:creationId xmlns="" xmlns:a16="http://schemas.microsoft.com/office/drawing/2014/main" id="{41B5C587-4962-4E00-A54B-F8B9FE251918}"/>
               </a:ext>
             </a:extLst>
           </p:cNvPr>
@@ -6833,7 +6901,7 @@
           <p:cNvPr id="3" name="Content Placeholder 2">
             <a:extLst>
               <a:ext uri="{FF2B5EF4-FFF2-40B4-BE49-F238E27FC236}">
-                <a16:creationId xmlns:a16="http://schemas.microsoft.com/office/drawing/2014/main" xmlns="" id="{129B7FB5-54B8-4545-A8C7-1D4B4C033F1E}"/>
+                <a16:creationId xmlns="" xmlns:a16="http://schemas.microsoft.com/office/drawing/2014/main" id="{129B7FB5-54B8-4545-A8C7-1D4B4C033F1E}"/>
               </a:ext>
             </a:extLst>
           </p:cNvPr>
@@ -6980,7 +7048,7 @@
           <p:cNvPr id="2" name="Title 1">
             <a:extLst>
               <a:ext uri="{FF2B5EF4-FFF2-40B4-BE49-F238E27FC236}">
-                <a16:creationId xmlns:a16="http://schemas.microsoft.com/office/drawing/2014/main" xmlns="" id="{B01FBC95-86CC-4C5D-80F0-CF41A33B1E9F}"/>
+                <a16:creationId xmlns="" xmlns:a16="http://schemas.microsoft.com/office/drawing/2014/main" id="{B01FBC95-86CC-4C5D-80F0-CF41A33B1E9F}"/>
               </a:ext>
             </a:extLst>
           </p:cNvPr>
@@ -7008,7 +7076,7 @@
           <p:cNvPr id="3" name="Content Placeholder 2">
             <a:extLst>
               <a:ext uri="{FF2B5EF4-FFF2-40B4-BE49-F238E27FC236}">
-                <a16:creationId xmlns:a16="http://schemas.microsoft.com/office/drawing/2014/main" xmlns="" id="{CACC8578-D28C-470E-8EBE-3E9A3C6434E3}"/>
+                <a16:creationId xmlns="" xmlns:a16="http://schemas.microsoft.com/office/drawing/2014/main" id="{CACC8578-D28C-470E-8EBE-3E9A3C6434E3}"/>
               </a:ext>
             </a:extLst>
           </p:cNvPr>
@@ -7046,7 +7114,7 @@
                 <a:hlinkClick r:id="rId2">
                   <a:extLst>
                     <a:ext uri="{A12FA001-AC4F-418D-AE19-62706E023703}">
-                      <ahyp:hlinkClr xmlns:ahyp="http://schemas.microsoft.com/office/drawing/2018/hyperlinkcolor" xmlns="" val="tx"/>
+                      <ahyp:hlinkClr xmlns="" xmlns:ahyp="http://schemas.microsoft.com/office/drawing/2018/hyperlinkcolor" val="tx"/>
                     </a:ext>
                   </a:extLst>
                 </a:hlinkClick>
@@ -7089,7 +7157,7 @@
                 <a:hlinkClick r:id="rId3">
                   <a:extLst>
                     <a:ext uri="{A12FA001-AC4F-418D-AE19-62706E023703}">
-                      <ahyp:hlinkClr xmlns:ahyp="http://schemas.microsoft.com/office/drawing/2018/hyperlinkcolor" xmlns="" val="tx"/>
+                      <ahyp:hlinkClr xmlns="" xmlns:ahyp="http://schemas.microsoft.com/office/drawing/2018/hyperlinkcolor" val="tx"/>
                     </a:ext>
                   </a:extLst>
                 </a:hlinkClick>
@@ -7122,7 +7190,7 @@
           <p:cNvPr id="4" name="Picture 3">
             <a:extLst>
               <a:ext uri="{FF2B5EF4-FFF2-40B4-BE49-F238E27FC236}">
-                <a16:creationId xmlns:a16="http://schemas.microsoft.com/office/drawing/2014/main" xmlns="" id="{E7D53E29-B383-4B9D-A554-11B128DFEE9B}"/>
+                <a16:creationId xmlns="" xmlns:a16="http://schemas.microsoft.com/office/drawing/2014/main" id="{E7D53E29-B383-4B9D-A554-11B128DFEE9B}"/>
               </a:ext>
             </a:extLst>
           </p:cNvPr>
@@ -7152,7 +7220,7 @@
           <p:cNvPr id="6" name="Picture 5">
             <a:extLst>
               <a:ext uri="{FF2B5EF4-FFF2-40B4-BE49-F238E27FC236}">
-                <a16:creationId xmlns:a16="http://schemas.microsoft.com/office/drawing/2014/main" xmlns="" id="{064340ED-E940-4A96-89BA-D2EE55992785}"/>
+                <a16:creationId xmlns="" xmlns:a16="http://schemas.microsoft.com/office/drawing/2014/main" id="{064340ED-E940-4A96-89BA-D2EE55992785}"/>
               </a:ext>
             </a:extLst>
           </p:cNvPr>
@@ -7218,7 +7286,7 @@
           <p:cNvPr id="3" name="Content Placeholder 2">
             <a:extLst>
               <a:ext uri="{FF2B5EF4-FFF2-40B4-BE49-F238E27FC236}">
-                <a16:creationId xmlns:a16="http://schemas.microsoft.com/office/drawing/2014/main" xmlns="" id="{75897B1C-3F8F-4B5D-8723-E5115AF5882A}"/>
+                <a16:creationId xmlns="" xmlns:a16="http://schemas.microsoft.com/office/drawing/2014/main" id="{75897B1C-3F8F-4B5D-8723-E5115AF5882A}"/>
               </a:ext>
             </a:extLst>
           </p:cNvPr>
@@ -7245,10 +7313,17 @@
               <a:buNone/>
             </a:pPr>
             <a:r>
-              <a:rPr lang="en-US" sz="2500" dirty="0"/>
-              <a:t>States chosen based on fastest YOY growth for 2017 vs 2016.  Included US as a comparison point</a:t>
-            </a:r>
-            <a:endParaRPr lang="en-US" sz="100" dirty="0"/>
+              <a:rPr lang="en-US" sz="2600" dirty="0"/>
+              <a:t>States chosen based on fastest YOY growth for 2017 vs </a:t>
+            </a:r>
+            <a:r>
+              <a:rPr lang="en-US" sz="2600" dirty="0" smtClean="0"/>
+              <a:t>2016 for Computer and Mathematical Occupations.  </a:t>
+            </a:r>
+            <a:r>
+              <a:rPr lang="en-US" sz="2600" dirty="0"/>
+              <a:t>Included US as a comparison point</a:t>
+            </a:r>
           </a:p>
           <a:p>
             <a:r>
@@ -7259,13 +7334,46 @@
           <a:p>
             <a:r>
               <a:rPr lang="en-US" dirty="0"/>
-              <a:t>Top 3 fastest states/territories are Guam, Montana, and Utah.  Both Guam and Montana show a volatile job market from 2014-2017</a:t>
-            </a:r>
-          </a:p>
-          <a:p>
+              <a:t>Top 3 </a:t>
+            </a:r>
+            <a:r>
+              <a:rPr lang="en-US" dirty="0" smtClean="0"/>
+              <a:t>states/territories </a:t>
+            </a:r>
             <a:r>
               <a:rPr lang="en-US" dirty="0"/>
-              <a:t>Utah also did not grow as much as it did in 2016, like the overall US, but continued to experience a strong job market</a:t>
+              <a:t>are Guam, Montana, and Utah.  Both Guam and Montana show a volatile job market from </a:t>
+            </a:r>
+            <a:r>
+              <a:rPr lang="en-US" dirty="0" smtClean="0"/>
+              <a:t>at least 2015-2017</a:t>
+            </a:r>
+            <a:endParaRPr lang="en-US" dirty="0"/>
+          </a:p>
+          <a:p>
+            <a:r>
+              <a:rPr lang="en-US" dirty="0"/>
+              <a:t>Utah </a:t>
+            </a:r>
+            <a:r>
+              <a:rPr lang="en-US" dirty="0" smtClean="0"/>
+              <a:t>did </a:t>
+            </a:r>
+            <a:r>
+              <a:rPr lang="en-US" dirty="0"/>
+              <a:t>not grow as much as it did in 2016, like the </a:t>
+            </a:r>
+            <a:r>
+              <a:rPr lang="en-US" dirty="0" smtClean="0"/>
+              <a:t>total</a:t>
+            </a:r>
+            <a:r>
+              <a:rPr lang="en-US" dirty="0" smtClean="0"/>
+              <a:t> </a:t>
+            </a:r>
+            <a:r>
+              <a:rPr lang="en-US" dirty="0"/>
+              <a:t>US, but continued to experience a strong job market</a:t>
             </a:r>
           </a:p>
           <a:p>
@@ -7292,7 +7400,7 @@
         </p:blipFill>
         <p:spPr>
           <a:xfrm>
-            <a:off x="115909" y="2704882"/>
+            <a:off x="115909" y="2043880"/>
             <a:ext cx="3493583" cy="1120141"/>
           </a:xfrm>
           <a:prstGeom prst="rect">
@@ -7305,7 +7413,7 @@
           <p:cNvPr id="5" name="Picture 12">
             <a:extLst>
               <a:ext uri="{FF2B5EF4-FFF2-40B4-BE49-F238E27FC236}">
-                <a16:creationId xmlns:a16="http://schemas.microsoft.com/office/drawing/2014/main" xmlns="" id="{6F0AC7CD-13B1-49CA-A210-0FEA7F648B7C}"/>
+                <a16:creationId xmlns="" xmlns:a16="http://schemas.microsoft.com/office/drawing/2014/main" id="{6F0AC7CD-13B1-49CA-A210-0FEA7F648B7C}"/>
               </a:ext>
             </a:extLst>
           </p:cNvPr>
@@ -7347,53 +7455,6 @@
           </a:extLst>
         </p:spPr>
       </p:pic>
-      <p:sp>
-        <p:nvSpPr>
-          <p:cNvPr id="6" name="TextBox 5"/>
-          <p:cNvSpPr txBox="1"/>
-          <p:nvPr/>
-        </p:nvSpPr>
-        <p:spPr>
-          <a:xfrm>
-            <a:off x="0" y="473532"/>
-            <a:ext cx="4043966" cy="1785104"/>
-          </a:xfrm>
-          <a:prstGeom prst="rect">
-            <a:avLst/>
-          </a:prstGeom>
-          <a:noFill/>
-        </p:spPr>
-        <p:txBody>
-          <a:bodyPr wrap="square" rtlCol="0">
-            <a:spAutoFit/>
-          </a:bodyPr>
-          <a:lstStyle/>
-          <a:p>
-            <a:r>
-              <a:rPr lang="en-US" sz="1000" dirty="0">
-                <a:solidFill>
-                  <a:schemeClr val="tx1">
-                    <a:lumMod val="95000"/>
-                  </a:schemeClr>
-                </a:solidFill>
-              </a:rPr>
-              <a:t>Job titles included:</a:t>
-            </a:r>
-          </a:p>
-          <a:p>
-            <a:r>
-              <a:rPr lang="en-US" sz="1000" dirty="0">
-                <a:solidFill>
-                  <a:schemeClr val="tx1">
-                    <a:lumMod val="95000"/>
-                  </a:schemeClr>
-                </a:solidFill>
-              </a:rPr>
-              <a:t>Computer and Mathematical Occupations, Computer and Information Research Scientists, Computer Systems Analysts, Information Security Analysts, Computer Programmers, Software Developers (Applications), Software Developers (Systems Software), Web Developers, Database Administrators, Network and Computer Systems Administrators, Computer Network Architects, Computer User Support Specialists, Computer Network Support Specialists, Computer Occupations - All Other, Actuaries, Mathematicians, Operations Research Analysts, &amp; Statisticians</a:t>
-            </a:r>
-          </a:p>
-        </p:txBody>
-      </p:sp>
     </p:spTree>
     <p:extLst>
       <p:ext uri="{BB962C8B-B14F-4D97-AF65-F5344CB8AC3E}">
@@ -7429,7 +7490,7 @@
           <p:cNvPr id="5" name="Content Placeholder 2">
             <a:extLst>
               <a:ext uri="{FF2B5EF4-FFF2-40B4-BE49-F238E27FC236}">
-                <a16:creationId xmlns:a16="http://schemas.microsoft.com/office/drawing/2014/main" xmlns="" id="{75897B1C-3F8F-4B5D-8723-E5115AF5882A}"/>
+                <a16:creationId xmlns="" xmlns:a16="http://schemas.microsoft.com/office/drawing/2014/main" id="{75897B1C-3F8F-4B5D-8723-E5115AF5882A}"/>
               </a:ext>
             </a:extLst>
           </p:cNvPr>
@@ -7617,24 +7678,48 @@
           </a:lstStyle>
           <a:p>
             <a:pPr marL="0" indent="0">
-              <a:buFont typeface="Arial" panose="020B0604020202020204" pitchFamily="34" charset="0"/>
               <a:buNone/>
             </a:pPr>
             <a:r>
-              <a:rPr lang="en-US" sz="2700" dirty="0"/>
-              <a:t>Bottom three states chosen based on slowest YOY growth for 2017 vs 2016.  Included US as a comparison point</a:t>
-            </a:r>
-          </a:p>
-          <a:p>
+              <a:rPr lang="en-US" sz="2800" dirty="0"/>
+              <a:t>States chosen based on </a:t>
+            </a:r>
+            <a:r>
+              <a:rPr lang="en-US" sz="2800" dirty="0" smtClean="0"/>
+              <a:t>slowest </a:t>
+            </a:r>
+            <a:r>
+              <a:rPr lang="en-US" sz="2800" dirty="0"/>
+              <a:t>YOY growth for 2017 vs 2016 for Computer and Mathematical Occupations.  Included US as a comparison point</a:t>
+            </a:r>
+          </a:p>
+          <a:p>
+            <a:r>
+              <a:rPr lang="en-US" sz="2400" dirty="0" smtClean="0"/>
+              <a:t>The </a:t>
+            </a:r>
             <a:r>
               <a:rPr lang="en-US" sz="2400" dirty="0"/>
-              <a:t>The three bottom states are Louisiana, New Mexico, and Minnesota.  All three of these states experienced growth in 2016.  Out of the three, New Mexico experienced the largest % decline</a:t>
-            </a:r>
+              <a:t>three bottom states are Louisiana, New Mexico, and Minnesota.  All three of these states experienced growth in 2016.  Out of the three, New Mexico experienced the largest % </a:t>
+            </a:r>
+            <a:r>
+              <a:rPr lang="en-US" sz="2400" dirty="0" smtClean="0"/>
+              <a:t>decline from 2016 to 2017</a:t>
+            </a:r>
+            <a:endParaRPr lang="en-US" sz="2400" dirty="0"/>
           </a:p>
           <a:p>
             <a:r>
               <a:rPr lang="en-US" sz="2400" dirty="0"/>
-              <a:t>All three of these state outgrew total US in 2014, but did not exceed overall US growth in 2015, 2016, or 2017</a:t>
+              <a:t>All three of these </a:t>
+            </a:r>
+            <a:r>
+              <a:rPr lang="en-US" sz="2400" dirty="0" smtClean="0"/>
+              <a:t>states </a:t>
+            </a:r>
+            <a:r>
+              <a:rPr lang="en-US" sz="2400" dirty="0"/>
+              <a:t>outgrew total US in 2014, but did not exceed overall US growth in 2015, 2016, or 2017</a:t>
             </a:r>
             <a:endParaRPr lang="en-US" dirty="0"/>
           </a:p>
@@ -7659,7 +7744,7 @@
         </p:blipFill>
         <p:spPr>
           <a:xfrm>
-            <a:off x="115909" y="2702871"/>
+            <a:off x="115909" y="2038000"/>
             <a:ext cx="3451538" cy="1070721"/>
           </a:xfrm>
           <a:prstGeom prst="rect">
@@ -7672,7 +7757,7 @@
           <p:cNvPr id="6" name="Picture 10">
             <a:extLst>
               <a:ext uri="{FF2B5EF4-FFF2-40B4-BE49-F238E27FC236}">
-                <a16:creationId xmlns:a16="http://schemas.microsoft.com/office/drawing/2014/main" xmlns="" id="{C7E7A439-E819-4DB7-B4F7-A25B98A49CCC}"/>
+                <a16:creationId xmlns="" xmlns:a16="http://schemas.microsoft.com/office/drawing/2014/main" id="{C7E7A439-E819-4DB7-B4F7-A25B98A49CCC}"/>
               </a:ext>
             </a:extLst>
           </p:cNvPr>
@@ -7714,53 +7799,6 @@
           </a:extLst>
         </p:spPr>
       </p:pic>
-      <p:sp>
-        <p:nvSpPr>
-          <p:cNvPr id="2" name="TextBox 1"/>
-          <p:cNvSpPr txBox="1"/>
-          <p:nvPr/>
-        </p:nvSpPr>
-        <p:spPr>
-          <a:xfrm>
-            <a:off x="0" y="473529"/>
-            <a:ext cx="4043966" cy="1785104"/>
-          </a:xfrm>
-          <a:prstGeom prst="rect">
-            <a:avLst/>
-          </a:prstGeom>
-          <a:noFill/>
-        </p:spPr>
-        <p:txBody>
-          <a:bodyPr wrap="square" rtlCol="0">
-            <a:spAutoFit/>
-          </a:bodyPr>
-          <a:lstStyle/>
-          <a:p>
-            <a:r>
-              <a:rPr lang="en-US" sz="1000" dirty="0">
-                <a:solidFill>
-                  <a:schemeClr val="tx1">
-                    <a:lumMod val="95000"/>
-                  </a:schemeClr>
-                </a:solidFill>
-              </a:rPr>
-              <a:t>Job titles included:</a:t>
-            </a:r>
-          </a:p>
-          <a:p>
-            <a:r>
-              <a:rPr lang="en-US" sz="1000" dirty="0">
-                <a:solidFill>
-                  <a:schemeClr val="tx1">
-                    <a:lumMod val="95000"/>
-                  </a:schemeClr>
-                </a:solidFill>
-              </a:rPr>
-              <a:t>Computer and Mathematical Occupations, Computer and Information Research Scientists, Computer Systems Analysts, Information Security Analysts, Computer Programmers, Software Developers (Applications), Software Developers (Systems Software), Web Developers, Database Administrators, Network and Computer Systems Administrators, Computer Network Architects, Computer User Support Specialists, Computer Network Support Specialists, Computer Occupations - All Other, Actuaries, Mathematicians, Operations Research Analysts, &amp; Statisticians</a:t>
-            </a:r>
-          </a:p>
-        </p:txBody>
-      </p:sp>
     </p:spTree>
     <p:extLst>
       <p:ext uri="{BB962C8B-B14F-4D97-AF65-F5344CB8AC3E}">
@@ -7796,7 +7834,7 @@
           <p:cNvPr id="3" name="Content Placeholder 2">
             <a:extLst>
               <a:ext uri="{FF2B5EF4-FFF2-40B4-BE49-F238E27FC236}">
-                <a16:creationId xmlns:a16="http://schemas.microsoft.com/office/drawing/2014/main" xmlns="" id="{A1BF3F66-EBAC-4059-95DC-84F0A2D0D9F8}"/>
+                <a16:creationId xmlns="" xmlns:a16="http://schemas.microsoft.com/office/drawing/2014/main" id="{A1BF3F66-EBAC-4059-95DC-84F0A2D0D9F8}"/>
               </a:ext>
             </a:extLst>
           </p:cNvPr>
@@ -7809,7 +7847,7 @@
         </p:nvSpPr>
         <p:spPr>
           <a:xfrm>
-            <a:off x="579549" y="295089"/>
+            <a:off x="561788" y="501929"/>
             <a:ext cx="11075831" cy="1894319"/>
           </a:xfrm>
         </p:spPr>
@@ -7828,7 +7866,15 @@
             <a:pPr lvl="1"/>
             <a:r>
               <a:rPr lang="en-US" dirty="0"/>
-              <a:t>Surprisingly, a larger population did not necessarily translate to higher job growth in this case</a:t>
+              <a:t>A</a:t>
+            </a:r>
+            <a:r>
+              <a:rPr lang="en-US" dirty="0" smtClean="0"/>
+              <a:t> </a:t>
+            </a:r>
+            <a:r>
+              <a:rPr lang="en-US" dirty="0"/>
+              <a:t>larger population did not necessarily translate to higher job growth in this case</a:t>
             </a:r>
           </a:p>
           <a:p>
@@ -7845,7 +7891,7 @@
           <p:cNvPr id="1028" name="Picture 4">
             <a:extLst>
               <a:ext uri="{FF2B5EF4-FFF2-40B4-BE49-F238E27FC236}">
-                <a16:creationId xmlns:a16="http://schemas.microsoft.com/office/drawing/2014/main" xmlns="" id="{642F8360-CC0D-4DD9-9C82-369B6108FA21}"/>
+                <a16:creationId xmlns="" xmlns:a16="http://schemas.microsoft.com/office/drawing/2014/main" id="{642F8360-CC0D-4DD9-9C82-369B6108FA21}"/>
               </a:ext>
             </a:extLst>
           </p:cNvPr>
@@ -7889,7 +7935,7 @@
       </p:pic>
       <p:pic>
         <p:nvPicPr>
-          <p:cNvPr id="2" name="Picture 1"/>
+          <p:cNvPr id="4" name="Picture 3"/>
           <p:cNvPicPr>
             <a:picLocks noChangeAspect="1"/>
           </p:cNvPicPr>
@@ -7903,8 +7949,8 @@
         </p:blipFill>
         <p:spPr>
           <a:xfrm>
-            <a:off x="8316442" y="2697735"/>
-            <a:ext cx="3519243" cy="1662282"/>
+            <a:off x="8316441" y="2616189"/>
+            <a:ext cx="3475723" cy="1804094"/>
           </a:xfrm>
           <a:prstGeom prst="rect">
             <a:avLst/>
@@ -7913,7 +7959,7 @@
       </p:pic>
       <p:pic>
         <p:nvPicPr>
-          <p:cNvPr id="6" name="Picture 5"/>
+          <p:cNvPr id="5" name="Picture 4"/>
           <p:cNvPicPr>
             <a:picLocks noChangeAspect="1"/>
           </p:cNvPicPr>
@@ -7927,8 +7973,8 @@
         </p:blipFill>
         <p:spPr>
           <a:xfrm>
-            <a:off x="8316442" y="4539543"/>
-            <a:ext cx="3475723" cy="1410497"/>
+            <a:off x="8316441" y="4640224"/>
+            <a:ext cx="3475723" cy="1549997"/>
           </a:xfrm>
           <a:prstGeom prst="rect">
             <a:avLst/>
@@ -7970,7 +8016,7 @@
           <p:cNvPr id="2" name="Title 1">
             <a:extLst>
               <a:ext uri="{FF2B5EF4-FFF2-40B4-BE49-F238E27FC236}">
-                <a16:creationId xmlns:a16="http://schemas.microsoft.com/office/drawing/2014/main" xmlns="" id="{AB68570A-62BD-4471-B097-C694410375A6}"/>
+                <a16:creationId xmlns="" xmlns:a16="http://schemas.microsoft.com/office/drawing/2014/main" id="{AB68570A-62BD-4471-B097-C694410375A6}"/>
               </a:ext>
             </a:extLst>
           </p:cNvPr>
@@ -7998,7 +8044,7 @@
           <p:cNvPr id="5" name="Content Placeholder 4">
             <a:extLst>
               <a:ext uri="{FF2B5EF4-FFF2-40B4-BE49-F238E27FC236}">
-                <a16:creationId xmlns:a16="http://schemas.microsoft.com/office/drawing/2014/main" xmlns="" id="{EEB80261-BFDA-43BA-9A2B-7566F24FD572}"/>
+                <a16:creationId xmlns="" xmlns:a16="http://schemas.microsoft.com/office/drawing/2014/main" id="{EEB80261-BFDA-43BA-9A2B-7566F24FD572}"/>
               </a:ext>
             </a:extLst>
           </p:cNvPr>
@@ -8033,7 +8079,7 @@
           <p:cNvPr id="7" name="Picture 6">
             <a:extLst>
               <a:ext uri="{FF2B5EF4-FFF2-40B4-BE49-F238E27FC236}">
-                <a16:creationId xmlns:a16="http://schemas.microsoft.com/office/drawing/2014/main" xmlns="" id="{AD43CADE-D702-44C9-9494-04A14FD16E34}"/>
+                <a16:creationId xmlns="" xmlns:a16="http://schemas.microsoft.com/office/drawing/2014/main" id="{AD43CADE-D702-44C9-9494-04A14FD16E34}"/>
               </a:ext>
             </a:extLst>
           </p:cNvPr>
@@ -8099,7 +8145,7 @@
           <p:cNvPr id="2" name="Title 1">
             <a:extLst>
               <a:ext uri="{FF2B5EF4-FFF2-40B4-BE49-F238E27FC236}">
-                <a16:creationId xmlns:a16="http://schemas.microsoft.com/office/drawing/2014/main" xmlns="" id="{A596BA33-7754-4852-A943-2BF56BC5ACEE}"/>
+                <a16:creationId xmlns="" xmlns:a16="http://schemas.microsoft.com/office/drawing/2014/main" id="{A596BA33-7754-4852-A943-2BF56BC5ACEE}"/>
               </a:ext>
             </a:extLst>
           </p:cNvPr>
@@ -8132,7 +8178,7 @@
           <p:cNvPr id="4" name="Content Placeholder 3">
             <a:extLst>
               <a:ext uri="{FF2B5EF4-FFF2-40B4-BE49-F238E27FC236}">
-                <a16:creationId xmlns:a16="http://schemas.microsoft.com/office/drawing/2014/main" xmlns="" id="{491C927E-30F3-4185-BE20-0B6D3C5A74A6}"/>
+                <a16:creationId xmlns="" xmlns:a16="http://schemas.microsoft.com/office/drawing/2014/main" id="{491C927E-30F3-4185-BE20-0B6D3C5A74A6}"/>
               </a:ext>
             </a:extLst>
           </p:cNvPr>
@@ -8162,21 +8208,21 @@
                 <a:gridCol w="1647559">
                   <a:extLst>
                     <a:ext uri="{9D8B030D-6E8A-4147-A177-3AD203B41FA5}">
-                      <a16:colId xmlns:a16="http://schemas.microsoft.com/office/drawing/2014/main" xmlns="" val="957085690"/>
+                      <a16:colId xmlns="" xmlns:a16="http://schemas.microsoft.com/office/drawing/2014/main" val="957085690"/>
                     </a:ext>
                   </a:extLst>
                 </a:gridCol>
                 <a:gridCol w="1647559">
                   <a:extLst>
                     <a:ext uri="{9D8B030D-6E8A-4147-A177-3AD203B41FA5}">
-                      <a16:colId xmlns:a16="http://schemas.microsoft.com/office/drawing/2014/main" xmlns="" val="3984160696"/>
+                      <a16:colId xmlns="" xmlns:a16="http://schemas.microsoft.com/office/drawing/2014/main" val="3984160696"/>
                     </a:ext>
                   </a:extLst>
                 </a:gridCol>
                 <a:gridCol w="1924582">
                   <a:extLst>
                     <a:ext uri="{9D8B030D-6E8A-4147-A177-3AD203B41FA5}">
-                      <a16:colId xmlns:a16="http://schemas.microsoft.com/office/drawing/2014/main" xmlns="" val="3944266915"/>
+                      <a16:colId xmlns="" xmlns:a16="http://schemas.microsoft.com/office/drawing/2014/main" val="3944266915"/>
                     </a:ext>
                   </a:extLst>
                 </a:gridCol>
@@ -8274,7 +8320,7 @@
                 </a:tc>
                 <a:extLst>
                   <a:ext uri="{0D108BD9-81ED-4DB2-BD59-A6C34878D82A}">
-                    <a16:rowId xmlns:a16="http://schemas.microsoft.com/office/drawing/2014/main" xmlns="" val="3101018803"/>
+                    <a16:rowId xmlns="" xmlns:a16="http://schemas.microsoft.com/office/drawing/2014/main" val="3101018803"/>
                   </a:ext>
                 </a:extLst>
               </a:tr>
@@ -8359,7 +8405,7 @@
                 </a:tc>
                 <a:extLst>
                   <a:ext uri="{0D108BD9-81ED-4DB2-BD59-A6C34878D82A}">
-                    <a16:rowId xmlns:a16="http://schemas.microsoft.com/office/drawing/2014/main" xmlns="" val="3649961185"/>
+                    <a16:rowId xmlns="" xmlns:a16="http://schemas.microsoft.com/office/drawing/2014/main" val="3649961185"/>
                   </a:ext>
                 </a:extLst>
               </a:tr>
@@ -8444,7 +8490,7 @@
                 </a:tc>
                 <a:extLst>
                   <a:ext uri="{0D108BD9-81ED-4DB2-BD59-A6C34878D82A}">
-                    <a16:rowId xmlns:a16="http://schemas.microsoft.com/office/drawing/2014/main" xmlns="" val="3566758617"/>
+                    <a16:rowId xmlns="" xmlns:a16="http://schemas.microsoft.com/office/drawing/2014/main" val="3566758617"/>
                   </a:ext>
                 </a:extLst>
               </a:tr>
@@ -8529,7 +8575,7 @@
                 </a:tc>
                 <a:extLst>
                   <a:ext uri="{0D108BD9-81ED-4DB2-BD59-A6C34878D82A}">
-                    <a16:rowId xmlns:a16="http://schemas.microsoft.com/office/drawing/2014/main" xmlns="" val="2431465096"/>
+                    <a16:rowId xmlns="" xmlns:a16="http://schemas.microsoft.com/office/drawing/2014/main" val="2431465096"/>
                   </a:ext>
                 </a:extLst>
               </a:tr>
@@ -8614,7 +8660,7 @@
                 </a:tc>
                 <a:extLst>
                   <a:ext uri="{0D108BD9-81ED-4DB2-BD59-A6C34878D82A}">
-                    <a16:rowId xmlns:a16="http://schemas.microsoft.com/office/drawing/2014/main" xmlns="" val="1755834529"/>
+                    <a16:rowId xmlns="" xmlns:a16="http://schemas.microsoft.com/office/drawing/2014/main" val="1755834529"/>
                   </a:ext>
                 </a:extLst>
               </a:tr>
@@ -8699,7 +8745,7 @@
                 </a:tc>
                 <a:extLst>
                   <a:ext uri="{0D108BD9-81ED-4DB2-BD59-A6C34878D82A}">
-                    <a16:rowId xmlns:a16="http://schemas.microsoft.com/office/drawing/2014/main" xmlns="" val="4151097572"/>
+                    <a16:rowId xmlns="" xmlns:a16="http://schemas.microsoft.com/office/drawing/2014/main" val="4151097572"/>
                   </a:ext>
                 </a:extLst>
               </a:tr>
@@ -8784,7 +8830,7 @@
                 </a:tc>
                 <a:extLst>
                   <a:ext uri="{0D108BD9-81ED-4DB2-BD59-A6C34878D82A}">
-                    <a16:rowId xmlns:a16="http://schemas.microsoft.com/office/drawing/2014/main" xmlns="" val="1023807493"/>
+                    <a16:rowId xmlns="" xmlns:a16="http://schemas.microsoft.com/office/drawing/2014/main" val="1023807493"/>
                   </a:ext>
                 </a:extLst>
               </a:tr>
@@ -8875,7 +8921,7 @@
                 </a:tc>
                 <a:extLst>
                   <a:ext uri="{0D108BD9-81ED-4DB2-BD59-A6C34878D82A}">
-                    <a16:rowId xmlns:a16="http://schemas.microsoft.com/office/drawing/2014/main" xmlns="" val="1166867636"/>
+                    <a16:rowId xmlns="" xmlns:a16="http://schemas.microsoft.com/office/drawing/2014/main" val="1166867636"/>
                   </a:ext>
                 </a:extLst>
               </a:tr>
@@ -8966,7 +9012,7 @@
                 </a:tc>
                 <a:extLst>
                   <a:ext uri="{0D108BD9-81ED-4DB2-BD59-A6C34878D82A}">
-                    <a16:rowId xmlns:a16="http://schemas.microsoft.com/office/drawing/2014/main" xmlns="" val="4172888325"/>
+                    <a16:rowId xmlns="" xmlns:a16="http://schemas.microsoft.com/office/drawing/2014/main" val="4172888325"/>
                   </a:ext>
                 </a:extLst>
               </a:tr>
@@ -8979,7 +9025,7 @@
           <p:cNvPr id="5" name="TextBox 4">
             <a:extLst>
               <a:ext uri="{FF2B5EF4-FFF2-40B4-BE49-F238E27FC236}">
-                <a16:creationId xmlns:a16="http://schemas.microsoft.com/office/drawing/2014/main" xmlns="" id="{4E286D4F-4DA4-47A6-B4A1-69C59C04C373}"/>
+                <a16:creationId xmlns="" xmlns:a16="http://schemas.microsoft.com/office/drawing/2014/main" id="{4E286D4F-4DA4-47A6-B4A1-69C59C04C373}"/>
               </a:ext>
             </a:extLst>
           </p:cNvPr>
@@ -9042,7 +9088,15 @@
             </a:pPr>
             <a:r>
               <a:rPr lang="en-US" dirty="0"/>
-              <a:t>Both Computer and Mathematical Occupations and All Occupations showed steady growth. However, Computer and Mathematical Occupations had consistently higher growth that All Occupations </a:t>
+              <a:t>Both Computer and Mathematical Occupations and All Occupations showed steady growth. However, Computer and Mathematical Occupations had consistently higher growth </a:t>
+            </a:r>
+            <a:r>
+              <a:rPr lang="en-US" dirty="0" smtClean="0"/>
+              <a:t>than </a:t>
+            </a:r>
+            <a:r>
+              <a:rPr lang="en-US" dirty="0"/>
+              <a:t>All Occupations </a:t>
             </a:r>
           </a:p>
           <a:p>
@@ -9106,7 +9160,7 @@
           <p:cNvPr id="5" name="Picture 4" descr="A screenshot of a cell phone&#10;&#10;Description automatically generated">
             <a:extLst>
               <a:ext uri="{FF2B5EF4-FFF2-40B4-BE49-F238E27FC236}">
-                <a16:creationId xmlns:a16="http://schemas.microsoft.com/office/drawing/2014/main" xmlns="" id="{5DF69AB2-A8CD-0444-9BE9-B09AE4043E5C}"/>
+                <a16:creationId xmlns="" xmlns:a16="http://schemas.microsoft.com/office/drawing/2014/main" id="{5DF69AB2-A8CD-0444-9BE9-B09AE4043E5C}"/>
               </a:ext>
             </a:extLst>
           </p:cNvPr>
@@ -9142,7 +9196,7 @@
           <p:cNvPr id="2" name="Title 1">
             <a:extLst>
               <a:ext uri="{FF2B5EF4-FFF2-40B4-BE49-F238E27FC236}">
-                <a16:creationId xmlns:a16="http://schemas.microsoft.com/office/drawing/2014/main" xmlns="" id="{1B85EE37-585C-E64B-A7B4-E9E8C734F5D4}"/>
+                <a16:creationId xmlns="" xmlns:a16="http://schemas.microsoft.com/office/drawing/2014/main" id="{1B85EE37-585C-E64B-A7B4-E9E8C734F5D4}"/>
               </a:ext>
             </a:extLst>
           </p:cNvPr>

--- a/Group_5_Presentation.pptx
+++ b/Group_5_Presentation.pptx
@@ -5845,7 +5845,7 @@
           <p:cNvPr id="4" name="TextBox 3">
             <a:extLst>
               <a:ext uri="{FF2B5EF4-FFF2-40B4-BE49-F238E27FC236}">
-                <a16:creationId xmlns="" xmlns:a16="http://schemas.microsoft.com/office/drawing/2014/main" id="{FCF9FFDB-DB25-4AFA-B506-312075D34380}"/>
+                <a16:creationId xmlns:a16="http://schemas.microsoft.com/office/drawing/2014/main" id="{FCF9FFDB-DB25-4AFA-B506-312075D34380}"/>
               </a:ext>
             </a:extLst>
           </p:cNvPr>
@@ -5887,13 +5887,8 @@
           <a:p>
             <a:r>
               <a:rPr lang="en-US" sz="2800" b="1" dirty="0"/>
-              <a:t>&amp; Lei </a:t>
-            </a:r>
-            <a:r>
-              <a:rPr lang="en-US" sz="2800" b="1" dirty="0" smtClean="0"/>
-              <a:t>Qin</a:t>
-            </a:r>
-            <a:endParaRPr lang="en-US" sz="2800" b="1" dirty="0"/>
+              <a:t>&amp; Lei Qin</a:t>
+            </a:r>
           </a:p>
         </p:txBody>
       </p:sp>
@@ -5932,7 +5927,7 @@
           <p:cNvPr id="2" name="Title 1">
             <a:extLst>
               <a:ext uri="{FF2B5EF4-FFF2-40B4-BE49-F238E27FC236}">
-                <a16:creationId xmlns="" xmlns:a16="http://schemas.microsoft.com/office/drawing/2014/main" id="{EC0D6666-CF76-4F9D-B356-8C4E5E1D8BE9}"/>
+                <a16:creationId xmlns:a16="http://schemas.microsoft.com/office/drawing/2014/main" id="{EC0D6666-CF76-4F9D-B356-8C4E5E1D8BE9}"/>
               </a:ext>
             </a:extLst>
           </p:cNvPr>
@@ -5957,15 +5952,7 @@
           <a:p>
             <a:r>
               <a:rPr lang="en-US" sz="3400" dirty="0"/>
-              <a:t>The employment status in Computer and Mathematical </a:t>
-            </a:r>
-            <a:r>
-              <a:rPr lang="en-US" sz="3400" dirty="0"/>
-              <a:t>occupations </a:t>
-            </a:r>
-            <a:r>
-              <a:rPr lang="en-US" sz="3400" dirty="0"/>
-              <a:t>in US: 2017</a:t>
+              <a:t>The employment status in Computer and Mathematical occupations in US: 2017</a:t>
             </a:r>
           </a:p>
         </p:txBody>
@@ -5975,7 +5962,7 @@
           <p:cNvPr id="4" name="Picture 3" descr="A screenshot of a cell phone&#10;&#10;Description automatically generated">
             <a:extLst>
               <a:ext uri="{FF2B5EF4-FFF2-40B4-BE49-F238E27FC236}">
-                <a16:creationId xmlns="" xmlns:a16="http://schemas.microsoft.com/office/drawing/2014/main" id="{86BFFD9D-DAAD-1B49-B1E8-4F81EF330F24}"/>
+                <a16:creationId xmlns:a16="http://schemas.microsoft.com/office/drawing/2014/main" id="{86BFFD9D-DAAD-1B49-B1E8-4F81EF330F24}"/>
               </a:ext>
             </a:extLst>
           </p:cNvPr>
@@ -6041,7 +6028,7 @@
           <p:cNvPr id="2" name="Title 1">
             <a:extLst>
               <a:ext uri="{FF2B5EF4-FFF2-40B4-BE49-F238E27FC236}">
-                <a16:creationId xmlns="" xmlns:a16="http://schemas.microsoft.com/office/drawing/2014/main" id="{1CFEA6E0-9345-1C43-9594-047B355EECDF}"/>
+                <a16:creationId xmlns:a16="http://schemas.microsoft.com/office/drawing/2014/main" id="{1CFEA6E0-9345-1C43-9594-047B355EECDF}"/>
               </a:ext>
             </a:extLst>
           </p:cNvPr>
@@ -6059,10 +6046,6 @@
           </a:bodyPr>
           <a:lstStyle/>
           <a:p>
-            <a:r>
-              <a:rPr lang="en-US" dirty="0"/>
-              <a:t/>
-            </a:r>
             <a:br>
               <a:rPr lang="en-US" dirty="0"/>
             </a:br>
@@ -6129,7 +6112,7 @@
           <p:cNvPr id="2" name="Title 1">
             <a:extLst>
               <a:ext uri="{FF2B5EF4-FFF2-40B4-BE49-F238E27FC236}">
-                <a16:creationId xmlns="" xmlns:a16="http://schemas.microsoft.com/office/drawing/2014/main" id="{27E5E4B7-0D24-1246-B992-4E761C8D9010}"/>
+                <a16:creationId xmlns:a16="http://schemas.microsoft.com/office/drawing/2014/main" id="{27E5E4B7-0D24-1246-B992-4E761C8D9010}"/>
               </a:ext>
             </a:extLst>
           </p:cNvPr>
@@ -6157,7 +6140,7 @@
           <p:cNvPr id="3" name="Content Placeholder 2">
             <a:extLst>
               <a:ext uri="{FF2B5EF4-FFF2-40B4-BE49-F238E27FC236}">
-                <a16:creationId xmlns="" xmlns:a16="http://schemas.microsoft.com/office/drawing/2014/main" id="{F68D2FE6-AC37-FA4F-B071-B1D2CB6CF5FE}"/>
+                <a16:creationId xmlns:a16="http://schemas.microsoft.com/office/drawing/2014/main" id="{F68D2FE6-AC37-FA4F-B071-B1D2CB6CF5FE}"/>
               </a:ext>
             </a:extLst>
           </p:cNvPr>
@@ -6188,12 +6171,8 @@
           <a:p>
             <a:pPr lvl="1"/>
             <a:r>
-              <a:rPr lang="en-US" dirty="0" smtClean="0"/>
-              <a:t>National </a:t>
-            </a:r>
-            <a:r>
               <a:rPr lang="en-US" dirty="0"/>
-              <a:t>level top 3: administrative support, sales and food preparation and serving</a:t>
+              <a:t>National level top 3: administrative support, sales and food preparation and serving</a:t>
             </a:r>
           </a:p>
           <a:p>
@@ -6226,21 +6205,8 @@
             <a:pPr lvl="1"/>
             <a:r>
               <a:rPr lang="en-US" dirty="0"/>
-              <a:t>Top </a:t>
-            </a:r>
-            <a:r>
-              <a:rPr lang="en-US" dirty="0" smtClean="0"/>
-              <a:t>3 job titles: </a:t>
-            </a:r>
-            <a:r>
-              <a:rPr lang="en-US" dirty="0"/>
-              <a:t>software developers, computer user support specialists and computer </a:t>
-            </a:r>
-            <a:r>
-              <a:rPr lang="en-US" dirty="0" smtClean="0"/>
-              <a:t>analysts</a:t>
-            </a:r>
-            <a:endParaRPr lang="en-US" dirty="0"/>
+              <a:t>Top 3 job titles: software developers, computer user support specialists and computer analysts</a:t>
+            </a:r>
           </a:p>
           <a:p>
             <a:pPr marL="457200" lvl="1" indent="0">
@@ -6269,14 +6235,6 @@
   <p:clrMapOvr>
     <a:masterClrMapping/>
   </p:clrMapOvr>
-  <mc:AlternateContent xmlns:mc="http://schemas.openxmlformats.org/markup-compatibility/2006" xmlns:p14="http://schemas.microsoft.com/office/powerpoint/2010/main">
-    <mc:Choice Requires="p14">
-      <p:transition spd="slow" p14:dur="2000"/>
-    </mc:Choice>
-    <mc:Fallback xmlns="">
-      <p:transition spd="slow"/>
-    </mc:Fallback>
-  </mc:AlternateContent>
 </p:sld>
 </file>
 
@@ -6302,7 +6260,7 @@
           <p:cNvPr id="2" name="Title 1">
             <a:extLst>
               <a:ext uri="{FF2B5EF4-FFF2-40B4-BE49-F238E27FC236}">
-                <a16:creationId xmlns="" xmlns:a16="http://schemas.microsoft.com/office/drawing/2014/main" id="{21D3167F-30A9-4F8D-99EE-386A1F094613}"/>
+                <a16:creationId xmlns:a16="http://schemas.microsoft.com/office/drawing/2014/main" id="{21D3167F-30A9-4F8D-99EE-386A1F094613}"/>
               </a:ext>
             </a:extLst>
           </p:cNvPr>
@@ -6330,7 +6288,7 @@
           <p:cNvPr id="3" name="Content Placeholder 2">
             <a:extLst>
               <a:ext uri="{FF2B5EF4-FFF2-40B4-BE49-F238E27FC236}">
-                <a16:creationId xmlns="" xmlns:a16="http://schemas.microsoft.com/office/drawing/2014/main" id="{571BA543-3A3F-43F0-957D-37B7A83B0853}"/>
+                <a16:creationId xmlns:a16="http://schemas.microsoft.com/office/drawing/2014/main" id="{571BA543-3A3F-43F0-957D-37B7A83B0853}"/>
               </a:ext>
             </a:extLst>
           </p:cNvPr>
@@ -6355,27 +6313,7 @@
           <a:p>
             <a:r>
               <a:rPr lang="en-US" sz="2400" dirty="0"/>
-              <a:t>Fastest YOY growth </a:t>
-            </a:r>
-            <a:r>
-              <a:rPr lang="en-US" sz="2400" dirty="0" smtClean="0"/>
-              <a:t>(‘</a:t>
-            </a:r>
-            <a:r>
-              <a:rPr lang="en-US" sz="2400" dirty="0" smtClean="0"/>
-              <a:t>17 </a:t>
-            </a:r>
-            <a:r>
-              <a:rPr lang="en-US" sz="2400" dirty="0"/>
-              <a:t>vs </a:t>
-            </a:r>
-            <a:r>
-              <a:rPr lang="en-US" sz="2400" dirty="0" smtClean="0"/>
-              <a:t>‘</a:t>
-            </a:r>
-            <a:r>
-              <a:rPr lang="en-US" sz="2400" dirty="0" smtClean="0"/>
-              <a:t>16) for Comp &amp; Math occupations: </a:t>
+              <a:t>Fastest YOY growth (‘17 vs ‘16) for Comp &amp; Math occupations: </a:t>
             </a:r>
             <a:r>
               <a:rPr lang="en-US" sz="2400" b="1" dirty="0"/>
@@ -6385,11 +6323,7 @@
           <a:p>
             <a:r>
               <a:rPr lang="en-US" sz="2400" dirty="0"/>
-              <a:t>Slowest </a:t>
-            </a:r>
-            <a:r>
-              <a:rPr lang="en-US" sz="2400" dirty="0" smtClean="0"/>
-              <a:t>YOY growth (‘17 vs ‘16) for Comp &amp; Math occupations : </a:t>
+              <a:t>Slowest YOY growth (‘17 vs ‘16) for Comp &amp; Math occupations : </a:t>
             </a:r>
             <a:r>
               <a:rPr lang="en-US" sz="2400" b="1" dirty="0"/>
@@ -6399,30 +6333,13 @@
           <a:p>
             <a:r>
               <a:rPr lang="en-US" sz="2400" dirty="0"/>
-              <a:t>Larger population </a:t>
-            </a:r>
-            <a:r>
-              <a:rPr lang="en-US" sz="2400" dirty="0" smtClean="0"/>
-              <a:t>size does not necessarily </a:t>
-            </a:r>
+              <a:t>Larger population size does not necessarily mean higher job growth </a:t>
+            </a:r>
+          </a:p>
+          <a:p>
             <a:r>
               <a:rPr lang="en-US" sz="2400" dirty="0"/>
-              <a:t>mean higher job </a:t>
-            </a:r>
-            <a:r>
-              <a:rPr lang="en-US" sz="2400" dirty="0"/>
-              <a:t>growth </a:t>
-            </a:r>
-            <a:endParaRPr lang="en-US" sz="2400" dirty="0" smtClean="0"/>
-          </a:p>
-          <a:p>
-            <a:r>
-              <a:rPr lang="en-US" sz="2400" dirty="0" smtClean="0"/>
-              <a:t>Occupation </a:t>
-            </a:r>
-            <a:r>
-              <a:rPr lang="en-US" sz="2400" dirty="0"/>
-              <a:t>with fastest YOY growth for 2017 vs 2016 : </a:t>
+              <a:t>Occupation with fastest YOY growth for 2017 vs 2016 : </a:t>
             </a:r>
             <a:r>
               <a:rPr lang="en-US" sz="2400" b="1" dirty="0"/>
@@ -6542,7 +6459,7 @@
           <p:cNvPr id="2" name="Title 1">
             <a:extLst>
               <a:ext uri="{FF2B5EF4-FFF2-40B4-BE49-F238E27FC236}">
-                <a16:creationId xmlns="" xmlns:a16="http://schemas.microsoft.com/office/drawing/2014/main" id="{D8975F0A-4727-47D2-96A8-DFAC0FBD6C91}"/>
+                <a16:creationId xmlns:a16="http://schemas.microsoft.com/office/drawing/2014/main" id="{D8975F0A-4727-47D2-96A8-DFAC0FBD6C91}"/>
               </a:ext>
             </a:extLst>
           </p:cNvPr>
@@ -6570,7 +6487,7 @@
           <p:cNvPr id="3" name="Content Placeholder 2">
             <a:extLst>
               <a:ext uri="{FF2B5EF4-FFF2-40B4-BE49-F238E27FC236}">
-                <a16:creationId xmlns="" xmlns:a16="http://schemas.microsoft.com/office/drawing/2014/main" id="{C69386F3-A2F7-4C59-B5D1-F22F1E51F196}"/>
+                <a16:creationId xmlns:a16="http://schemas.microsoft.com/office/drawing/2014/main" id="{C69386F3-A2F7-4C59-B5D1-F22F1E51F196}"/>
               </a:ext>
             </a:extLst>
           </p:cNvPr>
@@ -6654,7 +6571,7 @@
           <p:cNvPr id="2" name="Title 1">
             <a:extLst>
               <a:ext uri="{FF2B5EF4-FFF2-40B4-BE49-F238E27FC236}">
-                <a16:creationId xmlns="" xmlns:a16="http://schemas.microsoft.com/office/drawing/2014/main" id="{E1C9EF35-DC7C-428F-A8C6-930DEFB1E1DB}"/>
+                <a16:creationId xmlns:a16="http://schemas.microsoft.com/office/drawing/2014/main" id="{E1C9EF35-DC7C-428F-A8C6-930DEFB1E1DB}"/>
               </a:ext>
             </a:extLst>
           </p:cNvPr>
@@ -6682,7 +6599,7 @@
           <p:cNvPr id="3" name="Content Placeholder 2">
             <a:extLst>
               <a:ext uri="{FF2B5EF4-FFF2-40B4-BE49-F238E27FC236}">
-                <a16:creationId xmlns="" xmlns:a16="http://schemas.microsoft.com/office/drawing/2014/main" id="{1B82C285-6A5A-45FC-B1D5-1D0786CBCFB5}"/>
+                <a16:creationId xmlns:a16="http://schemas.microsoft.com/office/drawing/2014/main" id="{1B82C285-6A5A-45FC-B1D5-1D0786CBCFB5}"/>
               </a:ext>
             </a:extLst>
           </p:cNvPr>
@@ -6761,7 +6678,7 @@
           <p:cNvPr id="2" name="Title 1">
             <a:extLst>
               <a:ext uri="{FF2B5EF4-FFF2-40B4-BE49-F238E27FC236}">
-                <a16:creationId xmlns="" xmlns:a16="http://schemas.microsoft.com/office/drawing/2014/main" id="{55A6334A-68E7-42D4-919A-0C62BE53DBB2}"/>
+                <a16:creationId xmlns:a16="http://schemas.microsoft.com/office/drawing/2014/main" id="{55A6334A-68E7-42D4-919A-0C62BE53DBB2}"/>
               </a:ext>
             </a:extLst>
           </p:cNvPr>
@@ -6789,10 +6706,6 @@
               <a:rPr lang="en-US" sz="6700" dirty="0"/>
               <a:t>Thank you!</a:t>
             </a:r>
-            <a:r>
-              <a:rPr lang="en-US" dirty="0"/>
-              <a:t/>
-            </a:r>
             <a:br>
               <a:rPr lang="en-US" dirty="0"/>
             </a:br>
@@ -6805,7 +6718,7 @@
           <p:cNvPr id="3" name="Content Placeholder 2">
             <a:extLst>
               <a:ext uri="{FF2B5EF4-FFF2-40B4-BE49-F238E27FC236}">
-                <a16:creationId xmlns="" xmlns:a16="http://schemas.microsoft.com/office/drawing/2014/main" id="{1C25BB28-A4EC-414D-859C-C7A0FCD1F980}"/>
+                <a16:creationId xmlns:a16="http://schemas.microsoft.com/office/drawing/2014/main" id="{1C25BB28-A4EC-414D-859C-C7A0FCD1F980}"/>
               </a:ext>
             </a:extLst>
           </p:cNvPr>
@@ -6873,7 +6786,7 @@
           <p:cNvPr id="2" name="Title 1">
             <a:extLst>
               <a:ext uri="{FF2B5EF4-FFF2-40B4-BE49-F238E27FC236}">
-                <a16:creationId xmlns="" xmlns:a16="http://schemas.microsoft.com/office/drawing/2014/main" id="{41B5C587-4962-4E00-A54B-F8B9FE251918}"/>
+                <a16:creationId xmlns:a16="http://schemas.microsoft.com/office/drawing/2014/main" id="{41B5C587-4962-4E00-A54B-F8B9FE251918}"/>
               </a:ext>
             </a:extLst>
           </p:cNvPr>
@@ -6901,7 +6814,7 @@
           <p:cNvPr id="3" name="Content Placeholder 2">
             <a:extLst>
               <a:ext uri="{FF2B5EF4-FFF2-40B4-BE49-F238E27FC236}">
-                <a16:creationId xmlns="" xmlns:a16="http://schemas.microsoft.com/office/drawing/2014/main" id="{129B7FB5-54B8-4545-A8C7-1D4B4C033F1E}"/>
+                <a16:creationId xmlns:a16="http://schemas.microsoft.com/office/drawing/2014/main" id="{129B7FB5-54B8-4545-A8C7-1D4B4C033F1E}"/>
               </a:ext>
             </a:extLst>
           </p:cNvPr>
@@ -6941,13 +6854,8 @@
             </a:pPr>
             <a:r>
               <a:rPr lang="en-US" dirty="0"/>
-              <a:t>	1. Which states have the fastest growing job market for computer and mathematical </a:t>
-            </a:r>
-            <a:r>
-              <a:rPr lang="en-US" dirty="0" smtClean="0"/>
-              <a:t>occupations?</a:t>
-            </a:r>
-            <a:endParaRPr lang="en-US" dirty="0"/>
+              <a:t>	1. Which states have the fastest growing job market for computer and mathematical occupations?</a:t>
+            </a:r>
           </a:p>
           <a:p>
             <a:pPr marL="0" indent="0" algn="r">
@@ -6973,15 +6881,7 @@
             </a:pPr>
             <a:r>
               <a:rPr lang="en-US" dirty="0"/>
-              <a:t>	4. How do computer and mathematical </a:t>
-            </a:r>
-            <a:r>
-              <a:rPr lang="en-US" dirty="0" smtClean="0"/>
-              <a:t>occupations </a:t>
-            </a:r>
-            <a:r>
-              <a:rPr lang="en-US" dirty="0"/>
-              <a:t>stack up against other occupation types? </a:t>
+              <a:t>	4. How do computer and mathematical occupations stack up against other occupation types? </a:t>
             </a:r>
           </a:p>
           <a:p>
@@ -7048,7 +6948,7 @@
           <p:cNvPr id="2" name="Title 1">
             <a:extLst>
               <a:ext uri="{FF2B5EF4-FFF2-40B4-BE49-F238E27FC236}">
-                <a16:creationId xmlns="" xmlns:a16="http://schemas.microsoft.com/office/drawing/2014/main" id="{B01FBC95-86CC-4C5D-80F0-CF41A33B1E9F}"/>
+                <a16:creationId xmlns:a16="http://schemas.microsoft.com/office/drawing/2014/main" id="{B01FBC95-86CC-4C5D-80F0-CF41A33B1E9F}"/>
               </a:ext>
             </a:extLst>
           </p:cNvPr>
@@ -7076,7 +6976,7 @@
           <p:cNvPr id="3" name="Content Placeholder 2">
             <a:extLst>
               <a:ext uri="{FF2B5EF4-FFF2-40B4-BE49-F238E27FC236}">
-                <a16:creationId xmlns="" xmlns:a16="http://schemas.microsoft.com/office/drawing/2014/main" id="{CACC8578-D28C-470E-8EBE-3E9A3C6434E3}"/>
+                <a16:creationId xmlns:a16="http://schemas.microsoft.com/office/drawing/2014/main" id="{CACC8578-D28C-470E-8EBE-3E9A3C6434E3}"/>
               </a:ext>
             </a:extLst>
           </p:cNvPr>
@@ -7114,7 +7014,7 @@
                 <a:hlinkClick r:id="rId2">
                   <a:extLst>
                     <a:ext uri="{A12FA001-AC4F-418D-AE19-62706E023703}">
-                      <ahyp:hlinkClr xmlns="" xmlns:ahyp="http://schemas.microsoft.com/office/drawing/2018/hyperlinkcolor" val="tx"/>
+                      <ahyp:hlinkClr xmlns:ahyp="http://schemas.microsoft.com/office/drawing/2018/hyperlinkcolor" val="tx"/>
                     </a:ext>
                   </a:extLst>
                 </a:hlinkClick>
@@ -7157,7 +7057,7 @@
                 <a:hlinkClick r:id="rId3">
                   <a:extLst>
                     <a:ext uri="{A12FA001-AC4F-418D-AE19-62706E023703}">
-                      <ahyp:hlinkClr xmlns="" xmlns:ahyp="http://schemas.microsoft.com/office/drawing/2018/hyperlinkcolor" val="tx"/>
+                      <ahyp:hlinkClr xmlns:ahyp="http://schemas.microsoft.com/office/drawing/2018/hyperlinkcolor" val="tx"/>
                     </a:ext>
                   </a:extLst>
                 </a:hlinkClick>
@@ -7190,7 +7090,7 @@
           <p:cNvPr id="4" name="Picture 3">
             <a:extLst>
               <a:ext uri="{FF2B5EF4-FFF2-40B4-BE49-F238E27FC236}">
-                <a16:creationId xmlns="" xmlns:a16="http://schemas.microsoft.com/office/drawing/2014/main" id="{E7D53E29-B383-4B9D-A554-11B128DFEE9B}"/>
+                <a16:creationId xmlns:a16="http://schemas.microsoft.com/office/drawing/2014/main" id="{E7D53E29-B383-4B9D-A554-11B128DFEE9B}"/>
               </a:ext>
             </a:extLst>
           </p:cNvPr>
@@ -7220,7 +7120,7 @@
           <p:cNvPr id="6" name="Picture 5">
             <a:extLst>
               <a:ext uri="{FF2B5EF4-FFF2-40B4-BE49-F238E27FC236}">
-                <a16:creationId xmlns="" xmlns:a16="http://schemas.microsoft.com/office/drawing/2014/main" id="{064340ED-E940-4A96-89BA-D2EE55992785}"/>
+                <a16:creationId xmlns:a16="http://schemas.microsoft.com/office/drawing/2014/main" id="{064340ED-E940-4A96-89BA-D2EE55992785}"/>
               </a:ext>
             </a:extLst>
           </p:cNvPr>
@@ -7286,7 +7186,7 @@
           <p:cNvPr id="3" name="Content Placeholder 2">
             <a:extLst>
               <a:ext uri="{FF2B5EF4-FFF2-40B4-BE49-F238E27FC236}">
-                <a16:creationId xmlns="" xmlns:a16="http://schemas.microsoft.com/office/drawing/2014/main" id="{75897B1C-3F8F-4B5D-8723-E5115AF5882A}"/>
+                <a16:creationId xmlns:a16="http://schemas.microsoft.com/office/drawing/2014/main" id="{75897B1C-3F8F-4B5D-8723-E5115AF5882A}"/>
               </a:ext>
             </a:extLst>
           </p:cNvPr>
@@ -7314,15 +7214,7 @@
             </a:pPr>
             <a:r>
               <a:rPr lang="en-US" sz="2600" dirty="0"/>
-              <a:t>States chosen based on fastest YOY growth for 2017 vs </a:t>
-            </a:r>
-            <a:r>
-              <a:rPr lang="en-US" sz="2600" dirty="0" smtClean="0"/>
-              <a:t>2016 for Computer and Mathematical Occupations.  </a:t>
-            </a:r>
-            <a:r>
-              <a:rPr lang="en-US" sz="2600" dirty="0"/>
-              <a:t>Included US as a comparison point</a:t>
+              <a:t>States chosen based on fastest YOY growth for 2017 vs 2016 for Computer and Mathematical Occupations.  Included US as a comparison point</a:t>
             </a:r>
           </a:p>
           <a:p>
@@ -7334,46 +7226,13 @@
           <a:p>
             <a:r>
               <a:rPr lang="en-US" dirty="0"/>
-              <a:t>Top 3 </a:t>
-            </a:r>
-            <a:r>
-              <a:rPr lang="en-US" dirty="0" smtClean="0"/>
-              <a:t>states/territories </a:t>
-            </a:r>
+              <a:t>Top 3 states/territories are Guam, Montana, and Utah.  Both Guam and Montana show a volatile job market from at least 2015-2017</a:t>
+            </a:r>
+          </a:p>
+          <a:p>
             <a:r>
               <a:rPr lang="en-US" dirty="0"/>
-              <a:t>are Guam, Montana, and Utah.  Both Guam and Montana show a volatile job market from </a:t>
-            </a:r>
-            <a:r>
-              <a:rPr lang="en-US" dirty="0" smtClean="0"/>
-              <a:t>at least 2015-2017</a:t>
-            </a:r>
-            <a:endParaRPr lang="en-US" dirty="0"/>
-          </a:p>
-          <a:p>
-            <a:r>
-              <a:rPr lang="en-US" dirty="0"/>
-              <a:t>Utah </a:t>
-            </a:r>
-            <a:r>
-              <a:rPr lang="en-US" dirty="0" smtClean="0"/>
-              <a:t>did </a:t>
-            </a:r>
-            <a:r>
-              <a:rPr lang="en-US" dirty="0"/>
-              <a:t>not grow as much as it did in 2016, like the </a:t>
-            </a:r>
-            <a:r>
-              <a:rPr lang="en-US" dirty="0" smtClean="0"/>
-              <a:t>total</a:t>
-            </a:r>
-            <a:r>
-              <a:rPr lang="en-US" dirty="0" smtClean="0"/>
-              <a:t> </a:t>
-            </a:r>
-            <a:r>
-              <a:rPr lang="en-US" dirty="0"/>
-              <a:t>US, but continued to experience a strong job market</a:t>
+              <a:t>Utah did not grow as much as it did in 2016, like the total US, but continued to experience a strong job market</a:t>
             </a:r>
           </a:p>
           <a:p>
@@ -7410,10 +7269,10 @@
       </p:pic>
       <p:pic>
         <p:nvPicPr>
-          <p:cNvPr id="5" name="Picture 12">
+          <p:cNvPr id="1026" name="Picture 2">
             <a:extLst>
               <a:ext uri="{FF2B5EF4-FFF2-40B4-BE49-F238E27FC236}">
-                <a16:creationId xmlns="" xmlns:a16="http://schemas.microsoft.com/office/drawing/2014/main" id="{6F0AC7CD-13B1-49CA-A210-0FEA7F648B7C}"/>
+                <a16:creationId xmlns:a16="http://schemas.microsoft.com/office/drawing/2014/main" id="{D8C64A6C-BD40-4A64-B91F-E20F1390B313}"/>
               </a:ext>
             </a:extLst>
           </p:cNvPr>
@@ -7437,8 +7296,8 @@
         </p:blipFill>
         <p:spPr bwMode="auto">
           <a:xfrm>
-            <a:off x="3902298" y="946601"/>
-            <a:ext cx="8102057" cy="3314700"/>
+            <a:off x="3609492" y="737536"/>
+            <a:ext cx="8534400" cy="3314700"/>
           </a:xfrm>
           <a:prstGeom prst="rect">
             <a:avLst/>
@@ -7490,7 +7349,7 @@
           <p:cNvPr id="5" name="Content Placeholder 2">
             <a:extLst>
               <a:ext uri="{FF2B5EF4-FFF2-40B4-BE49-F238E27FC236}">
-                <a16:creationId xmlns="" xmlns:a16="http://schemas.microsoft.com/office/drawing/2014/main" id="{75897B1C-3F8F-4B5D-8723-E5115AF5882A}"/>
+                <a16:creationId xmlns:a16="http://schemas.microsoft.com/office/drawing/2014/main" id="{75897B1C-3F8F-4B5D-8723-E5115AF5882A}"/>
               </a:ext>
             </a:extLst>
           </p:cNvPr>
@@ -7682,44 +7541,19 @@
             </a:pPr>
             <a:r>
               <a:rPr lang="en-US" sz="2800" dirty="0"/>
-              <a:t>States chosen based on </a:t>
-            </a:r>
-            <a:r>
-              <a:rPr lang="en-US" sz="2800" dirty="0" smtClean="0"/>
-              <a:t>slowest </a:t>
-            </a:r>
-            <a:r>
-              <a:rPr lang="en-US" sz="2800" dirty="0"/>
-              <a:t>YOY growth for 2017 vs 2016 for Computer and Mathematical Occupations.  Included US as a comparison point</a:t>
-            </a:r>
-          </a:p>
-          <a:p>
-            <a:r>
-              <a:rPr lang="en-US" sz="2400" dirty="0" smtClean="0"/>
-              <a:t>The </a:t>
-            </a:r>
+              <a:t>States chosen based on slowest YOY growth for 2017 vs 2016 for Computer and Mathematical Occupations.  Included US as a comparison point</a:t>
+            </a:r>
+          </a:p>
+          <a:p>
             <a:r>
               <a:rPr lang="en-US" sz="2400" dirty="0"/>
-              <a:t>three bottom states are Louisiana, New Mexico, and Minnesota.  All three of these states experienced growth in 2016.  Out of the three, New Mexico experienced the largest % </a:t>
-            </a:r>
-            <a:r>
-              <a:rPr lang="en-US" sz="2400" dirty="0" smtClean="0"/>
-              <a:t>decline from 2016 to 2017</a:t>
-            </a:r>
-            <a:endParaRPr lang="en-US" sz="2400" dirty="0"/>
+              <a:t>The three bottom states are Louisiana, New Mexico, and Minnesota.  All three of these states experienced growth in 2016.  Out of the three, New Mexico experienced the largest % decline from 2016 to 2017</a:t>
+            </a:r>
           </a:p>
           <a:p>
             <a:r>
               <a:rPr lang="en-US" sz="2400" dirty="0"/>
-              <a:t>All three of these </a:t>
-            </a:r>
-            <a:r>
-              <a:rPr lang="en-US" sz="2400" dirty="0" smtClean="0"/>
-              <a:t>states </a:t>
-            </a:r>
-            <a:r>
-              <a:rPr lang="en-US" sz="2400" dirty="0"/>
-              <a:t>outgrew total US in 2014, but did not exceed overall US growth in 2015, 2016, or 2017</a:t>
+              <a:t>All three of these states outgrew total US in 2014, but did not exceed overall US growth in 2015, 2016, or 2017</a:t>
             </a:r>
             <a:endParaRPr lang="en-US" dirty="0"/>
           </a:p>
@@ -7744,8 +7578,8 @@
         </p:blipFill>
         <p:spPr>
           <a:xfrm>
-            <a:off x="115909" y="2038000"/>
-            <a:ext cx="3451538" cy="1070721"/>
+            <a:off x="115909" y="1946246"/>
+            <a:ext cx="3451538" cy="1162476"/>
           </a:xfrm>
           <a:prstGeom prst="rect">
             <a:avLst/>
@@ -7754,10 +7588,10 @@
       </p:pic>
       <p:pic>
         <p:nvPicPr>
-          <p:cNvPr id="6" name="Picture 10">
+          <p:cNvPr id="2050" name="Picture 2">
             <a:extLst>
               <a:ext uri="{FF2B5EF4-FFF2-40B4-BE49-F238E27FC236}">
-                <a16:creationId xmlns="" xmlns:a16="http://schemas.microsoft.com/office/drawing/2014/main" id="{C7E7A439-E819-4DB7-B4F7-A25B98A49CCC}"/>
+                <a16:creationId xmlns:a16="http://schemas.microsoft.com/office/drawing/2014/main" id="{B626FDCB-06F6-43F3-A509-7A6C9899E5E6}"/>
               </a:ext>
             </a:extLst>
           </p:cNvPr>
@@ -7781,8 +7615,8 @@
         </p:blipFill>
         <p:spPr bwMode="auto">
           <a:xfrm>
-            <a:off x="3928056" y="916011"/>
-            <a:ext cx="8076300" cy="3314700"/>
+            <a:off x="3714750" y="755650"/>
+            <a:ext cx="8477250" cy="3314700"/>
           </a:xfrm>
           <a:prstGeom prst="rect">
             <a:avLst/>
@@ -7834,7 +7668,7 @@
           <p:cNvPr id="3" name="Content Placeholder 2">
             <a:extLst>
               <a:ext uri="{FF2B5EF4-FFF2-40B4-BE49-F238E27FC236}">
-                <a16:creationId xmlns="" xmlns:a16="http://schemas.microsoft.com/office/drawing/2014/main" id="{A1BF3F66-EBAC-4059-95DC-84F0A2D0D9F8}"/>
+                <a16:creationId xmlns:a16="http://schemas.microsoft.com/office/drawing/2014/main" id="{A1BF3F66-EBAC-4059-95DC-84F0A2D0D9F8}"/>
               </a:ext>
             </a:extLst>
           </p:cNvPr>
@@ -7866,15 +7700,7 @@
             <a:pPr lvl="1"/>
             <a:r>
               <a:rPr lang="en-US" dirty="0"/>
-              <a:t>A</a:t>
-            </a:r>
-            <a:r>
-              <a:rPr lang="en-US" dirty="0" smtClean="0"/>
-              <a:t> </a:t>
-            </a:r>
-            <a:r>
-              <a:rPr lang="en-US" dirty="0"/>
-              <a:t>larger population did not necessarily translate to higher job growth in this case</a:t>
+              <a:t>A larger population did not necessarily translate to higher job growth in this case</a:t>
             </a:r>
           </a:p>
           <a:p>
@@ -7891,7 +7717,7 @@
           <p:cNvPr id="1028" name="Picture 4">
             <a:extLst>
               <a:ext uri="{FF2B5EF4-FFF2-40B4-BE49-F238E27FC236}">
-                <a16:creationId xmlns="" xmlns:a16="http://schemas.microsoft.com/office/drawing/2014/main" id="{642F8360-CC0D-4DD9-9C82-369B6108FA21}"/>
+                <a16:creationId xmlns:a16="http://schemas.microsoft.com/office/drawing/2014/main" id="{642F8360-CC0D-4DD9-9C82-369B6108FA21}"/>
               </a:ext>
             </a:extLst>
           </p:cNvPr>
@@ -8016,7 +7842,7 @@
           <p:cNvPr id="2" name="Title 1">
             <a:extLst>
               <a:ext uri="{FF2B5EF4-FFF2-40B4-BE49-F238E27FC236}">
-                <a16:creationId xmlns="" xmlns:a16="http://schemas.microsoft.com/office/drawing/2014/main" id="{AB68570A-62BD-4471-B097-C694410375A6}"/>
+                <a16:creationId xmlns:a16="http://schemas.microsoft.com/office/drawing/2014/main" id="{AB68570A-62BD-4471-B097-C694410375A6}"/>
               </a:ext>
             </a:extLst>
           </p:cNvPr>
@@ -8041,10 +7867,10 @@
       </p:sp>
       <p:pic>
         <p:nvPicPr>
-          <p:cNvPr id="5" name="Content Placeholder 4">
+          <p:cNvPr id="8" name="Content Placeholder 7">
             <a:extLst>
               <a:ext uri="{FF2B5EF4-FFF2-40B4-BE49-F238E27FC236}">
-                <a16:creationId xmlns="" xmlns:a16="http://schemas.microsoft.com/office/drawing/2014/main" id="{EEB80261-BFDA-43BA-9A2B-7566F24FD572}"/>
+                <a16:creationId xmlns:a16="http://schemas.microsoft.com/office/drawing/2014/main" id="{BFBD1934-FD17-47DC-A5FD-FDD1A2C3355D}"/>
               </a:ext>
             </a:extLst>
           </p:cNvPr>
@@ -8069,17 +7895,17 @@
         </p:blipFill>
         <p:spPr>
           <a:xfrm>
-            <a:off x="0" y="2849418"/>
-            <a:ext cx="6012874" cy="4008582"/>
+            <a:off x="0" y="2276304"/>
+            <a:ext cx="5996869" cy="3997912"/>
           </a:xfrm>
         </p:spPr>
       </p:pic>
       <p:pic>
         <p:nvPicPr>
-          <p:cNvPr id="7" name="Picture 6">
+          <p:cNvPr id="10" name="Picture 9">
             <a:extLst>
               <a:ext uri="{FF2B5EF4-FFF2-40B4-BE49-F238E27FC236}">
-                <a16:creationId xmlns="" xmlns:a16="http://schemas.microsoft.com/office/drawing/2014/main" id="{AD43CADE-D702-44C9-9494-04A14FD16E34}"/>
+                <a16:creationId xmlns:a16="http://schemas.microsoft.com/office/drawing/2014/main" id="{1989F6F7-5E58-4DB3-8230-2E37CE708500}"/>
               </a:ext>
             </a:extLst>
           </p:cNvPr>
@@ -8102,8 +7928,8 @@
         </p:blipFill>
         <p:spPr>
           <a:xfrm>
-            <a:off x="6012874" y="2849418"/>
-            <a:ext cx="6012873" cy="4008582"/>
+            <a:off x="5996869" y="2276304"/>
+            <a:ext cx="6133571" cy="4089047"/>
           </a:xfrm>
           <a:prstGeom prst="rect">
             <a:avLst/>
@@ -8145,7 +7971,7 @@
           <p:cNvPr id="2" name="Title 1">
             <a:extLst>
               <a:ext uri="{FF2B5EF4-FFF2-40B4-BE49-F238E27FC236}">
-                <a16:creationId xmlns="" xmlns:a16="http://schemas.microsoft.com/office/drawing/2014/main" id="{A596BA33-7754-4852-A943-2BF56BC5ACEE}"/>
+                <a16:creationId xmlns:a16="http://schemas.microsoft.com/office/drawing/2014/main" id="{A596BA33-7754-4852-A943-2BF56BC5ACEE}"/>
               </a:ext>
             </a:extLst>
           </p:cNvPr>
@@ -8178,7 +8004,7 @@
           <p:cNvPr id="4" name="Content Placeholder 3">
             <a:extLst>
               <a:ext uri="{FF2B5EF4-FFF2-40B4-BE49-F238E27FC236}">
-                <a16:creationId xmlns="" xmlns:a16="http://schemas.microsoft.com/office/drawing/2014/main" id="{491C927E-30F3-4185-BE20-0B6D3C5A74A6}"/>
+                <a16:creationId xmlns:a16="http://schemas.microsoft.com/office/drawing/2014/main" id="{491C927E-30F3-4185-BE20-0B6D3C5A74A6}"/>
               </a:ext>
             </a:extLst>
           </p:cNvPr>
@@ -8208,21 +8034,21 @@
                 <a:gridCol w="1647559">
                   <a:extLst>
                     <a:ext uri="{9D8B030D-6E8A-4147-A177-3AD203B41FA5}">
-                      <a16:colId xmlns="" xmlns:a16="http://schemas.microsoft.com/office/drawing/2014/main" val="957085690"/>
+                      <a16:colId xmlns:a16="http://schemas.microsoft.com/office/drawing/2014/main" val="957085690"/>
                     </a:ext>
                   </a:extLst>
                 </a:gridCol>
                 <a:gridCol w="1647559">
                   <a:extLst>
                     <a:ext uri="{9D8B030D-6E8A-4147-A177-3AD203B41FA5}">
-                      <a16:colId xmlns="" xmlns:a16="http://schemas.microsoft.com/office/drawing/2014/main" val="3984160696"/>
+                      <a16:colId xmlns:a16="http://schemas.microsoft.com/office/drawing/2014/main" val="3984160696"/>
                     </a:ext>
                   </a:extLst>
                 </a:gridCol>
                 <a:gridCol w="1924582">
                   <a:extLst>
                     <a:ext uri="{9D8B030D-6E8A-4147-A177-3AD203B41FA5}">
-                      <a16:colId xmlns="" xmlns:a16="http://schemas.microsoft.com/office/drawing/2014/main" val="3944266915"/>
+                      <a16:colId xmlns:a16="http://schemas.microsoft.com/office/drawing/2014/main" val="3944266915"/>
                     </a:ext>
                   </a:extLst>
                 </a:gridCol>
@@ -8320,7 +8146,7 @@
                 </a:tc>
                 <a:extLst>
                   <a:ext uri="{0D108BD9-81ED-4DB2-BD59-A6C34878D82A}">
-                    <a16:rowId xmlns="" xmlns:a16="http://schemas.microsoft.com/office/drawing/2014/main" val="3101018803"/>
+                    <a16:rowId xmlns:a16="http://schemas.microsoft.com/office/drawing/2014/main" val="3101018803"/>
                   </a:ext>
                 </a:extLst>
               </a:tr>
@@ -8405,7 +8231,7 @@
                 </a:tc>
                 <a:extLst>
                   <a:ext uri="{0D108BD9-81ED-4DB2-BD59-A6C34878D82A}">
-                    <a16:rowId xmlns="" xmlns:a16="http://schemas.microsoft.com/office/drawing/2014/main" val="3649961185"/>
+                    <a16:rowId xmlns:a16="http://schemas.microsoft.com/office/drawing/2014/main" val="3649961185"/>
                   </a:ext>
                 </a:extLst>
               </a:tr>
@@ -8490,7 +8316,7 @@
                 </a:tc>
                 <a:extLst>
                   <a:ext uri="{0D108BD9-81ED-4DB2-BD59-A6C34878D82A}">
-                    <a16:rowId xmlns="" xmlns:a16="http://schemas.microsoft.com/office/drawing/2014/main" val="3566758617"/>
+                    <a16:rowId xmlns:a16="http://schemas.microsoft.com/office/drawing/2014/main" val="3566758617"/>
                   </a:ext>
                 </a:extLst>
               </a:tr>
@@ -8575,7 +8401,7 @@
                 </a:tc>
                 <a:extLst>
                   <a:ext uri="{0D108BD9-81ED-4DB2-BD59-A6C34878D82A}">
-                    <a16:rowId xmlns="" xmlns:a16="http://schemas.microsoft.com/office/drawing/2014/main" val="2431465096"/>
+                    <a16:rowId xmlns:a16="http://schemas.microsoft.com/office/drawing/2014/main" val="2431465096"/>
                   </a:ext>
                 </a:extLst>
               </a:tr>
@@ -8660,7 +8486,7 @@
                 </a:tc>
                 <a:extLst>
                   <a:ext uri="{0D108BD9-81ED-4DB2-BD59-A6C34878D82A}">
-                    <a16:rowId xmlns="" xmlns:a16="http://schemas.microsoft.com/office/drawing/2014/main" val="1755834529"/>
+                    <a16:rowId xmlns:a16="http://schemas.microsoft.com/office/drawing/2014/main" val="1755834529"/>
                   </a:ext>
                 </a:extLst>
               </a:tr>
@@ -8745,7 +8571,7 @@
                 </a:tc>
                 <a:extLst>
                   <a:ext uri="{0D108BD9-81ED-4DB2-BD59-A6C34878D82A}">
-                    <a16:rowId xmlns="" xmlns:a16="http://schemas.microsoft.com/office/drawing/2014/main" val="4151097572"/>
+                    <a16:rowId xmlns:a16="http://schemas.microsoft.com/office/drawing/2014/main" val="4151097572"/>
                   </a:ext>
                 </a:extLst>
               </a:tr>
@@ -8830,7 +8656,7 @@
                 </a:tc>
                 <a:extLst>
                   <a:ext uri="{0D108BD9-81ED-4DB2-BD59-A6C34878D82A}">
-                    <a16:rowId xmlns="" xmlns:a16="http://schemas.microsoft.com/office/drawing/2014/main" val="1023807493"/>
+                    <a16:rowId xmlns:a16="http://schemas.microsoft.com/office/drawing/2014/main" val="1023807493"/>
                   </a:ext>
                 </a:extLst>
               </a:tr>
@@ -8921,7 +8747,7 @@
                 </a:tc>
                 <a:extLst>
                   <a:ext uri="{0D108BD9-81ED-4DB2-BD59-A6C34878D82A}">
-                    <a16:rowId xmlns="" xmlns:a16="http://schemas.microsoft.com/office/drawing/2014/main" val="1166867636"/>
+                    <a16:rowId xmlns:a16="http://schemas.microsoft.com/office/drawing/2014/main" val="1166867636"/>
                   </a:ext>
                 </a:extLst>
               </a:tr>
@@ -9012,7 +8838,7 @@
                 </a:tc>
                 <a:extLst>
                   <a:ext uri="{0D108BD9-81ED-4DB2-BD59-A6C34878D82A}">
-                    <a16:rowId xmlns="" xmlns:a16="http://schemas.microsoft.com/office/drawing/2014/main" val="4172888325"/>
+                    <a16:rowId xmlns:a16="http://schemas.microsoft.com/office/drawing/2014/main" val="4172888325"/>
                   </a:ext>
                 </a:extLst>
               </a:tr>
@@ -9025,7 +8851,7 @@
           <p:cNvPr id="5" name="TextBox 4">
             <a:extLst>
               <a:ext uri="{FF2B5EF4-FFF2-40B4-BE49-F238E27FC236}">
-                <a16:creationId xmlns="" xmlns:a16="http://schemas.microsoft.com/office/drawing/2014/main" id="{4E286D4F-4DA4-47A6-B4A1-69C59C04C373}"/>
+                <a16:creationId xmlns:a16="http://schemas.microsoft.com/office/drawing/2014/main" id="{4E286D4F-4DA4-47A6-B4A1-69C59C04C373}"/>
               </a:ext>
             </a:extLst>
           </p:cNvPr>
@@ -9088,15 +8914,7 @@
             </a:pPr>
             <a:r>
               <a:rPr lang="en-US" dirty="0"/>
-              <a:t>Both Computer and Mathematical Occupations and All Occupations showed steady growth. However, Computer and Mathematical Occupations had consistently higher growth </a:t>
-            </a:r>
-            <a:r>
-              <a:rPr lang="en-US" dirty="0" smtClean="0"/>
-              <a:t>than </a:t>
-            </a:r>
-            <a:r>
-              <a:rPr lang="en-US" dirty="0"/>
-              <a:t>All Occupations </a:t>
+              <a:t>Both Computer and Mathematical Occupations and All Occupations showed steady growth. However, Computer and Mathematical Occupations had consistently higher growth than All Occupations </a:t>
             </a:r>
           </a:p>
           <a:p>
@@ -9160,7 +8978,7 @@
           <p:cNvPr id="5" name="Picture 4" descr="A screenshot of a cell phone&#10;&#10;Description automatically generated">
             <a:extLst>
               <a:ext uri="{FF2B5EF4-FFF2-40B4-BE49-F238E27FC236}">
-                <a16:creationId xmlns="" xmlns:a16="http://schemas.microsoft.com/office/drawing/2014/main" id="{5DF69AB2-A8CD-0444-9BE9-B09AE4043E5C}"/>
+                <a16:creationId xmlns:a16="http://schemas.microsoft.com/office/drawing/2014/main" id="{5DF69AB2-A8CD-0444-9BE9-B09AE4043E5C}"/>
               </a:ext>
             </a:extLst>
           </p:cNvPr>
@@ -9196,7 +9014,7 @@
           <p:cNvPr id="2" name="Title 1">
             <a:extLst>
               <a:ext uri="{FF2B5EF4-FFF2-40B4-BE49-F238E27FC236}">
-                <a16:creationId xmlns="" xmlns:a16="http://schemas.microsoft.com/office/drawing/2014/main" id="{1B85EE37-585C-E64B-A7B4-E9E8C734F5D4}"/>
+                <a16:creationId xmlns:a16="http://schemas.microsoft.com/office/drawing/2014/main" id="{1B85EE37-585C-E64B-A7B4-E9E8C734F5D4}"/>
               </a:ext>
             </a:extLst>
           </p:cNvPr>
@@ -9222,10 +9040,6 @@
             <a:r>
               <a:rPr lang="en-US" sz="3400" dirty="0"/>
               <a:t>The overall employment status by occupations in US: 2017</a:t>
-            </a:r>
-            <a:r>
-              <a:rPr lang="en-US" dirty="0"/>
-              <a:t/>
             </a:r>
             <a:br>
               <a:rPr lang="en-US" dirty="0"/>

--- a/Group_5_Presentation.pptx
+++ b/Group_5_Presentation.pptx
@@ -137,20 +137,6 @@
     </p:extLst>
   </p:cmAuthor>
 </p:cmAuthorLst>
-</file>
-
-<file path=ppt/comments/comment1.xml><?xml version="1.0" encoding="utf-8"?>
-<p:cmLst xmlns:a="http://schemas.openxmlformats.org/drawingml/2006/main" xmlns:r="http://schemas.openxmlformats.org/officeDocument/2006/relationships" xmlns:p="http://schemas.openxmlformats.org/presentationml/2006/main">
-  <p:cm authorId="1" dt="2019-03-31T23:41:48.002" idx="1">
-    <p:pos x="10" y="10"/>
-    <p:text>Hi Winnie, I like the table, it gave clear read out. How do you think about making the line thicker? and about not showing the grid? I feel the lines might come out more outstanding that way.</p:text>
-    <p:extLst>
-      <p:ext uri="{C676402C-5697-4E1C-873F-D02D1690AC5C}">
-        <p15:threadingInfo xmlns:p15="http://schemas.microsoft.com/office/powerpoint/2012/main" timeZoneBias="300"/>
-      </p:ext>
-    </p:extLst>
-  </p:cm>
-</p:cmLst>
 </file>
 
 <file path=ppt/slideLayouts/slideLayout1.xml><?xml version="1.0" encoding="utf-8"?>
@@ -5845,7 +5831,7 @@
           <p:cNvPr id="4" name="TextBox 3">
             <a:extLst>
               <a:ext uri="{FF2B5EF4-FFF2-40B4-BE49-F238E27FC236}">
-                <a16:creationId xmlns:a16="http://schemas.microsoft.com/office/drawing/2014/main" id="{FCF9FFDB-DB25-4AFA-B506-312075D34380}"/>
+                <a16:creationId xmlns:a16="http://schemas.microsoft.com/office/drawing/2014/main" xmlns="" id="{FCF9FFDB-DB25-4AFA-B506-312075D34380}"/>
               </a:ext>
             </a:extLst>
           </p:cNvPr>
@@ -5927,7 +5913,7 @@
           <p:cNvPr id="2" name="Title 1">
             <a:extLst>
               <a:ext uri="{FF2B5EF4-FFF2-40B4-BE49-F238E27FC236}">
-                <a16:creationId xmlns:a16="http://schemas.microsoft.com/office/drawing/2014/main" id="{EC0D6666-CF76-4F9D-B356-8C4E5E1D8BE9}"/>
+                <a16:creationId xmlns:a16="http://schemas.microsoft.com/office/drawing/2014/main" xmlns="" id="{EC0D6666-CF76-4F9D-B356-8C4E5E1D8BE9}"/>
               </a:ext>
             </a:extLst>
           </p:cNvPr>
@@ -5962,7 +5948,7 @@
           <p:cNvPr id="4" name="Picture 3" descr="A screenshot of a cell phone&#10;&#10;Description automatically generated">
             <a:extLst>
               <a:ext uri="{FF2B5EF4-FFF2-40B4-BE49-F238E27FC236}">
-                <a16:creationId xmlns:a16="http://schemas.microsoft.com/office/drawing/2014/main" id="{86BFFD9D-DAAD-1B49-B1E8-4F81EF330F24}"/>
+                <a16:creationId xmlns:a16="http://schemas.microsoft.com/office/drawing/2014/main" xmlns="" id="{86BFFD9D-DAAD-1B49-B1E8-4F81EF330F24}"/>
               </a:ext>
             </a:extLst>
           </p:cNvPr>
@@ -6028,7 +6014,7 @@
           <p:cNvPr id="2" name="Title 1">
             <a:extLst>
               <a:ext uri="{FF2B5EF4-FFF2-40B4-BE49-F238E27FC236}">
-                <a16:creationId xmlns:a16="http://schemas.microsoft.com/office/drawing/2014/main" id="{1CFEA6E0-9345-1C43-9594-047B355EECDF}"/>
+                <a16:creationId xmlns:a16="http://schemas.microsoft.com/office/drawing/2014/main" xmlns="" id="{1CFEA6E0-9345-1C43-9594-047B355EECDF}"/>
               </a:ext>
             </a:extLst>
           </p:cNvPr>
@@ -6046,6 +6032,10 @@
           </a:bodyPr>
           <a:lstStyle/>
           <a:p>
+            <a:r>
+              <a:rPr lang="en-US" dirty="0"/>
+              <a:t/>
+            </a:r>
             <a:br>
               <a:rPr lang="en-US" dirty="0"/>
             </a:br>
@@ -6112,7 +6102,7 @@
           <p:cNvPr id="2" name="Title 1">
             <a:extLst>
               <a:ext uri="{FF2B5EF4-FFF2-40B4-BE49-F238E27FC236}">
-                <a16:creationId xmlns:a16="http://schemas.microsoft.com/office/drawing/2014/main" id="{27E5E4B7-0D24-1246-B992-4E761C8D9010}"/>
+                <a16:creationId xmlns:a16="http://schemas.microsoft.com/office/drawing/2014/main" xmlns="" id="{27E5E4B7-0D24-1246-B992-4E761C8D9010}"/>
               </a:ext>
             </a:extLst>
           </p:cNvPr>
@@ -6140,7 +6130,7 @@
           <p:cNvPr id="3" name="Content Placeholder 2">
             <a:extLst>
               <a:ext uri="{FF2B5EF4-FFF2-40B4-BE49-F238E27FC236}">
-                <a16:creationId xmlns:a16="http://schemas.microsoft.com/office/drawing/2014/main" id="{F68D2FE6-AC37-FA4F-B071-B1D2CB6CF5FE}"/>
+                <a16:creationId xmlns:a16="http://schemas.microsoft.com/office/drawing/2014/main" xmlns="" id="{F68D2FE6-AC37-FA4F-B071-B1D2CB6CF5FE}"/>
               </a:ext>
             </a:extLst>
           </p:cNvPr>
@@ -6235,6 +6225,14 @@
   <p:clrMapOvr>
     <a:masterClrMapping/>
   </p:clrMapOvr>
+  <mc:AlternateContent xmlns:mc="http://schemas.openxmlformats.org/markup-compatibility/2006">
+    <mc:Choice xmlns:p14="http://schemas.microsoft.com/office/powerpoint/2010/main" Requires="p14">
+      <p:transition spd="slow" p14:dur="2000"/>
+    </mc:Choice>
+    <mc:Fallback>
+      <p:transition spd="slow"/>
+    </mc:Fallback>
+  </mc:AlternateContent>
 </p:sld>
 </file>
 
@@ -6260,7 +6258,7 @@
           <p:cNvPr id="2" name="Title 1">
             <a:extLst>
               <a:ext uri="{FF2B5EF4-FFF2-40B4-BE49-F238E27FC236}">
-                <a16:creationId xmlns:a16="http://schemas.microsoft.com/office/drawing/2014/main" id="{21D3167F-30A9-4F8D-99EE-386A1F094613}"/>
+                <a16:creationId xmlns:a16="http://schemas.microsoft.com/office/drawing/2014/main" xmlns="" id="{21D3167F-30A9-4F8D-99EE-386A1F094613}"/>
               </a:ext>
             </a:extLst>
           </p:cNvPr>
@@ -6288,7 +6286,7 @@
           <p:cNvPr id="3" name="Content Placeholder 2">
             <a:extLst>
               <a:ext uri="{FF2B5EF4-FFF2-40B4-BE49-F238E27FC236}">
-                <a16:creationId xmlns:a16="http://schemas.microsoft.com/office/drawing/2014/main" id="{571BA543-3A3F-43F0-957D-37B7A83B0853}"/>
+                <a16:creationId xmlns:a16="http://schemas.microsoft.com/office/drawing/2014/main" xmlns="" id="{571BA543-3A3F-43F0-957D-37B7A83B0853}"/>
               </a:ext>
             </a:extLst>
           </p:cNvPr>
@@ -6459,7 +6457,7 @@
           <p:cNvPr id="2" name="Title 1">
             <a:extLst>
               <a:ext uri="{FF2B5EF4-FFF2-40B4-BE49-F238E27FC236}">
-                <a16:creationId xmlns:a16="http://schemas.microsoft.com/office/drawing/2014/main" id="{D8975F0A-4727-47D2-96A8-DFAC0FBD6C91}"/>
+                <a16:creationId xmlns:a16="http://schemas.microsoft.com/office/drawing/2014/main" xmlns="" id="{D8975F0A-4727-47D2-96A8-DFAC0FBD6C91}"/>
               </a:ext>
             </a:extLst>
           </p:cNvPr>
@@ -6487,7 +6485,7 @@
           <p:cNvPr id="3" name="Content Placeholder 2">
             <a:extLst>
               <a:ext uri="{FF2B5EF4-FFF2-40B4-BE49-F238E27FC236}">
-                <a16:creationId xmlns:a16="http://schemas.microsoft.com/office/drawing/2014/main" id="{C69386F3-A2F7-4C59-B5D1-F22F1E51F196}"/>
+                <a16:creationId xmlns:a16="http://schemas.microsoft.com/office/drawing/2014/main" xmlns="" id="{C69386F3-A2F7-4C59-B5D1-F22F1E51F196}"/>
               </a:ext>
             </a:extLst>
           </p:cNvPr>
@@ -6571,7 +6569,7 @@
           <p:cNvPr id="2" name="Title 1">
             <a:extLst>
               <a:ext uri="{FF2B5EF4-FFF2-40B4-BE49-F238E27FC236}">
-                <a16:creationId xmlns:a16="http://schemas.microsoft.com/office/drawing/2014/main" id="{E1C9EF35-DC7C-428F-A8C6-930DEFB1E1DB}"/>
+                <a16:creationId xmlns:a16="http://schemas.microsoft.com/office/drawing/2014/main" xmlns="" id="{E1C9EF35-DC7C-428F-A8C6-930DEFB1E1DB}"/>
               </a:ext>
             </a:extLst>
           </p:cNvPr>
@@ -6599,7 +6597,7 @@
           <p:cNvPr id="3" name="Content Placeholder 2">
             <a:extLst>
               <a:ext uri="{FF2B5EF4-FFF2-40B4-BE49-F238E27FC236}">
-                <a16:creationId xmlns:a16="http://schemas.microsoft.com/office/drawing/2014/main" id="{1B82C285-6A5A-45FC-B1D5-1D0786CBCFB5}"/>
+                <a16:creationId xmlns:a16="http://schemas.microsoft.com/office/drawing/2014/main" xmlns="" id="{1B82C285-6A5A-45FC-B1D5-1D0786CBCFB5}"/>
               </a:ext>
             </a:extLst>
           </p:cNvPr>
@@ -6678,7 +6676,7 @@
           <p:cNvPr id="2" name="Title 1">
             <a:extLst>
               <a:ext uri="{FF2B5EF4-FFF2-40B4-BE49-F238E27FC236}">
-                <a16:creationId xmlns:a16="http://schemas.microsoft.com/office/drawing/2014/main" id="{55A6334A-68E7-42D4-919A-0C62BE53DBB2}"/>
+                <a16:creationId xmlns:a16="http://schemas.microsoft.com/office/drawing/2014/main" xmlns="" id="{55A6334A-68E7-42D4-919A-0C62BE53DBB2}"/>
               </a:ext>
             </a:extLst>
           </p:cNvPr>
@@ -6706,6 +6704,10 @@
               <a:rPr lang="en-US" sz="6700" dirty="0"/>
               <a:t>Thank you!</a:t>
             </a:r>
+            <a:r>
+              <a:rPr lang="en-US" dirty="0"/>
+              <a:t/>
+            </a:r>
             <a:br>
               <a:rPr lang="en-US" dirty="0"/>
             </a:br>
@@ -6718,7 +6720,7 @@
           <p:cNvPr id="3" name="Content Placeholder 2">
             <a:extLst>
               <a:ext uri="{FF2B5EF4-FFF2-40B4-BE49-F238E27FC236}">
-                <a16:creationId xmlns:a16="http://schemas.microsoft.com/office/drawing/2014/main" id="{1C25BB28-A4EC-414D-859C-C7A0FCD1F980}"/>
+                <a16:creationId xmlns:a16="http://schemas.microsoft.com/office/drawing/2014/main" xmlns="" id="{1C25BB28-A4EC-414D-859C-C7A0FCD1F980}"/>
               </a:ext>
             </a:extLst>
           </p:cNvPr>
@@ -6786,7 +6788,7 @@
           <p:cNvPr id="2" name="Title 1">
             <a:extLst>
               <a:ext uri="{FF2B5EF4-FFF2-40B4-BE49-F238E27FC236}">
-                <a16:creationId xmlns:a16="http://schemas.microsoft.com/office/drawing/2014/main" id="{41B5C587-4962-4E00-A54B-F8B9FE251918}"/>
+                <a16:creationId xmlns:a16="http://schemas.microsoft.com/office/drawing/2014/main" xmlns="" id="{41B5C587-4962-4E00-A54B-F8B9FE251918}"/>
               </a:ext>
             </a:extLst>
           </p:cNvPr>
@@ -6814,7 +6816,7 @@
           <p:cNvPr id="3" name="Content Placeholder 2">
             <a:extLst>
               <a:ext uri="{FF2B5EF4-FFF2-40B4-BE49-F238E27FC236}">
-                <a16:creationId xmlns:a16="http://schemas.microsoft.com/office/drawing/2014/main" id="{129B7FB5-54B8-4545-A8C7-1D4B4C033F1E}"/>
+                <a16:creationId xmlns:a16="http://schemas.microsoft.com/office/drawing/2014/main" xmlns="" id="{129B7FB5-54B8-4545-A8C7-1D4B4C033F1E}"/>
               </a:ext>
             </a:extLst>
           </p:cNvPr>
@@ -6948,7 +6950,7 @@
           <p:cNvPr id="2" name="Title 1">
             <a:extLst>
               <a:ext uri="{FF2B5EF4-FFF2-40B4-BE49-F238E27FC236}">
-                <a16:creationId xmlns:a16="http://schemas.microsoft.com/office/drawing/2014/main" id="{B01FBC95-86CC-4C5D-80F0-CF41A33B1E9F}"/>
+                <a16:creationId xmlns:a16="http://schemas.microsoft.com/office/drawing/2014/main" xmlns="" id="{B01FBC95-86CC-4C5D-80F0-CF41A33B1E9F}"/>
               </a:ext>
             </a:extLst>
           </p:cNvPr>
@@ -6976,7 +6978,7 @@
           <p:cNvPr id="3" name="Content Placeholder 2">
             <a:extLst>
               <a:ext uri="{FF2B5EF4-FFF2-40B4-BE49-F238E27FC236}">
-                <a16:creationId xmlns:a16="http://schemas.microsoft.com/office/drawing/2014/main" id="{CACC8578-D28C-470E-8EBE-3E9A3C6434E3}"/>
+                <a16:creationId xmlns:a16="http://schemas.microsoft.com/office/drawing/2014/main" xmlns="" id="{CACC8578-D28C-470E-8EBE-3E9A3C6434E3}"/>
               </a:ext>
             </a:extLst>
           </p:cNvPr>
@@ -7014,7 +7016,7 @@
                 <a:hlinkClick r:id="rId2">
                   <a:extLst>
                     <a:ext uri="{A12FA001-AC4F-418D-AE19-62706E023703}">
-                      <ahyp:hlinkClr xmlns:ahyp="http://schemas.microsoft.com/office/drawing/2018/hyperlinkcolor" val="tx"/>
+                      <ahyp:hlinkClr xmlns:ahyp="http://schemas.microsoft.com/office/drawing/2018/hyperlinkcolor" xmlns="" val="tx"/>
                     </a:ext>
                   </a:extLst>
                 </a:hlinkClick>
@@ -7057,7 +7059,7 @@
                 <a:hlinkClick r:id="rId3">
                   <a:extLst>
                     <a:ext uri="{A12FA001-AC4F-418D-AE19-62706E023703}">
-                      <ahyp:hlinkClr xmlns:ahyp="http://schemas.microsoft.com/office/drawing/2018/hyperlinkcolor" val="tx"/>
+                      <ahyp:hlinkClr xmlns:ahyp="http://schemas.microsoft.com/office/drawing/2018/hyperlinkcolor" xmlns="" val="tx"/>
                     </a:ext>
                   </a:extLst>
                 </a:hlinkClick>
@@ -7090,7 +7092,7 @@
           <p:cNvPr id="4" name="Picture 3">
             <a:extLst>
               <a:ext uri="{FF2B5EF4-FFF2-40B4-BE49-F238E27FC236}">
-                <a16:creationId xmlns:a16="http://schemas.microsoft.com/office/drawing/2014/main" id="{E7D53E29-B383-4B9D-A554-11B128DFEE9B}"/>
+                <a16:creationId xmlns:a16="http://schemas.microsoft.com/office/drawing/2014/main" xmlns="" id="{E7D53E29-B383-4B9D-A554-11B128DFEE9B}"/>
               </a:ext>
             </a:extLst>
           </p:cNvPr>
@@ -7120,7 +7122,7 @@
           <p:cNvPr id="6" name="Picture 5">
             <a:extLst>
               <a:ext uri="{FF2B5EF4-FFF2-40B4-BE49-F238E27FC236}">
-                <a16:creationId xmlns:a16="http://schemas.microsoft.com/office/drawing/2014/main" id="{064340ED-E940-4A96-89BA-D2EE55992785}"/>
+                <a16:creationId xmlns:a16="http://schemas.microsoft.com/office/drawing/2014/main" xmlns="" id="{064340ED-E940-4A96-89BA-D2EE55992785}"/>
               </a:ext>
             </a:extLst>
           </p:cNvPr>
@@ -7186,7 +7188,7 @@
           <p:cNvPr id="3" name="Content Placeholder 2">
             <a:extLst>
               <a:ext uri="{FF2B5EF4-FFF2-40B4-BE49-F238E27FC236}">
-                <a16:creationId xmlns:a16="http://schemas.microsoft.com/office/drawing/2014/main" id="{75897B1C-3F8F-4B5D-8723-E5115AF5882A}"/>
+                <a16:creationId xmlns:a16="http://schemas.microsoft.com/office/drawing/2014/main" xmlns="" id="{75897B1C-3F8F-4B5D-8723-E5115AF5882A}"/>
               </a:ext>
             </a:extLst>
           </p:cNvPr>
@@ -7272,7 +7274,7 @@
           <p:cNvPr id="1026" name="Picture 2">
             <a:extLst>
               <a:ext uri="{FF2B5EF4-FFF2-40B4-BE49-F238E27FC236}">
-                <a16:creationId xmlns:a16="http://schemas.microsoft.com/office/drawing/2014/main" id="{D8C64A6C-BD40-4A64-B91F-E20F1390B313}"/>
+                <a16:creationId xmlns:a16="http://schemas.microsoft.com/office/drawing/2014/main" xmlns="" id="{D8C64A6C-BD40-4A64-B91F-E20F1390B313}"/>
               </a:ext>
             </a:extLst>
           </p:cNvPr>
@@ -7349,7 +7351,7 @@
           <p:cNvPr id="5" name="Content Placeholder 2">
             <a:extLst>
               <a:ext uri="{FF2B5EF4-FFF2-40B4-BE49-F238E27FC236}">
-                <a16:creationId xmlns:a16="http://schemas.microsoft.com/office/drawing/2014/main" id="{75897B1C-3F8F-4B5D-8723-E5115AF5882A}"/>
+                <a16:creationId xmlns:a16="http://schemas.microsoft.com/office/drawing/2014/main" xmlns="" id="{75897B1C-3F8F-4B5D-8723-E5115AF5882A}"/>
               </a:ext>
             </a:extLst>
           </p:cNvPr>
@@ -7591,7 +7593,7 @@
           <p:cNvPr id="2050" name="Picture 2">
             <a:extLst>
               <a:ext uri="{FF2B5EF4-FFF2-40B4-BE49-F238E27FC236}">
-                <a16:creationId xmlns:a16="http://schemas.microsoft.com/office/drawing/2014/main" id="{B626FDCB-06F6-43F3-A509-7A6C9899E5E6}"/>
+                <a16:creationId xmlns:a16="http://schemas.microsoft.com/office/drawing/2014/main" xmlns="" id="{B626FDCB-06F6-43F3-A509-7A6C9899E5E6}"/>
               </a:ext>
             </a:extLst>
           </p:cNvPr>
@@ -7668,7 +7670,7 @@
           <p:cNvPr id="3" name="Content Placeholder 2">
             <a:extLst>
               <a:ext uri="{FF2B5EF4-FFF2-40B4-BE49-F238E27FC236}">
-                <a16:creationId xmlns:a16="http://schemas.microsoft.com/office/drawing/2014/main" id="{A1BF3F66-EBAC-4059-95DC-84F0A2D0D9F8}"/>
+                <a16:creationId xmlns:a16="http://schemas.microsoft.com/office/drawing/2014/main" xmlns="" id="{A1BF3F66-EBAC-4059-95DC-84F0A2D0D9F8}"/>
               </a:ext>
             </a:extLst>
           </p:cNvPr>
@@ -7717,7 +7719,7 @@
           <p:cNvPr id="1028" name="Picture 4">
             <a:extLst>
               <a:ext uri="{FF2B5EF4-FFF2-40B4-BE49-F238E27FC236}">
-                <a16:creationId xmlns:a16="http://schemas.microsoft.com/office/drawing/2014/main" id="{642F8360-CC0D-4DD9-9C82-369B6108FA21}"/>
+                <a16:creationId xmlns:a16="http://schemas.microsoft.com/office/drawing/2014/main" xmlns="" id="{642F8360-CC0D-4DD9-9C82-369B6108FA21}"/>
               </a:ext>
             </a:extLst>
           </p:cNvPr>
@@ -7842,7 +7844,7 @@
           <p:cNvPr id="2" name="Title 1">
             <a:extLst>
               <a:ext uri="{FF2B5EF4-FFF2-40B4-BE49-F238E27FC236}">
-                <a16:creationId xmlns:a16="http://schemas.microsoft.com/office/drawing/2014/main" id="{AB68570A-62BD-4471-B097-C694410375A6}"/>
+                <a16:creationId xmlns:a16="http://schemas.microsoft.com/office/drawing/2014/main" xmlns="" id="{AB68570A-62BD-4471-B097-C694410375A6}"/>
               </a:ext>
             </a:extLst>
           </p:cNvPr>
@@ -7870,7 +7872,7 @@
           <p:cNvPr id="8" name="Content Placeholder 7">
             <a:extLst>
               <a:ext uri="{FF2B5EF4-FFF2-40B4-BE49-F238E27FC236}">
-                <a16:creationId xmlns:a16="http://schemas.microsoft.com/office/drawing/2014/main" id="{BFBD1934-FD17-47DC-A5FD-FDD1A2C3355D}"/>
+                <a16:creationId xmlns:a16="http://schemas.microsoft.com/office/drawing/2014/main" xmlns="" id="{BFBD1934-FD17-47DC-A5FD-FDD1A2C3355D}"/>
               </a:ext>
             </a:extLst>
           </p:cNvPr>
@@ -7905,7 +7907,7 @@
           <p:cNvPr id="10" name="Picture 9">
             <a:extLst>
               <a:ext uri="{FF2B5EF4-FFF2-40B4-BE49-F238E27FC236}">
-                <a16:creationId xmlns:a16="http://schemas.microsoft.com/office/drawing/2014/main" id="{1989F6F7-5E58-4DB3-8230-2E37CE708500}"/>
+                <a16:creationId xmlns:a16="http://schemas.microsoft.com/office/drawing/2014/main" xmlns="" id="{1989F6F7-5E58-4DB3-8230-2E37CE708500}"/>
               </a:ext>
             </a:extLst>
           </p:cNvPr>
@@ -7971,7 +7973,7 @@
           <p:cNvPr id="2" name="Title 1">
             <a:extLst>
               <a:ext uri="{FF2B5EF4-FFF2-40B4-BE49-F238E27FC236}">
-                <a16:creationId xmlns:a16="http://schemas.microsoft.com/office/drawing/2014/main" id="{A596BA33-7754-4852-A943-2BF56BC5ACEE}"/>
+                <a16:creationId xmlns:a16="http://schemas.microsoft.com/office/drawing/2014/main" xmlns="" id="{A596BA33-7754-4852-A943-2BF56BC5ACEE}"/>
               </a:ext>
             </a:extLst>
           </p:cNvPr>
@@ -8004,7 +8006,7 @@
           <p:cNvPr id="4" name="Content Placeholder 3">
             <a:extLst>
               <a:ext uri="{FF2B5EF4-FFF2-40B4-BE49-F238E27FC236}">
-                <a16:creationId xmlns:a16="http://schemas.microsoft.com/office/drawing/2014/main" id="{491C927E-30F3-4185-BE20-0B6D3C5A74A6}"/>
+                <a16:creationId xmlns:a16="http://schemas.microsoft.com/office/drawing/2014/main" xmlns="" id="{491C927E-30F3-4185-BE20-0B6D3C5A74A6}"/>
               </a:ext>
             </a:extLst>
           </p:cNvPr>
@@ -8034,21 +8036,21 @@
                 <a:gridCol w="1647559">
                   <a:extLst>
                     <a:ext uri="{9D8B030D-6E8A-4147-A177-3AD203B41FA5}">
-                      <a16:colId xmlns:a16="http://schemas.microsoft.com/office/drawing/2014/main" val="957085690"/>
+                      <a16:colId xmlns:a16="http://schemas.microsoft.com/office/drawing/2014/main" xmlns="" val="957085690"/>
                     </a:ext>
                   </a:extLst>
                 </a:gridCol>
                 <a:gridCol w="1647559">
                   <a:extLst>
                     <a:ext uri="{9D8B030D-6E8A-4147-A177-3AD203B41FA5}">
-                      <a16:colId xmlns:a16="http://schemas.microsoft.com/office/drawing/2014/main" val="3984160696"/>
+                      <a16:colId xmlns:a16="http://schemas.microsoft.com/office/drawing/2014/main" xmlns="" val="3984160696"/>
                     </a:ext>
                   </a:extLst>
                 </a:gridCol>
                 <a:gridCol w="1924582">
                   <a:extLst>
                     <a:ext uri="{9D8B030D-6E8A-4147-A177-3AD203B41FA5}">
-                      <a16:colId xmlns:a16="http://schemas.microsoft.com/office/drawing/2014/main" val="3944266915"/>
+                      <a16:colId xmlns:a16="http://schemas.microsoft.com/office/drawing/2014/main" xmlns="" val="3944266915"/>
                     </a:ext>
                   </a:extLst>
                 </a:gridCol>
@@ -8146,7 +8148,7 @@
                 </a:tc>
                 <a:extLst>
                   <a:ext uri="{0D108BD9-81ED-4DB2-BD59-A6C34878D82A}">
-                    <a16:rowId xmlns:a16="http://schemas.microsoft.com/office/drawing/2014/main" val="3101018803"/>
+                    <a16:rowId xmlns:a16="http://schemas.microsoft.com/office/drawing/2014/main" xmlns="" val="3101018803"/>
                   </a:ext>
                 </a:extLst>
               </a:tr>
@@ -8231,7 +8233,7 @@
                 </a:tc>
                 <a:extLst>
                   <a:ext uri="{0D108BD9-81ED-4DB2-BD59-A6C34878D82A}">
-                    <a16:rowId xmlns:a16="http://schemas.microsoft.com/office/drawing/2014/main" val="3649961185"/>
+                    <a16:rowId xmlns:a16="http://schemas.microsoft.com/office/drawing/2014/main" xmlns="" val="3649961185"/>
                   </a:ext>
                 </a:extLst>
               </a:tr>
@@ -8316,7 +8318,7 @@
                 </a:tc>
                 <a:extLst>
                   <a:ext uri="{0D108BD9-81ED-4DB2-BD59-A6C34878D82A}">
-                    <a16:rowId xmlns:a16="http://schemas.microsoft.com/office/drawing/2014/main" val="3566758617"/>
+                    <a16:rowId xmlns:a16="http://schemas.microsoft.com/office/drawing/2014/main" xmlns="" val="3566758617"/>
                   </a:ext>
                 </a:extLst>
               </a:tr>
@@ -8401,7 +8403,7 @@
                 </a:tc>
                 <a:extLst>
                   <a:ext uri="{0D108BD9-81ED-4DB2-BD59-A6C34878D82A}">
-                    <a16:rowId xmlns:a16="http://schemas.microsoft.com/office/drawing/2014/main" val="2431465096"/>
+                    <a16:rowId xmlns:a16="http://schemas.microsoft.com/office/drawing/2014/main" xmlns="" val="2431465096"/>
                   </a:ext>
                 </a:extLst>
               </a:tr>
@@ -8486,7 +8488,7 @@
                 </a:tc>
                 <a:extLst>
                   <a:ext uri="{0D108BD9-81ED-4DB2-BD59-A6C34878D82A}">
-                    <a16:rowId xmlns:a16="http://schemas.microsoft.com/office/drawing/2014/main" val="1755834529"/>
+                    <a16:rowId xmlns:a16="http://schemas.microsoft.com/office/drawing/2014/main" xmlns="" val="1755834529"/>
                   </a:ext>
                 </a:extLst>
               </a:tr>
@@ -8571,7 +8573,7 @@
                 </a:tc>
                 <a:extLst>
                   <a:ext uri="{0D108BD9-81ED-4DB2-BD59-A6C34878D82A}">
-                    <a16:rowId xmlns:a16="http://schemas.microsoft.com/office/drawing/2014/main" val="4151097572"/>
+                    <a16:rowId xmlns:a16="http://schemas.microsoft.com/office/drawing/2014/main" xmlns="" val="4151097572"/>
                   </a:ext>
                 </a:extLst>
               </a:tr>
@@ -8656,7 +8658,7 @@
                 </a:tc>
                 <a:extLst>
                   <a:ext uri="{0D108BD9-81ED-4DB2-BD59-A6C34878D82A}">
-                    <a16:rowId xmlns:a16="http://schemas.microsoft.com/office/drawing/2014/main" val="1023807493"/>
+                    <a16:rowId xmlns:a16="http://schemas.microsoft.com/office/drawing/2014/main" xmlns="" val="1023807493"/>
                   </a:ext>
                 </a:extLst>
               </a:tr>
@@ -8747,7 +8749,7 @@
                 </a:tc>
                 <a:extLst>
                   <a:ext uri="{0D108BD9-81ED-4DB2-BD59-A6C34878D82A}">
-                    <a16:rowId xmlns:a16="http://schemas.microsoft.com/office/drawing/2014/main" val="1166867636"/>
+                    <a16:rowId xmlns:a16="http://schemas.microsoft.com/office/drawing/2014/main" xmlns="" val="1166867636"/>
                   </a:ext>
                 </a:extLst>
               </a:tr>
@@ -8838,7 +8840,7 @@
                 </a:tc>
                 <a:extLst>
                   <a:ext uri="{0D108BD9-81ED-4DB2-BD59-A6C34878D82A}">
-                    <a16:rowId xmlns:a16="http://schemas.microsoft.com/office/drawing/2014/main" val="4172888325"/>
+                    <a16:rowId xmlns:a16="http://schemas.microsoft.com/office/drawing/2014/main" xmlns="" val="4172888325"/>
                   </a:ext>
                 </a:extLst>
               </a:tr>
@@ -8851,7 +8853,7 @@
           <p:cNvPr id="5" name="TextBox 4">
             <a:extLst>
               <a:ext uri="{FF2B5EF4-FFF2-40B4-BE49-F238E27FC236}">
-                <a16:creationId xmlns:a16="http://schemas.microsoft.com/office/drawing/2014/main" id="{4E286D4F-4DA4-47A6-B4A1-69C59C04C373}"/>
+                <a16:creationId xmlns:a16="http://schemas.microsoft.com/office/drawing/2014/main" xmlns="" id="{4E286D4F-4DA4-47A6-B4A1-69C59C04C373}"/>
               </a:ext>
             </a:extLst>
           </p:cNvPr>
@@ -8978,7 +8980,7 @@
           <p:cNvPr id="5" name="Picture 4" descr="A screenshot of a cell phone&#10;&#10;Description automatically generated">
             <a:extLst>
               <a:ext uri="{FF2B5EF4-FFF2-40B4-BE49-F238E27FC236}">
-                <a16:creationId xmlns:a16="http://schemas.microsoft.com/office/drawing/2014/main" id="{5DF69AB2-A8CD-0444-9BE9-B09AE4043E5C}"/>
+                <a16:creationId xmlns:a16="http://schemas.microsoft.com/office/drawing/2014/main" xmlns="" id="{5DF69AB2-A8CD-0444-9BE9-B09AE4043E5C}"/>
               </a:ext>
             </a:extLst>
           </p:cNvPr>
@@ -9014,7 +9016,7 @@
           <p:cNvPr id="2" name="Title 1">
             <a:extLst>
               <a:ext uri="{FF2B5EF4-FFF2-40B4-BE49-F238E27FC236}">
-                <a16:creationId xmlns:a16="http://schemas.microsoft.com/office/drawing/2014/main" id="{1B85EE37-585C-E64B-A7B4-E9E8C734F5D4}"/>
+                <a16:creationId xmlns:a16="http://schemas.microsoft.com/office/drawing/2014/main" xmlns="" id="{1B85EE37-585C-E64B-A7B4-E9E8C734F5D4}"/>
               </a:ext>
             </a:extLst>
           </p:cNvPr>
@@ -9040,6 +9042,10 @@
             <a:r>
               <a:rPr lang="en-US" sz="3400" dirty="0"/>
               <a:t>The overall employment status by occupations in US: 2017</a:t>
+            </a:r>
+            <a:r>
+              <a:rPr lang="en-US" dirty="0"/>
+              <a:t/>
             </a:r>
             <a:br>
               <a:rPr lang="en-US" dirty="0"/>

--- a/Group_5_Presentation.pptx
+++ b/Group_5_Presentation.pptx
@@ -16,11 +16,10 @@
     <p:sldId id="289" r:id="rId10"/>
     <p:sldId id="288" r:id="rId11"/>
     <p:sldId id="281" r:id="rId12"/>
-    <p:sldId id="282" r:id="rId13"/>
-    <p:sldId id="262" r:id="rId14"/>
-    <p:sldId id="259" r:id="rId15"/>
-    <p:sldId id="273" r:id="rId16"/>
-    <p:sldId id="274" r:id="rId17"/>
+    <p:sldId id="262" r:id="rId13"/>
+    <p:sldId id="259" r:id="rId14"/>
+    <p:sldId id="273" r:id="rId15"/>
+    <p:sldId id="274" r:id="rId16"/>
   </p:sldIdLst>
   <p:sldSz cx="12192000" cy="6858000"/>
   <p:notesSz cx="6858000" cy="9144000"/>
@@ -5831,7 +5830,7 @@
           <p:cNvPr id="4" name="TextBox 3">
             <a:extLst>
               <a:ext uri="{FF2B5EF4-FFF2-40B4-BE49-F238E27FC236}">
-                <a16:creationId xmlns:a16="http://schemas.microsoft.com/office/drawing/2014/main" xmlns="" id="{FCF9FFDB-DB25-4AFA-B506-312075D34380}"/>
+                <a16:creationId xmlns="" xmlns:a16="http://schemas.microsoft.com/office/drawing/2014/main" id="{FCF9FFDB-DB25-4AFA-B506-312075D34380}"/>
               </a:ext>
             </a:extLst>
           </p:cNvPr>
@@ -5913,7 +5912,7 @@
           <p:cNvPr id="2" name="Title 1">
             <a:extLst>
               <a:ext uri="{FF2B5EF4-FFF2-40B4-BE49-F238E27FC236}">
-                <a16:creationId xmlns:a16="http://schemas.microsoft.com/office/drawing/2014/main" xmlns="" id="{EC0D6666-CF76-4F9D-B356-8C4E5E1D8BE9}"/>
+                <a16:creationId xmlns="" xmlns:a16="http://schemas.microsoft.com/office/drawing/2014/main" id="{EC0D6666-CF76-4F9D-B356-8C4E5E1D8BE9}"/>
               </a:ext>
             </a:extLst>
           </p:cNvPr>
@@ -5948,7 +5947,7 @@
           <p:cNvPr id="4" name="Picture 3" descr="A screenshot of a cell phone&#10;&#10;Description automatically generated">
             <a:extLst>
               <a:ext uri="{FF2B5EF4-FFF2-40B4-BE49-F238E27FC236}">
-                <a16:creationId xmlns:a16="http://schemas.microsoft.com/office/drawing/2014/main" xmlns="" id="{86BFFD9D-DAAD-1B49-B1E8-4F81EF330F24}"/>
+                <a16:creationId xmlns="" xmlns:a16="http://schemas.microsoft.com/office/drawing/2014/main" id="{86BFFD9D-DAAD-1B49-B1E8-4F81EF330F24}"/>
               </a:ext>
             </a:extLst>
           </p:cNvPr>
@@ -6014,7 +6013,7 @@
           <p:cNvPr id="2" name="Title 1">
             <a:extLst>
               <a:ext uri="{FF2B5EF4-FFF2-40B4-BE49-F238E27FC236}">
-                <a16:creationId xmlns:a16="http://schemas.microsoft.com/office/drawing/2014/main" xmlns="" id="{1CFEA6E0-9345-1C43-9594-047B355EECDF}"/>
+                <a16:creationId xmlns="" xmlns:a16="http://schemas.microsoft.com/office/drawing/2014/main" id="{1CFEA6E0-9345-1C43-9594-047B355EECDF}"/>
               </a:ext>
             </a:extLst>
           </p:cNvPr>
@@ -6081,7 +6080,7 @@
 </file>
 
 <file path=ppt/slides/slide12.xml><?xml version="1.0" encoding="utf-8"?>
-<p:sld xmlns:a="http://schemas.openxmlformats.org/drawingml/2006/main" xmlns:r="http://schemas.openxmlformats.org/officeDocument/2006/relationships" xmlns:p="http://schemas.openxmlformats.org/presentationml/2006/main" show="0">
+<p:sld xmlns:a="http://schemas.openxmlformats.org/drawingml/2006/main" xmlns:r="http://schemas.openxmlformats.org/officeDocument/2006/relationships" xmlns:p="http://schemas.openxmlformats.org/presentationml/2006/main">
   <p:cSld>
     <p:spTree>
       <p:nvGrpSpPr>
@@ -6102,7 +6101,7 @@
           <p:cNvPr id="2" name="Title 1">
             <a:extLst>
               <a:ext uri="{FF2B5EF4-FFF2-40B4-BE49-F238E27FC236}">
-                <a16:creationId xmlns:a16="http://schemas.microsoft.com/office/drawing/2014/main" xmlns="" id="{27E5E4B7-0D24-1246-B992-4E761C8D9010}"/>
+                <a16:creationId xmlns="" xmlns:a16="http://schemas.microsoft.com/office/drawing/2014/main" id="{21D3167F-30A9-4F8D-99EE-386A1F094613}"/>
               </a:ext>
             </a:extLst>
           </p:cNvPr>
@@ -6120,7 +6119,7 @@
           <a:p>
             <a:r>
               <a:rPr lang="en-US" dirty="0"/>
-              <a:t>Summary</a:t>
+              <a:t>TAKE-AWAYS</a:t>
             </a:r>
           </a:p>
         </p:txBody>
@@ -6130,7 +6129,7 @@
           <p:cNvPr id="3" name="Content Placeholder 2">
             <a:extLst>
               <a:ext uri="{FF2B5EF4-FFF2-40B4-BE49-F238E27FC236}">
-                <a16:creationId xmlns:a16="http://schemas.microsoft.com/office/drawing/2014/main" xmlns="" id="{F68D2FE6-AC37-FA4F-B071-B1D2CB6CF5FE}"/>
+                <a16:creationId xmlns="" xmlns:a16="http://schemas.microsoft.com/office/drawing/2014/main" id="{571BA543-3A3F-43F0-957D-37B7A83B0853}"/>
               </a:ext>
             </a:extLst>
           </p:cNvPr>
@@ -6143,72 +6142,123 @@
         </p:nvSpPr>
         <p:spPr>
           <a:xfrm>
-            <a:off x="685800" y="2271834"/>
-            <a:ext cx="10820400" cy="4024125"/>
+            <a:off x="685800" y="2211947"/>
+            <a:ext cx="10820400" cy="4446429"/>
           </a:xfrm>
         </p:spPr>
         <p:txBody>
           <a:bodyPr>
-            <a:normAutofit/>
+            <a:normAutofit fontScale="92500" lnSpcReduction="20000"/>
           </a:bodyPr>
           <a:lstStyle/>
           <a:p>
             <a:r>
-              <a:rPr lang="en-US" dirty="0"/>
-              <a:t>The overall employment status by occupations in US in 2017</a:t>
-            </a:r>
-          </a:p>
-          <a:p>
-            <a:pPr lvl="1"/>
-            <a:r>
-              <a:rPr lang="en-US" dirty="0"/>
-              <a:t>National level top 3: administrative support, sales and food preparation and serving</a:t>
-            </a:r>
-          </a:p>
-          <a:p>
-            <a:pPr lvl="1"/>
-            <a:r>
-              <a:rPr lang="en-US" dirty="0"/>
-              <a:t>Computer and Mathematical occupations ranks No. 14 among 22 major occupation categories </a:t>
-            </a:r>
-          </a:p>
-          <a:p>
-            <a:pPr marL="457200" lvl="1" indent="0">
-              <a:buNone/>
-            </a:pPr>
-            <a:endParaRPr lang="en-US" dirty="0"/>
-          </a:p>
-          <a:p>
-            <a:r>
-              <a:rPr lang="en-US" dirty="0"/>
-              <a:t>The employment status in Computer and Mathematical Occupation in US</a:t>
-            </a:r>
-          </a:p>
-          <a:p>
-            <a:pPr lvl="1"/>
-            <a:r>
-              <a:rPr lang="en-US" dirty="0"/>
-              <a:t>Top 3 states: California, Texas, and New York</a:t>
-            </a:r>
-          </a:p>
-          <a:p>
-            <a:pPr lvl="1"/>
-            <a:r>
-              <a:rPr lang="en-US" dirty="0"/>
-              <a:t>Top 3 job titles: software developers, computer user support specialists and computer analysts</a:t>
-            </a:r>
-          </a:p>
-          <a:p>
-            <a:pPr marL="457200" lvl="1" indent="0">
-              <a:buNone/>
-            </a:pPr>
-            <a:endParaRPr lang="en-US" dirty="0"/>
-          </a:p>
-          <a:p>
-            <a:endParaRPr lang="en-US" dirty="0"/>
-          </a:p>
-          <a:p>
-            <a:endParaRPr lang="en-US" dirty="0"/>
+              <a:rPr lang="en-US" sz="2400" dirty="0"/>
+              <a:t>Fastest YOY growth (‘17 vs ‘16) for Comp &amp; Math occupations: </a:t>
+            </a:r>
+            <a:r>
+              <a:rPr lang="en-US" sz="2400" b="1" dirty="0"/>
+              <a:t>Guam</a:t>
+            </a:r>
+          </a:p>
+          <a:p>
+            <a:r>
+              <a:rPr lang="en-US" sz="2400" dirty="0"/>
+              <a:t>Slowest YOY growth (‘17 vs ‘16) for Comp &amp; Math occupations : </a:t>
+            </a:r>
+            <a:r>
+              <a:rPr lang="en-US" sz="2400" b="1" dirty="0"/>
+              <a:t>Louisiana</a:t>
+            </a:r>
+          </a:p>
+          <a:p>
+            <a:r>
+              <a:rPr lang="en-US" sz="2400" dirty="0"/>
+              <a:t>Larger population size does not necessarily mean higher job growth </a:t>
+            </a:r>
+          </a:p>
+          <a:p>
+            <a:r>
+              <a:rPr lang="en-US" sz="2400" dirty="0"/>
+              <a:t>Occupation with fastest YOY growth for 2017 vs 2016 : </a:t>
+            </a:r>
+            <a:r>
+              <a:rPr lang="en-US" sz="2400" b="1" dirty="0"/>
+              <a:t>Computer Occupations, All Other</a:t>
+            </a:r>
+          </a:p>
+          <a:p>
+            <a:r>
+              <a:rPr lang="en-US" sz="2400" dirty="0"/>
+              <a:t>Occupation with slowest YOY growth for 2017 vs 2016 : </a:t>
+            </a:r>
+            <a:r>
+              <a:rPr lang="en-US" sz="2400" b="1" dirty="0"/>
+              <a:t>Computer Programmers</a:t>
+            </a:r>
+          </a:p>
+          <a:p>
+            <a:r>
+              <a:rPr lang="en-US" sz="2400" dirty="0"/>
+              <a:t>Computer and Mathematical Occupations is </a:t>
+            </a:r>
+            <a:r>
+              <a:rPr lang="en-US" sz="2400" b="1" dirty="0"/>
+              <a:t>14</a:t>
+            </a:r>
+            <a:r>
+              <a:rPr lang="en-US" sz="2400" b="1" baseline="30000" dirty="0"/>
+              <a:t>th</a:t>
+            </a:r>
+            <a:r>
+              <a:rPr lang="en-US" sz="2400" dirty="0"/>
+              <a:t> out of 22 occupation types in the US </a:t>
+            </a:r>
+          </a:p>
+          <a:p>
+            <a:r>
+              <a:rPr lang="en-US" sz="2400" dirty="0"/>
+              <a:t>Within Computer and Mathematical Occupations, </a:t>
+            </a:r>
+            <a:r>
+              <a:rPr lang="en-US" sz="2400" b="1" dirty="0">
+                <a:solidFill>
+                  <a:schemeClr val="tx1">
+                    <a:lumMod val="95000"/>
+                  </a:schemeClr>
+                </a:solidFill>
+              </a:rPr>
+              <a:t>Software Developers (Applications) </a:t>
+            </a:r>
+            <a:r>
+              <a:rPr lang="en-US" sz="2400" dirty="0"/>
+              <a:t>had the highest number of employees in 2017</a:t>
+            </a:r>
+          </a:p>
+          <a:p>
+            <a:r>
+              <a:rPr lang="en-US" sz="2400" b="1" dirty="0"/>
+              <a:t>California</a:t>
+            </a:r>
+            <a:r>
+              <a:rPr lang="en-US" sz="2400" dirty="0"/>
+              <a:t> had the most people working in computer and mathematical related occupations in 2017</a:t>
+            </a:r>
+            <a:endParaRPr lang="en-US" sz="2400" b="1" dirty="0">
+              <a:latin typeface="Calibri" panose="020F0502020204030204" pitchFamily="34" charset="0"/>
+            </a:endParaRPr>
+          </a:p>
+          <a:p>
+            <a:endParaRPr lang="en-US" sz="2400" dirty="0"/>
+          </a:p>
+          <a:p>
+            <a:endParaRPr lang="en-US" sz="2400" b="1" dirty="0"/>
+          </a:p>
+          <a:p>
+            <a:endParaRPr lang="en-US" sz="2800" dirty="0"/>
+          </a:p>
+          <a:p>
+            <a:endParaRPr lang="en-US" sz="2800" dirty="0"/>
           </a:p>
           <a:p>
             <a:endParaRPr lang="en-US" dirty="0"/>
@@ -6218,21 +6268,13 @@
     </p:spTree>
     <p:extLst>
       <p:ext uri="{BB962C8B-B14F-4D97-AF65-F5344CB8AC3E}">
-        <p14:creationId xmlns:p14="http://schemas.microsoft.com/office/powerpoint/2010/main" val="3741776806"/>
+        <p14:creationId xmlns:p14="http://schemas.microsoft.com/office/powerpoint/2010/main" val="3858428707"/>
       </p:ext>
     </p:extLst>
   </p:cSld>
   <p:clrMapOvr>
     <a:masterClrMapping/>
   </p:clrMapOvr>
-  <mc:AlternateContent xmlns:mc="http://schemas.openxmlformats.org/markup-compatibility/2006">
-    <mc:Choice xmlns:p14="http://schemas.microsoft.com/office/powerpoint/2010/main" Requires="p14">
-      <p:transition spd="slow" p14:dur="2000"/>
-    </mc:Choice>
-    <mc:Fallback>
-      <p:transition spd="slow"/>
-    </mc:Fallback>
-  </mc:AlternateContent>
 </p:sld>
 </file>
 
@@ -6258,7 +6300,7 @@
           <p:cNvPr id="2" name="Title 1">
             <a:extLst>
               <a:ext uri="{FF2B5EF4-FFF2-40B4-BE49-F238E27FC236}">
-                <a16:creationId xmlns:a16="http://schemas.microsoft.com/office/drawing/2014/main" xmlns="" id="{21D3167F-30A9-4F8D-99EE-386A1F094613}"/>
+                <a16:creationId xmlns="" xmlns:a16="http://schemas.microsoft.com/office/drawing/2014/main" id="{D8975F0A-4727-47D2-96A8-DFAC0FBD6C91}"/>
               </a:ext>
             </a:extLst>
           </p:cNvPr>
@@ -6276,7 +6318,7 @@
           <a:p>
             <a:r>
               <a:rPr lang="en-US" dirty="0"/>
-              <a:t>TAKE-AWAYS</a:t>
+              <a:t>Data Limitations</a:t>
             </a:r>
           </a:p>
         </p:txBody>
@@ -6286,7 +6328,7 @@
           <p:cNvPr id="3" name="Content Placeholder 2">
             <a:extLst>
               <a:ext uri="{FF2B5EF4-FFF2-40B4-BE49-F238E27FC236}">
-                <a16:creationId xmlns:a16="http://schemas.microsoft.com/office/drawing/2014/main" xmlns="" id="{571BA543-3A3F-43F0-957D-37B7A83B0853}"/>
+                <a16:creationId xmlns="" xmlns:a16="http://schemas.microsoft.com/office/drawing/2014/main" id="{C69386F3-A2F7-4C59-B5D1-F22F1E51F196}"/>
               </a:ext>
             </a:extLst>
           </p:cNvPr>
@@ -6297,135 +6339,48 @@
             <p:ph idx="1"/>
           </p:nvPr>
         </p:nvSpPr>
-        <p:spPr>
-          <a:xfrm>
-            <a:off x="685800" y="2211947"/>
-            <a:ext cx="10820400" cy="4446429"/>
-          </a:xfrm>
-        </p:spPr>
+        <p:spPr/>
         <p:txBody>
           <a:bodyPr>
-            <a:normAutofit fontScale="92500" lnSpcReduction="20000"/>
+            <a:normAutofit/>
           </a:bodyPr>
           <a:lstStyle/>
           <a:p>
             <a:r>
-              <a:rPr lang="en-US" sz="2400" dirty="0"/>
-              <a:t>Fastest YOY growth (‘17 vs ‘16) for Comp &amp; Math occupations: </a:t>
-            </a:r>
-            <a:r>
-              <a:rPr lang="en-US" sz="2400" b="1" dirty="0"/>
-              <a:t>Guam</a:t>
-            </a:r>
-          </a:p>
-          <a:p>
-            <a:r>
-              <a:rPr lang="en-US" sz="2400" dirty="0"/>
-              <a:t>Slowest YOY growth (‘17 vs ‘16) for Comp &amp; Math occupations : </a:t>
-            </a:r>
-            <a:r>
-              <a:rPr lang="en-US" sz="2400" b="1" dirty="0"/>
-              <a:t>Louisiana</a:t>
-            </a:r>
-          </a:p>
-          <a:p>
-            <a:r>
-              <a:rPr lang="en-US" sz="2400" dirty="0"/>
-              <a:t>Larger population size does not necessarily mean higher job growth </a:t>
-            </a:r>
-          </a:p>
-          <a:p>
-            <a:r>
-              <a:rPr lang="en-US" sz="2400" dirty="0"/>
-              <a:t>Occupation with fastest YOY growth for 2017 vs 2016 : </a:t>
-            </a:r>
-            <a:r>
-              <a:rPr lang="en-US" sz="2400" b="1" dirty="0"/>
-              <a:t>Computer Occupations, All Other</a:t>
-            </a:r>
-          </a:p>
-          <a:p>
-            <a:r>
-              <a:rPr lang="en-US" sz="2400" dirty="0"/>
-              <a:t>Occupation with slowest YOY growth for 2017 vs 2016 : </a:t>
-            </a:r>
-            <a:r>
-              <a:rPr lang="en-US" sz="2400" b="1" dirty="0"/>
-              <a:t>Computer Programmers</a:t>
-            </a:r>
-          </a:p>
-          <a:p>
-            <a:r>
-              <a:rPr lang="en-US" sz="2400" dirty="0"/>
-              <a:t>Computer and Mathematical Occupations is </a:t>
-            </a:r>
-            <a:r>
-              <a:rPr lang="en-US" sz="2400" b="1" dirty="0"/>
-              <a:t>14</a:t>
-            </a:r>
-            <a:r>
-              <a:rPr lang="en-US" sz="2400" b="1" baseline="30000" dirty="0"/>
-              <a:t>th</a:t>
-            </a:r>
-            <a:r>
-              <a:rPr lang="en-US" sz="2400" dirty="0"/>
-              <a:t> out of 22 occupation types in the US </a:t>
-            </a:r>
-          </a:p>
-          <a:p>
-            <a:r>
-              <a:rPr lang="en-US" sz="2400" dirty="0"/>
-              <a:t>Within Computer and Mathematical Occupations, </a:t>
-            </a:r>
-            <a:r>
-              <a:rPr lang="en-US" sz="2400" b="1" dirty="0">
-                <a:solidFill>
-                  <a:schemeClr val="tx1">
-                    <a:lumMod val="95000"/>
-                  </a:schemeClr>
-                </a:solidFill>
-              </a:rPr>
-              <a:t>Software Developers (Applications) </a:t>
-            </a:r>
-            <a:r>
-              <a:rPr lang="en-US" sz="2400" dirty="0"/>
-              <a:t>had the highest number of employees in 2017</a:t>
-            </a:r>
-          </a:p>
-          <a:p>
-            <a:r>
-              <a:rPr lang="en-US" sz="2400" b="1" dirty="0"/>
-              <a:t>California</a:t>
-            </a:r>
-            <a:r>
-              <a:rPr lang="en-US" sz="2400" dirty="0"/>
-              <a:t> had the most people working in computer and mathematical related occupations in 2017</a:t>
-            </a:r>
-            <a:endParaRPr lang="en-US" sz="2400" b="1" dirty="0">
-              <a:latin typeface="Calibri" panose="020F0502020204030204" pitchFamily="34" charset="0"/>
-            </a:endParaRPr>
-          </a:p>
-          <a:p>
-            <a:endParaRPr lang="en-US" sz="2400" dirty="0"/>
-          </a:p>
-          <a:p>
-            <a:endParaRPr lang="en-US" sz="2400" b="1" dirty="0"/>
-          </a:p>
-          <a:p>
-            <a:endParaRPr lang="en-US" sz="2800" dirty="0"/>
-          </a:p>
-          <a:p>
-            <a:endParaRPr lang="en-US" sz="2800" dirty="0"/>
-          </a:p>
-          <a:p>
-            <a:endParaRPr lang="en-US" dirty="0"/>
+              <a:rPr lang="en-US" dirty="0"/>
+              <a:t>The BLS included calculations for the percent relative standard error (RSE) for total employment numbers.  Looking at a sample of the RSEs, there were concerns about the precision of certain estimates</a:t>
+            </a:r>
+          </a:p>
+          <a:p>
+            <a:r>
+              <a:rPr lang="en-US" dirty="0"/>
+              <a:t>Estimates for detailed occupations do not sum to the totals because the totals include occupations not shown separately</a:t>
+            </a:r>
+          </a:p>
+          <a:p>
+            <a:r>
+              <a:rPr lang="en-US" dirty="0"/>
+              <a:t>Estimates do not include self-employed workers</a:t>
+            </a:r>
+          </a:p>
+          <a:p>
+            <a:r>
+              <a:rPr lang="en-US" dirty="0"/>
+              <a:t>The most recent BLS data went to 2017 only</a:t>
+            </a:r>
+          </a:p>
+          <a:p>
+            <a:r>
+              <a:rPr lang="en-US" dirty="0"/>
+              <a:t>BLS data covers full-time and part-time wage and salary workers in nonfarm industries.  It does not cover self-employed, owners and partners in unincorporated firms, household workers, or unpaid family workers.</a:t>
+            </a:r>
           </a:p>
         </p:txBody>
       </p:sp>
     </p:spTree>
     <p:extLst>
       <p:ext uri="{BB962C8B-B14F-4D97-AF65-F5344CB8AC3E}">
-        <p14:creationId xmlns:p14="http://schemas.microsoft.com/office/powerpoint/2010/main" val="3858428707"/>
+        <p14:creationId xmlns:p14="http://schemas.microsoft.com/office/powerpoint/2010/main" val="1693282570"/>
       </p:ext>
     </p:extLst>
   </p:cSld>
@@ -6457,7 +6412,7 @@
           <p:cNvPr id="2" name="Title 1">
             <a:extLst>
               <a:ext uri="{FF2B5EF4-FFF2-40B4-BE49-F238E27FC236}">
-                <a16:creationId xmlns:a16="http://schemas.microsoft.com/office/drawing/2014/main" xmlns="" id="{D8975F0A-4727-47D2-96A8-DFAC0FBD6C91}"/>
+                <a16:creationId xmlns="" xmlns:a16="http://schemas.microsoft.com/office/drawing/2014/main" id="{E1C9EF35-DC7C-428F-A8C6-930DEFB1E1DB}"/>
               </a:ext>
             </a:extLst>
           </p:cNvPr>
@@ -6475,7 +6430,7 @@
           <a:p>
             <a:r>
               <a:rPr lang="en-US" dirty="0"/>
-              <a:t>Data Limitations</a:t>
+              <a:t>Next steps</a:t>
             </a:r>
           </a:p>
         </p:txBody>
@@ -6485,7 +6440,7 @@
           <p:cNvPr id="3" name="Content Placeholder 2">
             <a:extLst>
               <a:ext uri="{FF2B5EF4-FFF2-40B4-BE49-F238E27FC236}">
-                <a16:creationId xmlns:a16="http://schemas.microsoft.com/office/drawing/2014/main" xmlns="" id="{C69386F3-A2F7-4C59-B5D1-F22F1E51F196}"/>
+                <a16:creationId xmlns="" xmlns:a16="http://schemas.microsoft.com/office/drawing/2014/main" id="{1B82C285-6A5A-45FC-B1D5-1D0786CBCFB5}"/>
               </a:ext>
             </a:extLst>
           </p:cNvPr>
@@ -6498,38 +6453,33 @@
         </p:nvSpPr>
         <p:spPr/>
         <p:txBody>
-          <a:bodyPr>
-            <a:normAutofit/>
-          </a:bodyPr>
+          <a:bodyPr/>
           <a:lstStyle/>
           <a:p>
             <a:r>
               <a:rPr lang="en-US" dirty="0"/>
-              <a:t>The BLS included calculations for the percent relative standard error (RSE) for total employment numbers.  Looking at a sample of the RSEs, there were concerns about the precision of certain estimates</a:t>
-            </a:r>
-          </a:p>
-          <a:p>
+              <a:t>We would like to utilize job search APIs such as LinkedIn, </a:t>
+            </a:r>
+            <a:r>
+              <a:rPr lang="en-US" dirty="0" err="1"/>
+              <a:t>GoogleCloud</a:t>
+            </a:r>
             <a:r>
               <a:rPr lang="en-US" dirty="0"/>
-              <a:t>Estimates for detailed occupations do not sum to the totals because the totals include occupations not shown separately</a:t>
-            </a:r>
-          </a:p>
-          <a:p>
+              <a:t>, or Indeed to find insight about the volume of job searches and postings.  </a:t>
+            </a:r>
+          </a:p>
+          <a:p>
+            <a:pPr lvl="1"/>
             <a:r>
               <a:rPr lang="en-US" dirty="0"/>
-              <a:t>Estimates do not include self-employed workers</a:t>
+              <a:t>APIs would also give us more current information than BLS which only went up to 2017.  In a rapidly changing employment sector, such up to date information would be essential in painting an accurate picture of the current job market. </a:t>
             </a:r>
           </a:p>
           <a:p>
             <a:r>
               <a:rPr lang="en-US" dirty="0"/>
-              <a:t>The most recent BLS data went to 2017 only</a:t>
-            </a:r>
-          </a:p>
-          <a:p>
-            <a:r>
-              <a:rPr lang="en-US" dirty="0"/>
-              <a:t>BLS data covers full-time and part-time wage and salary workers in nonfarm industries.  It does not cover self-employed, owners and partners in unincorporated firms, household workers, or unpaid family workers.</a:t>
+              <a:t>If given more time we would have liked to narrow our results to gender, race, age, and educational background of employees</a:t>
             </a:r>
           </a:p>
         </p:txBody>
@@ -6537,7 +6487,7 @@
     </p:spTree>
     <p:extLst>
       <p:ext uri="{BB962C8B-B14F-4D97-AF65-F5344CB8AC3E}">
-        <p14:creationId xmlns:p14="http://schemas.microsoft.com/office/powerpoint/2010/main" val="1693282570"/>
+        <p14:creationId xmlns:p14="http://schemas.microsoft.com/office/powerpoint/2010/main" val="3968576988"/>
       </p:ext>
     </p:extLst>
   </p:cSld>
@@ -6569,114 +6519,7 @@
           <p:cNvPr id="2" name="Title 1">
             <a:extLst>
               <a:ext uri="{FF2B5EF4-FFF2-40B4-BE49-F238E27FC236}">
-                <a16:creationId xmlns:a16="http://schemas.microsoft.com/office/drawing/2014/main" xmlns="" id="{E1C9EF35-DC7C-428F-A8C6-930DEFB1E1DB}"/>
-              </a:ext>
-            </a:extLst>
-          </p:cNvPr>
-          <p:cNvSpPr>
-            <a:spLocks noGrp="1"/>
-          </p:cNvSpPr>
-          <p:nvPr>
-            <p:ph type="title"/>
-          </p:nvPr>
-        </p:nvSpPr>
-        <p:spPr/>
-        <p:txBody>
-          <a:bodyPr/>
-          <a:lstStyle/>
-          <a:p>
-            <a:r>
-              <a:rPr lang="en-US" dirty="0"/>
-              <a:t>Next steps</a:t>
-            </a:r>
-          </a:p>
-        </p:txBody>
-      </p:sp>
-      <p:sp>
-        <p:nvSpPr>
-          <p:cNvPr id="3" name="Content Placeholder 2">
-            <a:extLst>
-              <a:ext uri="{FF2B5EF4-FFF2-40B4-BE49-F238E27FC236}">
-                <a16:creationId xmlns:a16="http://schemas.microsoft.com/office/drawing/2014/main" xmlns="" id="{1B82C285-6A5A-45FC-B1D5-1D0786CBCFB5}"/>
-              </a:ext>
-            </a:extLst>
-          </p:cNvPr>
-          <p:cNvSpPr>
-            <a:spLocks noGrp="1"/>
-          </p:cNvSpPr>
-          <p:nvPr>
-            <p:ph idx="1"/>
-          </p:nvPr>
-        </p:nvSpPr>
-        <p:spPr/>
-        <p:txBody>
-          <a:bodyPr/>
-          <a:lstStyle/>
-          <a:p>
-            <a:r>
-              <a:rPr lang="en-US" dirty="0"/>
-              <a:t>We would like to utilize job search APIs such as LinkedIn, </a:t>
-            </a:r>
-            <a:r>
-              <a:rPr lang="en-US" dirty="0" err="1"/>
-              <a:t>GoogleCloud</a:t>
-            </a:r>
-            <a:r>
-              <a:rPr lang="en-US" dirty="0"/>
-              <a:t>, or Indeed to find insight about the volume of job searches and postings.  </a:t>
-            </a:r>
-          </a:p>
-          <a:p>
-            <a:pPr lvl="1"/>
-            <a:r>
-              <a:rPr lang="en-US" dirty="0"/>
-              <a:t>APIs would also give us more current information than BLS which only went up to 2017.  In a rapidly changing employment sector, such up to date information would be essential in painting an accurate picture of the current job market. </a:t>
-            </a:r>
-          </a:p>
-          <a:p>
-            <a:r>
-              <a:rPr lang="en-US" dirty="0"/>
-              <a:t>If given more time we would have liked to narrow our results to gender, race, age, and educational background of employees</a:t>
-            </a:r>
-          </a:p>
-        </p:txBody>
-      </p:sp>
-    </p:spTree>
-    <p:extLst>
-      <p:ext uri="{BB962C8B-B14F-4D97-AF65-F5344CB8AC3E}">
-        <p14:creationId xmlns:p14="http://schemas.microsoft.com/office/powerpoint/2010/main" val="3968576988"/>
-      </p:ext>
-    </p:extLst>
-  </p:cSld>
-  <p:clrMapOvr>
-    <a:masterClrMapping/>
-  </p:clrMapOvr>
-</p:sld>
-</file>
-
-<file path=ppt/slides/slide16.xml><?xml version="1.0" encoding="utf-8"?>
-<p:sld xmlns:a="http://schemas.openxmlformats.org/drawingml/2006/main" xmlns:r="http://schemas.openxmlformats.org/officeDocument/2006/relationships" xmlns:p="http://schemas.openxmlformats.org/presentationml/2006/main">
-  <p:cSld>
-    <p:spTree>
-      <p:nvGrpSpPr>
-        <p:cNvPr id="1" name=""/>
-        <p:cNvGrpSpPr/>
-        <p:nvPr/>
-      </p:nvGrpSpPr>
-      <p:grpSpPr>
-        <a:xfrm>
-          <a:off x="0" y="0"/>
-          <a:ext cx="0" cy="0"/>
-          <a:chOff x="0" y="0"/>
-          <a:chExt cx="0" cy="0"/>
-        </a:xfrm>
-      </p:grpSpPr>
-      <p:sp>
-        <p:nvSpPr>
-          <p:cNvPr id="2" name="Title 1">
-            <a:extLst>
-              <a:ext uri="{FF2B5EF4-FFF2-40B4-BE49-F238E27FC236}">
-                <a16:creationId xmlns:a16="http://schemas.microsoft.com/office/drawing/2014/main" xmlns="" id="{55A6334A-68E7-42D4-919A-0C62BE53DBB2}"/>
+                <a16:creationId xmlns="" xmlns:a16="http://schemas.microsoft.com/office/drawing/2014/main" id="{55A6334A-68E7-42D4-919A-0C62BE53DBB2}"/>
               </a:ext>
             </a:extLst>
           </p:cNvPr>
@@ -6720,7 +6563,7 @@
           <p:cNvPr id="3" name="Content Placeholder 2">
             <a:extLst>
               <a:ext uri="{FF2B5EF4-FFF2-40B4-BE49-F238E27FC236}">
-                <a16:creationId xmlns:a16="http://schemas.microsoft.com/office/drawing/2014/main" xmlns="" id="{1C25BB28-A4EC-414D-859C-C7A0FCD1F980}"/>
+                <a16:creationId xmlns="" xmlns:a16="http://schemas.microsoft.com/office/drawing/2014/main" id="{1C25BB28-A4EC-414D-859C-C7A0FCD1F980}"/>
               </a:ext>
             </a:extLst>
           </p:cNvPr>
@@ -6788,7 +6631,7 @@
           <p:cNvPr id="2" name="Title 1">
             <a:extLst>
               <a:ext uri="{FF2B5EF4-FFF2-40B4-BE49-F238E27FC236}">
-                <a16:creationId xmlns:a16="http://schemas.microsoft.com/office/drawing/2014/main" xmlns="" id="{41B5C587-4962-4E00-A54B-F8B9FE251918}"/>
+                <a16:creationId xmlns="" xmlns:a16="http://schemas.microsoft.com/office/drawing/2014/main" id="{41B5C587-4962-4E00-A54B-F8B9FE251918}"/>
               </a:ext>
             </a:extLst>
           </p:cNvPr>
@@ -6816,7 +6659,7 @@
           <p:cNvPr id="3" name="Content Placeholder 2">
             <a:extLst>
               <a:ext uri="{FF2B5EF4-FFF2-40B4-BE49-F238E27FC236}">
-                <a16:creationId xmlns:a16="http://schemas.microsoft.com/office/drawing/2014/main" xmlns="" id="{129B7FB5-54B8-4545-A8C7-1D4B4C033F1E}"/>
+                <a16:creationId xmlns="" xmlns:a16="http://schemas.microsoft.com/office/drawing/2014/main" id="{129B7FB5-54B8-4545-A8C7-1D4B4C033F1E}"/>
               </a:ext>
             </a:extLst>
           </p:cNvPr>
@@ -6950,7 +6793,7 @@
           <p:cNvPr id="2" name="Title 1">
             <a:extLst>
               <a:ext uri="{FF2B5EF4-FFF2-40B4-BE49-F238E27FC236}">
-                <a16:creationId xmlns:a16="http://schemas.microsoft.com/office/drawing/2014/main" xmlns="" id="{B01FBC95-86CC-4C5D-80F0-CF41A33B1E9F}"/>
+                <a16:creationId xmlns="" xmlns:a16="http://schemas.microsoft.com/office/drawing/2014/main" id="{B01FBC95-86CC-4C5D-80F0-CF41A33B1E9F}"/>
               </a:ext>
             </a:extLst>
           </p:cNvPr>
@@ -6978,7 +6821,7 @@
           <p:cNvPr id="3" name="Content Placeholder 2">
             <a:extLst>
               <a:ext uri="{FF2B5EF4-FFF2-40B4-BE49-F238E27FC236}">
-                <a16:creationId xmlns:a16="http://schemas.microsoft.com/office/drawing/2014/main" xmlns="" id="{CACC8578-D28C-470E-8EBE-3E9A3C6434E3}"/>
+                <a16:creationId xmlns="" xmlns:a16="http://schemas.microsoft.com/office/drawing/2014/main" id="{CACC8578-D28C-470E-8EBE-3E9A3C6434E3}"/>
               </a:ext>
             </a:extLst>
           </p:cNvPr>
@@ -7016,7 +6859,7 @@
                 <a:hlinkClick r:id="rId2">
                   <a:extLst>
                     <a:ext uri="{A12FA001-AC4F-418D-AE19-62706E023703}">
-                      <ahyp:hlinkClr xmlns:ahyp="http://schemas.microsoft.com/office/drawing/2018/hyperlinkcolor" xmlns="" val="tx"/>
+                      <ahyp:hlinkClr xmlns="" xmlns:ahyp="http://schemas.microsoft.com/office/drawing/2018/hyperlinkcolor" val="tx"/>
                     </a:ext>
                   </a:extLst>
                 </a:hlinkClick>
@@ -7059,7 +6902,7 @@
                 <a:hlinkClick r:id="rId3">
                   <a:extLst>
                     <a:ext uri="{A12FA001-AC4F-418D-AE19-62706E023703}">
-                      <ahyp:hlinkClr xmlns:ahyp="http://schemas.microsoft.com/office/drawing/2018/hyperlinkcolor" xmlns="" val="tx"/>
+                      <ahyp:hlinkClr xmlns="" xmlns:ahyp="http://schemas.microsoft.com/office/drawing/2018/hyperlinkcolor" val="tx"/>
                     </a:ext>
                   </a:extLst>
                 </a:hlinkClick>
@@ -7092,7 +6935,7 @@
           <p:cNvPr id="4" name="Picture 3">
             <a:extLst>
               <a:ext uri="{FF2B5EF4-FFF2-40B4-BE49-F238E27FC236}">
-                <a16:creationId xmlns:a16="http://schemas.microsoft.com/office/drawing/2014/main" xmlns="" id="{E7D53E29-B383-4B9D-A554-11B128DFEE9B}"/>
+                <a16:creationId xmlns="" xmlns:a16="http://schemas.microsoft.com/office/drawing/2014/main" id="{E7D53E29-B383-4B9D-A554-11B128DFEE9B}"/>
               </a:ext>
             </a:extLst>
           </p:cNvPr>
@@ -7122,7 +6965,7 @@
           <p:cNvPr id="6" name="Picture 5">
             <a:extLst>
               <a:ext uri="{FF2B5EF4-FFF2-40B4-BE49-F238E27FC236}">
-                <a16:creationId xmlns:a16="http://schemas.microsoft.com/office/drawing/2014/main" xmlns="" id="{064340ED-E940-4A96-89BA-D2EE55992785}"/>
+                <a16:creationId xmlns="" xmlns:a16="http://schemas.microsoft.com/office/drawing/2014/main" id="{064340ED-E940-4A96-89BA-D2EE55992785}"/>
               </a:ext>
             </a:extLst>
           </p:cNvPr>
@@ -7188,7 +7031,7 @@
           <p:cNvPr id="3" name="Content Placeholder 2">
             <a:extLst>
               <a:ext uri="{FF2B5EF4-FFF2-40B4-BE49-F238E27FC236}">
-                <a16:creationId xmlns:a16="http://schemas.microsoft.com/office/drawing/2014/main" xmlns="" id="{75897B1C-3F8F-4B5D-8723-E5115AF5882A}"/>
+                <a16:creationId xmlns="" xmlns:a16="http://schemas.microsoft.com/office/drawing/2014/main" id="{75897B1C-3F8F-4B5D-8723-E5115AF5882A}"/>
               </a:ext>
             </a:extLst>
           </p:cNvPr>
@@ -7274,7 +7117,7 @@
           <p:cNvPr id="1026" name="Picture 2">
             <a:extLst>
               <a:ext uri="{FF2B5EF4-FFF2-40B4-BE49-F238E27FC236}">
-                <a16:creationId xmlns:a16="http://schemas.microsoft.com/office/drawing/2014/main" xmlns="" id="{D8C64A6C-BD40-4A64-B91F-E20F1390B313}"/>
+                <a16:creationId xmlns="" xmlns:a16="http://schemas.microsoft.com/office/drawing/2014/main" id="{D8C64A6C-BD40-4A64-B91F-E20F1390B313}"/>
               </a:ext>
             </a:extLst>
           </p:cNvPr>
@@ -7351,7 +7194,7 @@
           <p:cNvPr id="5" name="Content Placeholder 2">
             <a:extLst>
               <a:ext uri="{FF2B5EF4-FFF2-40B4-BE49-F238E27FC236}">
-                <a16:creationId xmlns:a16="http://schemas.microsoft.com/office/drawing/2014/main" xmlns="" id="{75897B1C-3F8F-4B5D-8723-E5115AF5882A}"/>
+                <a16:creationId xmlns="" xmlns:a16="http://schemas.microsoft.com/office/drawing/2014/main" id="{75897B1C-3F8F-4B5D-8723-E5115AF5882A}"/>
               </a:ext>
             </a:extLst>
           </p:cNvPr>
@@ -7593,7 +7436,7 @@
           <p:cNvPr id="2050" name="Picture 2">
             <a:extLst>
               <a:ext uri="{FF2B5EF4-FFF2-40B4-BE49-F238E27FC236}">
-                <a16:creationId xmlns:a16="http://schemas.microsoft.com/office/drawing/2014/main" xmlns="" id="{B626FDCB-06F6-43F3-A509-7A6C9899E5E6}"/>
+                <a16:creationId xmlns="" xmlns:a16="http://schemas.microsoft.com/office/drawing/2014/main" id="{B626FDCB-06F6-43F3-A509-7A6C9899E5E6}"/>
               </a:ext>
             </a:extLst>
           </p:cNvPr>
@@ -7670,7 +7513,7 @@
           <p:cNvPr id="3" name="Content Placeholder 2">
             <a:extLst>
               <a:ext uri="{FF2B5EF4-FFF2-40B4-BE49-F238E27FC236}">
-                <a16:creationId xmlns:a16="http://schemas.microsoft.com/office/drawing/2014/main" xmlns="" id="{A1BF3F66-EBAC-4059-95DC-84F0A2D0D9F8}"/>
+                <a16:creationId xmlns="" xmlns:a16="http://schemas.microsoft.com/office/drawing/2014/main" id="{A1BF3F66-EBAC-4059-95DC-84F0A2D0D9F8}"/>
               </a:ext>
             </a:extLst>
           </p:cNvPr>
@@ -7719,7 +7562,7 @@
           <p:cNvPr id="1028" name="Picture 4">
             <a:extLst>
               <a:ext uri="{FF2B5EF4-FFF2-40B4-BE49-F238E27FC236}">
-                <a16:creationId xmlns:a16="http://schemas.microsoft.com/office/drawing/2014/main" xmlns="" id="{642F8360-CC0D-4DD9-9C82-369B6108FA21}"/>
+                <a16:creationId xmlns="" xmlns:a16="http://schemas.microsoft.com/office/drawing/2014/main" id="{642F8360-CC0D-4DD9-9C82-369B6108FA21}"/>
               </a:ext>
             </a:extLst>
           </p:cNvPr>
@@ -7844,7 +7687,7 @@
           <p:cNvPr id="2" name="Title 1">
             <a:extLst>
               <a:ext uri="{FF2B5EF4-FFF2-40B4-BE49-F238E27FC236}">
-                <a16:creationId xmlns:a16="http://schemas.microsoft.com/office/drawing/2014/main" xmlns="" id="{AB68570A-62BD-4471-B097-C694410375A6}"/>
+                <a16:creationId xmlns="" xmlns:a16="http://schemas.microsoft.com/office/drawing/2014/main" id="{AB68570A-62BD-4471-B097-C694410375A6}"/>
               </a:ext>
             </a:extLst>
           </p:cNvPr>
@@ -7872,7 +7715,7 @@
           <p:cNvPr id="8" name="Content Placeholder 7">
             <a:extLst>
               <a:ext uri="{FF2B5EF4-FFF2-40B4-BE49-F238E27FC236}">
-                <a16:creationId xmlns:a16="http://schemas.microsoft.com/office/drawing/2014/main" xmlns="" id="{BFBD1934-FD17-47DC-A5FD-FDD1A2C3355D}"/>
+                <a16:creationId xmlns="" xmlns:a16="http://schemas.microsoft.com/office/drawing/2014/main" id="{BFBD1934-FD17-47DC-A5FD-FDD1A2C3355D}"/>
               </a:ext>
             </a:extLst>
           </p:cNvPr>
@@ -7907,7 +7750,7 @@
           <p:cNvPr id="10" name="Picture 9">
             <a:extLst>
               <a:ext uri="{FF2B5EF4-FFF2-40B4-BE49-F238E27FC236}">
-                <a16:creationId xmlns:a16="http://schemas.microsoft.com/office/drawing/2014/main" xmlns="" id="{1989F6F7-5E58-4DB3-8230-2E37CE708500}"/>
+                <a16:creationId xmlns="" xmlns:a16="http://schemas.microsoft.com/office/drawing/2014/main" id="{1989F6F7-5E58-4DB3-8230-2E37CE708500}"/>
               </a:ext>
             </a:extLst>
           </p:cNvPr>
@@ -7973,7 +7816,7 @@
           <p:cNvPr id="2" name="Title 1">
             <a:extLst>
               <a:ext uri="{FF2B5EF4-FFF2-40B4-BE49-F238E27FC236}">
-                <a16:creationId xmlns:a16="http://schemas.microsoft.com/office/drawing/2014/main" xmlns="" id="{A596BA33-7754-4852-A943-2BF56BC5ACEE}"/>
+                <a16:creationId xmlns="" xmlns:a16="http://schemas.microsoft.com/office/drawing/2014/main" id="{A596BA33-7754-4852-A943-2BF56BC5ACEE}"/>
               </a:ext>
             </a:extLst>
           </p:cNvPr>
@@ -8006,7 +7849,7 @@
           <p:cNvPr id="4" name="Content Placeholder 3">
             <a:extLst>
               <a:ext uri="{FF2B5EF4-FFF2-40B4-BE49-F238E27FC236}">
-                <a16:creationId xmlns:a16="http://schemas.microsoft.com/office/drawing/2014/main" xmlns="" id="{491C927E-30F3-4185-BE20-0B6D3C5A74A6}"/>
+                <a16:creationId xmlns="" xmlns:a16="http://schemas.microsoft.com/office/drawing/2014/main" id="{491C927E-30F3-4185-BE20-0B6D3C5A74A6}"/>
               </a:ext>
             </a:extLst>
           </p:cNvPr>
@@ -8036,21 +7879,21 @@
                 <a:gridCol w="1647559">
                   <a:extLst>
                     <a:ext uri="{9D8B030D-6E8A-4147-A177-3AD203B41FA5}">
-                      <a16:colId xmlns:a16="http://schemas.microsoft.com/office/drawing/2014/main" xmlns="" val="957085690"/>
+                      <a16:colId xmlns="" xmlns:a16="http://schemas.microsoft.com/office/drawing/2014/main" val="957085690"/>
                     </a:ext>
                   </a:extLst>
                 </a:gridCol>
                 <a:gridCol w="1647559">
                   <a:extLst>
                     <a:ext uri="{9D8B030D-6E8A-4147-A177-3AD203B41FA5}">
-                      <a16:colId xmlns:a16="http://schemas.microsoft.com/office/drawing/2014/main" xmlns="" val="3984160696"/>
+                      <a16:colId xmlns="" xmlns:a16="http://schemas.microsoft.com/office/drawing/2014/main" val="3984160696"/>
                     </a:ext>
                   </a:extLst>
                 </a:gridCol>
                 <a:gridCol w="1924582">
                   <a:extLst>
                     <a:ext uri="{9D8B030D-6E8A-4147-A177-3AD203B41FA5}">
-                      <a16:colId xmlns:a16="http://schemas.microsoft.com/office/drawing/2014/main" xmlns="" val="3944266915"/>
+                      <a16:colId xmlns="" xmlns:a16="http://schemas.microsoft.com/office/drawing/2014/main" val="3944266915"/>
                     </a:ext>
                   </a:extLst>
                 </a:gridCol>
@@ -8148,7 +7991,7 @@
                 </a:tc>
                 <a:extLst>
                   <a:ext uri="{0D108BD9-81ED-4DB2-BD59-A6C34878D82A}">
-                    <a16:rowId xmlns:a16="http://schemas.microsoft.com/office/drawing/2014/main" xmlns="" val="3101018803"/>
+                    <a16:rowId xmlns="" xmlns:a16="http://schemas.microsoft.com/office/drawing/2014/main" val="3101018803"/>
                   </a:ext>
                 </a:extLst>
               </a:tr>
@@ -8233,7 +8076,7 @@
                 </a:tc>
                 <a:extLst>
                   <a:ext uri="{0D108BD9-81ED-4DB2-BD59-A6C34878D82A}">
-                    <a16:rowId xmlns:a16="http://schemas.microsoft.com/office/drawing/2014/main" xmlns="" val="3649961185"/>
+                    <a16:rowId xmlns="" xmlns:a16="http://schemas.microsoft.com/office/drawing/2014/main" val="3649961185"/>
                   </a:ext>
                 </a:extLst>
               </a:tr>
@@ -8318,7 +8161,7 @@
                 </a:tc>
                 <a:extLst>
                   <a:ext uri="{0D108BD9-81ED-4DB2-BD59-A6C34878D82A}">
-                    <a16:rowId xmlns:a16="http://schemas.microsoft.com/office/drawing/2014/main" xmlns="" val="3566758617"/>
+                    <a16:rowId xmlns="" xmlns:a16="http://schemas.microsoft.com/office/drawing/2014/main" val="3566758617"/>
                   </a:ext>
                 </a:extLst>
               </a:tr>
@@ -8403,7 +8246,7 @@
                 </a:tc>
                 <a:extLst>
                   <a:ext uri="{0D108BD9-81ED-4DB2-BD59-A6C34878D82A}">
-                    <a16:rowId xmlns:a16="http://schemas.microsoft.com/office/drawing/2014/main" xmlns="" val="2431465096"/>
+                    <a16:rowId xmlns="" xmlns:a16="http://schemas.microsoft.com/office/drawing/2014/main" val="2431465096"/>
                   </a:ext>
                 </a:extLst>
               </a:tr>
@@ -8488,7 +8331,7 @@
                 </a:tc>
                 <a:extLst>
                   <a:ext uri="{0D108BD9-81ED-4DB2-BD59-A6C34878D82A}">
-                    <a16:rowId xmlns:a16="http://schemas.microsoft.com/office/drawing/2014/main" xmlns="" val="1755834529"/>
+                    <a16:rowId xmlns="" xmlns:a16="http://schemas.microsoft.com/office/drawing/2014/main" val="1755834529"/>
                   </a:ext>
                 </a:extLst>
               </a:tr>
@@ -8573,7 +8416,7 @@
                 </a:tc>
                 <a:extLst>
                   <a:ext uri="{0D108BD9-81ED-4DB2-BD59-A6C34878D82A}">
-                    <a16:rowId xmlns:a16="http://schemas.microsoft.com/office/drawing/2014/main" xmlns="" val="4151097572"/>
+                    <a16:rowId xmlns="" xmlns:a16="http://schemas.microsoft.com/office/drawing/2014/main" val="4151097572"/>
                   </a:ext>
                 </a:extLst>
               </a:tr>
@@ -8658,7 +8501,7 @@
                 </a:tc>
                 <a:extLst>
                   <a:ext uri="{0D108BD9-81ED-4DB2-BD59-A6C34878D82A}">
-                    <a16:rowId xmlns:a16="http://schemas.microsoft.com/office/drawing/2014/main" xmlns="" val="1023807493"/>
+                    <a16:rowId xmlns="" xmlns:a16="http://schemas.microsoft.com/office/drawing/2014/main" val="1023807493"/>
                   </a:ext>
                 </a:extLst>
               </a:tr>
@@ -8749,7 +8592,7 @@
                 </a:tc>
                 <a:extLst>
                   <a:ext uri="{0D108BD9-81ED-4DB2-BD59-A6C34878D82A}">
-                    <a16:rowId xmlns:a16="http://schemas.microsoft.com/office/drawing/2014/main" xmlns="" val="1166867636"/>
+                    <a16:rowId xmlns="" xmlns:a16="http://schemas.microsoft.com/office/drawing/2014/main" val="1166867636"/>
                   </a:ext>
                 </a:extLst>
               </a:tr>
@@ -8840,7 +8683,7 @@
                 </a:tc>
                 <a:extLst>
                   <a:ext uri="{0D108BD9-81ED-4DB2-BD59-A6C34878D82A}">
-                    <a16:rowId xmlns:a16="http://schemas.microsoft.com/office/drawing/2014/main" xmlns="" val="4172888325"/>
+                    <a16:rowId xmlns="" xmlns:a16="http://schemas.microsoft.com/office/drawing/2014/main" val="4172888325"/>
                   </a:ext>
                 </a:extLst>
               </a:tr>
@@ -8853,7 +8696,7 @@
           <p:cNvPr id="5" name="TextBox 4">
             <a:extLst>
               <a:ext uri="{FF2B5EF4-FFF2-40B4-BE49-F238E27FC236}">
-                <a16:creationId xmlns:a16="http://schemas.microsoft.com/office/drawing/2014/main" xmlns="" id="{4E286D4F-4DA4-47A6-B4A1-69C59C04C373}"/>
+                <a16:creationId xmlns="" xmlns:a16="http://schemas.microsoft.com/office/drawing/2014/main" id="{4E286D4F-4DA4-47A6-B4A1-69C59C04C373}"/>
               </a:ext>
             </a:extLst>
           </p:cNvPr>
@@ -8980,7 +8823,7 @@
           <p:cNvPr id="5" name="Picture 4" descr="A screenshot of a cell phone&#10;&#10;Description automatically generated">
             <a:extLst>
               <a:ext uri="{FF2B5EF4-FFF2-40B4-BE49-F238E27FC236}">
-                <a16:creationId xmlns:a16="http://schemas.microsoft.com/office/drawing/2014/main" xmlns="" id="{5DF69AB2-A8CD-0444-9BE9-B09AE4043E5C}"/>
+                <a16:creationId xmlns="" xmlns:a16="http://schemas.microsoft.com/office/drawing/2014/main" id="{5DF69AB2-A8CD-0444-9BE9-B09AE4043E5C}"/>
               </a:ext>
             </a:extLst>
           </p:cNvPr>
@@ -9016,7 +8859,7 @@
           <p:cNvPr id="2" name="Title 1">
             <a:extLst>
               <a:ext uri="{FF2B5EF4-FFF2-40B4-BE49-F238E27FC236}">
-                <a16:creationId xmlns:a16="http://schemas.microsoft.com/office/drawing/2014/main" xmlns="" id="{1B85EE37-585C-E64B-A7B4-E9E8C734F5D4}"/>
+                <a16:creationId xmlns="" xmlns:a16="http://schemas.microsoft.com/office/drawing/2014/main" id="{1B85EE37-585C-E64B-A7B4-E9E8C734F5D4}"/>
               </a:ext>
             </a:extLst>
           </p:cNvPr>
